--- a/PowerPoint/text_processing_tools.pptx
+++ b/PowerPoint/text_processing_tools.pptx
@@ -1,27 +1,34 @@
 
 <file path=ppt/presentation.xml><?xml version="1.0" encoding="utf-8"?>
-<p:presentation xmlns:a="http://schemas.openxmlformats.org/drawingml/2006/main" xmlns:r="http://schemas.openxmlformats.org/officeDocument/2006/relationships" xmlns:mc="http://schemas.openxmlformats.org/markup-compatibility/2006" xmlns:mv="urn:schemas-microsoft-com:mac:vml" xmlns:p="http://schemas.openxmlformats.org/presentationml/2006/main" xmlns:c="http://schemas.openxmlformats.org/drawingml/2006/chart" xmlns:dgm="http://schemas.openxmlformats.org/drawingml/2006/diagram" xmlns:o="urn:schemas-microsoft-com:office:office" xmlns:v="urn:schemas-microsoft-com:vml" xmlns:pvml="urn:schemas-microsoft-com:office:powerpoint" xmlns:com="http://schemas.openxmlformats.org/drawingml/2006/compatibility" xmlns:p14="http://schemas.microsoft.com/office/powerpoint/2010/main" xmlns:p15="http://schemas.microsoft.com/office/powerpoint/2012/main" autoCompressPictures="0" embedTrueTypeFonts="1" strictFirstAndLastChars="0" saveSubsetFonts="1">
+<p:presentation xmlns:a="http://schemas.openxmlformats.org/drawingml/2006/main" xmlns:r="http://schemas.openxmlformats.org/officeDocument/2006/relationships" xmlns:p="http://schemas.openxmlformats.org/presentationml/2006/main" strictFirstAndLastChars="0" embedTrueTypeFonts="1" saveSubsetFonts="1" autoCompressPictures="0">
   <p:sldMasterIdLst>
-    <p:sldMasterId id="2147483659" r:id="rId5"/>
+    <p:sldMasterId id="2147483659" r:id="rId1"/>
   </p:sldMasterIdLst>
   <p:notesMasterIdLst>
-    <p:notesMasterId r:id="rId6"/>
+    <p:notesMasterId r:id="rId10"/>
   </p:notesMasterIdLst>
   <p:sldIdLst>
-    <p:sldId id="256" r:id="rId7"/>
-    <p:sldId id="257" r:id="rId8"/>
-    <p:sldId id="258" r:id="rId9"/>
-    <p:sldId id="259" r:id="rId10"/>
-    <p:sldId id="260" r:id="rId11"/>
-    <p:sldId id="261" r:id="rId12"/>
-    <p:sldId id="262" r:id="rId13"/>
-    <p:sldId id="263" r:id="rId14"/>
+    <p:sldId id="256" r:id="rId2"/>
+    <p:sldId id="257" r:id="rId3"/>
+    <p:sldId id="258" r:id="rId4"/>
+    <p:sldId id="259" r:id="rId5"/>
+    <p:sldId id="260" r:id="rId6"/>
+    <p:sldId id="261" r:id="rId7"/>
+    <p:sldId id="262" r:id="rId8"/>
+    <p:sldId id="263" r:id="rId9"/>
   </p:sldIdLst>
-  <p:sldSz cy="5143500" cx="9144000"/>
+  <p:sldSz cx="9144000" cy="5143500" type="screen16x9"/>
   <p:notesSz cx="6858000" cy="9144000"/>
   <p:embeddedFontLst>
     <p:embeddedFont>
-      <p:font typeface="Candara"/>
+      <p:font typeface="Candara" panose="020E0502030303020204" pitchFamily="34" charset="0"/>
+      <p:regular r:id="rId11"/>
+      <p:bold r:id="rId12"/>
+      <p:italic r:id="rId13"/>
+      <p:boldItalic r:id="rId14"/>
+    </p:embeddedFont>
+    <p:embeddedFont>
+      <p:font typeface="Consolas" panose="020B0609020204030204" pitchFamily="49" charset="0"/>
       <p:regular r:id="rId15"/>
       <p:bold r:id="rId16"/>
       <p:italic r:id="rId17"/>
@@ -29,7 +36,7 @@
     </p:embeddedFont>
   </p:embeddedFontLst>
   <p:defaultTextStyle>
-    <a:defPPr lvl="0" marR="0" rtl="0" algn="l">
+    <a:defPPr marR="0" lvl="0" algn="l" rtl="0">
       <a:lnSpc>
         <a:spcPct val="100000"/>
       </a:lnSpc>
@@ -40,7 +47,7 @@
         <a:spcPts val="0"/>
       </a:spcAft>
     </a:defPPr>
-    <a:lvl1pPr lvl="0" marR="0" rtl="0" algn="l">
+    <a:lvl1pPr marR="0" lvl="0" algn="l" rtl="0">
       <a:lnSpc>
         <a:spcPct val="100000"/>
       </a:lnSpc>
@@ -54,7 +61,7 @@
         <a:srgbClr val="000000"/>
       </a:buClr>
       <a:buFont typeface="Arial"/>
-      <a:defRPr b="0" i="0" sz="1400" u="none" cap="none" strike="noStrike">
+      <a:defRPr sz="1400" b="0" i="0" u="none" strike="noStrike" cap="none">
         <a:solidFill>
           <a:srgbClr val="000000"/>
         </a:solidFill>
@@ -64,7 +71,7 @@
         <a:sym typeface="Arial"/>
       </a:defRPr>
     </a:lvl1pPr>
-    <a:lvl2pPr lvl="1" marR="0" rtl="0" algn="l">
+    <a:lvl2pPr marR="0" lvl="1" algn="l" rtl="0">
       <a:lnSpc>
         <a:spcPct val="100000"/>
       </a:lnSpc>
@@ -78,7 +85,7 @@
         <a:srgbClr val="000000"/>
       </a:buClr>
       <a:buFont typeface="Arial"/>
-      <a:defRPr b="0" i="0" sz="1400" u="none" cap="none" strike="noStrike">
+      <a:defRPr sz="1400" b="0" i="0" u="none" strike="noStrike" cap="none">
         <a:solidFill>
           <a:srgbClr val="000000"/>
         </a:solidFill>
@@ -88,7 +95,7 @@
         <a:sym typeface="Arial"/>
       </a:defRPr>
     </a:lvl2pPr>
-    <a:lvl3pPr lvl="2" marR="0" rtl="0" algn="l">
+    <a:lvl3pPr marR="0" lvl="2" algn="l" rtl="0">
       <a:lnSpc>
         <a:spcPct val="100000"/>
       </a:lnSpc>
@@ -102,7 +109,7 @@
         <a:srgbClr val="000000"/>
       </a:buClr>
       <a:buFont typeface="Arial"/>
-      <a:defRPr b="0" i="0" sz="1400" u="none" cap="none" strike="noStrike">
+      <a:defRPr sz="1400" b="0" i="0" u="none" strike="noStrike" cap="none">
         <a:solidFill>
           <a:srgbClr val="000000"/>
         </a:solidFill>
@@ -112,7 +119,7 @@
         <a:sym typeface="Arial"/>
       </a:defRPr>
     </a:lvl3pPr>
-    <a:lvl4pPr lvl="3" marR="0" rtl="0" algn="l">
+    <a:lvl4pPr marR="0" lvl="3" algn="l" rtl="0">
       <a:lnSpc>
         <a:spcPct val="100000"/>
       </a:lnSpc>
@@ -126,7 +133,7 @@
         <a:srgbClr val="000000"/>
       </a:buClr>
       <a:buFont typeface="Arial"/>
-      <a:defRPr b="0" i="0" sz="1400" u="none" cap="none" strike="noStrike">
+      <a:defRPr sz="1400" b="0" i="0" u="none" strike="noStrike" cap="none">
         <a:solidFill>
           <a:srgbClr val="000000"/>
         </a:solidFill>
@@ -136,7 +143,7 @@
         <a:sym typeface="Arial"/>
       </a:defRPr>
     </a:lvl4pPr>
-    <a:lvl5pPr lvl="4" marR="0" rtl="0" algn="l">
+    <a:lvl5pPr marR="0" lvl="4" algn="l" rtl="0">
       <a:lnSpc>
         <a:spcPct val="100000"/>
       </a:lnSpc>
@@ -150,7 +157,7 @@
         <a:srgbClr val="000000"/>
       </a:buClr>
       <a:buFont typeface="Arial"/>
-      <a:defRPr b="0" i="0" sz="1400" u="none" cap="none" strike="noStrike">
+      <a:defRPr sz="1400" b="0" i="0" u="none" strike="noStrike" cap="none">
         <a:solidFill>
           <a:srgbClr val="000000"/>
         </a:solidFill>
@@ -160,7 +167,7 @@
         <a:sym typeface="Arial"/>
       </a:defRPr>
     </a:lvl5pPr>
-    <a:lvl6pPr lvl="5" marR="0" rtl="0" algn="l">
+    <a:lvl6pPr marR="0" lvl="5" algn="l" rtl="0">
       <a:lnSpc>
         <a:spcPct val="100000"/>
       </a:lnSpc>
@@ -174,7 +181,7 @@
         <a:srgbClr val="000000"/>
       </a:buClr>
       <a:buFont typeface="Arial"/>
-      <a:defRPr b="0" i="0" sz="1400" u="none" cap="none" strike="noStrike">
+      <a:defRPr sz="1400" b="0" i="0" u="none" strike="noStrike" cap="none">
         <a:solidFill>
           <a:srgbClr val="000000"/>
         </a:solidFill>
@@ -184,7 +191,7 @@
         <a:sym typeface="Arial"/>
       </a:defRPr>
     </a:lvl6pPr>
-    <a:lvl7pPr lvl="6" marR="0" rtl="0" algn="l">
+    <a:lvl7pPr marR="0" lvl="6" algn="l" rtl="0">
       <a:lnSpc>
         <a:spcPct val="100000"/>
       </a:lnSpc>
@@ -198,7 +205,7 @@
         <a:srgbClr val="000000"/>
       </a:buClr>
       <a:buFont typeface="Arial"/>
-      <a:defRPr b="0" i="0" sz="1400" u="none" cap="none" strike="noStrike">
+      <a:defRPr sz="1400" b="0" i="0" u="none" strike="noStrike" cap="none">
         <a:solidFill>
           <a:srgbClr val="000000"/>
         </a:solidFill>
@@ -208,7 +215,7 @@
         <a:sym typeface="Arial"/>
       </a:defRPr>
     </a:lvl7pPr>
-    <a:lvl8pPr lvl="7" marR="0" rtl="0" algn="l">
+    <a:lvl8pPr marR="0" lvl="7" algn="l" rtl="0">
       <a:lnSpc>
         <a:spcPct val="100000"/>
       </a:lnSpc>
@@ -222,7 +229,7 @@
         <a:srgbClr val="000000"/>
       </a:buClr>
       <a:buFont typeface="Arial"/>
-      <a:defRPr b="0" i="0" sz="1400" u="none" cap="none" strike="noStrike">
+      <a:defRPr sz="1400" b="0" i="0" u="none" strike="noStrike" cap="none">
         <a:solidFill>
           <a:srgbClr val="000000"/>
         </a:solidFill>
@@ -232,7 +239,7 @@
         <a:sym typeface="Arial"/>
       </a:defRPr>
     </a:lvl8pPr>
-    <a:lvl9pPr lvl="8" marR="0" rtl="0" algn="l">
+    <a:lvl9pPr marR="0" lvl="8" algn="l" rtl="0">
       <a:lnSpc>
         <a:spcPct val="100000"/>
       </a:lnSpc>
@@ -246,7 +253,7 @@
         <a:srgbClr val="000000"/>
       </a:buClr>
       <a:buFont typeface="Arial"/>
-      <a:defRPr b="0" i="0" sz="1400" u="none" cap="none" strike="noStrike">
+      <a:defRPr sz="1400" b="0" i="0" u="none" strike="noStrike" cap="none">
         <a:solidFill>
           <a:srgbClr val="000000"/>
         </a:solidFill>
@@ -259,7 +266,7 @@
   </p:defaultTextStyle>
   <p:extLst>
     <p:ext uri="{EFAFB233-063F-42B5-8137-9DF3F51BA10A}">
-      <p15:sldGuideLst>
+      <p15:sldGuideLst xmlns:p15="http://schemas.microsoft.com/office/powerpoint/2012/main">
         <p15:guide id="1" orient="horz" pos="1620">
           <p15:clr>
             <a:srgbClr val="A4A3A4"/>
@@ -277,11 +284,16 @@
 </file>
 
 <file path=ppt/notesMasters/notesMaster1.xml><?xml version="1.0" encoding="utf-8"?>
-<p:notesMaster xmlns:a="http://schemas.openxmlformats.org/drawingml/2006/main" xmlns:r="http://schemas.openxmlformats.org/officeDocument/2006/relationships" xmlns:mc="http://schemas.openxmlformats.org/markup-compatibility/2006" xmlns:mv="urn:schemas-microsoft-com:mac:vml" xmlns:p="http://schemas.openxmlformats.org/presentationml/2006/main" xmlns:c="http://schemas.openxmlformats.org/drawingml/2006/chart" xmlns:dgm="http://schemas.openxmlformats.org/drawingml/2006/diagram" xmlns:o="urn:schemas-microsoft-com:office:office" xmlns:v="urn:schemas-microsoft-com:vml" xmlns:pvml="urn:schemas-microsoft-com:office:powerpoint" xmlns:com="http://schemas.openxmlformats.org/drawingml/2006/compatibility" xmlns:p14="http://schemas.microsoft.com/office/powerpoint/2010/main" xmlns:p15="http://schemas.microsoft.com/office/powerpoint/2012/main">
+<p:notesMaster xmlns:a="http://schemas.openxmlformats.org/drawingml/2006/main" xmlns:r="http://schemas.openxmlformats.org/officeDocument/2006/relationships" xmlns:p="http://schemas.openxmlformats.org/presentationml/2006/main">
   <p:cSld>
+    <p:bg>
+      <p:bgRef idx="1001">
+        <a:schemeClr val="bg1"/>
+      </p:bgRef>
+    </p:bg>
     <p:spTree>
       <p:nvGrpSpPr>
-        <p:cNvPr id="2" name="Shape 2"/>
+        <p:cNvPr id="1" name="Shape 2"/>
         <p:cNvGrpSpPr/>
         <p:nvPr/>
       </p:nvGrpSpPr>
@@ -296,9 +308,11 @@
       <p:sp>
         <p:nvSpPr>
           <p:cNvPr id="3" name="Google Shape;3;n"/>
-          <p:cNvSpPr/>
+          <p:cNvSpPr>
+            <a:spLocks noGrp="1" noRot="1" noChangeAspect="1"/>
+          </p:cNvSpPr>
           <p:nvPr>
-            <p:ph idx="2" type="sldImg"/>
+            <p:ph type="sldImg" idx="2"/>
           </p:nvPr>
         </p:nvSpPr>
         <p:spPr>
@@ -307,9 +321,13 @@
             <a:ext cx="6096075" cy="3429000"/>
           </a:xfrm>
           <a:custGeom>
-            <a:rect b="b" l="l" r="r" t="t"/>
+            <a:avLst/>
+            <a:gdLst/>
+            <a:ahLst/>
+            <a:cxnLst/>
+            <a:rect l="l" t="t" r="r" b="b"/>
             <a:pathLst>
-              <a:path extrusionOk="0" h="120000" w="120000">
+              <a:path w="120000" h="120000" extrusionOk="0">
                 <a:moveTo>
                   <a:pt x="0" y="0"/>
                 </a:moveTo>
@@ -327,23 +345,25 @@
             </a:pathLst>
           </a:custGeom>
           <a:noFill/>
-          <a:ln cap="flat" cmpd="sng" w="9525">
+          <a:ln w="9525" cap="flat" cmpd="sng">
             <a:solidFill>
               <a:srgbClr val="000000"/>
             </a:solidFill>
             <a:prstDash val="solid"/>
             <a:round/>
-            <a:headEnd len="sm" w="sm" type="none"/>
-            <a:tailEnd len="sm" w="sm" type="none"/>
+            <a:headEnd type="none" w="sm" len="sm"/>
+            <a:tailEnd type="none" w="sm" len="sm"/>
           </a:ln>
         </p:spPr>
       </p:sp>
       <p:sp>
         <p:nvSpPr>
           <p:cNvPr id="4" name="Google Shape;4;n"/>
-          <p:cNvSpPr txBox="1"/>
+          <p:cNvSpPr txBox="1">
+            <a:spLocks noGrp="1"/>
+          </p:cNvSpPr>
           <p:nvPr>
-            <p:ph idx="1" type="body"/>
+            <p:ph type="body" idx="1"/>
           </p:nvPr>
         </p:nvSpPr>
         <p:spPr>
@@ -360,11 +380,11 @@
           </a:ln>
         </p:spPr>
         <p:txBody>
-          <a:bodyPr anchorCtr="0" anchor="t" bIns="91425" lIns="91425" spcFirstLastPara="1" rIns="91425" wrap="square" tIns="91425">
+          <a:bodyPr spcFirstLastPara="1" wrap="square" lIns="91425" tIns="91425" rIns="91425" bIns="91425" anchor="t" anchorCtr="0">
             <a:noAutofit/>
           </a:bodyPr>
           <a:lstStyle>
-            <a:lvl1pPr indent="-298450" lvl="0" marL="457200">
+            <a:lvl1pPr marL="457200" lvl="0" indent="-298450">
               <a:spcBef>
                 <a:spcPts val="0"/>
               </a:spcBef>
@@ -375,7 +395,7 @@
               <a:buChar char="●"/>
               <a:defRPr sz="1100"/>
             </a:lvl1pPr>
-            <a:lvl2pPr indent="-298450" lvl="1" marL="914400">
+            <a:lvl2pPr marL="914400" lvl="1" indent="-298450">
               <a:spcBef>
                 <a:spcPts val="0"/>
               </a:spcBef>
@@ -386,7 +406,7 @@
               <a:buChar char="○"/>
               <a:defRPr sz="1100"/>
             </a:lvl2pPr>
-            <a:lvl3pPr indent="-298450" lvl="2" marL="1371600">
+            <a:lvl3pPr marL="1371600" lvl="2" indent="-298450">
               <a:spcBef>
                 <a:spcPts val="0"/>
               </a:spcBef>
@@ -397,7 +417,7 @@
               <a:buChar char="■"/>
               <a:defRPr sz="1100"/>
             </a:lvl3pPr>
-            <a:lvl4pPr indent="-298450" lvl="3" marL="1828800">
+            <a:lvl4pPr marL="1828800" lvl="3" indent="-298450">
               <a:spcBef>
                 <a:spcPts val="0"/>
               </a:spcBef>
@@ -408,7 +428,7 @@
               <a:buChar char="●"/>
               <a:defRPr sz="1100"/>
             </a:lvl4pPr>
-            <a:lvl5pPr indent="-298450" lvl="4" marL="2286000">
+            <a:lvl5pPr marL="2286000" lvl="4" indent="-298450">
               <a:spcBef>
                 <a:spcPts val="0"/>
               </a:spcBef>
@@ -419,7 +439,7 @@
               <a:buChar char="○"/>
               <a:defRPr sz="1100"/>
             </a:lvl5pPr>
-            <a:lvl6pPr indent="-298450" lvl="5" marL="2743200">
+            <a:lvl6pPr marL="2743200" lvl="5" indent="-298450">
               <a:spcBef>
                 <a:spcPts val="0"/>
               </a:spcBef>
@@ -430,7 +450,7 @@
               <a:buChar char="■"/>
               <a:defRPr sz="1100"/>
             </a:lvl6pPr>
-            <a:lvl7pPr indent="-298450" lvl="6" marL="3200400">
+            <a:lvl7pPr marL="3200400" lvl="6" indent="-298450">
               <a:spcBef>
                 <a:spcPts val="0"/>
               </a:spcBef>
@@ -441,7 +461,7 @@
               <a:buChar char="●"/>
               <a:defRPr sz="1100"/>
             </a:lvl7pPr>
-            <a:lvl8pPr indent="-298450" lvl="7" marL="3657600">
+            <a:lvl8pPr marL="3657600" lvl="7" indent="-298450">
               <a:spcBef>
                 <a:spcPts val="0"/>
               </a:spcBef>
@@ -452,7 +472,7 @@
               <a:buChar char="○"/>
               <a:defRPr sz="1100"/>
             </a:lvl8pPr>
-            <a:lvl9pPr indent="-298450" lvl="8" marL="4114800">
+            <a:lvl9pPr marL="4114800" lvl="8" indent="-298450">
               <a:spcBef>
                 <a:spcPts val="0"/>
               </a:spcBef>
@@ -464,14 +484,16 @@
               <a:defRPr sz="1100"/>
             </a:lvl9pPr>
           </a:lstStyle>
-          <a:p/>
+          <a:p>
+            <a:endParaRPr/>
+          </a:p>
         </p:txBody>
       </p:sp>
     </p:spTree>
   </p:cSld>
-  <p:clrMap accent1="accent1" accent2="accent2" accent3="accent3" accent4="accent4" accent5="accent5" accent6="accent6" bg1="lt1" bg2="dk2" tx1="dk1" tx2="lt2" folHlink="folHlink" hlink="hlink"/>
+  <p:clrMap bg1="lt1" tx1="dk1" bg2="dk2" tx2="lt2" accent1="accent1" accent2="accent2" accent3="accent3" accent4="accent4" accent5="accent5" accent6="accent6" hlink="hlink" folHlink="folHlink"/>
   <p:notesStyle>
-    <a:defPPr lvl="0" marR="0" rtl="0" algn="l">
+    <a:defPPr marR="0" lvl="0" algn="l" rtl="0">
       <a:lnSpc>
         <a:spcPct val="100000"/>
       </a:lnSpc>
@@ -482,7 +504,7 @@
         <a:spcPts val="0"/>
       </a:spcAft>
     </a:defPPr>
-    <a:lvl1pPr lvl="0" marR="0" rtl="0" algn="l">
+    <a:lvl1pPr marR="0" lvl="0" algn="l" rtl="0">
       <a:lnSpc>
         <a:spcPct val="100000"/>
       </a:lnSpc>
@@ -496,7 +518,7 @@
         <a:srgbClr val="000000"/>
       </a:buClr>
       <a:buFont typeface="Arial"/>
-      <a:defRPr b="0" i="0" sz="1400" u="none" cap="none" strike="noStrike">
+      <a:defRPr sz="1400" b="0" i="0" u="none" strike="noStrike" cap="none">
         <a:solidFill>
           <a:srgbClr val="000000"/>
         </a:solidFill>
@@ -506,7 +528,7 @@
         <a:sym typeface="Arial"/>
       </a:defRPr>
     </a:lvl1pPr>
-    <a:lvl2pPr lvl="1" marR="0" rtl="0" algn="l">
+    <a:lvl2pPr marR="0" lvl="1" algn="l" rtl="0">
       <a:lnSpc>
         <a:spcPct val="100000"/>
       </a:lnSpc>
@@ -520,7 +542,7 @@
         <a:srgbClr val="000000"/>
       </a:buClr>
       <a:buFont typeface="Arial"/>
-      <a:defRPr b="0" i="0" sz="1400" u="none" cap="none" strike="noStrike">
+      <a:defRPr sz="1400" b="0" i="0" u="none" strike="noStrike" cap="none">
         <a:solidFill>
           <a:srgbClr val="000000"/>
         </a:solidFill>
@@ -530,7 +552,7 @@
         <a:sym typeface="Arial"/>
       </a:defRPr>
     </a:lvl2pPr>
-    <a:lvl3pPr lvl="2" marR="0" rtl="0" algn="l">
+    <a:lvl3pPr marR="0" lvl="2" algn="l" rtl="0">
       <a:lnSpc>
         <a:spcPct val="100000"/>
       </a:lnSpc>
@@ -544,7 +566,7 @@
         <a:srgbClr val="000000"/>
       </a:buClr>
       <a:buFont typeface="Arial"/>
-      <a:defRPr b="0" i="0" sz="1400" u="none" cap="none" strike="noStrike">
+      <a:defRPr sz="1400" b="0" i="0" u="none" strike="noStrike" cap="none">
         <a:solidFill>
           <a:srgbClr val="000000"/>
         </a:solidFill>
@@ -554,7 +576,7 @@
         <a:sym typeface="Arial"/>
       </a:defRPr>
     </a:lvl3pPr>
-    <a:lvl4pPr lvl="3" marR="0" rtl="0" algn="l">
+    <a:lvl4pPr marR="0" lvl="3" algn="l" rtl="0">
       <a:lnSpc>
         <a:spcPct val="100000"/>
       </a:lnSpc>
@@ -568,7 +590,7 @@
         <a:srgbClr val="000000"/>
       </a:buClr>
       <a:buFont typeface="Arial"/>
-      <a:defRPr b="0" i="0" sz="1400" u="none" cap="none" strike="noStrike">
+      <a:defRPr sz="1400" b="0" i="0" u="none" strike="noStrike" cap="none">
         <a:solidFill>
           <a:srgbClr val="000000"/>
         </a:solidFill>
@@ -578,7 +600,7 @@
         <a:sym typeface="Arial"/>
       </a:defRPr>
     </a:lvl4pPr>
-    <a:lvl5pPr lvl="4" marR="0" rtl="0" algn="l">
+    <a:lvl5pPr marR="0" lvl="4" algn="l" rtl="0">
       <a:lnSpc>
         <a:spcPct val="100000"/>
       </a:lnSpc>
@@ -592,7 +614,7 @@
         <a:srgbClr val="000000"/>
       </a:buClr>
       <a:buFont typeface="Arial"/>
-      <a:defRPr b="0" i="0" sz="1400" u="none" cap="none" strike="noStrike">
+      <a:defRPr sz="1400" b="0" i="0" u="none" strike="noStrike" cap="none">
         <a:solidFill>
           <a:srgbClr val="000000"/>
         </a:solidFill>
@@ -602,7 +624,7 @@
         <a:sym typeface="Arial"/>
       </a:defRPr>
     </a:lvl5pPr>
-    <a:lvl6pPr lvl="5" marR="0" rtl="0" algn="l">
+    <a:lvl6pPr marR="0" lvl="5" algn="l" rtl="0">
       <a:lnSpc>
         <a:spcPct val="100000"/>
       </a:lnSpc>
@@ -616,7 +638,7 @@
         <a:srgbClr val="000000"/>
       </a:buClr>
       <a:buFont typeface="Arial"/>
-      <a:defRPr b="0" i="0" sz="1400" u="none" cap="none" strike="noStrike">
+      <a:defRPr sz="1400" b="0" i="0" u="none" strike="noStrike" cap="none">
         <a:solidFill>
           <a:srgbClr val="000000"/>
         </a:solidFill>
@@ -626,7 +648,7 @@
         <a:sym typeface="Arial"/>
       </a:defRPr>
     </a:lvl6pPr>
-    <a:lvl7pPr lvl="6" marR="0" rtl="0" algn="l">
+    <a:lvl7pPr marR="0" lvl="6" algn="l" rtl="0">
       <a:lnSpc>
         <a:spcPct val="100000"/>
       </a:lnSpc>
@@ -640,7 +662,7 @@
         <a:srgbClr val="000000"/>
       </a:buClr>
       <a:buFont typeface="Arial"/>
-      <a:defRPr b="0" i="0" sz="1400" u="none" cap="none" strike="noStrike">
+      <a:defRPr sz="1400" b="0" i="0" u="none" strike="noStrike" cap="none">
         <a:solidFill>
           <a:srgbClr val="000000"/>
         </a:solidFill>
@@ -650,7 +672,7 @@
         <a:sym typeface="Arial"/>
       </a:defRPr>
     </a:lvl7pPr>
-    <a:lvl8pPr lvl="7" marR="0" rtl="0" algn="l">
+    <a:lvl8pPr marR="0" lvl="7" algn="l" rtl="0">
       <a:lnSpc>
         <a:spcPct val="100000"/>
       </a:lnSpc>
@@ -664,7 +686,7 @@
         <a:srgbClr val="000000"/>
       </a:buClr>
       <a:buFont typeface="Arial"/>
-      <a:defRPr b="0" i="0" sz="1400" u="none" cap="none" strike="noStrike">
+      <a:defRPr sz="1400" b="0" i="0" u="none" strike="noStrike" cap="none">
         <a:solidFill>
           <a:srgbClr val="000000"/>
         </a:solidFill>
@@ -674,7 +696,7 @@
         <a:sym typeface="Arial"/>
       </a:defRPr>
     </a:lvl8pPr>
-    <a:lvl9pPr lvl="8" marR="0" rtl="0" algn="l">
+    <a:lvl9pPr marR="0" lvl="8" algn="l" rtl="0">
       <a:lnSpc>
         <a:spcPct val="100000"/>
       </a:lnSpc>
@@ -688,7 +710,7 @@
         <a:srgbClr val="000000"/>
       </a:buClr>
       <a:buFont typeface="Arial"/>
-      <a:defRPr b="0" i="0" sz="1400" u="none" cap="none" strike="noStrike">
+      <a:defRPr sz="1400" b="0" i="0" u="none" strike="noStrike" cap="none">
         <a:solidFill>
           <a:srgbClr val="000000"/>
         </a:solidFill>
@@ -703,11 +725,11 @@
 </file>
 
 <file path=ppt/notesSlides/notesSlide1.xml><?xml version="1.0" encoding="utf-8"?>
-<p:notes xmlns:a="http://schemas.openxmlformats.org/drawingml/2006/main" xmlns:r="http://schemas.openxmlformats.org/officeDocument/2006/relationships" xmlns:mc="http://schemas.openxmlformats.org/markup-compatibility/2006" xmlns:mv="urn:schemas-microsoft-com:mac:vml" xmlns:p="http://schemas.openxmlformats.org/presentationml/2006/main" xmlns:c="http://schemas.openxmlformats.org/drawingml/2006/chart" xmlns:dgm="http://schemas.openxmlformats.org/drawingml/2006/diagram" xmlns:o="urn:schemas-microsoft-com:office:office" xmlns:v="urn:schemas-microsoft-com:vml" xmlns:pvml="urn:schemas-microsoft-com:office:powerpoint" xmlns:com="http://schemas.openxmlformats.org/drawingml/2006/compatibility" xmlns:p14="http://schemas.microsoft.com/office/powerpoint/2010/main" xmlns:p15="http://schemas.microsoft.com/office/powerpoint/2012/main" showMasterPhAnim="0" showMasterSp="0">
+<p:notes xmlns:a="http://schemas.openxmlformats.org/drawingml/2006/main" xmlns:r="http://schemas.openxmlformats.org/officeDocument/2006/relationships" xmlns:p="http://schemas.openxmlformats.org/presentationml/2006/main" showMasterSp="0" showMasterPhAnim="0">
   <p:cSld>
     <p:spTree>
       <p:nvGrpSpPr>
-        <p:cNvPr id="77" name="Shape 77"/>
+        <p:cNvPr id="1" name="Shape 77"/>
         <p:cNvGrpSpPr/>
         <p:nvPr/>
       </p:nvGrpSpPr>
@@ -722,20 +744,26 @@
       <p:sp>
         <p:nvSpPr>
           <p:cNvPr id="78" name="Google Shape;78;p:notes"/>
-          <p:cNvSpPr/>
+          <p:cNvSpPr>
+            <a:spLocks noGrp="1" noRot="1" noChangeAspect="1"/>
+          </p:cNvSpPr>
           <p:nvPr>
-            <p:ph idx="2" type="sldImg"/>
+            <p:ph type="sldImg" idx="2"/>
           </p:nvPr>
         </p:nvSpPr>
         <p:spPr>
           <a:xfrm>
-            <a:off x="381300" y="685800"/>
-            <a:ext cx="6096075" cy="3429000"/>
+            <a:off x="381000" y="685800"/>
+            <a:ext cx="6096000" cy="3429000"/>
           </a:xfrm>
           <a:custGeom>
-            <a:rect b="b" l="l" r="r" t="t"/>
+            <a:avLst/>
+            <a:gdLst/>
+            <a:ahLst/>
+            <a:cxnLst/>
+            <a:rect l="l" t="t" r="r" b="b"/>
             <a:pathLst>
-              <a:path extrusionOk="0" h="120000" w="120000">
+              <a:path w="120000" h="120000" extrusionOk="0">
                 <a:moveTo>
                   <a:pt x="0" y="0"/>
                 </a:moveTo>
@@ -757,9 +785,11 @@
       <p:sp>
         <p:nvSpPr>
           <p:cNvPr id="79" name="Google Shape;79;p:notes"/>
-          <p:cNvSpPr txBox="1"/>
+          <p:cNvSpPr txBox="1">
+            <a:spLocks noGrp="1"/>
+          </p:cNvSpPr>
           <p:nvPr>
-            <p:ph idx="1" type="body"/>
+            <p:ph type="body" idx="1"/>
           </p:nvPr>
         </p:nvSpPr>
         <p:spPr>
@@ -772,12 +802,12 @@
           </a:prstGeom>
         </p:spPr>
         <p:txBody>
-          <a:bodyPr anchorCtr="0" anchor="t" bIns="91425" lIns="91425" spcFirstLastPara="1" rIns="91425" wrap="square" tIns="91425">
+          <a:bodyPr spcFirstLastPara="1" wrap="square" lIns="91425" tIns="91425" rIns="91425" bIns="91425" anchor="t" anchorCtr="0">
             <a:noAutofit/>
           </a:bodyPr>
           <a:lstStyle/>
           <a:p>
-            <a:pPr indent="0" lvl="0" marL="0" rtl="0" algn="l">
+            <a:pPr marL="0" lvl="0" indent="0" algn="l" rtl="0">
               <a:spcBef>
                 <a:spcPts val="0"/>
               </a:spcBef>
@@ -786,9 +816,6 @@
               </a:spcAft>
               <a:buNone/>
             </a:pPr>
-            <a:r>
-              <a:t/>
-            </a:r>
             <a:endParaRPr/>
           </a:p>
         </p:txBody>
@@ -802,11 +829,11 @@
 </file>
 
 <file path=ppt/notesSlides/notesSlide2.xml><?xml version="1.0" encoding="utf-8"?>
-<p:notes xmlns:a="http://schemas.openxmlformats.org/drawingml/2006/main" xmlns:r="http://schemas.openxmlformats.org/officeDocument/2006/relationships" xmlns:mc="http://schemas.openxmlformats.org/markup-compatibility/2006" xmlns:mv="urn:schemas-microsoft-com:mac:vml" xmlns:p="http://schemas.openxmlformats.org/presentationml/2006/main" xmlns:c="http://schemas.openxmlformats.org/drawingml/2006/chart" xmlns:dgm="http://schemas.openxmlformats.org/drawingml/2006/diagram" xmlns:o="urn:schemas-microsoft-com:office:office" xmlns:v="urn:schemas-microsoft-com:vml" xmlns:pvml="urn:schemas-microsoft-com:office:powerpoint" xmlns:com="http://schemas.openxmlformats.org/drawingml/2006/compatibility" xmlns:p14="http://schemas.microsoft.com/office/powerpoint/2010/main" xmlns:p15="http://schemas.microsoft.com/office/powerpoint/2012/main" showMasterPhAnim="0" showMasterSp="0">
+<p:notes xmlns:a="http://schemas.openxmlformats.org/drawingml/2006/main" xmlns:r="http://schemas.openxmlformats.org/officeDocument/2006/relationships" xmlns:p="http://schemas.openxmlformats.org/presentationml/2006/main" showMasterSp="0" showMasterPhAnim="0">
   <p:cSld>
     <p:spTree>
       <p:nvGrpSpPr>
-        <p:cNvPr id="83" name="Shape 83"/>
+        <p:cNvPr id="1" name="Shape 83"/>
         <p:cNvGrpSpPr/>
         <p:nvPr/>
       </p:nvGrpSpPr>
@@ -821,9 +848,11 @@
       <p:sp>
         <p:nvSpPr>
           <p:cNvPr id="84" name="Google Shape;84;g6ec38040bf_0_73:notes"/>
-          <p:cNvSpPr/>
+          <p:cNvSpPr>
+            <a:spLocks noGrp="1" noRot="1" noChangeAspect="1"/>
+          </p:cNvSpPr>
           <p:nvPr>
-            <p:ph idx="2" type="sldImg"/>
+            <p:ph type="sldImg" idx="2"/>
           </p:nvPr>
         </p:nvSpPr>
         <p:spPr>
@@ -832,9 +861,13 @@
             <a:ext cx="6096000" cy="3429000"/>
           </a:xfrm>
           <a:custGeom>
-            <a:rect b="b" l="l" r="r" t="t"/>
+            <a:avLst/>
+            <a:gdLst/>
+            <a:ahLst/>
+            <a:cxnLst/>
+            <a:rect l="l" t="t" r="r" b="b"/>
             <a:pathLst>
-              <a:path extrusionOk="0" h="120000" w="120000">
+              <a:path w="120000" h="120000" extrusionOk="0">
                 <a:moveTo>
                   <a:pt x="0" y="0"/>
                 </a:moveTo>
@@ -856,9 +889,11 @@
       <p:sp>
         <p:nvSpPr>
           <p:cNvPr id="85" name="Google Shape;85;g6ec38040bf_0_73:notes"/>
-          <p:cNvSpPr txBox="1"/>
+          <p:cNvSpPr txBox="1">
+            <a:spLocks noGrp="1"/>
+          </p:cNvSpPr>
           <p:nvPr>
-            <p:ph idx="1" type="body"/>
+            <p:ph type="body" idx="1"/>
           </p:nvPr>
         </p:nvSpPr>
         <p:spPr>
@@ -871,12 +906,12 @@
           </a:prstGeom>
         </p:spPr>
         <p:txBody>
-          <a:bodyPr anchorCtr="0" anchor="t" bIns="91425" lIns="91425" spcFirstLastPara="1" rIns="91425" wrap="square" tIns="91425">
+          <a:bodyPr spcFirstLastPara="1" wrap="square" lIns="91425" tIns="91425" rIns="91425" bIns="91425" anchor="t" anchorCtr="0">
             <a:noAutofit/>
           </a:bodyPr>
           <a:lstStyle/>
           <a:p>
-            <a:pPr indent="0" lvl="0" marL="0" rtl="0" algn="l">
+            <a:pPr marL="0" lvl="0" indent="0" algn="l" rtl="0">
               <a:spcBef>
                 <a:spcPts val="0"/>
               </a:spcBef>
@@ -902,11 +937,11 @@
 </file>
 
 <file path=ppt/notesSlides/notesSlide3.xml><?xml version="1.0" encoding="utf-8"?>
-<p:notes xmlns:a="http://schemas.openxmlformats.org/drawingml/2006/main" xmlns:r="http://schemas.openxmlformats.org/officeDocument/2006/relationships" xmlns:mc="http://schemas.openxmlformats.org/markup-compatibility/2006" xmlns:mv="urn:schemas-microsoft-com:mac:vml" xmlns:p="http://schemas.openxmlformats.org/presentationml/2006/main" xmlns:c="http://schemas.openxmlformats.org/drawingml/2006/chart" xmlns:dgm="http://schemas.openxmlformats.org/drawingml/2006/diagram" xmlns:o="urn:schemas-microsoft-com:office:office" xmlns:v="urn:schemas-microsoft-com:vml" xmlns:pvml="urn:schemas-microsoft-com:office:powerpoint" xmlns:com="http://schemas.openxmlformats.org/drawingml/2006/compatibility" xmlns:p14="http://schemas.microsoft.com/office/powerpoint/2010/main" xmlns:p15="http://schemas.microsoft.com/office/powerpoint/2012/main" showMasterPhAnim="0" showMasterSp="0">
+<p:notes xmlns:a="http://schemas.openxmlformats.org/drawingml/2006/main" xmlns:r="http://schemas.openxmlformats.org/officeDocument/2006/relationships" xmlns:p="http://schemas.openxmlformats.org/presentationml/2006/main" showMasterSp="0" showMasterPhAnim="0">
   <p:cSld>
     <p:spTree>
       <p:nvGrpSpPr>
-        <p:cNvPr id="89" name="Shape 89"/>
+        <p:cNvPr id="1" name="Shape 89"/>
         <p:cNvGrpSpPr/>
         <p:nvPr/>
       </p:nvGrpSpPr>
@@ -921,9 +956,11 @@
       <p:sp>
         <p:nvSpPr>
           <p:cNvPr id="90" name="Google Shape;90;g7de8705377_0_2:notes"/>
-          <p:cNvSpPr/>
+          <p:cNvSpPr>
+            <a:spLocks noGrp="1" noRot="1" noChangeAspect="1"/>
+          </p:cNvSpPr>
           <p:nvPr>
-            <p:ph idx="2" type="sldImg"/>
+            <p:ph type="sldImg" idx="2"/>
           </p:nvPr>
         </p:nvSpPr>
         <p:spPr>
@@ -932,9 +969,13 @@
             <a:ext cx="6096000" cy="3429000"/>
           </a:xfrm>
           <a:custGeom>
-            <a:rect b="b" l="l" r="r" t="t"/>
+            <a:avLst/>
+            <a:gdLst/>
+            <a:ahLst/>
+            <a:cxnLst/>
+            <a:rect l="l" t="t" r="r" b="b"/>
             <a:pathLst>
-              <a:path extrusionOk="0" h="120000" w="120000">
+              <a:path w="120000" h="120000" extrusionOk="0">
                 <a:moveTo>
                   <a:pt x="0" y="0"/>
                 </a:moveTo>
@@ -956,9 +997,11 @@
       <p:sp>
         <p:nvSpPr>
           <p:cNvPr id="91" name="Google Shape;91;g7de8705377_0_2:notes"/>
-          <p:cNvSpPr txBox="1"/>
+          <p:cNvSpPr txBox="1">
+            <a:spLocks noGrp="1"/>
+          </p:cNvSpPr>
           <p:nvPr>
-            <p:ph idx="1" type="body"/>
+            <p:ph type="body" idx="1"/>
           </p:nvPr>
         </p:nvSpPr>
         <p:spPr>
@@ -971,12 +1014,12 @@
           </a:prstGeom>
         </p:spPr>
         <p:txBody>
-          <a:bodyPr anchorCtr="0" anchor="t" bIns="91425" lIns="91425" spcFirstLastPara="1" rIns="91425" wrap="square" tIns="91425">
+          <a:bodyPr spcFirstLastPara="1" wrap="square" lIns="91425" tIns="91425" rIns="91425" bIns="91425" anchor="t" anchorCtr="0">
             <a:noAutofit/>
           </a:bodyPr>
           <a:lstStyle/>
           <a:p>
-            <a:pPr indent="0" lvl="0" marL="0" rtl="0" algn="l">
+            <a:pPr marL="0" lvl="0" indent="0" algn="l" rtl="0">
               <a:spcBef>
                 <a:spcPts val="0"/>
               </a:spcBef>
@@ -985,9 +1028,6 @@
               </a:spcAft>
               <a:buNone/>
             </a:pPr>
-            <a:r>
-              <a:t/>
-            </a:r>
             <a:endParaRPr/>
           </a:p>
         </p:txBody>
@@ -1001,11 +1041,11 @@
 </file>
 
 <file path=ppt/notesSlides/notesSlide4.xml><?xml version="1.0" encoding="utf-8"?>
-<p:notes xmlns:a="http://schemas.openxmlformats.org/drawingml/2006/main" xmlns:r="http://schemas.openxmlformats.org/officeDocument/2006/relationships" xmlns:mc="http://schemas.openxmlformats.org/markup-compatibility/2006" xmlns:mv="urn:schemas-microsoft-com:mac:vml" xmlns:p="http://schemas.openxmlformats.org/presentationml/2006/main" xmlns:c="http://schemas.openxmlformats.org/drawingml/2006/chart" xmlns:dgm="http://schemas.openxmlformats.org/drawingml/2006/diagram" xmlns:o="urn:schemas-microsoft-com:office:office" xmlns:v="urn:schemas-microsoft-com:vml" xmlns:pvml="urn:schemas-microsoft-com:office:powerpoint" xmlns:com="http://schemas.openxmlformats.org/drawingml/2006/compatibility" xmlns:p14="http://schemas.microsoft.com/office/powerpoint/2010/main" xmlns:p15="http://schemas.microsoft.com/office/powerpoint/2012/main" showMasterPhAnim="0" showMasterSp="0">
+<p:notes xmlns:a="http://schemas.openxmlformats.org/drawingml/2006/main" xmlns:r="http://schemas.openxmlformats.org/officeDocument/2006/relationships" xmlns:p="http://schemas.openxmlformats.org/presentationml/2006/main" showMasterSp="0" showMasterPhAnim="0">
   <p:cSld>
     <p:spTree>
       <p:nvGrpSpPr>
-        <p:cNvPr id="95" name="Shape 95"/>
+        <p:cNvPr id="1" name="Shape 95"/>
         <p:cNvGrpSpPr/>
         <p:nvPr/>
       </p:nvGrpSpPr>
@@ -1020,9 +1060,11 @@
       <p:sp>
         <p:nvSpPr>
           <p:cNvPr id="96" name="Google Shape;96;g7de8705377_0_10:notes"/>
-          <p:cNvSpPr/>
+          <p:cNvSpPr>
+            <a:spLocks noGrp="1" noRot="1" noChangeAspect="1"/>
+          </p:cNvSpPr>
           <p:nvPr>
-            <p:ph idx="2" type="sldImg"/>
+            <p:ph type="sldImg" idx="2"/>
           </p:nvPr>
         </p:nvSpPr>
         <p:spPr>
@@ -1031,9 +1073,13 @@
             <a:ext cx="6096000" cy="3429000"/>
           </a:xfrm>
           <a:custGeom>
-            <a:rect b="b" l="l" r="r" t="t"/>
+            <a:avLst/>
+            <a:gdLst/>
+            <a:ahLst/>
+            <a:cxnLst/>
+            <a:rect l="l" t="t" r="r" b="b"/>
             <a:pathLst>
-              <a:path extrusionOk="0" h="120000" w="120000">
+              <a:path w="120000" h="120000" extrusionOk="0">
                 <a:moveTo>
                   <a:pt x="0" y="0"/>
                 </a:moveTo>
@@ -1055,9 +1101,11 @@
       <p:sp>
         <p:nvSpPr>
           <p:cNvPr id="97" name="Google Shape;97;g7de8705377_0_10:notes"/>
-          <p:cNvSpPr txBox="1"/>
+          <p:cNvSpPr txBox="1">
+            <a:spLocks noGrp="1"/>
+          </p:cNvSpPr>
           <p:nvPr>
-            <p:ph idx="1" type="body"/>
+            <p:ph type="body" idx="1"/>
           </p:nvPr>
         </p:nvSpPr>
         <p:spPr>
@@ -1070,12 +1118,12 @@
           </a:prstGeom>
         </p:spPr>
         <p:txBody>
-          <a:bodyPr anchorCtr="0" anchor="t" bIns="91425" lIns="91425" spcFirstLastPara="1" rIns="91425" wrap="square" tIns="91425">
+          <a:bodyPr spcFirstLastPara="1" wrap="square" lIns="91425" tIns="91425" rIns="91425" bIns="91425" anchor="t" anchorCtr="0">
             <a:noAutofit/>
           </a:bodyPr>
           <a:lstStyle/>
           <a:p>
-            <a:pPr indent="0" lvl="0" marL="0" rtl="0" algn="l">
+            <a:pPr marL="0" lvl="0" indent="0" algn="l" rtl="0">
               <a:spcBef>
                 <a:spcPts val="0"/>
               </a:spcBef>
@@ -1084,9 +1132,6 @@
               </a:spcAft>
               <a:buNone/>
             </a:pPr>
-            <a:r>
-              <a:t/>
-            </a:r>
             <a:endParaRPr/>
           </a:p>
         </p:txBody>
@@ -1100,11 +1145,11 @@
 </file>
 
 <file path=ppt/notesSlides/notesSlide5.xml><?xml version="1.0" encoding="utf-8"?>
-<p:notes xmlns:a="http://schemas.openxmlformats.org/drawingml/2006/main" xmlns:r="http://schemas.openxmlformats.org/officeDocument/2006/relationships" xmlns:mc="http://schemas.openxmlformats.org/markup-compatibility/2006" xmlns:mv="urn:schemas-microsoft-com:mac:vml" xmlns:p="http://schemas.openxmlformats.org/presentationml/2006/main" xmlns:c="http://schemas.openxmlformats.org/drawingml/2006/chart" xmlns:dgm="http://schemas.openxmlformats.org/drawingml/2006/diagram" xmlns:o="urn:schemas-microsoft-com:office:office" xmlns:v="urn:schemas-microsoft-com:vml" xmlns:pvml="urn:schemas-microsoft-com:office:powerpoint" xmlns:com="http://schemas.openxmlformats.org/drawingml/2006/compatibility" xmlns:p14="http://schemas.microsoft.com/office/powerpoint/2010/main" xmlns:p15="http://schemas.microsoft.com/office/powerpoint/2012/main" showMasterPhAnim="0" showMasterSp="0">
+<p:notes xmlns:a="http://schemas.openxmlformats.org/drawingml/2006/main" xmlns:r="http://schemas.openxmlformats.org/officeDocument/2006/relationships" xmlns:p="http://schemas.openxmlformats.org/presentationml/2006/main" showMasterSp="0" showMasterPhAnim="0">
   <p:cSld>
     <p:spTree>
       <p:nvGrpSpPr>
-        <p:cNvPr id="101" name="Shape 101"/>
+        <p:cNvPr id="1" name="Shape 101"/>
         <p:cNvGrpSpPr/>
         <p:nvPr/>
       </p:nvGrpSpPr>
@@ -1119,9 +1164,11 @@
       <p:sp>
         <p:nvSpPr>
           <p:cNvPr id="102" name="Google Shape;102;g7de8705377_1_0:notes"/>
-          <p:cNvSpPr/>
+          <p:cNvSpPr>
+            <a:spLocks noGrp="1" noRot="1" noChangeAspect="1"/>
+          </p:cNvSpPr>
           <p:nvPr>
-            <p:ph idx="2" type="sldImg"/>
+            <p:ph type="sldImg" idx="2"/>
           </p:nvPr>
         </p:nvSpPr>
         <p:spPr>
@@ -1130,9 +1177,13 @@
             <a:ext cx="6096000" cy="3429000"/>
           </a:xfrm>
           <a:custGeom>
-            <a:rect b="b" l="l" r="r" t="t"/>
+            <a:avLst/>
+            <a:gdLst/>
+            <a:ahLst/>
+            <a:cxnLst/>
+            <a:rect l="l" t="t" r="r" b="b"/>
             <a:pathLst>
-              <a:path extrusionOk="0" h="120000" w="120000">
+              <a:path w="120000" h="120000" extrusionOk="0">
                 <a:moveTo>
                   <a:pt x="0" y="0"/>
                 </a:moveTo>
@@ -1154,9 +1205,11 @@
       <p:sp>
         <p:nvSpPr>
           <p:cNvPr id="103" name="Google Shape;103;g7de8705377_1_0:notes"/>
-          <p:cNvSpPr txBox="1"/>
+          <p:cNvSpPr txBox="1">
+            <a:spLocks noGrp="1"/>
+          </p:cNvSpPr>
           <p:nvPr>
-            <p:ph idx="1" type="body"/>
+            <p:ph type="body" idx="1"/>
           </p:nvPr>
         </p:nvSpPr>
         <p:spPr>
@@ -1169,12 +1222,12 @@
           </a:prstGeom>
         </p:spPr>
         <p:txBody>
-          <a:bodyPr anchorCtr="0" anchor="t" bIns="91425" lIns="91425" spcFirstLastPara="1" rIns="91425" wrap="square" tIns="91425">
+          <a:bodyPr spcFirstLastPara="1" wrap="square" lIns="91425" tIns="91425" rIns="91425" bIns="91425" anchor="t" anchorCtr="0">
             <a:noAutofit/>
           </a:bodyPr>
           <a:lstStyle/>
           <a:p>
-            <a:pPr indent="0" lvl="0" marL="0" rtl="0" algn="l">
+            <a:pPr marL="0" lvl="0" indent="0" algn="l" rtl="0">
               <a:spcBef>
                 <a:spcPts val="0"/>
               </a:spcBef>
@@ -1190,7 +1243,7 @@
             <a:endParaRPr/>
           </a:p>
           <a:p>
-            <a:pPr indent="0" lvl="0" marL="0" rtl="0" algn="l">
+            <a:pPr marL="0" lvl="0" indent="0" algn="l" rtl="0">
               <a:spcBef>
                 <a:spcPts val="0"/>
               </a:spcBef>
@@ -1206,7 +1259,7 @@
             <a:endParaRPr/>
           </a:p>
           <a:p>
-            <a:pPr indent="0" lvl="0" marL="0" rtl="0" algn="l">
+            <a:pPr marL="0" lvl="0" indent="0" algn="l" rtl="0">
               <a:spcBef>
                 <a:spcPts val="0"/>
               </a:spcBef>
@@ -1215,9 +1268,6 @@
               </a:spcAft>
               <a:buNone/>
             </a:pPr>
-            <a:r>
-              <a:t/>
-            </a:r>
             <a:endParaRPr/>
           </a:p>
         </p:txBody>
@@ -1231,11 +1281,11 @@
 </file>
 
 <file path=ppt/notesSlides/notesSlide6.xml><?xml version="1.0" encoding="utf-8"?>
-<p:notes xmlns:a="http://schemas.openxmlformats.org/drawingml/2006/main" xmlns:r="http://schemas.openxmlformats.org/officeDocument/2006/relationships" xmlns:mc="http://schemas.openxmlformats.org/markup-compatibility/2006" xmlns:mv="urn:schemas-microsoft-com:mac:vml" xmlns:p="http://schemas.openxmlformats.org/presentationml/2006/main" xmlns:c="http://schemas.openxmlformats.org/drawingml/2006/chart" xmlns:dgm="http://schemas.openxmlformats.org/drawingml/2006/diagram" xmlns:o="urn:schemas-microsoft-com:office:office" xmlns:v="urn:schemas-microsoft-com:vml" xmlns:pvml="urn:schemas-microsoft-com:office:powerpoint" xmlns:com="http://schemas.openxmlformats.org/drawingml/2006/compatibility" xmlns:p14="http://schemas.microsoft.com/office/powerpoint/2010/main" xmlns:p15="http://schemas.microsoft.com/office/powerpoint/2012/main" showMasterPhAnim="0" showMasterSp="0">
+<p:notes xmlns:a="http://schemas.openxmlformats.org/drawingml/2006/main" xmlns:r="http://schemas.openxmlformats.org/officeDocument/2006/relationships" xmlns:p="http://schemas.openxmlformats.org/presentationml/2006/main" showMasterSp="0" showMasterPhAnim="0">
   <p:cSld>
     <p:spTree>
       <p:nvGrpSpPr>
-        <p:cNvPr id="108" name="Shape 108"/>
+        <p:cNvPr id="1" name="Shape 108"/>
         <p:cNvGrpSpPr/>
         <p:nvPr/>
       </p:nvGrpSpPr>
@@ -1250,9 +1300,11 @@
       <p:sp>
         <p:nvSpPr>
           <p:cNvPr id="109" name="Google Shape;109;g7de8705377_1_8:notes"/>
-          <p:cNvSpPr/>
+          <p:cNvSpPr>
+            <a:spLocks noGrp="1" noRot="1" noChangeAspect="1"/>
+          </p:cNvSpPr>
           <p:nvPr>
-            <p:ph idx="2" type="sldImg"/>
+            <p:ph type="sldImg" idx="2"/>
           </p:nvPr>
         </p:nvSpPr>
         <p:spPr>
@@ -1261,9 +1313,13 @@
             <a:ext cx="6096000" cy="3429000"/>
           </a:xfrm>
           <a:custGeom>
-            <a:rect b="b" l="l" r="r" t="t"/>
+            <a:avLst/>
+            <a:gdLst/>
+            <a:ahLst/>
+            <a:cxnLst/>
+            <a:rect l="l" t="t" r="r" b="b"/>
             <a:pathLst>
-              <a:path extrusionOk="0" h="120000" w="120000">
+              <a:path w="120000" h="120000" extrusionOk="0">
                 <a:moveTo>
                   <a:pt x="0" y="0"/>
                 </a:moveTo>
@@ -1285,9 +1341,11 @@
       <p:sp>
         <p:nvSpPr>
           <p:cNvPr id="110" name="Google Shape;110;g7de8705377_1_8:notes"/>
-          <p:cNvSpPr txBox="1"/>
+          <p:cNvSpPr txBox="1">
+            <a:spLocks noGrp="1"/>
+          </p:cNvSpPr>
           <p:nvPr>
-            <p:ph idx="1" type="body"/>
+            <p:ph type="body" idx="1"/>
           </p:nvPr>
         </p:nvSpPr>
         <p:spPr>
@@ -1300,12 +1358,12 @@
           </a:prstGeom>
         </p:spPr>
         <p:txBody>
-          <a:bodyPr anchorCtr="0" anchor="t" bIns="91425" lIns="91425" spcFirstLastPara="1" rIns="91425" wrap="square" tIns="91425">
+          <a:bodyPr spcFirstLastPara="1" wrap="square" lIns="91425" tIns="91425" rIns="91425" bIns="91425" anchor="t" anchorCtr="0">
             <a:noAutofit/>
           </a:bodyPr>
           <a:lstStyle/>
           <a:p>
-            <a:pPr indent="0" lvl="0" marL="0" rtl="0" algn="l">
+            <a:pPr marL="0" lvl="0" indent="0" algn="l" rtl="0">
               <a:spcBef>
                 <a:spcPts val="0"/>
               </a:spcBef>
@@ -1321,7 +1379,7 @@
             <a:endParaRPr/>
           </a:p>
           <a:p>
-            <a:pPr indent="0" lvl="0" marL="0" rtl="0" algn="l">
+            <a:pPr marL="0" lvl="0" indent="0" algn="l" rtl="0">
               <a:spcBef>
                 <a:spcPts val="0"/>
               </a:spcBef>
@@ -1335,7 +1393,7 @@
                 <a:solidFill>
                   <a:schemeClr val="hlink"/>
                 </a:solidFill>
-                <a:hlinkClick r:id="rId2"/>
+                <a:hlinkClick r:id="rId3"/>
               </a:rPr>
               <a:t>https://linuxize.com/post/linux-cut-command/</a:t>
             </a:r>
@@ -1352,11 +1410,11 @@
 </file>
 
 <file path=ppt/notesSlides/notesSlide7.xml><?xml version="1.0" encoding="utf-8"?>
-<p:notes xmlns:a="http://schemas.openxmlformats.org/drawingml/2006/main" xmlns:r="http://schemas.openxmlformats.org/officeDocument/2006/relationships" xmlns:mc="http://schemas.openxmlformats.org/markup-compatibility/2006" xmlns:mv="urn:schemas-microsoft-com:mac:vml" xmlns:p="http://schemas.openxmlformats.org/presentationml/2006/main" xmlns:c="http://schemas.openxmlformats.org/drawingml/2006/chart" xmlns:dgm="http://schemas.openxmlformats.org/drawingml/2006/diagram" xmlns:o="urn:schemas-microsoft-com:office:office" xmlns:v="urn:schemas-microsoft-com:vml" xmlns:pvml="urn:schemas-microsoft-com:office:powerpoint" xmlns:com="http://schemas.openxmlformats.org/drawingml/2006/compatibility" xmlns:p14="http://schemas.microsoft.com/office/powerpoint/2010/main" xmlns:p15="http://schemas.microsoft.com/office/powerpoint/2012/main" showMasterPhAnim="0" showMasterSp="0">
+<p:notes xmlns:a="http://schemas.openxmlformats.org/drawingml/2006/main" xmlns:r="http://schemas.openxmlformats.org/officeDocument/2006/relationships" xmlns:p="http://schemas.openxmlformats.org/presentationml/2006/main" showMasterSp="0" showMasterPhAnim="0">
   <p:cSld>
     <p:spTree>
       <p:nvGrpSpPr>
-        <p:cNvPr id="114" name="Shape 114"/>
+        <p:cNvPr id="1" name="Shape 114"/>
         <p:cNvGrpSpPr/>
         <p:nvPr/>
       </p:nvGrpSpPr>
@@ -1371,9 +1429,11 @@
       <p:sp>
         <p:nvSpPr>
           <p:cNvPr id="115" name="Google Shape;115;g7de8705377_1_19:notes"/>
-          <p:cNvSpPr/>
+          <p:cNvSpPr>
+            <a:spLocks noGrp="1" noRot="1" noChangeAspect="1"/>
+          </p:cNvSpPr>
           <p:nvPr>
-            <p:ph idx="2" type="sldImg"/>
+            <p:ph type="sldImg" idx="2"/>
           </p:nvPr>
         </p:nvSpPr>
         <p:spPr>
@@ -1382,9 +1442,13 @@
             <a:ext cx="6096000" cy="3429000"/>
           </a:xfrm>
           <a:custGeom>
-            <a:rect b="b" l="l" r="r" t="t"/>
+            <a:avLst/>
+            <a:gdLst/>
+            <a:ahLst/>
+            <a:cxnLst/>
+            <a:rect l="l" t="t" r="r" b="b"/>
             <a:pathLst>
-              <a:path extrusionOk="0" h="120000" w="120000">
+              <a:path w="120000" h="120000" extrusionOk="0">
                 <a:moveTo>
                   <a:pt x="0" y="0"/>
                 </a:moveTo>
@@ -1406,9 +1470,11 @@
       <p:sp>
         <p:nvSpPr>
           <p:cNvPr id="116" name="Google Shape;116;g7de8705377_1_19:notes"/>
-          <p:cNvSpPr txBox="1"/>
+          <p:cNvSpPr txBox="1">
+            <a:spLocks noGrp="1"/>
+          </p:cNvSpPr>
           <p:nvPr>
-            <p:ph idx="1" type="body"/>
+            <p:ph type="body" idx="1"/>
           </p:nvPr>
         </p:nvSpPr>
         <p:spPr>
@@ -1421,12 +1487,12 @@
           </a:prstGeom>
         </p:spPr>
         <p:txBody>
-          <a:bodyPr anchorCtr="0" anchor="t" bIns="91425" lIns="91425" spcFirstLastPara="1" rIns="91425" wrap="square" tIns="91425">
+          <a:bodyPr spcFirstLastPara="1" wrap="square" lIns="91425" tIns="91425" rIns="91425" bIns="91425" anchor="t" anchorCtr="0">
             <a:noAutofit/>
           </a:bodyPr>
           <a:lstStyle/>
           <a:p>
-            <a:pPr indent="0" lvl="0" marL="0" rtl="0" algn="l">
+            <a:pPr marL="0" lvl="0" indent="0" algn="l" rtl="0">
               <a:spcBef>
                 <a:spcPts val="0"/>
               </a:spcBef>
@@ -1440,7 +1506,7 @@
                 <a:solidFill>
                   <a:schemeClr val="hlink"/>
                 </a:solidFill>
-                <a:hlinkClick r:id="rId2"/>
+                <a:hlinkClick r:id="rId3"/>
               </a:rPr>
               <a:t>https://www.digitalocean.com/community/tutorials/the-basics-of-using-the-sed-stream-editor-to-manipulate-text-in-linux</a:t>
             </a:r>
@@ -1464,11 +1530,11 @@
 </file>
 
 <file path=ppt/notesSlides/notesSlide8.xml><?xml version="1.0" encoding="utf-8"?>
-<p:notes xmlns:a="http://schemas.openxmlformats.org/drawingml/2006/main" xmlns:r="http://schemas.openxmlformats.org/officeDocument/2006/relationships" xmlns:mc="http://schemas.openxmlformats.org/markup-compatibility/2006" xmlns:mv="urn:schemas-microsoft-com:mac:vml" xmlns:p="http://schemas.openxmlformats.org/presentationml/2006/main" xmlns:c="http://schemas.openxmlformats.org/drawingml/2006/chart" xmlns:dgm="http://schemas.openxmlformats.org/drawingml/2006/diagram" xmlns:o="urn:schemas-microsoft-com:office:office" xmlns:v="urn:schemas-microsoft-com:vml" xmlns:pvml="urn:schemas-microsoft-com:office:powerpoint" xmlns:com="http://schemas.openxmlformats.org/drawingml/2006/compatibility" xmlns:p14="http://schemas.microsoft.com/office/powerpoint/2010/main" xmlns:p15="http://schemas.microsoft.com/office/powerpoint/2012/main" showMasterPhAnim="0" showMasterSp="0">
+<p:notes xmlns:a="http://schemas.openxmlformats.org/drawingml/2006/main" xmlns:r="http://schemas.openxmlformats.org/officeDocument/2006/relationships" xmlns:p="http://schemas.openxmlformats.org/presentationml/2006/main" showMasterSp="0" showMasterPhAnim="0">
   <p:cSld>
     <p:spTree>
       <p:nvGrpSpPr>
-        <p:cNvPr id="120" name="Shape 120"/>
+        <p:cNvPr id="1" name="Shape 120"/>
         <p:cNvGrpSpPr/>
         <p:nvPr/>
       </p:nvGrpSpPr>
@@ -1483,9 +1549,11 @@
       <p:sp>
         <p:nvSpPr>
           <p:cNvPr id="121" name="Google Shape;121;g7de8705377_1_29:notes"/>
-          <p:cNvSpPr/>
+          <p:cNvSpPr>
+            <a:spLocks noGrp="1" noRot="1" noChangeAspect="1"/>
+          </p:cNvSpPr>
           <p:nvPr>
-            <p:ph idx="2" type="sldImg"/>
+            <p:ph type="sldImg" idx="2"/>
           </p:nvPr>
         </p:nvSpPr>
         <p:spPr>
@@ -1494,9 +1562,13 @@
             <a:ext cx="6096000" cy="3429000"/>
           </a:xfrm>
           <a:custGeom>
-            <a:rect b="b" l="l" r="r" t="t"/>
+            <a:avLst/>
+            <a:gdLst/>
+            <a:ahLst/>
+            <a:cxnLst/>
+            <a:rect l="l" t="t" r="r" b="b"/>
             <a:pathLst>
-              <a:path extrusionOk="0" h="120000" w="120000">
+              <a:path w="120000" h="120000" extrusionOk="0">
                 <a:moveTo>
                   <a:pt x="0" y="0"/>
                 </a:moveTo>
@@ -1518,9 +1590,11 @@
       <p:sp>
         <p:nvSpPr>
           <p:cNvPr id="122" name="Google Shape;122;g7de8705377_1_29:notes"/>
-          <p:cNvSpPr txBox="1"/>
+          <p:cNvSpPr txBox="1">
+            <a:spLocks noGrp="1"/>
+          </p:cNvSpPr>
           <p:nvPr>
-            <p:ph idx="1" type="body"/>
+            <p:ph type="body" idx="1"/>
           </p:nvPr>
         </p:nvSpPr>
         <p:spPr>
@@ -1533,12 +1607,12 @@
           </a:prstGeom>
         </p:spPr>
         <p:txBody>
-          <a:bodyPr anchorCtr="0" anchor="t" bIns="91425" lIns="91425" spcFirstLastPara="1" rIns="91425" wrap="square" tIns="91425">
+          <a:bodyPr spcFirstLastPara="1" wrap="square" lIns="91425" tIns="91425" rIns="91425" bIns="91425" anchor="t" anchorCtr="0">
             <a:noAutofit/>
           </a:bodyPr>
           <a:lstStyle/>
           <a:p>
-            <a:pPr indent="0" lvl="0" marL="0" rtl="0" algn="l">
+            <a:pPr marL="0" lvl="0" indent="0" algn="l" rtl="0">
               <a:spcBef>
                 <a:spcPts val="0"/>
               </a:spcBef>
@@ -1554,7 +1628,7 @@
             <a:endParaRPr/>
           </a:p>
           <a:p>
-            <a:pPr indent="0" lvl="0" marL="0" rtl="0" algn="l">
+            <a:pPr marL="0" lvl="0" indent="0" algn="l" rtl="0">
               <a:spcBef>
                 <a:spcPts val="0"/>
               </a:spcBef>
@@ -1563,9 +1637,6 @@
               </a:spcAft>
               <a:buNone/>
             </a:pPr>
-            <a:r>
-              <a:t/>
-            </a:r>
             <a:endParaRPr/>
           </a:p>
         </p:txBody>
@@ -1579,7 +1650,7 @@
 </file>
 
 <file path=ppt/slideLayouts/slideLayout1.xml><?xml version="1.0" encoding="utf-8"?>
-<p:sldLayout xmlns:a="http://schemas.openxmlformats.org/drawingml/2006/main" xmlns:r="http://schemas.openxmlformats.org/officeDocument/2006/relationships" xmlns:mc="http://schemas.openxmlformats.org/markup-compatibility/2006" xmlns:mv="urn:schemas-microsoft-com:mac:vml" xmlns:p="http://schemas.openxmlformats.org/presentationml/2006/main" xmlns:c="http://schemas.openxmlformats.org/drawingml/2006/chart" xmlns:dgm="http://schemas.openxmlformats.org/drawingml/2006/diagram" xmlns:o="urn:schemas-microsoft-com:office:office" xmlns:v="urn:schemas-microsoft-com:vml" xmlns:pvml="urn:schemas-microsoft-com:office:powerpoint" xmlns:com="http://schemas.openxmlformats.org/drawingml/2006/compatibility" xmlns:p14="http://schemas.microsoft.com/office/powerpoint/2010/main" xmlns:p15="http://schemas.microsoft.com/office/powerpoint/2012/main" matchingName="Title Slide" type="title">
+<p:sldLayout xmlns:a="http://schemas.openxmlformats.org/drawingml/2006/main" xmlns:r="http://schemas.openxmlformats.org/officeDocument/2006/relationships" xmlns:p="http://schemas.openxmlformats.org/presentationml/2006/main" matchingName="Title Slide" type="title">
   <p:cSld name="TITLE">
     <p:bg>
       <p:bgPr>
@@ -1591,11 +1662,12 @@
             <a:fillRect/>
           </a:stretch>
         </a:blipFill>
+        <a:effectLst/>
       </p:bgPr>
     </p:bg>
     <p:spTree>
       <p:nvGrpSpPr>
-        <p:cNvPr id="11" name="Shape 11"/>
+        <p:cNvPr id="1" name="Shape 11"/>
         <p:cNvGrpSpPr/>
         <p:nvPr/>
       </p:nvGrpSpPr>
@@ -1631,12 +1703,12 @@
           </a:ln>
         </p:spPr>
         <p:txBody>
-          <a:bodyPr anchorCtr="0" anchor="ctr" bIns="34275" lIns="68575" spcFirstLastPara="1" rIns="68575" wrap="square" tIns="34275">
+          <a:bodyPr spcFirstLastPara="1" wrap="square" lIns="68575" tIns="34275" rIns="68575" bIns="34275" anchor="ctr" anchorCtr="0">
             <a:noAutofit/>
           </a:bodyPr>
           <a:lstStyle/>
           <a:p>
-            <a:pPr indent="0" lvl="0" marL="0" marR="0" rtl="0" algn="ctr">
+            <a:pPr marL="0" marR="0" lvl="0" indent="0" algn="ctr" rtl="0">
               <a:lnSpc>
                 <a:spcPct val="100000"/>
               </a:lnSpc>
@@ -1653,10 +1725,7 @@
               <a:buFont typeface="Arial"/>
               <a:buNone/>
             </a:pPr>
-            <a:r>
-              <a:t/>
-            </a:r>
-            <a:endParaRPr b="0" i="0" sz="1400" u="none" cap="none" strike="noStrike">
+            <a:endParaRPr sz="1400" b="0" i="0" u="none" strike="noStrike" cap="none">
               <a:solidFill>
                 <a:schemeClr val="lt1"/>
               </a:solidFill>
@@ -1690,12 +1759,12 @@
           </a:ln>
         </p:spPr>
         <p:txBody>
-          <a:bodyPr anchorCtr="0" anchor="ctr" bIns="34275" lIns="68575" spcFirstLastPara="1" rIns="68575" wrap="square" tIns="34275">
+          <a:bodyPr spcFirstLastPara="1" wrap="square" lIns="68575" tIns="34275" rIns="68575" bIns="34275" anchor="ctr" anchorCtr="0">
             <a:noAutofit/>
           </a:bodyPr>
           <a:lstStyle/>
           <a:p>
-            <a:pPr indent="0" lvl="0" marL="0" marR="0" rtl="0" algn="ctr">
+            <a:pPr marL="0" marR="0" lvl="0" indent="0" algn="ctr" rtl="0">
               <a:lnSpc>
                 <a:spcPct val="100000"/>
               </a:lnSpc>
@@ -1712,10 +1781,7 @@
               <a:buFont typeface="Arial"/>
               <a:buNone/>
             </a:pPr>
-            <a:r>
-              <a:t/>
-            </a:r>
-            <a:endParaRPr b="0" i="0" sz="1400" u="none" cap="none" strike="noStrike">
+            <a:endParaRPr sz="1400" b="0" i="0" u="none" strike="noStrike" cap="none">
               <a:solidFill>
                 <a:schemeClr val="lt1"/>
               </a:solidFill>
@@ -1730,7 +1796,9 @@
       <p:sp>
         <p:nvSpPr>
           <p:cNvPr id="14" name="Google Shape;14;p2"/>
-          <p:cNvSpPr txBox="1"/>
+          <p:cNvSpPr txBox="1">
+            <a:spLocks noGrp="1"/>
+          </p:cNvSpPr>
           <p:nvPr>
             <p:ph type="ctrTitle"/>
           </p:nvPr>
@@ -1749,7 +1817,7 @@
           </a:ln>
         </p:spPr>
         <p:txBody>
-          <a:bodyPr anchorCtr="0" anchor="b" bIns="34275" lIns="68575" spcFirstLastPara="1" rIns="68575" wrap="square" tIns="34275">
+          <a:bodyPr spcFirstLastPara="1" wrap="square" lIns="68575" tIns="34275" rIns="68575" bIns="34275" anchor="b" anchorCtr="0">
             <a:noAutofit/>
           </a:bodyPr>
           <a:lstStyle>
@@ -1888,15 +1956,19 @@
               <a:defRPr/>
             </a:lvl9pPr>
           </a:lstStyle>
-          <a:p/>
+          <a:p>
+            <a:endParaRPr/>
+          </a:p>
         </p:txBody>
       </p:sp>
       <p:sp>
         <p:nvSpPr>
           <p:cNvPr id="15" name="Google Shape;15;p2"/>
-          <p:cNvSpPr txBox="1"/>
+          <p:cNvSpPr txBox="1">
+            <a:spLocks noGrp="1"/>
+          </p:cNvSpPr>
           <p:nvPr>
-            <p:ph idx="1" type="subTitle"/>
+            <p:ph type="subTitle" idx="1"/>
           </p:nvPr>
         </p:nvSpPr>
         <p:spPr>
@@ -1913,7 +1985,7 @@
           </a:ln>
         </p:spPr>
         <p:txBody>
-          <a:bodyPr anchorCtr="0" anchor="t" bIns="34275" lIns="68575" spcFirstLastPara="1" rIns="68575" wrap="square" tIns="34275">
+          <a:bodyPr spcFirstLastPara="1" wrap="square" lIns="68575" tIns="34275" rIns="68575" bIns="34275" anchor="t" anchorCtr="0">
             <a:noAutofit/>
           </a:bodyPr>
           <a:lstStyle>
@@ -2052,7 +2124,9 @@
               <a:defRPr sz="1200"/>
             </a:lvl9pPr>
           </a:lstStyle>
-          <a:p/>
+          <a:p>
+            <a:endParaRPr/>
+          </a:p>
         </p:txBody>
       </p:sp>
     </p:spTree>
@@ -2064,11 +2138,11 @@
 </file>
 
 <file path=ppt/slideLayouts/slideLayout10.xml><?xml version="1.0" encoding="utf-8"?>
-<p:sldLayout xmlns:a="http://schemas.openxmlformats.org/drawingml/2006/main" xmlns:r="http://schemas.openxmlformats.org/officeDocument/2006/relationships" xmlns:mc="http://schemas.openxmlformats.org/markup-compatibility/2006" xmlns:mv="urn:schemas-microsoft-com:mac:vml" xmlns:p="http://schemas.openxmlformats.org/presentationml/2006/main" xmlns:c="http://schemas.openxmlformats.org/drawingml/2006/chart" xmlns:dgm="http://schemas.openxmlformats.org/drawingml/2006/diagram" xmlns:o="urn:schemas-microsoft-com:office:office" xmlns:v="urn:schemas-microsoft-com:vml" xmlns:pvml="urn:schemas-microsoft-com:office:powerpoint" xmlns:com="http://schemas.openxmlformats.org/drawingml/2006/compatibility" xmlns:p14="http://schemas.microsoft.com/office/powerpoint/2010/main" xmlns:p15="http://schemas.microsoft.com/office/powerpoint/2012/main" matchingName="Title and Vertical Text" type="vertTx">
+<p:sldLayout xmlns:a="http://schemas.openxmlformats.org/drawingml/2006/main" xmlns:r="http://schemas.openxmlformats.org/officeDocument/2006/relationships" xmlns:p="http://schemas.openxmlformats.org/presentationml/2006/main" matchingName="Title and Vertical Text" type="vertTx">
   <p:cSld name="VERTICAL_TEXT">
     <p:spTree>
       <p:nvGrpSpPr>
-        <p:cNvPr id="65" name="Shape 65"/>
+        <p:cNvPr id="1" name="Shape 65"/>
         <p:cNvGrpSpPr/>
         <p:nvPr/>
       </p:nvGrpSpPr>
@@ -2083,7 +2157,9 @@
       <p:sp>
         <p:nvSpPr>
           <p:cNvPr id="66" name="Google Shape;66;p11"/>
-          <p:cNvSpPr txBox="1"/>
+          <p:cNvSpPr txBox="1">
+            <a:spLocks noGrp="1"/>
+          </p:cNvSpPr>
           <p:nvPr>
             <p:ph type="title"/>
           </p:nvPr>
@@ -2102,7 +2178,7 @@
           </a:ln>
         </p:spPr>
         <p:txBody>
-          <a:bodyPr anchorCtr="0" anchor="b" bIns="34275" lIns="68575" spcFirstLastPara="1" rIns="68575" wrap="square" tIns="34275">
+          <a:bodyPr spcFirstLastPara="1" wrap="square" lIns="68575" tIns="34275" rIns="68575" bIns="34275" anchor="b" anchorCtr="0">
             <a:noAutofit/>
           </a:bodyPr>
           <a:lstStyle>
@@ -2236,15 +2312,19 @@
               <a:defRPr/>
             </a:lvl9pPr>
           </a:lstStyle>
-          <a:p/>
+          <a:p>
+            <a:endParaRPr/>
+          </a:p>
         </p:txBody>
       </p:sp>
       <p:sp>
         <p:nvSpPr>
           <p:cNvPr id="67" name="Google Shape;67;p11"/>
-          <p:cNvSpPr txBox="1"/>
+          <p:cNvSpPr txBox="1">
+            <a:spLocks noGrp="1"/>
+          </p:cNvSpPr>
           <p:nvPr>
-            <p:ph idx="1" type="body"/>
+            <p:ph type="body" idx="1"/>
           </p:nvPr>
         </p:nvSpPr>
         <p:spPr>
@@ -2261,11 +2341,11 @@
           </a:ln>
         </p:spPr>
         <p:txBody>
-          <a:bodyPr anchorCtr="0" anchor="t" bIns="34275" lIns="68575" spcFirstLastPara="1" rIns="68575" wrap="square" tIns="34275">
+          <a:bodyPr spcFirstLastPara="1" wrap="square" lIns="68575" tIns="34275" rIns="68575" bIns="34275" anchor="t" anchorCtr="0">
             <a:noAutofit/>
           </a:bodyPr>
           <a:lstStyle>
-            <a:lvl1pPr indent="-317500" lvl="0" marL="457200" algn="l">
+            <a:lvl1pPr marL="457200" lvl="0" indent="-317500" algn="l">
               <a:lnSpc>
                 <a:spcPct val="90000"/>
               </a:lnSpc>
@@ -2279,7 +2359,7 @@
               <a:buChar char="•"/>
               <a:defRPr/>
             </a:lvl1pPr>
-            <a:lvl2pPr indent="-317500" lvl="1" marL="914400" algn="l">
+            <a:lvl2pPr marL="914400" lvl="1" indent="-317500" algn="l">
               <a:lnSpc>
                 <a:spcPct val="90000"/>
               </a:lnSpc>
@@ -2293,7 +2373,7 @@
               <a:buChar char="•"/>
               <a:defRPr/>
             </a:lvl2pPr>
-            <a:lvl3pPr indent="-317500" lvl="2" marL="1371600" algn="l">
+            <a:lvl3pPr marL="1371600" lvl="2" indent="-317500" algn="l">
               <a:lnSpc>
                 <a:spcPct val="90000"/>
               </a:lnSpc>
@@ -2307,7 +2387,7 @@
               <a:buChar char="•"/>
               <a:defRPr/>
             </a:lvl3pPr>
-            <a:lvl4pPr indent="-317500" lvl="3" marL="1828800" algn="l">
+            <a:lvl4pPr marL="1828800" lvl="3" indent="-317500" algn="l">
               <a:lnSpc>
                 <a:spcPct val="90000"/>
               </a:lnSpc>
@@ -2321,7 +2401,7 @@
               <a:buChar char="•"/>
               <a:defRPr/>
             </a:lvl4pPr>
-            <a:lvl5pPr indent="-317500" lvl="4" marL="2286000" algn="l">
+            <a:lvl5pPr marL="2286000" lvl="4" indent="-317500" algn="l">
               <a:lnSpc>
                 <a:spcPct val="90000"/>
               </a:lnSpc>
@@ -2335,7 +2415,7 @@
               <a:buChar char="•"/>
               <a:defRPr/>
             </a:lvl5pPr>
-            <a:lvl6pPr indent="-317500" lvl="5" marL="2743200" algn="l">
+            <a:lvl6pPr marL="2743200" lvl="5" indent="-317500" algn="l">
               <a:lnSpc>
                 <a:spcPct val="90000"/>
               </a:lnSpc>
@@ -2349,7 +2429,7 @@
               <a:buChar char="•"/>
               <a:defRPr/>
             </a:lvl6pPr>
-            <a:lvl7pPr indent="-317500" lvl="6" marL="3200400" algn="l">
+            <a:lvl7pPr marL="3200400" lvl="6" indent="-317500" algn="l">
               <a:lnSpc>
                 <a:spcPct val="90000"/>
               </a:lnSpc>
@@ -2363,7 +2443,7 @@
               <a:buChar char="•"/>
               <a:defRPr/>
             </a:lvl7pPr>
-            <a:lvl8pPr indent="-317500" lvl="7" marL="3657600" algn="l">
+            <a:lvl8pPr marL="3657600" lvl="7" indent="-317500" algn="l">
               <a:lnSpc>
                 <a:spcPct val="90000"/>
               </a:lnSpc>
@@ -2377,7 +2457,7 @@
               <a:buChar char="•"/>
               <a:defRPr/>
             </a:lvl8pPr>
-            <a:lvl9pPr indent="-317500" lvl="8" marL="4114800" algn="l">
+            <a:lvl9pPr marL="4114800" lvl="8" indent="-317500" algn="l">
               <a:lnSpc>
                 <a:spcPct val="90000"/>
               </a:lnSpc>
@@ -2392,15 +2472,19 @@
               <a:defRPr/>
             </a:lvl9pPr>
           </a:lstStyle>
-          <a:p/>
+          <a:p>
+            <a:endParaRPr/>
+          </a:p>
         </p:txBody>
       </p:sp>
       <p:sp>
         <p:nvSpPr>
           <p:cNvPr id="68" name="Google Shape;68;p11"/>
-          <p:cNvSpPr txBox="1"/>
+          <p:cNvSpPr txBox="1">
+            <a:spLocks noGrp="1"/>
+          </p:cNvSpPr>
           <p:nvPr>
-            <p:ph idx="11" type="ftr"/>
+            <p:ph type="ftr" idx="11"/>
           </p:nvPr>
         </p:nvSpPr>
         <p:spPr>
@@ -2417,7 +2501,7 @@
           </a:ln>
         </p:spPr>
         <p:txBody>
-          <a:bodyPr anchorCtr="0" anchor="ctr" bIns="34275" lIns="68575" spcFirstLastPara="1" rIns="68575" wrap="square" tIns="34275">
+          <a:bodyPr spcFirstLastPara="1" wrap="square" lIns="68575" tIns="34275" rIns="68575" bIns="34275" anchor="ctr" anchorCtr="0">
             <a:noAutofit/>
           </a:bodyPr>
           <a:lstStyle>
@@ -2548,15 +2632,19 @@
               <a:defRPr/>
             </a:lvl9pPr>
           </a:lstStyle>
-          <a:p/>
+          <a:p>
+            <a:endParaRPr/>
+          </a:p>
         </p:txBody>
       </p:sp>
       <p:sp>
         <p:nvSpPr>
           <p:cNvPr id="69" name="Google Shape;69;p11"/>
-          <p:cNvSpPr txBox="1"/>
+          <p:cNvSpPr txBox="1">
+            <a:spLocks noGrp="1"/>
+          </p:cNvSpPr>
           <p:nvPr>
-            <p:ph idx="10" type="dt"/>
+            <p:ph type="dt" idx="10"/>
           </p:nvPr>
         </p:nvSpPr>
         <p:spPr>
@@ -2573,7 +2661,7 @@
           </a:ln>
         </p:spPr>
         <p:txBody>
-          <a:bodyPr anchorCtr="0" anchor="ctr" bIns="34275" lIns="68575" spcFirstLastPara="1" rIns="68575" wrap="square" tIns="34275">
+          <a:bodyPr spcFirstLastPara="1" wrap="square" lIns="68575" tIns="34275" rIns="68575" bIns="34275" anchor="ctr" anchorCtr="0">
             <a:noAutofit/>
           </a:bodyPr>
           <a:lstStyle>
@@ -2704,15 +2792,19 @@
               <a:defRPr/>
             </a:lvl9pPr>
           </a:lstStyle>
-          <a:p/>
+          <a:p>
+            <a:endParaRPr/>
+          </a:p>
         </p:txBody>
       </p:sp>
       <p:sp>
         <p:nvSpPr>
           <p:cNvPr id="70" name="Google Shape;70;p11"/>
-          <p:cNvSpPr txBox="1"/>
+          <p:cNvSpPr txBox="1">
+            <a:spLocks noGrp="1"/>
+          </p:cNvSpPr>
           <p:nvPr>
-            <p:ph idx="12" type="sldNum"/>
+            <p:ph type="sldNum" idx="12"/>
           </p:nvPr>
         </p:nvSpPr>
         <p:spPr>
@@ -2729,11 +2821,11 @@
           </a:ln>
         </p:spPr>
         <p:txBody>
-          <a:bodyPr anchorCtr="0" anchor="ctr" bIns="34275" lIns="68575" spcFirstLastPara="1" rIns="68575" wrap="square" tIns="34275">
+          <a:bodyPr spcFirstLastPara="1" wrap="square" lIns="68575" tIns="34275" rIns="68575" bIns="34275" anchor="ctr" anchorCtr="0">
             <a:noAutofit/>
           </a:bodyPr>
           <a:lstStyle>
-            <a:lvl1pPr indent="0" lvl="0" marL="0" marR="0" algn="r">
+            <a:lvl1pPr marL="0" marR="0" lvl="0" indent="0" algn="r">
               <a:lnSpc>
                 <a:spcPct val="100000"/>
               </a:lnSpc>
@@ -2749,7 +2841,7 @@
               <a:buSzPts val="800"/>
               <a:buFont typeface="Arial"/>
               <a:buNone/>
-              <a:defRPr b="0" i="0" sz="800" u="none" cap="none" strike="noStrike">
+              <a:defRPr sz="800" b="0" i="0" u="none" strike="noStrike" cap="none">
                 <a:solidFill>
                   <a:srgbClr val="D8D8D8"/>
                 </a:solidFill>
@@ -2759,7 +2851,7 @@
                 <a:sym typeface="Candara"/>
               </a:defRPr>
             </a:lvl1pPr>
-            <a:lvl2pPr indent="0" lvl="1" marL="0" marR="0" algn="r">
+            <a:lvl2pPr marL="0" marR="0" lvl="1" indent="0" algn="r">
               <a:lnSpc>
                 <a:spcPct val="100000"/>
               </a:lnSpc>
@@ -2775,7 +2867,7 @@
               <a:buSzPts val="800"/>
               <a:buFont typeface="Arial"/>
               <a:buNone/>
-              <a:defRPr b="0" i="0" sz="800" u="none" cap="none" strike="noStrike">
+              <a:defRPr sz="800" b="0" i="0" u="none" strike="noStrike" cap="none">
                 <a:solidFill>
                   <a:srgbClr val="D8D8D8"/>
                 </a:solidFill>
@@ -2785,7 +2877,7 @@
                 <a:sym typeface="Candara"/>
               </a:defRPr>
             </a:lvl2pPr>
-            <a:lvl3pPr indent="0" lvl="2" marL="0" marR="0" algn="r">
+            <a:lvl3pPr marL="0" marR="0" lvl="2" indent="0" algn="r">
               <a:lnSpc>
                 <a:spcPct val="100000"/>
               </a:lnSpc>
@@ -2801,7 +2893,7 @@
               <a:buSzPts val="800"/>
               <a:buFont typeface="Arial"/>
               <a:buNone/>
-              <a:defRPr b="0" i="0" sz="800" u="none" cap="none" strike="noStrike">
+              <a:defRPr sz="800" b="0" i="0" u="none" strike="noStrike" cap="none">
                 <a:solidFill>
                   <a:srgbClr val="D8D8D8"/>
                 </a:solidFill>
@@ -2811,7 +2903,7 @@
                 <a:sym typeface="Candara"/>
               </a:defRPr>
             </a:lvl3pPr>
-            <a:lvl4pPr indent="0" lvl="3" marL="0" marR="0" algn="r">
+            <a:lvl4pPr marL="0" marR="0" lvl="3" indent="0" algn="r">
               <a:lnSpc>
                 <a:spcPct val="100000"/>
               </a:lnSpc>
@@ -2827,7 +2919,7 @@
               <a:buSzPts val="800"/>
               <a:buFont typeface="Arial"/>
               <a:buNone/>
-              <a:defRPr b="0" i="0" sz="800" u="none" cap="none" strike="noStrike">
+              <a:defRPr sz="800" b="0" i="0" u="none" strike="noStrike" cap="none">
                 <a:solidFill>
                   <a:srgbClr val="D8D8D8"/>
                 </a:solidFill>
@@ -2837,7 +2929,7 @@
                 <a:sym typeface="Candara"/>
               </a:defRPr>
             </a:lvl4pPr>
-            <a:lvl5pPr indent="0" lvl="4" marL="0" marR="0" algn="r">
+            <a:lvl5pPr marL="0" marR="0" lvl="4" indent="0" algn="r">
               <a:lnSpc>
                 <a:spcPct val="100000"/>
               </a:lnSpc>
@@ -2853,7 +2945,7 @@
               <a:buSzPts val="800"/>
               <a:buFont typeface="Arial"/>
               <a:buNone/>
-              <a:defRPr b="0" i="0" sz="800" u="none" cap="none" strike="noStrike">
+              <a:defRPr sz="800" b="0" i="0" u="none" strike="noStrike" cap="none">
                 <a:solidFill>
                   <a:srgbClr val="D8D8D8"/>
                 </a:solidFill>
@@ -2863,7 +2955,7 @@
                 <a:sym typeface="Candara"/>
               </a:defRPr>
             </a:lvl5pPr>
-            <a:lvl6pPr indent="0" lvl="5" marL="0" marR="0" algn="r">
+            <a:lvl6pPr marL="0" marR="0" lvl="5" indent="0" algn="r">
               <a:lnSpc>
                 <a:spcPct val="100000"/>
               </a:lnSpc>
@@ -2879,7 +2971,7 @@
               <a:buSzPts val="800"/>
               <a:buFont typeface="Arial"/>
               <a:buNone/>
-              <a:defRPr b="0" i="0" sz="800" u="none" cap="none" strike="noStrike">
+              <a:defRPr sz="800" b="0" i="0" u="none" strike="noStrike" cap="none">
                 <a:solidFill>
                   <a:srgbClr val="D8D8D8"/>
                 </a:solidFill>
@@ -2889,7 +2981,7 @@
                 <a:sym typeface="Candara"/>
               </a:defRPr>
             </a:lvl6pPr>
-            <a:lvl7pPr indent="0" lvl="6" marL="0" marR="0" algn="r">
+            <a:lvl7pPr marL="0" marR="0" lvl="6" indent="0" algn="r">
               <a:lnSpc>
                 <a:spcPct val="100000"/>
               </a:lnSpc>
@@ -2905,7 +2997,7 @@
               <a:buSzPts val="800"/>
               <a:buFont typeface="Arial"/>
               <a:buNone/>
-              <a:defRPr b="0" i="0" sz="800" u="none" cap="none" strike="noStrike">
+              <a:defRPr sz="800" b="0" i="0" u="none" strike="noStrike" cap="none">
                 <a:solidFill>
                   <a:srgbClr val="D8D8D8"/>
                 </a:solidFill>
@@ -2915,7 +3007,7 @@
                 <a:sym typeface="Candara"/>
               </a:defRPr>
             </a:lvl7pPr>
-            <a:lvl8pPr indent="0" lvl="7" marL="0" marR="0" algn="r">
+            <a:lvl8pPr marL="0" marR="0" lvl="7" indent="0" algn="r">
               <a:lnSpc>
                 <a:spcPct val="100000"/>
               </a:lnSpc>
@@ -2931,7 +3023,7 @@
               <a:buSzPts val="800"/>
               <a:buFont typeface="Arial"/>
               <a:buNone/>
-              <a:defRPr b="0" i="0" sz="800" u="none" cap="none" strike="noStrike">
+              <a:defRPr sz="800" b="0" i="0" u="none" strike="noStrike" cap="none">
                 <a:solidFill>
                   <a:srgbClr val="D8D8D8"/>
                 </a:solidFill>
@@ -2941,7 +3033,7 @@
                 <a:sym typeface="Candara"/>
               </a:defRPr>
             </a:lvl8pPr>
-            <a:lvl9pPr indent="0" lvl="8" marL="0" marR="0" algn="r">
+            <a:lvl9pPr marL="0" marR="0" lvl="8" indent="0" algn="r">
               <a:lnSpc>
                 <a:spcPct val="100000"/>
               </a:lnSpc>
@@ -2957,7 +3049,7 @@
               <a:buSzPts val="800"/>
               <a:buFont typeface="Arial"/>
               <a:buNone/>
-              <a:defRPr b="0" i="0" sz="800" u="none" cap="none" strike="noStrike">
+              <a:defRPr sz="800" b="0" i="0" u="none" strike="noStrike" cap="none">
                 <a:solidFill>
                   <a:srgbClr val="D8D8D8"/>
                 </a:solidFill>
@@ -2969,7 +3061,7 @@
             </a:lvl9pPr>
           </a:lstStyle>
           <a:p>
-            <a:pPr indent="0" lvl="0" marL="0" rtl="0" algn="r">
+            <a:pPr marL="0" lvl="0" indent="0" algn="r" rtl="0">
               <a:spcBef>
                 <a:spcPts val="0"/>
               </a:spcBef>
@@ -2995,11 +3087,11 @@
 </file>
 
 <file path=ppt/slideLayouts/slideLayout11.xml><?xml version="1.0" encoding="utf-8"?>
-<p:sldLayout xmlns:a="http://schemas.openxmlformats.org/drawingml/2006/main" xmlns:r="http://schemas.openxmlformats.org/officeDocument/2006/relationships" xmlns:mc="http://schemas.openxmlformats.org/markup-compatibility/2006" xmlns:mv="urn:schemas-microsoft-com:mac:vml" xmlns:p="http://schemas.openxmlformats.org/presentationml/2006/main" xmlns:c="http://schemas.openxmlformats.org/drawingml/2006/chart" xmlns:dgm="http://schemas.openxmlformats.org/drawingml/2006/diagram" xmlns:o="urn:schemas-microsoft-com:office:office" xmlns:v="urn:schemas-microsoft-com:vml" xmlns:pvml="urn:schemas-microsoft-com:office:powerpoint" xmlns:com="http://schemas.openxmlformats.org/drawingml/2006/compatibility" xmlns:p14="http://schemas.microsoft.com/office/powerpoint/2010/main" xmlns:p15="http://schemas.microsoft.com/office/powerpoint/2012/main" matchingName="Vertical Title and Text" type="vertTitleAndTx">
+<p:sldLayout xmlns:a="http://schemas.openxmlformats.org/drawingml/2006/main" xmlns:r="http://schemas.openxmlformats.org/officeDocument/2006/relationships" xmlns:p="http://schemas.openxmlformats.org/presentationml/2006/main" matchingName="Vertical Title and Text" type="vertTitleAndTx">
   <p:cSld name="VERTICAL_TITLE_AND_VERTICAL_TEXT">
     <p:spTree>
       <p:nvGrpSpPr>
-        <p:cNvPr id="71" name="Shape 71"/>
+        <p:cNvPr id="1" name="Shape 71"/>
         <p:cNvGrpSpPr/>
         <p:nvPr/>
       </p:nvGrpSpPr>
@@ -3014,7 +3106,9 @@
       <p:sp>
         <p:nvSpPr>
           <p:cNvPr id="72" name="Google Shape;72;p12"/>
-          <p:cNvSpPr txBox="1"/>
+          <p:cNvSpPr txBox="1">
+            <a:spLocks noGrp="1"/>
+          </p:cNvSpPr>
           <p:nvPr>
             <p:ph type="title"/>
           </p:nvPr>
@@ -3033,7 +3127,7 @@
           </a:ln>
         </p:spPr>
         <p:txBody>
-          <a:bodyPr anchorCtr="0" anchor="b" bIns="34275" lIns="68575" spcFirstLastPara="1" rIns="68575" wrap="square" tIns="34275">
+          <a:bodyPr spcFirstLastPara="1" wrap="square" lIns="68575" tIns="34275" rIns="68575" bIns="34275" anchor="b" anchorCtr="0">
             <a:noAutofit/>
           </a:bodyPr>
           <a:lstStyle>
@@ -3167,15 +3261,19 @@
               <a:defRPr/>
             </a:lvl9pPr>
           </a:lstStyle>
-          <a:p/>
+          <a:p>
+            <a:endParaRPr/>
+          </a:p>
         </p:txBody>
       </p:sp>
       <p:sp>
         <p:nvSpPr>
           <p:cNvPr id="73" name="Google Shape;73;p12"/>
-          <p:cNvSpPr txBox="1"/>
+          <p:cNvSpPr txBox="1">
+            <a:spLocks noGrp="1"/>
+          </p:cNvSpPr>
           <p:nvPr>
-            <p:ph idx="1" type="body"/>
+            <p:ph type="body" idx="1"/>
           </p:nvPr>
         </p:nvSpPr>
         <p:spPr>
@@ -3192,11 +3290,11 @@
           </a:ln>
         </p:spPr>
         <p:txBody>
-          <a:bodyPr anchorCtr="0" anchor="t" bIns="34275" lIns="68575" spcFirstLastPara="1" rIns="68575" wrap="square" tIns="34275">
+          <a:bodyPr spcFirstLastPara="1" wrap="square" lIns="68575" tIns="34275" rIns="68575" bIns="34275" anchor="t" anchorCtr="0">
             <a:noAutofit/>
           </a:bodyPr>
           <a:lstStyle>
-            <a:lvl1pPr indent="-317500" lvl="0" marL="457200" algn="l">
+            <a:lvl1pPr marL="457200" lvl="0" indent="-317500" algn="l">
               <a:lnSpc>
                 <a:spcPct val="90000"/>
               </a:lnSpc>
@@ -3210,7 +3308,7 @@
               <a:buChar char="•"/>
               <a:defRPr/>
             </a:lvl1pPr>
-            <a:lvl2pPr indent="-317500" lvl="1" marL="914400" algn="l">
+            <a:lvl2pPr marL="914400" lvl="1" indent="-317500" algn="l">
               <a:lnSpc>
                 <a:spcPct val="90000"/>
               </a:lnSpc>
@@ -3224,7 +3322,7 @@
               <a:buChar char="•"/>
               <a:defRPr/>
             </a:lvl2pPr>
-            <a:lvl3pPr indent="-317500" lvl="2" marL="1371600" algn="l">
+            <a:lvl3pPr marL="1371600" lvl="2" indent="-317500" algn="l">
               <a:lnSpc>
                 <a:spcPct val="90000"/>
               </a:lnSpc>
@@ -3238,7 +3336,7 @@
               <a:buChar char="•"/>
               <a:defRPr/>
             </a:lvl3pPr>
-            <a:lvl4pPr indent="-317500" lvl="3" marL="1828800" algn="l">
+            <a:lvl4pPr marL="1828800" lvl="3" indent="-317500" algn="l">
               <a:lnSpc>
                 <a:spcPct val="90000"/>
               </a:lnSpc>
@@ -3252,7 +3350,7 @@
               <a:buChar char="•"/>
               <a:defRPr/>
             </a:lvl4pPr>
-            <a:lvl5pPr indent="-317500" lvl="4" marL="2286000" algn="l">
+            <a:lvl5pPr marL="2286000" lvl="4" indent="-317500" algn="l">
               <a:lnSpc>
                 <a:spcPct val="90000"/>
               </a:lnSpc>
@@ -3266,7 +3364,7 @@
               <a:buChar char="•"/>
               <a:defRPr/>
             </a:lvl5pPr>
-            <a:lvl6pPr indent="-317500" lvl="5" marL="2743200" algn="l">
+            <a:lvl6pPr marL="2743200" lvl="5" indent="-317500" algn="l">
               <a:lnSpc>
                 <a:spcPct val="90000"/>
               </a:lnSpc>
@@ -3280,7 +3378,7 @@
               <a:buChar char="•"/>
               <a:defRPr/>
             </a:lvl6pPr>
-            <a:lvl7pPr indent="-317500" lvl="6" marL="3200400" algn="l">
+            <a:lvl7pPr marL="3200400" lvl="6" indent="-317500" algn="l">
               <a:lnSpc>
                 <a:spcPct val="90000"/>
               </a:lnSpc>
@@ -3294,7 +3392,7 @@
               <a:buChar char="•"/>
               <a:defRPr/>
             </a:lvl7pPr>
-            <a:lvl8pPr indent="-317500" lvl="7" marL="3657600" algn="l">
+            <a:lvl8pPr marL="3657600" lvl="7" indent="-317500" algn="l">
               <a:lnSpc>
                 <a:spcPct val="90000"/>
               </a:lnSpc>
@@ -3308,7 +3406,7 @@
               <a:buChar char="•"/>
               <a:defRPr/>
             </a:lvl8pPr>
-            <a:lvl9pPr indent="-317500" lvl="8" marL="4114800" algn="l">
+            <a:lvl9pPr marL="4114800" lvl="8" indent="-317500" algn="l">
               <a:lnSpc>
                 <a:spcPct val="90000"/>
               </a:lnSpc>
@@ -3323,15 +3421,19 @@
               <a:defRPr/>
             </a:lvl9pPr>
           </a:lstStyle>
-          <a:p/>
+          <a:p>
+            <a:endParaRPr/>
+          </a:p>
         </p:txBody>
       </p:sp>
       <p:sp>
         <p:nvSpPr>
           <p:cNvPr id="74" name="Google Shape;74;p12"/>
-          <p:cNvSpPr txBox="1"/>
+          <p:cNvSpPr txBox="1">
+            <a:spLocks noGrp="1"/>
+          </p:cNvSpPr>
           <p:nvPr>
-            <p:ph idx="11" type="ftr"/>
+            <p:ph type="ftr" idx="11"/>
           </p:nvPr>
         </p:nvSpPr>
         <p:spPr>
@@ -3348,7 +3450,7 @@
           </a:ln>
         </p:spPr>
         <p:txBody>
-          <a:bodyPr anchorCtr="0" anchor="ctr" bIns="34275" lIns="68575" spcFirstLastPara="1" rIns="68575" wrap="square" tIns="34275">
+          <a:bodyPr spcFirstLastPara="1" wrap="square" lIns="68575" tIns="34275" rIns="68575" bIns="34275" anchor="ctr" anchorCtr="0">
             <a:noAutofit/>
           </a:bodyPr>
           <a:lstStyle>
@@ -3479,15 +3581,19 @@
               <a:defRPr/>
             </a:lvl9pPr>
           </a:lstStyle>
-          <a:p/>
+          <a:p>
+            <a:endParaRPr/>
+          </a:p>
         </p:txBody>
       </p:sp>
       <p:sp>
         <p:nvSpPr>
           <p:cNvPr id="75" name="Google Shape;75;p12"/>
-          <p:cNvSpPr txBox="1"/>
+          <p:cNvSpPr txBox="1">
+            <a:spLocks noGrp="1"/>
+          </p:cNvSpPr>
           <p:nvPr>
-            <p:ph idx="10" type="dt"/>
+            <p:ph type="dt" idx="10"/>
           </p:nvPr>
         </p:nvSpPr>
         <p:spPr>
@@ -3504,7 +3610,7 @@
           </a:ln>
         </p:spPr>
         <p:txBody>
-          <a:bodyPr anchorCtr="0" anchor="ctr" bIns="34275" lIns="68575" spcFirstLastPara="1" rIns="68575" wrap="square" tIns="34275">
+          <a:bodyPr spcFirstLastPara="1" wrap="square" lIns="68575" tIns="34275" rIns="68575" bIns="34275" anchor="ctr" anchorCtr="0">
             <a:noAutofit/>
           </a:bodyPr>
           <a:lstStyle>
@@ -3635,15 +3741,19 @@
               <a:defRPr/>
             </a:lvl9pPr>
           </a:lstStyle>
-          <a:p/>
+          <a:p>
+            <a:endParaRPr/>
+          </a:p>
         </p:txBody>
       </p:sp>
       <p:sp>
         <p:nvSpPr>
           <p:cNvPr id="76" name="Google Shape;76;p12"/>
-          <p:cNvSpPr txBox="1"/>
+          <p:cNvSpPr txBox="1">
+            <a:spLocks noGrp="1"/>
+          </p:cNvSpPr>
           <p:nvPr>
-            <p:ph idx="12" type="sldNum"/>
+            <p:ph type="sldNum" idx="12"/>
           </p:nvPr>
         </p:nvSpPr>
         <p:spPr>
@@ -3660,11 +3770,11 @@
           </a:ln>
         </p:spPr>
         <p:txBody>
-          <a:bodyPr anchorCtr="0" anchor="ctr" bIns="34275" lIns="68575" spcFirstLastPara="1" rIns="68575" wrap="square" tIns="34275">
+          <a:bodyPr spcFirstLastPara="1" wrap="square" lIns="68575" tIns="34275" rIns="68575" bIns="34275" anchor="ctr" anchorCtr="0">
             <a:noAutofit/>
           </a:bodyPr>
           <a:lstStyle>
-            <a:lvl1pPr indent="0" lvl="0" marL="0" marR="0" algn="r">
+            <a:lvl1pPr marL="0" marR="0" lvl="0" indent="0" algn="r">
               <a:lnSpc>
                 <a:spcPct val="100000"/>
               </a:lnSpc>
@@ -3680,7 +3790,7 @@
               <a:buSzPts val="800"/>
               <a:buFont typeface="Arial"/>
               <a:buNone/>
-              <a:defRPr b="0" i="0" sz="800" u="none" cap="none" strike="noStrike">
+              <a:defRPr sz="800" b="0" i="0" u="none" strike="noStrike" cap="none">
                 <a:solidFill>
                   <a:srgbClr val="D8D8D8"/>
                 </a:solidFill>
@@ -3690,7 +3800,7 @@
                 <a:sym typeface="Candara"/>
               </a:defRPr>
             </a:lvl1pPr>
-            <a:lvl2pPr indent="0" lvl="1" marL="0" marR="0" algn="r">
+            <a:lvl2pPr marL="0" marR="0" lvl="1" indent="0" algn="r">
               <a:lnSpc>
                 <a:spcPct val="100000"/>
               </a:lnSpc>
@@ -3706,7 +3816,7 @@
               <a:buSzPts val="800"/>
               <a:buFont typeface="Arial"/>
               <a:buNone/>
-              <a:defRPr b="0" i="0" sz="800" u="none" cap="none" strike="noStrike">
+              <a:defRPr sz="800" b="0" i="0" u="none" strike="noStrike" cap="none">
                 <a:solidFill>
                   <a:srgbClr val="D8D8D8"/>
                 </a:solidFill>
@@ -3716,7 +3826,7 @@
                 <a:sym typeface="Candara"/>
               </a:defRPr>
             </a:lvl2pPr>
-            <a:lvl3pPr indent="0" lvl="2" marL="0" marR="0" algn="r">
+            <a:lvl3pPr marL="0" marR="0" lvl="2" indent="0" algn="r">
               <a:lnSpc>
                 <a:spcPct val="100000"/>
               </a:lnSpc>
@@ -3732,7 +3842,7 @@
               <a:buSzPts val="800"/>
               <a:buFont typeface="Arial"/>
               <a:buNone/>
-              <a:defRPr b="0" i="0" sz="800" u="none" cap="none" strike="noStrike">
+              <a:defRPr sz="800" b="0" i="0" u="none" strike="noStrike" cap="none">
                 <a:solidFill>
                   <a:srgbClr val="D8D8D8"/>
                 </a:solidFill>
@@ -3742,7 +3852,7 @@
                 <a:sym typeface="Candara"/>
               </a:defRPr>
             </a:lvl3pPr>
-            <a:lvl4pPr indent="0" lvl="3" marL="0" marR="0" algn="r">
+            <a:lvl4pPr marL="0" marR="0" lvl="3" indent="0" algn="r">
               <a:lnSpc>
                 <a:spcPct val="100000"/>
               </a:lnSpc>
@@ -3758,7 +3868,7 @@
               <a:buSzPts val="800"/>
               <a:buFont typeface="Arial"/>
               <a:buNone/>
-              <a:defRPr b="0" i="0" sz="800" u="none" cap="none" strike="noStrike">
+              <a:defRPr sz="800" b="0" i="0" u="none" strike="noStrike" cap="none">
                 <a:solidFill>
                   <a:srgbClr val="D8D8D8"/>
                 </a:solidFill>
@@ -3768,7 +3878,7 @@
                 <a:sym typeface="Candara"/>
               </a:defRPr>
             </a:lvl4pPr>
-            <a:lvl5pPr indent="0" lvl="4" marL="0" marR="0" algn="r">
+            <a:lvl5pPr marL="0" marR="0" lvl="4" indent="0" algn="r">
               <a:lnSpc>
                 <a:spcPct val="100000"/>
               </a:lnSpc>
@@ -3784,7 +3894,7 @@
               <a:buSzPts val="800"/>
               <a:buFont typeface="Arial"/>
               <a:buNone/>
-              <a:defRPr b="0" i="0" sz="800" u="none" cap="none" strike="noStrike">
+              <a:defRPr sz="800" b="0" i="0" u="none" strike="noStrike" cap="none">
                 <a:solidFill>
                   <a:srgbClr val="D8D8D8"/>
                 </a:solidFill>
@@ -3794,7 +3904,7 @@
                 <a:sym typeface="Candara"/>
               </a:defRPr>
             </a:lvl5pPr>
-            <a:lvl6pPr indent="0" lvl="5" marL="0" marR="0" algn="r">
+            <a:lvl6pPr marL="0" marR="0" lvl="5" indent="0" algn="r">
               <a:lnSpc>
                 <a:spcPct val="100000"/>
               </a:lnSpc>
@@ -3810,7 +3920,7 @@
               <a:buSzPts val="800"/>
               <a:buFont typeface="Arial"/>
               <a:buNone/>
-              <a:defRPr b="0" i="0" sz="800" u="none" cap="none" strike="noStrike">
+              <a:defRPr sz="800" b="0" i="0" u="none" strike="noStrike" cap="none">
                 <a:solidFill>
                   <a:srgbClr val="D8D8D8"/>
                 </a:solidFill>
@@ -3820,7 +3930,7 @@
                 <a:sym typeface="Candara"/>
               </a:defRPr>
             </a:lvl6pPr>
-            <a:lvl7pPr indent="0" lvl="6" marL="0" marR="0" algn="r">
+            <a:lvl7pPr marL="0" marR="0" lvl="6" indent="0" algn="r">
               <a:lnSpc>
                 <a:spcPct val="100000"/>
               </a:lnSpc>
@@ -3836,7 +3946,7 @@
               <a:buSzPts val="800"/>
               <a:buFont typeface="Arial"/>
               <a:buNone/>
-              <a:defRPr b="0" i="0" sz="800" u="none" cap="none" strike="noStrike">
+              <a:defRPr sz="800" b="0" i="0" u="none" strike="noStrike" cap="none">
                 <a:solidFill>
                   <a:srgbClr val="D8D8D8"/>
                 </a:solidFill>
@@ -3846,7 +3956,7 @@
                 <a:sym typeface="Candara"/>
               </a:defRPr>
             </a:lvl7pPr>
-            <a:lvl8pPr indent="0" lvl="7" marL="0" marR="0" algn="r">
+            <a:lvl8pPr marL="0" marR="0" lvl="7" indent="0" algn="r">
               <a:lnSpc>
                 <a:spcPct val="100000"/>
               </a:lnSpc>
@@ -3862,7 +3972,7 @@
               <a:buSzPts val="800"/>
               <a:buFont typeface="Arial"/>
               <a:buNone/>
-              <a:defRPr b="0" i="0" sz="800" u="none" cap="none" strike="noStrike">
+              <a:defRPr sz="800" b="0" i="0" u="none" strike="noStrike" cap="none">
                 <a:solidFill>
                   <a:srgbClr val="D8D8D8"/>
                 </a:solidFill>
@@ -3872,7 +3982,7 @@
                 <a:sym typeface="Candara"/>
               </a:defRPr>
             </a:lvl8pPr>
-            <a:lvl9pPr indent="0" lvl="8" marL="0" marR="0" algn="r">
+            <a:lvl9pPr marL="0" marR="0" lvl="8" indent="0" algn="r">
               <a:lnSpc>
                 <a:spcPct val="100000"/>
               </a:lnSpc>
@@ -3888,7 +3998,7 @@
               <a:buSzPts val="800"/>
               <a:buFont typeface="Arial"/>
               <a:buNone/>
-              <a:defRPr b="0" i="0" sz="800" u="none" cap="none" strike="noStrike">
+              <a:defRPr sz="800" b="0" i="0" u="none" strike="noStrike" cap="none">
                 <a:solidFill>
                   <a:srgbClr val="D8D8D8"/>
                 </a:solidFill>
@@ -3900,7 +4010,7 @@
             </a:lvl9pPr>
           </a:lstStyle>
           <a:p>
-            <a:pPr indent="0" lvl="0" marL="0" rtl="0" algn="r">
+            <a:pPr marL="0" lvl="0" indent="0" algn="r" rtl="0">
               <a:spcBef>
                 <a:spcPts val="0"/>
               </a:spcBef>
@@ -3926,11 +4036,11 @@
 </file>
 
 <file path=ppt/slideLayouts/slideLayout2.xml><?xml version="1.0" encoding="utf-8"?>
-<p:sldLayout xmlns:a="http://schemas.openxmlformats.org/drawingml/2006/main" xmlns:r="http://schemas.openxmlformats.org/officeDocument/2006/relationships" xmlns:mc="http://schemas.openxmlformats.org/markup-compatibility/2006" xmlns:mv="urn:schemas-microsoft-com:mac:vml" xmlns:p="http://schemas.openxmlformats.org/presentationml/2006/main" xmlns:c="http://schemas.openxmlformats.org/drawingml/2006/chart" xmlns:dgm="http://schemas.openxmlformats.org/drawingml/2006/diagram" xmlns:o="urn:schemas-microsoft-com:office:office" xmlns:v="urn:schemas-microsoft-com:vml" xmlns:pvml="urn:schemas-microsoft-com:office:powerpoint" xmlns:com="http://schemas.openxmlformats.org/drawingml/2006/compatibility" xmlns:p14="http://schemas.microsoft.com/office/powerpoint/2010/main" xmlns:p15="http://schemas.microsoft.com/office/powerpoint/2012/main" matchingName="Section Header" type="secHead">
+<p:sldLayout xmlns:a="http://schemas.openxmlformats.org/drawingml/2006/main" xmlns:r="http://schemas.openxmlformats.org/officeDocument/2006/relationships" xmlns:p="http://schemas.openxmlformats.org/presentationml/2006/main" matchingName="Section Header" type="secHead">
   <p:cSld name="SECTION_HEADER">
     <p:spTree>
       <p:nvGrpSpPr>
-        <p:cNvPr id="16" name="Shape 16"/>
+        <p:cNvPr id="1" name="Shape 16"/>
         <p:cNvGrpSpPr/>
         <p:nvPr/>
       </p:nvGrpSpPr>
@@ -3945,7 +4055,9 @@
       <p:sp>
         <p:nvSpPr>
           <p:cNvPr id="17" name="Google Shape;17;p3"/>
-          <p:cNvSpPr txBox="1"/>
+          <p:cNvSpPr txBox="1">
+            <a:spLocks noGrp="1"/>
+          </p:cNvSpPr>
           <p:nvPr>
             <p:ph type="title"/>
           </p:nvPr>
@@ -3964,7 +4076,7 @@
           </a:ln>
         </p:spPr>
         <p:txBody>
-          <a:bodyPr anchorCtr="0" anchor="b" bIns="34275" lIns="68575" spcFirstLastPara="1" rIns="68575" wrap="square" tIns="34275">
+          <a:bodyPr spcFirstLastPara="1" wrap="square" lIns="68575" tIns="34275" rIns="68575" bIns="34275" anchor="b" anchorCtr="0">
             <a:noAutofit/>
           </a:bodyPr>
           <a:lstStyle>
@@ -4103,15 +4215,19 @@
               <a:defRPr/>
             </a:lvl9pPr>
           </a:lstStyle>
-          <a:p/>
+          <a:p>
+            <a:endParaRPr/>
+          </a:p>
         </p:txBody>
       </p:sp>
       <p:sp>
         <p:nvSpPr>
           <p:cNvPr id="18" name="Google Shape;18;p3"/>
-          <p:cNvSpPr txBox="1"/>
+          <p:cNvSpPr txBox="1">
+            <a:spLocks noGrp="1"/>
+          </p:cNvSpPr>
           <p:nvPr>
-            <p:ph idx="1" type="body"/>
+            <p:ph type="body" idx="1"/>
           </p:nvPr>
         </p:nvSpPr>
         <p:spPr>
@@ -4128,11 +4244,11 @@
           </a:ln>
         </p:spPr>
         <p:txBody>
-          <a:bodyPr anchorCtr="0" anchor="t" bIns="34275" lIns="68575" spcFirstLastPara="1" rIns="68575" wrap="square" tIns="34275">
+          <a:bodyPr spcFirstLastPara="1" wrap="square" lIns="68575" tIns="34275" rIns="68575" bIns="34275" anchor="t" anchorCtr="0">
             <a:noAutofit/>
           </a:bodyPr>
           <a:lstStyle>
-            <a:lvl1pPr indent="-228600" lvl="0" marL="457200" algn="l">
+            <a:lvl1pPr marL="457200" lvl="0" indent="-228600" algn="l">
               <a:lnSpc>
                 <a:spcPct val="90000"/>
               </a:lnSpc>
@@ -4154,7 +4270,7 @@
                 <a:sym typeface="Consolas"/>
               </a:defRPr>
             </a:lvl1pPr>
-            <a:lvl2pPr indent="-228600" lvl="1" marL="914400" algn="l">
+            <a:lvl2pPr marL="914400" lvl="1" indent="-228600" algn="l">
               <a:lnSpc>
                 <a:spcPct val="90000"/>
               </a:lnSpc>
@@ -4168,7 +4284,7 @@
               <a:buNone/>
               <a:defRPr sz="1500"/>
             </a:lvl2pPr>
-            <a:lvl3pPr indent="-228600" lvl="2" marL="1371600" algn="l">
+            <a:lvl3pPr marL="1371600" lvl="2" indent="-228600" algn="l">
               <a:lnSpc>
                 <a:spcPct val="90000"/>
               </a:lnSpc>
@@ -4182,7 +4298,7 @@
               <a:buNone/>
               <a:defRPr sz="1400"/>
             </a:lvl3pPr>
-            <a:lvl4pPr indent="-228600" lvl="3" marL="1828800" algn="l">
+            <a:lvl4pPr marL="1828800" lvl="3" indent="-228600" algn="l">
               <a:lnSpc>
                 <a:spcPct val="90000"/>
               </a:lnSpc>
@@ -4196,7 +4312,7 @@
               <a:buNone/>
               <a:defRPr sz="1200"/>
             </a:lvl4pPr>
-            <a:lvl5pPr indent="-228600" lvl="4" marL="2286000" algn="l">
+            <a:lvl5pPr marL="2286000" lvl="4" indent="-228600" algn="l">
               <a:lnSpc>
                 <a:spcPct val="90000"/>
               </a:lnSpc>
@@ -4210,7 +4326,7 @@
               <a:buNone/>
               <a:defRPr sz="1200"/>
             </a:lvl5pPr>
-            <a:lvl6pPr indent="-228600" lvl="5" marL="2743200" algn="l">
+            <a:lvl6pPr marL="2743200" lvl="5" indent="-228600" algn="l">
               <a:lnSpc>
                 <a:spcPct val="90000"/>
               </a:lnSpc>
@@ -4224,7 +4340,7 @@
               <a:buNone/>
               <a:defRPr sz="1200"/>
             </a:lvl6pPr>
-            <a:lvl7pPr indent="-228600" lvl="6" marL="3200400" algn="l">
+            <a:lvl7pPr marL="3200400" lvl="6" indent="-228600" algn="l">
               <a:lnSpc>
                 <a:spcPct val="90000"/>
               </a:lnSpc>
@@ -4238,7 +4354,7 @@
               <a:buNone/>
               <a:defRPr sz="1200"/>
             </a:lvl7pPr>
-            <a:lvl8pPr indent="-228600" lvl="7" marL="3657600" algn="l">
+            <a:lvl8pPr marL="3657600" lvl="7" indent="-228600" algn="l">
               <a:lnSpc>
                 <a:spcPct val="90000"/>
               </a:lnSpc>
@@ -4252,7 +4368,7 @@
               <a:buNone/>
               <a:defRPr sz="1200"/>
             </a:lvl8pPr>
-            <a:lvl9pPr indent="-228600" lvl="8" marL="4114800" algn="l">
+            <a:lvl9pPr marL="4114800" lvl="8" indent="-228600" algn="l">
               <a:lnSpc>
                 <a:spcPct val="90000"/>
               </a:lnSpc>
@@ -4267,7 +4383,9 @@
               <a:defRPr sz="1200"/>
             </a:lvl9pPr>
           </a:lstStyle>
-          <a:p/>
+          <a:p>
+            <a:endParaRPr/>
+          </a:p>
         </p:txBody>
       </p:sp>
     </p:spTree>
@@ -4279,11 +4397,11 @@
 </file>
 
 <file path=ppt/slideLayouts/slideLayout3.xml><?xml version="1.0" encoding="utf-8"?>
-<p:sldLayout xmlns:a="http://schemas.openxmlformats.org/drawingml/2006/main" xmlns:r="http://schemas.openxmlformats.org/officeDocument/2006/relationships" xmlns:mc="http://schemas.openxmlformats.org/markup-compatibility/2006" xmlns:mv="urn:schemas-microsoft-com:mac:vml" xmlns:p="http://schemas.openxmlformats.org/presentationml/2006/main" xmlns:c="http://schemas.openxmlformats.org/drawingml/2006/chart" xmlns:dgm="http://schemas.openxmlformats.org/drawingml/2006/diagram" xmlns:o="urn:schemas-microsoft-com:office:office" xmlns:v="urn:schemas-microsoft-com:vml" xmlns:pvml="urn:schemas-microsoft-com:office:powerpoint" xmlns:com="http://schemas.openxmlformats.org/drawingml/2006/compatibility" xmlns:p14="http://schemas.microsoft.com/office/powerpoint/2010/main" xmlns:p15="http://schemas.microsoft.com/office/powerpoint/2012/main" matchingName="Title and Content" type="obj">
+<p:sldLayout xmlns:a="http://schemas.openxmlformats.org/drawingml/2006/main" xmlns:r="http://schemas.openxmlformats.org/officeDocument/2006/relationships" xmlns:p="http://schemas.openxmlformats.org/presentationml/2006/main" matchingName="Title and Content" type="obj">
   <p:cSld name="OBJECT">
     <p:spTree>
       <p:nvGrpSpPr>
-        <p:cNvPr id="19" name="Shape 19"/>
+        <p:cNvPr id="1" name="Shape 19"/>
         <p:cNvGrpSpPr/>
         <p:nvPr/>
       </p:nvGrpSpPr>
@@ -4298,7 +4416,9 @@
       <p:sp>
         <p:nvSpPr>
           <p:cNvPr id="20" name="Google Shape;20;p4"/>
-          <p:cNvSpPr txBox="1"/>
+          <p:cNvSpPr txBox="1">
+            <a:spLocks noGrp="1"/>
+          </p:cNvSpPr>
           <p:nvPr>
             <p:ph type="title"/>
           </p:nvPr>
@@ -4317,7 +4437,7 @@
           </a:ln>
         </p:spPr>
         <p:txBody>
-          <a:bodyPr anchorCtr="0" anchor="b" bIns="34275" lIns="68575" spcFirstLastPara="1" rIns="68575" wrap="square" tIns="34275">
+          <a:bodyPr spcFirstLastPara="1" wrap="square" lIns="68575" tIns="34275" rIns="68575" bIns="34275" anchor="b" anchorCtr="0">
             <a:noAutofit/>
           </a:bodyPr>
           <a:lstStyle>
@@ -4451,15 +4571,19 @@
               <a:defRPr/>
             </a:lvl9pPr>
           </a:lstStyle>
-          <a:p/>
+          <a:p>
+            <a:endParaRPr/>
+          </a:p>
         </p:txBody>
       </p:sp>
       <p:sp>
         <p:nvSpPr>
           <p:cNvPr id="21" name="Google Shape;21;p4"/>
-          <p:cNvSpPr txBox="1"/>
+          <p:cNvSpPr txBox="1">
+            <a:spLocks noGrp="1"/>
+          </p:cNvSpPr>
           <p:nvPr>
-            <p:ph idx="1" type="body"/>
+            <p:ph type="body" idx="1"/>
           </p:nvPr>
         </p:nvSpPr>
         <p:spPr>
@@ -4476,11 +4600,11 @@
           </a:ln>
         </p:spPr>
         <p:txBody>
-          <a:bodyPr anchorCtr="0" anchor="t" bIns="34275" lIns="68575" spcFirstLastPara="1" rIns="68575" wrap="square" tIns="34275">
+          <a:bodyPr spcFirstLastPara="1" wrap="square" lIns="68575" tIns="34275" rIns="68575" bIns="34275" anchor="t" anchorCtr="0">
             <a:noAutofit/>
           </a:bodyPr>
           <a:lstStyle>
-            <a:lvl1pPr indent="-317500" lvl="0" marL="457200" algn="l">
+            <a:lvl1pPr marL="457200" lvl="0" indent="-317500" algn="l">
               <a:lnSpc>
                 <a:spcPct val="90000"/>
               </a:lnSpc>
@@ -4494,7 +4618,7 @@
               <a:buChar char="•"/>
               <a:defRPr/>
             </a:lvl1pPr>
-            <a:lvl2pPr indent="-317500" lvl="1" marL="914400" algn="l">
+            <a:lvl2pPr marL="914400" lvl="1" indent="-317500" algn="l">
               <a:lnSpc>
                 <a:spcPct val="90000"/>
               </a:lnSpc>
@@ -4508,7 +4632,7 @@
               <a:buChar char="•"/>
               <a:defRPr/>
             </a:lvl2pPr>
-            <a:lvl3pPr indent="-317500" lvl="2" marL="1371600" algn="l">
+            <a:lvl3pPr marL="1371600" lvl="2" indent="-317500" algn="l">
               <a:lnSpc>
                 <a:spcPct val="90000"/>
               </a:lnSpc>
@@ -4522,7 +4646,7 @@
               <a:buChar char="•"/>
               <a:defRPr/>
             </a:lvl3pPr>
-            <a:lvl4pPr indent="-317500" lvl="3" marL="1828800" algn="l">
+            <a:lvl4pPr marL="1828800" lvl="3" indent="-317500" algn="l">
               <a:lnSpc>
                 <a:spcPct val="90000"/>
               </a:lnSpc>
@@ -4536,7 +4660,7 @@
               <a:buChar char="•"/>
               <a:defRPr/>
             </a:lvl4pPr>
-            <a:lvl5pPr indent="-298450" lvl="4" marL="2286000" algn="l">
+            <a:lvl5pPr marL="2286000" lvl="4" indent="-298450" algn="l">
               <a:lnSpc>
                 <a:spcPct val="90000"/>
               </a:lnSpc>
@@ -4550,7 +4674,7 @@
               <a:buChar char="•"/>
               <a:defRPr/>
             </a:lvl5pPr>
-            <a:lvl6pPr indent="-317500" lvl="5" marL="2743200" algn="l">
+            <a:lvl6pPr marL="2743200" lvl="5" indent="-317500" algn="l">
               <a:lnSpc>
                 <a:spcPct val="90000"/>
               </a:lnSpc>
@@ -4564,7 +4688,7 @@
               <a:buChar char="•"/>
               <a:defRPr/>
             </a:lvl6pPr>
-            <a:lvl7pPr indent="-317500" lvl="6" marL="3200400" algn="l">
+            <a:lvl7pPr marL="3200400" lvl="6" indent="-317500" algn="l">
               <a:lnSpc>
                 <a:spcPct val="90000"/>
               </a:lnSpc>
@@ -4578,7 +4702,7 @@
               <a:buChar char="•"/>
               <a:defRPr/>
             </a:lvl7pPr>
-            <a:lvl8pPr indent="-317500" lvl="7" marL="3657600" algn="l">
+            <a:lvl8pPr marL="3657600" lvl="7" indent="-317500" algn="l">
               <a:lnSpc>
                 <a:spcPct val="90000"/>
               </a:lnSpc>
@@ -4592,7 +4716,7 @@
               <a:buChar char="•"/>
               <a:defRPr/>
             </a:lvl8pPr>
-            <a:lvl9pPr indent="-317500" lvl="8" marL="4114800" algn="l">
+            <a:lvl9pPr marL="4114800" lvl="8" indent="-317500" algn="l">
               <a:lnSpc>
                 <a:spcPct val="90000"/>
               </a:lnSpc>
@@ -4607,15 +4731,19 @@
               <a:defRPr/>
             </a:lvl9pPr>
           </a:lstStyle>
-          <a:p/>
+          <a:p>
+            <a:endParaRPr/>
+          </a:p>
         </p:txBody>
       </p:sp>
       <p:sp>
         <p:nvSpPr>
           <p:cNvPr id="22" name="Google Shape;22;p4"/>
-          <p:cNvSpPr txBox="1"/>
+          <p:cNvSpPr txBox="1">
+            <a:spLocks noGrp="1"/>
+          </p:cNvSpPr>
           <p:nvPr>
-            <p:ph idx="11" type="ftr"/>
+            <p:ph type="ftr" idx="11"/>
           </p:nvPr>
         </p:nvSpPr>
         <p:spPr>
@@ -4632,7 +4760,7 @@
           </a:ln>
         </p:spPr>
         <p:txBody>
-          <a:bodyPr anchorCtr="0" anchor="ctr" bIns="34275" lIns="68575" spcFirstLastPara="1" rIns="68575" wrap="square" tIns="34275">
+          <a:bodyPr spcFirstLastPara="1" wrap="square" lIns="68575" tIns="34275" rIns="68575" bIns="34275" anchor="ctr" anchorCtr="0">
             <a:noAutofit/>
           </a:bodyPr>
           <a:lstStyle>
@@ -4763,15 +4891,19 @@
               <a:defRPr/>
             </a:lvl9pPr>
           </a:lstStyle>
-          <a:p/>
+          <a:p>
+            <a:endParaRPr/>
+          </a:p>
         </p:txBody>
       </p:sp>
       <p:sp>
         <p:nvSpPr>
           <p:cNvPr id="23" name="Google Shape;23;p4"/>
-          <p:cNvSpPr txBox="1"/>
+          <p:cNvSpPr txBox="1">
+            <a:spLocks noGrp="1"/>
+          </p:cNvSpPr>
           <p:nvPr>
-            <p:ph idx="10" type="dt"/>
+            <p:ph type="dt" idx="10"/>
           </p:nvPr>
         </p:nvSpPr>
         <p:spPr>
@@ -4788,7 +4920,7 @@
           </a:ln>
         </p:spPr>
         <p:txBody>
-          <a:bodyPr anchorCtr="0" anchor="ctr" bIns="34275" lIns="68575" spcFirstLastPara="1" rIns="68575" wrap="square" tIns="34275">
+          <a:bodyPr spcFirstLastPara="1" wrap="square" lIns="68575" tIns="34275" rIns="68575" bIns="34275" anchor="ctr" anchorCtr="0">
             <a:noAutofit/>
           </a:bodyPr>
           <a:lstStyle>
@@ -4919,15 +5051,19 @@
               <a:defRPr/>
             </a:lvl9pPr>
           </a:lstStyle>
-          <a:p/>
+          <a:p>
+            <a:endParaRPr/>
+          </a:p>
         </p:txBody>
       </p:sp>
       <p:sp>
         <p:nvSpPr>
           <p:cNvPr id="24" name="Google Shape;24;p4"/>
-          <p:cNvSpPr txBox="1"/>
+          <p:cNvSpPr txBox="1">
+            <a:spLocks noGrp="1"/>
+          </p:cNvSpPr>
           <p:nvPr>
-            <p:ph idx="12" type="sldNum"/>
+            <p:ph type="sldNum" idx="12"/>
           </p:nvPr>
         </p:nvSpPr>
         <p:spPr>
@@ -4944,11 +5080,11 @@
           </a:ln>
         </p:spPr>
         <p:txBody>
-          <a:bodyPr anchorCtr="0" anchor="ctr" bIns="34275" lIns="68575" spcFirstLastPara="1" rIns="68575" wrap="square" tIns="34275">
+          <a:bodyPr spcFirstLastPara="1" wrap="square" lIns="68575" tIns="34275" rIns="68575" bIns="34275" anchor="ctr" anchorCtr="0">
             <a:noAutofit/>
           </a:bodyPr>
           <a:lstStyle>
-            <a:lvl1pPr indent="0" lvl="0" marL="0" marR="0" algn="r">
+            <a:lvl1pPr marL="0" marR="0" lvl="0" indent="0" algn="r">
               <a:lnSpc>
                 <a:spcPct val="100000"/>
               </a:lnSpc>
@@ -4964,7 +5100,7 @@
               <a:buSzPts val="800"/>
               <a:buFont typeface="Arial"/>
               <a:buNone/>
-              <a:defRPr b="0" i="0" sz="800" u="none" cap="none" strike="noStrike">
+              <a:defRPr sz="800" b="0" i="0" u="none" strike="noStrike" cap="none">
                 <a:solidFill>
                   <a:srgbClr val="D8D8D8"/>
                 </a:solidFill>
@@ -4974,7 +5110,7 @@
                 <a:sym typeface="Candara"/>
               </a:defRPr>
             </a:lvl1pPr>
-            <a:lvl2pPr indent="0" lvl="1" marL="0" marR="0" algn="r">
+            <a:lvl2pPr marL="0" marR="0" lvl="1" indent="0" algn="r">
               <a:lnSpc>
                 <a:spcPct val="100000"/>
               </a:lnSpc>
@@ -4990,7 +5126,7 @@
               <a:buSzPts val="800"/>
               <a:buFont typeface="Arial"/>
               <a:buNone/>
-              <a:defRPr b="0" i="0" sz="800" u="none" cap="none" strike="noStrike">
+              <a:defRPr sz="800" b="0" i="0" u="none" strike="noStrike" cap="none">
                 <a:solidFill>
                   <a:srgbClr val="D8D8D8"/>
                 </a:solidFill>
@@ -5000,7 +5136,7 @@
                 <a:sym typeface="Candara"/>
               </a:defRPr>
             </a:lvl2pPr>
-            <a:lvl3pPr indent="0" lvl="2" marL="0" marR="0" algn="r">
+            <a:lvl3pPr marL="0" marR="0" lvl="2" indent="0" algn="r">
               <a:lnSpc>
                 <a:spcPct val="100000"/>
               </a:lnSpc>
@@ -5016,7 +5152,7 @@
               <a:buSzPts val="800"/>
               <a:buFont typeface="Arial"/>
               <a:buNone/>
-              <a:defRPr b="0" i="0" sz="800" u="none" cap="none" strike="noStrike">
+              <a:defRPr sz="800" b="0" i="0" u="none" strike="noStrike" cap="none">
                 <a:solidFill>
                   <a:srgbClr val="D8D8D8"/>
                 </a:solidFill>
@@ -5026,7 +5162,7 @@
                 <a:sym typeface="Candara"/>
               </a:defRPr>
             </a:lvl3pPr>
-            <a:lvl4pPr indent="0" lvl="3" marL="0" marR="0" algn="r">
+            <a:lvl4pPr marL="0" marR="0" lvl="3" indent="0" algn="r">
               <a:lnSpc>
                 <a:spcPct val="100000"/>
               </a:lnSpc>
@@ -5042,7 +5178,7 @@
               <a:buSzPts val="800"/>
               <a:buFont typeface="Arial"/>
               <a:buNone/>
-              <a:defRPr b="0" i="0" sz="800" u="none" cap="none" strike="noStrike">
+              <a:defRPr sz="800" b="0" i="0" u="none" strike="noStrike" cap="none">
                 <a:solidFill>
                   <a:srgbClr val="D8D8D8"/>
                 </a:solidFill>
@@ -5052,7 +5188,7 @@
                 <a:sym typeface="Candara"/>
               </a:defRPr>
             </a:lvl4pPr>
-            <a:lvl5pPr indent="0" lvl="4" marL="0" marR="0" algn="r">
+            <a:lvl5pPr marL="0" marR="0" lvl="4" indent="0" algn="r">
               <a:lnSpc>
                 <a:spcPct val="100000"/>
               </a:lnSpc>
@@ -5068,7 +5204,7 @@
               <a:buSzPts val="800"/>
               <a:buFont typeface="Arial"/>
               <a:buNone/>
-              <a:defRPr b="0" i="0" sz="800" u="none" cap="none" strike="noStrike">
+              <a:defRPr sz="800" b="0" i="0" u="none" strike="noStrike" cap="none">
                 <a:solidFill>
                   <a:srgbClr val="D8D8D8"/>
                 </a:solidFill>
@@ -5078,7 +5214,7 @@
                 <a:sym typeface="Candara"/>
               </a:defRPr>
             </a:lvl5pPr>
-            <a:lvl6pPr indent="0" lvl="5" marL="0" marR="0" algn="r">
+            <a:lvl6pPr marL="0" marR="0" lvl="5" indent="0" algn="r">
               <a:lnSpc>
                 <a:spcPct val="100000"/>
               </a:lnSpc>
@@ -5094,7 +5230,7 @@
               <a:buSzPts val="800"/>
               <a:buFont typeface="Arial"/>
               <a:buNone/>
-              <a:defRPr b="0" i="0" sz="800" u="none" cap="none" strike="noStrike">
+              <a:defRPr sz="800" b="0" i="0" u="none" strike="noStrike" cap="none">
                 <a:solidFill>
                   <a:srgbClr val="D8D8D8"/>
                 </a:solidFill>
@@ -5104,7 +5240,7 @@
                 <a:sym typeface="Candara"/>
               </a:defRPr>
             </a:lvl6pPr>
-            <a:lvl7pPr indent="0" lvl="6" marL="0" marR="0" algn="r">
+            <a:lvl7pPr marL="0" marR="0" lvl="6" indent="0" algn="r">
               <a:lnSpc>
                 <a:spcPct val="100000"/>
               </a:lnSpc>
@@ -5120,7 +5256,7 @@
               <a:buSzPts val="800"/>
               <a:buFont typeface="Arial"/>
               <a:buNone/>
-              <a:defRPr b="0" i="0" sz="800" u="none" cap="none" strike="noStrike">
+              <a:defRPr sz="800" b="0" i="0" u="none" strike="noStrike" cap="none">
                 <a:solidFill>
                   <a:srgbClr val="D8D8D8"/>
                 </a:solidFill>
@@ -5130,7 +5266,7 @@
                 <a:sym typeface="Candara"/>
               </a:defRPr>
             </a:lvl7pPr>
-            <a:lvl8pPr indent="0" lvl="7" marL="0" marR="0" algn="r">
+            <a:lvl8pPr marL="0" marR="0" lvl="7" indent="0" algn="r">
               <a:lnSpc>
                 <a:spcPct val="100000"/>
               </a:lnSpc>
@@ -5146,7 +5282,7 @@
               <a:buSzPts val="800"/>
               <a:buFont typeface="Arial"/>
               <a:buNone/>
-              <a:defRPr b="0" i="0" sz="800" u="none" cap="none" strike="noStrike">
+              <a:defRPr sz="800" b="0" i="0" u="none" strike="noStrike" cap="none">
                 <a:solidFill>
                   <a:srgbClr val="D8D8D8"/>
                 </a:solidFill>
@@ -5156,7 +5292,7 @@
                 <a:sym typeface="Candara"/>
               </a:defRPr>
             </a:lvl8pPr>
-            <a:lvl9pPr indent="0" lvl="8" marL="0" marR="0" algn="r">
+            <a:lvl9pPr marL="0" marR="0" lvl="8" indent="0" algn="r">
               <a:lnSpc>
                 <a:spcPct val="100000"/>
               </a:lnSpc>
@@ -5172,7 +5308,7 @@
               <a:buSzPts val="800"/>
               <a:buFont typeface="Arial"/>
               <a:buNone/>
-              <a:defRPr b="0" i="0" sz="800" u="none" cap="none" strike="noStrike">
+              <a:defRPr sz="800" b="0" i="0" u="none" strike="noStrike" cap="none">
                 <a:solidFill>
                   <a:srgbClr val="D8D8D8"/>
                 </a:solidFill>
@@ -5184,7 +5320,7 @@
             </a:lvl9pPr>
           </a:lstStyle>
           <a:p>
-            <a:pPr indent="0" lvl="0" marL="0" rtl="0" algn="r">
+            <a:pPr marL="0" lvl="0" indent="0" algn="r" rtl="0">
               <a:spcBef>
                 <a:spcPts val="0"/>
               </a:spcBef>
@@ -5210,11 +5346,11 @@
 </file>
 
 <file path=ppt/slideLayouts/slideLayout4.xml><?xml version="1.0" encoding="utf-8"?>
-<p:sldLayout xmlns:a="http://schemas.openxmlformats.org/drawingml/2006/main" xmlns:r="http://schemas.openxmlformats.org/officeDocument/2006/relationships" xmlns:mc="http://schemas.openxmlformats.org/markup-compatibility/2006" xmlns:mv="urn:schemas-microsoft-com:mac:vml" xmlns:p="http://schemas.openxmlformats.org/presentationml/2006/main" xmlns:c="http://schemas.openxmlformats.org/drawingml/2006/chart" xmlns:dgm="http://schemas.openxmlformats.org/drawingml/2006/diagram" xmlns:o="urn:schemas-microsoft-com:office:office" xmlns:v="urn:schemas-microsoft-com:vml" xmlns:pvml="urn:schemas-microsoft-com:office:powerpoint" xmlns:com="http://schemas.openxmlformats.org/drawingml/2006/compatibility" xmlns:p14="http://schemas.microsoft.com/office/powerpoint/2010/main" xmlns:p15="http://schemas.microsoft.com/office/powerpoint/2012/main" matchingName="Title Only" type="titleOnly">
+<p:sldLayout xmlns:a="http://schemas.openxmlformats.org/drawingml/2006/main" xmlns:r="http://schemas.openxmlformats.org/officeDocument/2006/relationships" xmlns:p="http://schemas.openxmlformats.org/presentationml/2006/main" matchingName="Title Only" type="titleOnly">
   <p:cSld name="TITLE_ONLY">
     <p:spTree>
       <p:nvGrpSpPr>
-        <p:cNvPr id="25" name="Shape 25"/>
+        <p:cNvPr id="1" name="Shape 25"/>
         <p:cNvGrpSpPr/>
         <p:nvPr/>
       </p:nvGrpSpPr>
@@ -5229,7 +5365,9 @@
       <p:sp>
         <p:nvSpPr>
           <p:cNvPr id="26" name="Google Shape;26;p5"/>
-          <p:cNvSpPr txBox="1"/>
+          <p:cNvSpPr txBox="1">
+            <a:spLocks noGrp="1"/>
+          </p:cNvSpPr>
           <p:nvPr>
             <p:ph type="title"/>
           </p:nvPr>
@@ -5248,7 +5386,7 @@
           </a:ln>
         </p:spPr>
         <p:txBody>
-          <a:bodyPr anchorCtr="0" anchor="b" bIns="34275" lIns="68575" spcFirstLastPara="1" rIns="68575" wrap="square" tIns="34275">
+          <a:bodyPr spcFirstLastPara="1" wrap="square" lIns="68575" tIns="34275" rIns="68575" bIns="34275" anchor="b" anchorCtr="0">
             <a:noAutofit/>
           </a:bodyPr>
           <a:lstStyle>
@@ -5382,15 +5520,19 @@
               <a:defRPr/>
             </a:lvl9pPr>
           </a:lstStyle>
-          <a:p/>
+          <a:p>
+            <a:endParaRPr/>
+          </a:p>
         </p:txBody>
       </p:sp>
       <p:sp>
         <p:nvSpPr>
           <p:cNvPr id="27" name="Google Shape;27;p5"/>
-          <p:cNvSpPr txBox="1"/>
+          <p:cNvSpPr txBox="1">
+            <a:spLocks noGrp="1"/>
+          </p:cNvSpPr>
           <p:nvPr>
-            <p:ph idx="11" type="ftr"/>
+            <p:ph type="ftr" idx="11"/>
           </p:nvPr>
         </p:nvSpPr>
         <p:spPr>
@@ -5407,7 +5549,7 @@
           </a:ln>
         </p:spPr>
         <p:txBody>
-          <a:bodyPr anchorCtr="0" anchor="ctr" bIns="34275" lIns="68575" spcFirstLastPara="1" rIns="68575" wrap="square" tIns="34275">
+          <a:bodyPr spcFirstLastPara="1" wrap="square" lIns="68575" tIns="34275" rIns="68575" bIns="34275" anchor="ctr" anchorCtr="0">
             <a:noAutofit/>
           </a:bodyPr>
           <a:lstStyle>
@@ -5538,15 +5680,19 @@
               <a:defRPr/>
             </a:lvl9pPr>
           </a:lstStyle>
-          <a:p/>
+          <a:p>
+            <a:endParaRPr/>
+          </a:p>
         </p:txBody>
       </p:sp>
       <p:sp>
         <p:nvSpPr>
           <p:cNvPr id="28" name="Google Shape;28;p5"/>
-          <p:cNvSpPr txBox="1"/>
+          <p:cNvSpPr txBox="1">
+            <a:spLocks noGrp="1"/>
+          </p:cNvSpPr>
           <p:nvPr>
-            <p:ph idx="10" type="dt"/>
+            <p:ph type="dt" idx="10"/>
           </p:nvPr>
         </p:nvSpPr>
         <p:spPr>
@@ -5563,7 +5709,7 @@
           </a:ln>
         </p:spPr>
         <p:txBody>
-          <a:bodyPr anchorCtr="0" anchor="ctr" bIns="34275" lIns="68575" spcFirstLastPara="1" rIns="68575" wrap="square" tIns="34275">
+          <a:bodyPr spcFirstLastPara="1" wrap="square" lIns="68575" tIns="34275" rIns="68575" bIns="34275" anchor="ctr" anchorCtr="0">
             <a:noAutofit/>
           </a:bodyPr>
           <a:lstStyle>
@@ -5694,15 +5840,19 @@
               <a:defRPr/>
             </a:lvl9pPr>
           </a:lstStyle>
-          <a:p/>
+          <a:p>
+            <a:endParaRPr/>
+          </a:p>
         </p:txBody>
       </p:sp>
       <p:sp>
         <p:nvSpPr>
           <p:cNvPr id="29" name="Google Shape;29;p5"/>
-          <p:cNvSpPr txBox="1"/>
+          <p:cNvSpPr txBox="1">
+            <a:spLocks noGrp="1"/>
+          </p:cNvSpPr>
           <p:nvPr>
-            <p:ph idx="12" type="sldNum"/>
+            <p:ph type="sldNum" idx="12"/>
           </p:nvPr>
         </p:nvSpPr>
         <p:spPr>
@@ -5719,11 +5869,11 @@
           </a:ln>
         </p:spPr>
         <p:txBody>
-          <a:bodyPr anchorCtr="0" anchor="ctr" bIns="34275" lIns="68575" spcFirstLastPara="1" rIns="68575" wrap="square" tIns="34275">
+          <a:bodyPr spcFirstLastPara="1" wrap="square" lIns="68575" tIns="34275" rIns="68575" bIns="34275" anchor="ctr" anchorCtr="0">
             <a:noAutofit/>
           </a:bodyPr>
           <a:lstStyle>
-            <a:lvl1pPr indent="0" lvl="0" marL="0" marR="0" algn="r">
+            <a:lvl1pPr marL="0" marR="0" lvl="0" indent="0" algn="r">
               <a:lnSpc>
                 <a:spcPct val="100000"/>
               </a:lnSpc>
@@ -5739,7 +5889,7 @@
               <a:buSzPts val="800"/>
               <a:buFont typeface="Arial"/>
               <a:buNone/>
-              <a:defRPr b="0" i="0" sz="800" u="none" cap="none" strike="noStrike">
+              <a:defRPr sz="800" b="0" i="0" u="none" strike="noStrike" cap="none">
                 <a:solidFill>
                   <a:srgbClr val="D8D8D8"/>
                 </a:solidFill>
@@ -5749,7 +5899,7 @@
                 <a:sym typeface="Candara"/>
               </a:defRPr>
             </a:lvl1pPr>
-            <a:lvl2pPr indent="0" lvl="1" marL="0" marR="0" algn="r">
+            <a:lvl2pPr marL="0" marR="0" lvl="1" indent="0" algn="r">
               <a:lnSpc>
                 <a:spcPct val="100000"/>
               </a:lnSpc>
@@ -5765,7 +5915,7 @@
               <a:buSzPts val="800"/>
               <a:buFont typeface="Arial"/>
               <a:buNone/>
-              <a:defRPr b="0" i="0" sz="800" u="none" cap="none" strike="noStrike">
+              <a:defRPr sz="800" b="0" i="0" u="none" strike="noStrike" cap="none">
                 <a:solidFill>
                   <a:srgbClr val="D8D8D8"/>
                 </a:solidFill>
@@ -5775,7 +5925,7 @@
                 <a:sym typeface="Candara"/>
               </a:defRPr>
             </a:lvl2pPr>
-            <a:lvl3pPr indent="0" lvl="2" marL="0" marR="0" algn="r">
+            <a:lvl3pPr marL="0" marR="0" lvl="2" indent="0" algn="r">
               <a:lnSpc>
                 <a:spcPct val="100000"/>
               </a:lnSpc>
@@ -5791,7 +5941,7 @@
               <a:buSzPts val="800"/>
               <a:buFont typeface="Arial"/>
               <a:buNone/>
-              <a:defRPr b="0" i="0" sz="800" u="none" cap="none" strike="noStrike">
+              <a:defRPr sz="800" b="0" i="0" u="none" strike="noStrike" cap="none">
                 <a:solidFill>
                   <a:srgbClr val="D8D8D8"/>
                 </a:solidFill>
@@ -5801,7 +5951,7 @@
                 <a:sym typeface="Candara"/>
               </a:defRPr>
             </a:lvl3pPr>
-            <a:lvl4pPr indent="0" lvl="3" marL="0" marR="0" algn="r">
+            <a:lvl4pPr marL="0" marR="0" lvl="3" indent="0" algn="r">
               <a:lnSpc>
                 <a:spcPct val="100000"/>
               </a:lnSpc>
@@ -5817,7 +5967,7 @@
               <a:buSzPts val="800"/>
               <a:buFont typeface="Arial"/>
               <a:buNone/>
-              <a:defRPr b="0" i="0" sz="800" u="none" cap="none" strike="noStrike">
+              <a:defRPr sz="800" b="0" i="0" u="none" strike="noStrike" cap="none">
                 <a:solidFill>
                   <a:srgbClr val="D8D8D8"/>
                 </a:solidFill>
@@ -5827,7 +5977,7 @@
                 <a:sym typeface="Candara"/>
               </a:defRPr>
             </a:lvl4pPr>
-            <a:lvl5pPr indent="0" lvl="4" marL="0" marR="0" algn="r">
+            <a:lvl5pPr marL="0" marR="0" lvl="4" indent="0" algn="r">
               <a:lnSpc>
                 <a:spcPct val="100000"/>
               </a:lnSpc>
@@ -5843,7 +5993,7 @@
               <a:buSzPts val="800"/>
               <a:buFont typeface="Arial"/>
               <a:buNone/>
-              <a:defRPr b="0" i="0" sz="800" u="none" cap="none" strike="noStrike">
+              <a:defRPr sz="800" b="0" i="0" u="none" strike="noStrike" cap="none">
                 <a:solidFill>
                   <a:srgbClr val="D8D8D8"/>
                 </a:solidFill>
@@ -5853,7 +6003,7 @@
                 <a:sym typeface="Candara"/>
               </a:defRPr>
             </a:lvl5pPr>
-            <a:lvl6pPr indent="0" lvl="5" marL="0" marR="0" algn="r">
+            <a:lvl6pPr marL="0" marR="0" lvl="5" indent="0" algn="r">
               <a:lnSpc>
                 <a:spcPct val="100000"/>
               </a:lnSpc>
@@ -5869,7 +6019,7 @@
               <a:buSzPts val="800"/>
               <a:buFont typeface="Arial"/>
               <a:buNone/>
-              <a:defRPr b="0" i="0" sz="800" u="none" cap="none" strike="noStrike">
+              <a:defRPr sz="800" b="0" i="0" u="none" strike="noStrike" cap="none">
                 <a:solidFill>
                   <a:srgbClr val="D8D8D8"/>
                 </a:solidFill>
@@ -5879,7 +6029,7 @@
                 <a:sym typeface="Candara"/>
               </a:defRPr>
             </a:lvl6pPr>
-            <a:lvl7pPr indent="0" lvl="6" marL="0" marR="0" algn="r">
+            <a:lvl7pPr marL="0" marR="0" lvl="6" indent="0" algn="r">
               <a:lnSpc>
                 <a:spcPct val="100000"/>
               </a:lnSpc>
@@ -5895,7 +6045,7 @@
               <a:buSzPts val="800"/>
               <a:buFont typeface="Arial"/>
               <a:buNone/>
-              <a:defRPr b="0" i="0" sz="800" u="none" cap="none" strike="noStrike">
+              <a:defRPr sz="800" b="0" i="0" u="none" strike="noStrike" cap="none">
                 <a:solidFill>
                   <a:srgbClr val="D8D8D8"/>
                 </a:solidFill>
@@ -5905,7 +6055,7 @@
                 <a:sym typeface="Candara"/>
               </a:defRPr>
             </a:lvl7pPr>
-            <a:lvl8pPr indent="0" lvl="7" marL="0" marR="0" algn="r">
+            <a:lvl8pPr marL="0" marR="0" lvl="7" indent="0" algn="r">
               <a:lnSpc>
                 <a:spcPct val="100000"/>
               </a:lnSpc>
@@ -5921,7 +6071,7 @@
               <a:buSzPts val="800"/>
               <a:buFont typeface="Arial"/>
               <a:buNone/>
-              <a:defRPr b="0" i="0" sz="800" u="none" cap="none" strike="noStrike">
+              <a:defRPr sz="800" b="0" i="0" u="none" strike="noStrike" cap="none">
                 <a:solidFill>
                   <a:srgbClr val="D8D8D8"/>
                 </a:solidFill>
@@ -5931,7 +6081,7 @@
                 <a:sym typeface="Candara"/>
               </a:defRPr>
             </a:lvl8pPr>
-            <a:lvl9pPr indent="0" lvl="8" marL="0" marR="0" algn="r">
+            <a:lvl9pPr marL="0" marR="0" lvl="8" indent="0" algn="r">
               <a:lnSpc>
                 <a:spcPct val="100000"/>
               </a:lnSpc>
@@ -5947,7 +6097,7 @@
               <a:buSzPts val="800"/>
               <a:buFont typeface="Arial"/>
               <a:buNone/>
-              <a:defRPr b="0" i="0" sz="800" u="none" cap="none" strike="noStrike">
+              <a:defRPr sz="800" b="0" i="0" u="none" strike="noStrike" cap="none">
                 <a:solidFill>
                   <a:srgbClr val="D8D8D8"/>
                 </a:solidFill>
@@ -5959,7 +6109,7 @@
             </a:lvl9pPr>
           </a:lstStyle>
           <a:p>
-            <a:pPr indent="0" lvl="0" marL="0" rtl="0" algn="r">
+            <a:pPr marL="0" lvl="0" indent="0" algn="r" rtl="0">
               <a:spcBef>
                 <a:spcPts val="0"/>
               </a:spcBef>
@@ -5985,11 +6135,11 @@
 </file>
 
 <file path=ppt/slideLayouts/slideLayout5.xml><?xml version="1.0" encoding="utf-8"?>
-<p:sldLayout xmlns:a="http://schemas.openxmlformats.org/drawingml/2006/main" xmlns:r="http://schemas.openxmlformats.org/officeDocument/2006/relationships" xmlns:mc="http://schemas.openxmlformats.org/markup-compatibility/2006" xmlns:mv="urn:schemas-microsoft-com:mac:vml" xmlns:p="http://schemas.openxmlformats.org/presentationml/2006/main" xmlns:c="http://schemas.openxmlformats.org/drawingml/2006/chart" xmlns:dgm="http://schemas.openxmlformats.org/drawingml/2006/diagram" xmlns:o="urn:schemas-microsoft-com:office:office" xmlns:v="urn:schemas-microsoft-com:vml" xmlns:pvml="urn:schemas-microsoft-com:office:powerpoint" xmlns:com="http://schemas.openxmlformats.org/drawingml/2006/compatibility" xmlns:p14="http://schemas.microsoft.com/office/powerpoint/2010/main" xmlns:p15="http://schemas.microsoft.com/office/powerpoint/2012/main" matchingName="Comparison" type="twoTxTwoObj">
+<p:sldLayout xmlns:a="http://schemas.openxmlformats.org/drawingml/2006/main" xmlns:r="http://schemas.openxmlformats.org/officeDocument/2006/relationships" xmlns:p="http://schemas.openxmlformats.org/presentationml/2006/main" matchingName="Comparison" type="twoTxTwoObj">
   <p:cSld name="TWO_OBJECTS_WITH_TEXT">
     <p:spTree>
       <p:nvGrpSpPr>
-        <p:cNvPr id="30" name="Shape 30"/>
+        <p:cNvPr id="1" name="Shape 30"/>
         <p:cNvGrpSpPr/>
         <p:nvPr/>
       </p:nvGrpSpPr>
@@ -6004,7 +6154,9 @@
       <p:sp>
         <p:nvSpPr>
           <p:cNvPr id="31" name="Google Shape;31;p6"/>
-          <p:cNvSpPr txBox="1"/>
+          <p:cNvSpPr txBox="1">
+            <a:spLocks noGrp="1"/>
+          </p:cNvSpPr>
           <p:nvPr>
             <p:ph type="title"/>
           </p:nvPr>
@@ -6023,7 +6175,7 @@
           </a:ln>
         </p:spPr>
         <p:txBody>
-          <a:bodyPr anchorCtr="0" anchor="b" bIns="34275" lIns="68575" spcFirstLastPara="1" rIns="68575" wrap="square" tIns="34275">
+          <a:bodyPr spcFirstLastPara="1" wrap="square" lIns="68575" tIns="34275" rIns="68575" bIns="34275" anchor="b" anchorCtr="0">
             <a:noAutofit/>
           </a:bodyPr>
           <a:lstStyle>
@@ -6157,15 +6309,19 @@
               <a:defRPr/>
             </a:lvl9pPr>
           </a:lstStyle>
-          <a:p/>
+          <a:p>
+            <a:endParaRPr/>
+          </a:p>
         </p:txBody>
       </p:sp>
       <p:sp>
         <p:nvSpPr>
           <p:cNvPr id="32" name="Google Shape;32;p6"/>
-          <p:cNvSpPr txBox="1"/>
+          <p:cNvSpPr txBox="1">
+            <a:spLocks noGrp="1"/>
+          </p:cNvSpPr>
           <p:nvPr>
-            <p:ph idx="1" type="body"/>
+            <p:ph type="body" idx="1"/>
           </p:nvPr>
         </p:nvSpPr>
         <p:spPr>
@@ -6182,11 +6338,11 @@
           </a:ln>
         </p:spPr>
         <p:txBody>
-          <a:bodyPr anchorCtr="0" anchor="ctr" bIns="34275" lIns="68575" spcFirstLastPara="1" rIns="68575" wrap="square" tIns="34275">
+          <a:bodyPr spcFirstLastPara="1" wrap="square" lIns="68575" tIns="34275" rIns="68575" bIns="34275" anchor="ctr" anchorCtr="0">
             <a:noAutofit/>
           </a:bodyPr>
           <a:lstStyle>
-            <a:lvl1pPr indent="-228600" lvl="0" marL="457200" algn="l">
+            <a:lvl1pPr marL="457200" lvl="0" indent="-228600" algn="l">
               <a:lnSpc>
                 <a:spcPct val="90000"/>
               </a:lnSpc>
@@ -6198,13 +6354,13 @@
               </a:spcAft>
               <a:buSzPts val="1700"/>
               <a:buNone/>
-              <a:defRPr b="0" sz="1700">
+              <a:defRPr sz="1700" b="0">
                 <a:solidFill>
                   <a:schemeClr val="lt1"/>
                 </a:solidFill>
               </a:defRPr>
             </a:lvl1pPr>
-            <a:lvl2pPr indent="-228600" lvl="1" marL="914400" algn="l">
+            <a:lvl2pPr marL="914400" lvl="1" indent="-228600" algn="l">
               <a:lnSpc>
                 <a:spcPct val="90000"/>
               </a:lnSpc>
@@ -6216,9 +6372,9 @@
               </a:spcAft>
               <a:buSzPts val="1500"/>
               <a:buNone/>
-              <a:defRPr b="1" sz="1500"/>
+              <a:defRPr sz="1500" b="1"/>
             </a:lvl2pPr>
-            <a:lvl3pPr indent="-228600" lvl="2" marL="1371600" algn="l">
+            <a:lvl3pPr marL="1371600" lvl="2" indent="-228600" algn="l">
               <a:lnSpc>
                 <a:spcPct val="90000"/>
               </a:lnSpc>
@@ -6230,9 +6386,9 @@
               </a:spcAft>
               <a:buSzPts val="1400"/>
               <a:buNone/>
-              <a:defRPr b="1" sz="1400"/>
+              <a:defRPr sz="1400" b="1"/>
             </a:lvl3pPr>
-            <a:lvl4pPr indent="-228600" lvl="3" marL="1828800" algn="l">
+            <a:lvl4pPr marL="1828800" lvl="3" indent="-228600" algn="l">
               <a:lnSpc>
                 <a:spcPct val="90000"/>
               </a:lnSpc>
@@ -6244,9 +6400,9 @@
               </a:spcAft>
               <a:buSzPts val="1200"/>
               <a:buNone/>
-              <a:defRPr b="1" sz="1200"/>
+              <a:defRPr sz="1200" b="1"/>
             </a:lvl4pPr>
-            <a:lvl5pPr indent="-228600" lvl="4" marL="2286000" algn="l">
+            <a:lvl5pPr marL="2286000" lvl="4" indent="-228600" algn="l">
               <a:lnSpc>
                 <a:spcPct val="90000"/>
               </a:lnSpc>
@@ -6258,9 +6414,9 @@
               </a:spcAft>
               <a:buSzPts val="1200"/>
               <a:buNone/>
-              <a:defRPr b="1" sz="1200"/>
+              <a:defRPr sz="1200" b="1"/>
             </a:lvl5pPr>
-            <a:lvl6pPr indent="-228600" lvl="5" marL="2743200" algn="l">
+            <a:lvl6pPr marL="2743200" lvl="5" indent="-228600" algn="l">
               <a:lnSpc>
                 <a:spcPct val="90000"/>
               </a:lnSpc>
@@ -6272,9 +6428,9 @@
               </a:spcAft>
               <a:buSzPts val="1200"/>
               <a:buNone/>
-              <a:defRPr b="1" sz="1200"/>
+              <a:defRPr sz="1200" b="1"/>
             </a:lvl6pPr>
-            <a:lvl7pPr indent="-228600" lvl="6" marL="3200400" algn="l">
+            <a:lvl7pPr marL="3200400" lvl="6" indent="-228600" algn="l">
               <a:lnSpc>
                 <a:spcPct val="90000"/>
               </a:lnSpc>
@@ -6286,9 +6442,9 @@
               </a:spcAft>
               <a:buSzPts val="1200"/>
               <a:buNone/>
-              <a:defRPr b="1" sz="1200"/>
+              <a:defRPr sz="1200" b="1"/>
             </a:lvl7pPr>
-            <a:lvl8pPr indent="-228600" lvl="7" marL="3657600" algn="l">
+            <a:lvl8pPr marL="3657600" lvl="7" indent="-228600" algn="l">
               <a:lnSpc>
                 <a:spcPct val="90000"/>
               </a:lnSpc>
@@ -6300,9 +6456,9 @@
               </a:spcAft>
               <a:buSzPts val="1200"/>
               <a:buNone/>
-              <a:defRPr b="1" sz="1200"/>
+              <a:defRPr sz="1200" b="1"/>
             </a:lvl8pPr>
-            <a:lvl9pPr indent="-228600" lvl="8" marL="4114800" algn="l">
+            <a:lvl9pPr marL="4114800" lvl="8" indent="-228600" algn="l">
               <a:lnSpc>
                 <a:spcPct val="90000"/>
               </a:lnSpc>
@@ -6314,18 +6470,22 @@
               </a:spcAft>
               <a:buSzPts val="1200"/>
               <a:buNone/>
-              <a:defRPr b="1" sz="1200"/>
+              <a:defRPr sz="1200" b="1"/>
             </a:lvl9pPr>
           </a:lstStyle>
-          <a:p/>
+          <a:p>
+            <a:endParaRPr/>
+          </a:p>
         </p:txBody>
       </p:sp>
       <p:sp>
         <p:nvSpPr>
           <p:cNvPr id="33" name="Google Shape;33;p6"/>
-          <p:cNvSpPr txBox="1"/>
+          <p:cNvSpPr txBox="1">
+            <a:spLocks noGrp="1"/>
+          </p:cNvSpPr>
           <p:nvPr>
-            <p:ph idx="2" type="body"/>
+            <p:ph type="body" idx="2"/>
           </p:nvPr>
         </p:nvSpPr>
         <p:spPr>
@@ -6342,11 +6502,11 @@
           </a:ln>
         </p:spPr>
         <p:txBody>
-          <a:bodyPr anchorCtr="0" anchor="t" bIns="34275" lIns="68575" spcFirstLastPara="1" rIns="68575" wrap="square" tIns="34275">
+          <a:bodyPr spcFirstLastPara="1" wrap="square" lIns="68575" tIns="34275" rIns="68575" bIns="34275" anchor="t" anchorCtr="0">
             <a:noAutofit/>
           </a:bodyPr>
           <a:lstStyle>
-            <a:lvl1pPr indent="-323850" lvl="0" marL="457200" algn="l">
+            <a:lvl1pPr marL="457200" lvl="0" indent="-323850" algn="l">
               <a:lnSpc>
                 <a:spcPct val="90000"/>
               </a:lnSpc>
@@ -6360,7 +6520,7 @@
               <a:buChar char="•"/>
               <a:defRPr sz="1500"/>
             </a:lvl1pPr>
-            <a:lvl2pPr indent="-317500" lvl="1" marL="914400" algn="l">
+            <a:lvl2pPr marL="914400" lvl="1" indent="-317500" algn="l">
               <a:lnSpc>
                 <a:spcPct val="90000"/>
               </a:lnSpc>
@@ -6374,7 +6534,7 @@
               <a:buChar char="•"/>
               <a:defRPr sz="1400"/>
             </a:lvl2pPr>
-            <a:lvl3pPr indent="-304800" lvl="2" marL="1371600" algn="l">
+            <a:lvl3pPr marL="1371600" lvl="2" indent="-304800" algn="l">
               <a:lnSpc>
                 <a:spcPct val="90000"/>
               </a:lnSpc>
@@ -6388,7 +6548,7 @@
               <a:buChar char="•"/>
               <a:defRPr sz="1200"/>
             </a:lvl3pPr>
-            <a:lvl4pPr indent="-298450" lvl="3" marL="1828800" algn="l">
+            <a:lvl4pPr marL="1828800" lvl="3" indent="-298450" algn="l">
               <a:lnSpc>
                 <a:spcPct val="90000"/>
               </a:lnSpc>
@@ -6402,7 +6562,7 @@
               <a:buChar char="•"/>
               <a:defRPr sz="1100"/>
             </a:lvl4pPr>
-            <a:lvl5pPr indent="-298450" lvl="4" marL="2286000" algn="l">
+            <a:lvl5pPr marL="2286000" lvl="4" indent="-298450" algn="l">
               <a:lnSpc>
                 <a:spcPct val="90000"/>
               </a:lnSpc>
@@ -6416,7 +6576,7 @@
               <a:buChar char="•"/>
               <a:defRPr sz="1100"/>
             </a:lvl5pPr>
-            <a:lvl6pPr indent="-298450" lvl="5" marL="2743200" algn="l">
+            <a:lvl6pPr marL="2743200" lvl="5" indent="-298450" algn="l">
               <a:lnSpc>
                 <a:spcPct val="90000"/>
               </a:lnSpc>
@@ -6430,7 +6590,7 @@
               <a:buChar char="•"/>
               <a:defRPr sz="1100"/>
             </a:lvl6pPr>
-            <a:lvl7pPr indent="-298450" lvl="6" marL="3200400" algn="l">
+            <a:lvl7pPr marL="3200400" lvl="6" indent="-298450" algn="l">
               <a:lnSpc>
                 <a:spcPct val="90000"/>
               </a:lnSpc>
@@ -6444,7 +6604,7 @@
               <a:buChar char="•"/>
               <a:defRPr sz="1100"/>
             </a:lvl7pPr>
-            <a:lvl8pPr indent="-298450" lvl="7" marL="3657600" algn="l">
+            <a:lvl8pPr marL="3657600" lvl="7" indent="-298450" algn="l">
               <a:lnSpc>
                 <a:spcPct val="90000"/>
               </a:lnSpc>
@@ -6458,7 +6618,7 @@
               <a:buChar char="•"/>
               <a:defRPr sz="1100"/>
             </a:lvl8pPr>
-            <a:lvl9pPr indent="-298450" lvl="8" marL="4114800" algn="l">
+            <a:lvl9pPr marL="4114800" lvl="8" indent="-298450" algn="l">
               <a:lnSpc>
                 <a:spcPct val="90000"/>
               </a:lnSpc>
@@ -6473,15 +6633,19 @@
               <a:defRPr sz="1100"/>
             </a:lvl9pPr>
           </a:lstStyle>
-          <a:p/>
+          <a:p>
+            <a:endParaRPr/>
+          </a:p>
         </p:txBody>
       </p:sp>
       <p:sp>
         <p:nvSpPr>
           <p:cNvPr id="34" name="Google Shape;34;p6"/>
-          <p:cNvSpPr txBox="1"/>
+          <p:cNvSpPr txBox="1">
+            <a:spLocks noGrp="1"/>
+          </p:cNvSpPr>
           <p:nvPr>
-            <p:ph idx="3" type="body"/>
+            <p:ph type="body" idx="3"/>
           </p:nvPr>
         </p:nvSpPr>
         <p:spPr>
@@ -6498,11 +6662,11 @@
           </a:ln>
         </p:spPr>
         <p:txBody>
-          <a:bodyPr anchorCtr="0" anchor="ctr" bIns="34275" lIns="68575" spcFirstLastPara="1" rIns="68575" wrap="square" tIns="34275">
+          <a:bodyPr spcFirstLastPara="1" wrap="square" lIns="68575" tIns="34275" rIns="68575" bIns="34275" anchor="ctr" anchorCtr="0">
             <a:noAutofit/>
           </a:bodyPr>
           <a:lstStyle>
-            <a:lvl1pPr indent="-228600" lvl="0" marL="457200" algn="l">
+            <a:lvl1pPr marL="457200" lvl="0" indent="-228600" algn="l">
               <a:lnSpc>
                 <a:spcPct val="90000"/>
               </a:lnSpc>
@@ -6514,13 +6678,13 @@
               </a:spcAft>
               <a:buSzPts val="1700"/>
               <a:buNone/>
-              <a:defRPr b="0" sz="1700">
+              <a:defRPr sz="1700" b="0">
                 <a:solidFill>
                   <a:schemeClr val="lt1"/>
                 </a:solidFill>
               </a:defRPr>
             </a:lvl1pPr>
-            <a:lvl2pPr indent="-228600" lvl="1" marL="914400" algn="l">
+            <a:lvl2pPr marL="914400" lvl="1" indent="-228600" algn="l">
               <a:lnSpc>
                 <a:spcPct val="90000"/>
               </a:lnSpc>
@@ -6532,9 +6696,9 @@
               </a:spcAft>
               <a:buSzPts val="1500"/>
               <a:buNone/>
-              <a:defRPr b="1" sz="1500"/>
+              <a:defRPr sz="1500" b="1"/>
             </a:lvl2pPr>
-            <a:lvl3pPr indent="-228600" lvl="2" marL="1371600" algn="l">
+            <a:lvl3pPr marL="1371600" lvl="2" indent="-228600" algn="l">
               <a:lnSpc>
                 <a:spcPct val="90000"/>
               </a:lnSpc>
@@ -6546,9 +6710,9 @@
               </a:spcAft>
               <a:buSzPts val="1400"/>
               <a:buNone/>
-              <a:defRPr b="1" sz="1400"/>
+              <a:defRPr sz="1400" b="1"/>
             </a:lvl3pPr>
-            <a:lvl4pPr indent="-228600" lvl="3" marL="1828800" algn="l">
+            <a:lvl4pPr marL="1828800" lvl="3" indent="-228600" algn="l">
               <a:lnSpc>
                 <a:spcPct val="90000"/>
               </a:lnSpc>
@@ -6560,9 +6724,9 @@
               </a:spcAft>
               <a:buSzPts val="1200"/>
               <a:buNone/>
-              <a:defRPr b="1" sz="1200"/>
+              <a:defRPr sz="1200" b="1"/>
             </a:lvl4pPr>
-            <a:lvl5pPr indent="-228600" lvl="4" marL="2286000" algn="l">
+            <a:lvl5pPr marL="2286000" lvl="4" indent="-228600" algn="l">
               <a:lnSpc>
                 <a:spcPct val="90000"/>
               </a:lnSpc>
@@ -6574,9 +6738,9 @@
               </a:spcAft>
               <a:buSzPts val="1200"/>
               <a:buNone/>
-              <a:defRPr b="1" sz="1200"/>
+              <a:defRPr sz="1200" b="1"/>
             </a:lvl5pPr>
-            <a:lvl6pPr indent="-228600" lvl="5" marL="2743200" algn="l">
+            <a:lvl6pPr marL="2743200" lvl="5" indent="-228600" algn="l">
               <a:lnSpc>
                 <a:spcPct val="90000"/>
               </a:lnSpc>
@@ -6588,9 +6752,9 @@
               </a:spcAft>
               <a:buSzPts val="1200"/>
               <a:buNone/>
-              <a:defRPr b="1" sz="1200"/>
+              <a:defRPr sz="1200" b="1"/>
             </a:lvl6pPr>
-            <a:lvl7pPr indent="-228600" lvl="6" marL="3200400" algn="l">
+            <a:lvl7pPr marL="3200400" lvl="6" indent="-228600" algn="l">
               <a:lnSpc>
                 <a:spcPct val="90000"/>
               </a:lnSpc>
@@ -6602,9 +6766,9 @@
               </a:spcAft>
               <a:buSzPts val="1200"/>
               <a:buNone/>
-              <a:defRPr b="1" sz="1200"/>
+              <a:defRPr sz="1200" b="1"/>
             </a:lvl7pPr>
-            <a:lvl8pPr indent="-228600" lvl="7" marL="3657600" algn="l">
+            <a:lvl8pPr marL="3657600" lvl="7" indent="-228600" algn="l">
               <a:lnSpc>
                 <a:spcPct val="90000"/>
               </a:lnSpc>
@@ -6616,9 +6780,9 @@
               </a:spcAft>
               <a:buSzPts val="1200"/>
               <a:buNone/>
-              <a:defRPr b="1" sz="1200"/>
+              <a:defRPr sz="1200" b="1"/>
             </a:lvl8pPr>
-            <a:lvl9pPr indent="-228600" lvl="8" marL="4114800" algn="l">
+            <a:lvl9pPr marL="4114800" lvl="8" indent="-228600" algn="l">
               <a:lnSpc>
                 <a:spcPct val="90000"/>
               </a:lnSpc>
@@ -6630,18 +6794,22 @@
               </a:spcAft>
               <a:buSzPts val="1200"/>
               <a:buNone/>
-              <a:defRPr b="1" sz="1200"/>
+              <a:defRPr sz="1200" b="1"/>
             </a:lvl9pPr>
           </a:lstStyle>
-          <a:p/>
+          <a:p>
+            <a:endParaRPr/>
+          </a:p>
         </p:txBody>
       </p:sp>
       <p:sp>
         <p:nvSpPr>
           <p:cNvPr id="35" name="Google Shape;35;p6"/>
-          <p:cNvSpPr txBox="1"/>
+          <p:cNvSpPr txBox="1">
+            <a:spLocks noGrp="1"/>
+          </p:cNvSpPr>
           <p:nvPr>
-            <p:ph idx="4" type="body"/>
+            <p:ph type="body" idx="4"/>
           </p:nvPr>
         </p:nvSpPr>
         <p:spPr>
@@ -6658,11 +6826,11 @@
           </a:ln>
         </p:spPr>
         <p:txBody>
-          <a:bodyPr anchorCtr="0" anchor="t" bIns="34275" lIns="68575" spcFirstLastPara="1" rIns="68575" wrap="square" tIns="34275">
+          <a:bodyPr spcFirstLastPara="1" wrap="square" lIns="68575" tIns="34275" rIns="68575" bIns="34275" anchor="t" anchorCtr="0">
             <a:noAutofit/>
           </a:bodyPr>
           <a:lstStyle>
-            <a:lvl1pPr indent="-323850" lvl="0" marL="457200" algn="l">
+            <a:lvl1pPr marL="457200" lvl="0" indent="-323850" algn="l">
               <a:lnSpc>
                 <a:spcPct val="90000"/>
               </a:lnSpc>
@@ -6676,7 +6844,7 @@
               <a:buChar char="•"/>
               <a:defRPr sz="1500"/>
             </a:lvl1pPr>
-            <a:lvl2pPr indent="-317500" lvl="1" marL="914400" algn="l">
+            <a:lvl2pPr marL="914400" lvl="1" indent="-317500" algn="l">
               <a:lnSpc>
                 <a:spcPct val="90000"/>
               </a:lnSpc>
@@ -6690,7 +6858,7 @@
               <a:buChar char="•"/>
               <a:defRPr sz="1400"/>
             </a:lvl2pPr>
-            <a:lvl3pPr indent="-304800" lvl="2" marL="1371600" algn="l">
+            <a:lvl3pPr marL="1371600" lvl="2" indent="-304800" algn="l">
               <a:lnSpc>
                 <a:spcPct val="90000"/>
               </a:lnSpc>
@@ -6704,7 +6872,7 @@
               <a:buChar char="•"/>
               <a:defRPr sz="1200"/>
             </a:lvl3pPr>
-            <a:lvl4pPr indent="-298450" lvl="3" marL="1828800" algn="l">
+            <a:lvl4pPr marL="1828800" lvl="3" indent="-298450" algn="l">
               <a:lnSpc>
                 <a:spcPct val="90000"/>
               </a:lnSpc>
@@ -6718,7 +6886,7 @@
               <a:buChar char="•"/>
               <a:defRPr sz="1100"/>
             </a:lvl4pPr>
-            <a:lvl5pPr indent="-298450" lvl="4" marL="2286000" algn="l">
+            <a:lvl5pPr marL="2286000" lvl="4" indent="-298450" algn="l">
               <a:lnSpc>
                 <a:spcPct val="90000"/>
               </a:lnSpc>
@@ -6732,7 +6900,7 @@
               <a:buChar char="•"/>
               <a:defRPr sz="1100"/>
             </a:lvl5pPr>
-            <a:lvl6pPr indent="-298450" lvl="5" marL="2743200" algn="l">
+            <a:lvl6pPr marL="2743200" lvl="5" indent="-298450" algn="l">
               <a:lnSpc>
                 <a:spcPct val="90000"/>
               </a:lnSpc>
@@ -6746,7 +6914,7 @@
               <a:buChar char="•"/>
               <a:defRPr sz="1100"/>
             </a:lvl6pPr>
-            <a:lvl7pPr indent="-298450" lvl="6" marL="3200400" algn="l">
+            <a:lvl7pPr marL="3200400" lvl="6" indent="-298450" algn="l">
               <a:lnSpc>
                 <a:spcPct val="90000"/>
               </a:lnSpc>
@@ -6760,7 +6928,7 @@
               <a:buChar char="•"/>
               <a:defRPr sz="1100"/>
             </a:lvl7pPr>
-            <a:lvl8pPr indent="-298450" lvl="7" marL="3657600" algn="l">
+            <a:lvl8pPr marL="3657600" lvl="7" indent="-298450" algn="l">
               <a:lnSpc>
                 <a:spcPct val="90000"/>
               </a:lnSpc>
@@ -6774,7 +6942,7 @@
               <a:buChar char="•"/>
               <a:defRPr sz="1100"/>
             </a:lvl8pPr>
-            <a:lvl9pPr indent="-298450" lvl="8" marL="4114800" algn="l">
+            <a:lvl9pPr marL="4114800" lvl="8" indent="-298450" algn="l">
               <a:lnSpc>
                 <a:spcPct val="90000"/>
               </a:lnSpc>
@@ -6789,15 +6957,19 @@
               <a:defRPr sz="1100"/>
             </a:lvl9pPr>
           </a:lstStyle>
-          <a:p/>
+          <a:p>
+            <a:endParaRPr/>
+          </a:p>
         </p:txBody>
       </p:sp>
       <p:sp>
         <p:nvSpPr>
           <p:cNvPr id="36" name="Google Shape;36;p6"/>
-          <p:cNvSpPr txBox="1"/>
+          <p:cNvSpPr txBox="1">
+            <a:spLocks noGrp="1"/>
+          </p:cNvSpPr>
           <p:nvPr>
-            <p:ph idx="11" type="ftr"/>
+            <p:ph type="ftr" idx="11"/>
           </p:nvPr>
         </p:nvSpPr>
         <p:spPr>
@@ -6814,7 +6986,7 @@
           </a:ln>
         </p:spPr>
         <p:txBody>
-          <a:bodyPr anchorCtr="0" anchor="ctr" bIns="34275" lIns="68575" spcFirstLastPara="1" rIns="68575" wrap="square" tIns="34275">
+          <a:bodyPr spcFirstLastPara="1" wrap="square" lIns="68575" tIns="34275" rIns="68575" bIns="34275" anchor="ctr" anchorCtr="0">
             <a:noAutofit/>
           </a:bodyPr>
           <a:lstStyle>
@@ -6945,15 +7117,19 @@
               <a:defRPr/>
             </a:lvl9pPr>
           </a:lstStyle>
-          <a:p/>
+          <a:p>
+            <a:endParaRPr/>
+          </a:p>
         </p:txBody>
       </p:sp>
       <p:sp>
         <p:nvSpPr>
           <p:cNvPr id="37" name="Google Shape;37;p6"/>
-          <p:cNvSpPr txBox="1"/>
+          <p:cNvSpPr txBox="1">
+            <a:spLocks noGrp="1"/>
+          </p:cNvSpPr>
           <p:nvPr>
-            <p:ph idx="10" type="dt"/>
+            <p:ph type="dt" idx="10"/>
           </p:nvPr>
         </p:nvSpPr>
         <p:spPr>
@@ -6970,7 +7146,7 @@
           </a:ln>
         </p:spPr>
         <p:txBody>
-          <a:bodyPr anchorCtr="0" anchor="ctr" bIns="34275" lIns="68575" spcFirstLastPara="1" rIns="68575" wrap="square" tIns="34275">
+          <a:bodyPr spcFirstLastPara="1" wrap="square" lIns="68575" tIns="34275" rIns="68575" bIns="34275" anchor="ctr" anchorCtr="0">
             <a:noAutofit/>
           </a:bodyPr>
           <a:lstStyle>
@@ -7101,15 +7277,19 @@
               <a:defRPr/>
             </a:lvl9pPr>
           </a:lstStyle>
-          <a:p/>
+          <a:p>
+            <a:endParaRPr/>
+          </a:p>
         </p:txBody>
       </p:sp>
       <p:sp>
         <p:nvSpPr>
           <p:cNvPr id="38" name="Google Shape;38;p6"/>
-          <p:cNvSpPr txBox="1"/>
+          <p:cNvSpPr txBox="1">
+            <a:spLocks noGrp="1"/>
+          </p:cNvSpPr>
           <p:nvPr>
-            <p:ph idx="12" type="sldNum"/>
+            <p:ph type="sldNum" idx="12"/>
           </p:nvPr>
         </p:nvSpPr>
         <p:spPr>
@@ -7126,11 +7306,11 @@
           </a:ln>
         </p:spPr>
         <p:txBody>
-          <a:bodyPr anchorCtr="0" anchor="ctr" bIns="34275" lIns="68575" spcFirstLastPara="1" rIns="68575" wrap="square" tIns="34275">
+          <a:bodyPr spcFirstLastPara="1" wrap="square" lIns="68575" tIns="34275" rIns="68575" bIns="34275" anchor="ctr" anchorCtr="0">
             <a:noAutofit/>
           </a:bodyPr>
           <a:lstStyle>
-            <a:lvl1pPr indent="0" lvl="0" marL="0" marR="0" algn="r">
+            <a:lvl1pPr marL="0" marR="0" lvl="0" indent="0" algn="r">
               <a:lnSpc>
                 <a:spcPct val="100000"/>
               </a:lnSpc>
@@ -7146,7 +7326,7 @@
               <a:buSzPts val="800"/>
               <a:buFont typeface="Arial"/>
               <a:buNone/>
-              <a:defRPr b="0" i="0" sz="800" u="none" cap="none" strike="noStrike">
+              <a:defRPr sz="800" b="0" i="0" u="none" strike="noStrike" cap="none">
                 <a:solidFill>
                   <a:srgbClr val="D8D8D8"/>
                 </a:solidFill>
@@ -7156,7 +7336,7 @@
                 <a:sym typeface="Candara"/>
               </a:defRPr>
             </a:lvl1pPr>
-            <a:lvl2pPr indent="0" lvl="1" marL="0" marR="0" algn="r">
+            <a:lvl2pPr marL="0" marR="0" lvl="1" indent="0" algn="r">
               <a:lnSpc>
                 <a:spcPct val="100000"/>
               </a:lnSpc>
@@ -7172,7 +7352,7 @@
               <a:buSzPts val="800"/>
               <a:buFont typeface="Arial"/>
               <a:buNone/>
-              <a:defRPr b="0" i="0" sz="800" u="none" cap="none" strike="noStrike">
+              <a:defRPr sz="800" b="0" i="0" u="none" strike="noStrike" cap="none">
                 <a:solidFill>
                   <a:srgbClr val="D8D8D8"/>
                 </a:solidFill>
@@ -7182,7 +7362,7 @@
                 <a:sym typeface="Candara"/>
               </a:defRPr>
             </a:lvl2pPr>
-            <a:lvl3pPr indent="0" lvl="2" marL="0" marR="0" algn="r">
+            <a:lvl3pPr marL="0" marR="0" lvl="2" indent="0" algn="r">
               <a:lnSpc>
                 <a:spcPct val="100000"/>
               </a:lnSpc>
@@ -7198,7 +7378,7 @@
               <a:buSzPts val="800"/>
               <a:buFont typeface="Arial"/>
               <a:buNone/>
-              <a:defRPr b="0" i="0" sz="800" u="none" cap="none" strike="noStrike">
+              <a:defRPr sz="800" b="0" i="0" u="none" strike="noStrike" cap="none">
                 <a:solidFill>
                   <a:srgbClr val="D8D8D8"/>
                 </a:solidFill>
@@ -7208,7 +7388,7 @@
                 <a:sym typeface="Candara"/>
               </a:defRPr>
             </a:lvl3pPr>
-            <a:lvl4pPr indent="0" lvl="3" marL="0" marR="0" algn="r">
+            <a:lvl4pPr marL="0" marR="0" lvl="3" indent="0" algn="r">
               <a:lnSpc>
                 <a:spcPct val="100000"/>
               </a:lnSpc>
@@ -7224,7 +7404,7 @@
               <a:buSzPts val="800"/>
               <a:buFont typeface="Arial"/>
               <a:buNone/>
-              <a:defRPr b="0" i="0" sz="800" u="none" cap="none" strike="noStrike">
+              <a:defRPr sz="800" b="0" i="0" u="none" strike="noStrike" cap="none">
                 <a:solidFill>
                   <a:srgbClr val="D8D8D8"/>
                 </a:solidFill>
@@ -7234,7 +7414,7 @@
                 <a:sym typeface="Candara"/>
               </a:defRPr>
             </a:lvl4pPr>
-            <a:lvl5pPr indent="0" lvl="4" marL="0" marR="0" algn="r">
+            <a:lvl5pPr marL="0" marR="0" lvl="4" indent="0" algn="r">
               <a:lnSpc>
                 <a:spcPct val="100000"/>
               </a:lnSpc>
@@ -7250,7 +7430,7 @@
               <a:buSzPts val="800"/>
               <a:buFont typeface="Arial"/>
               <a:buNone/>
-              <a:defRPr b="0" i="0" sz="800" u="none" cap="none" strike="noStrike">
+              <a:defRPr sz="800" b="0" i="0" u="none" strike="noStrike" cap="none">
                 <a:solidFill>
                   <a:srgbClr val="D8D8D8"/>
                 </a:solidFill>
@@ -7260,7 +7440,7 @@
                 <a:sym typeface="Candara"/>
               </a:defRPr>
             </a:lvl5pPr>
-            <a:lvl6pPr indent="0" lvl="5" marL="0" marR="0" algn="r">
+            <a:lvl6pPr marL="0" marR="0" lvl="5" indent="0" algn="r">
               <a:lnSpc>
                 <a:spcPct val="100000"/>
               </a:lnSpc>
@@ -7276,7 +7456,7 @@
               <a:buSzPts val="800"/>
               <a:buFont typeface="Arial"/>
               <a:buNone/>
-              <a:defRPr b="0" i="0" sz="800" u="none" cap="none" strike="noStrike">
+              <a:defRPr sz="800" b="0" i="0" u="none" strike="noStrike" cap="none">
                 <a:solidFill>
                   <a:srgbClr val="D8D8D8"/>
                 </a:solidFill>
@@ -7286,7 +7466,7 @@
                 <a:sym typeface="Candara"/>
               </a:defRPr>
             </a:lvl6pPr>
-            <a:lvl7pPr indent="0" lvl="6" marL="0" marR="0" algn="r">
+            <a:lvl7pPr marL="0" marR="0" lvl="6" indent="0" algn="r">
               <a:lnSpc>
                 <a:spcPct val="100000"/>
               </a:lnSpc>
@@ -7302,7 +7482,7 @@
               <a:buSzPts val="800"/>
               <a:buFont typeface="Arial"/>
               <a:buNone/>
-              <a:defRPr b="0" i="0" sz="800" u="none" cap="none" strike="noStrike">
+              <a:defRPr sz="800" b="0" i="0" u="none" strike="noStrike" cap="none">
                 <a:solidFill>
                   <a:srgbClr val="D8D8D8"/>
                 </a:solidFill>
@@ -7312,7 +7492,7 @@
                 <a:sym typeface="Candara"/>
               </a:defRPr>
             </a:lvl7pPr>
-            <a:lvl8pPr indent="0" lvl="7" marL="0" marR="0" algn="r">
+            <a:lvl8pPr marL="0" marR="0" lvl="7" indent="0" algn="r">
               <a:lnSpc>
                 <a:spcPct val="100000"/>
               </a:lnSpc>
@@ -7328,7 +7508,7 @@
               <a:buSzPts val="800"/>
               <a:buFont typeface="Arial"/>
               <a:buNone/>
-              <a:defRPr b="0" i="0" sz="800" u="none" cap="none" strike="noStrike">
+              <a:defRPr sz="800" b="0" i="0" u="none" strike="noStrike" cap="none">
                 <a:solidFill>
                   <a:srgbClr val="D8D8D8"/>
                 </a:solidFill>
@@ -7338,7 +7518,7 @@
                 <a:sym typeface="Candara"/>
               </a:defRPr>
             </a:lvl8pPr>
-            <a:lvl9pPr indent="0" lvl="8" marL="0" marR="0" algn="r">
+            <a:lvl9pPr marL="0" marR="0" lvl="8" indent="0" algn="r">
               <a:lnSpc>
                 <a:spcPct val="100000"/>
               </a:lnSpc>
@@ -7354,7 +7534,7 @@
               <a:buSzPts val="800"/>
               <a:buFont typeface="Arial"/>
               <a:buNone/>
-              <a:defRPr b="0" i="0" sz="800" u="none" cap="none" strike="noStrike">
+              <a:defRPr sz="800" b="0" i="0" u="none" strike="noStrike" cap="none">
                 <a:solidFill>
                   <a:srgbClr val="D8D8D8"/>
                 </a:solidFill>
@@ -7366,7 +7546,7 @@
             </a:lvl9pPr>
           </a:lstStyle>
           <a:p>
-            <a:pPr indent="0" lvl="0" marL="0" rtl="0" algn="r">
+            <a:pPr marL="0" lvl="0" indent="0" algn="r" rtl="0">
               <a:spcBef>
                 <a:spcPts val="0"/>
               </a:spcBef>
@@ -7392,11 +7572,11 @@
 </file>
 
 <file path=ppt/slideLayouts/slideLayout6.xml><?xml version="1.0" encoding="utf-8"?>
-<p:sldLayout xmlns:a="http://schemas.openxmlformats.org/drawingml/2006/main" xmlns:r="http://schemas.openxmlformats.org/officeDocument/2006/relationships" xmlns:mc="http://schemas.openxmlformats.org/markup-compatibility/2006" xmlns:mv="urn:schemas-microsoft-com:mac:vml" xmlns:p="http://schemas.openxmlformats.org/presentationml/2006/main" xmlns:c="http://schemas.openxmlformats.org/drawingml/2006/chart" xmlns:dgm="http://schemas.openxmlformats.org/drawingml/2006/diagram" xmlns:o="urn:schemas-microsoft-com:office:office" xmlns:v="urn:schemas-microsoft-com:vml" xmlns:pvml="urn:schemas-microsoft-com:office:powerpoint" xmlns:com="http://schemas.openxmlformats.org/drawingml/2006/compatibility" xmlns:p14="http://schemas.microsoft.com/office/powerpoint/2010/main" xmlns:p15="http://schemas.microsoft.com/office/powerpoint/2012/main" matchingName="Two Content" type="twoObj">
+<p:sldLayout xmlns:a="http://schemas.openxmlformats.org/drawingml/2006/main" xmlns:r="http://schemas.openxmlformats.org/officeDocument/2006/relationships" xmlns:p="http://schemas.openxmlformats.org/presentationml/2006/main" matchingName="Two Content" type="twoObj">
   <p:cSld name="TWO_OBJECTS">
     <p:spTree>
       <p:nvGrpSpPr>
-        <p:cNvPr id="39" name="Shape 39"/>
+        <p:cNvPr id="1" name="Shape 39"/>
         <p:cNvGrpSpPr/>
         <p:nvPr/>
       </p:nvGrpSpPr>
@@ -7411,7 +7591,9 @@
       <p:sp>
         <p:nvSpPr>
           <p:cNvPr id="40" name="Google Shape;40;p7"/>
-          <p:cNvSpPr txBox="1"/>
+          <p:cNvSpPr txBox="1">
+            <a:spLocks noGrp="1"/>
+          </p:cNvSpPr>
           <p:nvPr>
             <p:ph type="title"/>
           </p:nvPr>
@@ -7430,7 +7612,7 @@
           </a:ln>
         </p:spPr>
         <p:txBody>
-          <a:bodyPr anchorCtr="0" anchor="b" bIns="34275" lIns="68575" spcFirstLastPara="1" rIns="68575" wrap="square" tIns="34275">
+          <a:bodyPr spcFirstLastPara="1" wrap="square" lIns="68575" tIns="34275" rIns="68575" bIns="34275" anchor="b" anchorCtr="0">
             <a:noAutofit/>
           </a:bodyPr>
           <a:lstStyle>
@@ -7564,15 +7746,19 @@
               <a:defRPr/>
             </a:lvl9pPr>
           </a:lstStyle>
-          <a:p/>
+          <a:p>
+            <a:endParaRPr/>
+          </a:p>
         </p:txBody>
       </p:sp>
       <p:sp>
         <p:nvSpPr>
           <p:cNvPr id="41" name="Google Shape;41;p7"/>
-          <p:cNvSpPr txBox="1"/>
+          <p:cNvSpPr txBox="1">
+            <a:spLocks noGrp="1"/>
+          </p:cNvSpPr>
           <p:nvPr>
-            <p:ph idx="1" type="body"/>
+            <p:ph type="body" idx="1"/>
           </p:nvPr>
         </p:nvSpPr>
         <p:spPr>
@@ -7589,11 +7775,11 @@
           </a:ln>
         </p:spPr>
         <p:txBody>
-          <a:bodyPr anchorCtr="0" anchor="t" bIns="34275" lIns="68575" spcFirstLastPara="1" rIns="68575" wrap="square" tIns="34275">
+          <a:bodyPr spcFirstLastPara="1" wrap="square" lIns="68575" tIns="34275" rIns="68575" bIns="34275" anchor="t" anchorCtr="0">
             <a:noAutofit/>
           </a:bodyPr>
           <a:lstStyle>
-            <a:lvl1pPr indent="-323850" lvl="0" marL="457200" algn="l">
+            <a:lvl1pPr marL="457200" lvl="0" indent="-323850" algn="l">
               <a:lnSpc>
                 <a:spcPct val="90000"/>
               </a:lnSpc>
@@ -7607,7 +7793,7 @@
               <a:buChar char="•"/>
               <a:defRPr sz="1500"/>
             </a:lvl1pPr>
-            <a:lvl2pPr indent="-317500" lvl="1" marL="914400" algn="l">
+            <a:lvl2pPr marL="914400" lvl="1" indent="-317500" algn="l">
               <a:lnSpc>
                 <a:spcPct val="90000"/>
               </a:lnSpc>
@@ -7621,7 +7807,7 @@
               <a:buChar char="•"/>
               <a:defRPr sz="1400"/>
             </a:lvl2pPr>
-            <a:lvl3pPr indent="-304800" lvl="2" marL="1371600" algn="l">
+            <a:lvl3pPr marL="1371600" lvl="2" indent="-304800" algn="l">
               <a:lnSpc>
                 <a:spcPct val="90000"/>
               </a:lnSpc>
@@ -7635,7 +7821,7 @@
               <a:buChar char="•"/>
               <a:defRPr sz="1200"/>
             </a:lvl3pPr>
-            <a:lvl4pPr indent="-298450" lvl="3" marL="1828800" algn="l">
+            <a:lvl4pPr marL="1828800" lvl="3" indent="-298450" algn="l">
               <a:lnSpc>
                 <a:spcPct val="90000"/>
               </a:lnSpc>
@@ -7649,7 +7835,7 @@
               <a:buChar char="•"/>
               <a:defRPr sz="1100"/>
             </a:lvl4pPr>
-            <a:lvl5pPr indent="-298450" lvl="4" marL="2286000" algn="l">
+            <a:lvl5pPr marL="2286000" lvl="4" indent="-298450" algn="l">
               <a:lnSpc>
                 <a:spcPct val="90000"/>
               </a:lnSpc>
@@ -7663,7 +7849,7 @@
               <a:buChar char="•"/>
               <a:defRPr sz="1100"/>
             </a:lvl5pPr>
-            <a:lvl6pPr indent="-298450" lvl="5" marL="2743200" algn="l">
+            <a:lvl6pPr marL="2743200" lvl="5" indent="-298450" algn="l">
               <a:lnSpc>
                 <a:spcPct val="90000"/>
               </a:lnSpc>
@@ -7677,7 +7863,7 @@
               <a:buChar char="•"/>
               <a:defRPr sz="1100"/>
             </a:lvl6pPr>
-            <a:lvl7pPr indent="-298450" lvl="6" marL="3200400" algn="l">
+            <a:lvl7pPr marL="3200400" lvl="6" indent="-298450" algn="l">
               <a:lnSpc>
                 <a:spcPct val="90000"/>
               </a:lnSpc>
@@ -7691,7 +7877,7 @@
               <a:buChar char="•"/>
               <a:defRPr sz="1100"/>
             </a:lvl7pPr>
-            <a:lvl8pPr indent="-298450" lvl="7" marL="3657600" algn="l">
+            <a:lvl8pPr marL="3657600" lvl="7" indent="-298450" algn="l">
               <a:lnSpc>
                 <a:spcPct val="90000"/>
               </a:lnSpc>
@@ -7705,7 +7891,7 @@
               <a:buChar char="•"/>
               <a:defRPr sz="1100"/>
             </a:lvl8pPr>
-            <a:lvl9pPr indent="-298450" lvl="8" marL="4114800" algn="l">
+            <a:lvl9pPr marL="4114800" lvl="8" indent="-298450" algn="l">
               <a:lnSpc>
                 <a:spcPct val="90000"/>
               </a:lnSpc>
@@ -7720,15 +7906,19 @@
               <a:defRPr sz="1100"/>
             </a:lvl9pPr>
           </a:lstStyle>
-          <a:p/>
+          <a:p>
+            <a:endParaRPr/>
+          </a:p>
         </p:txBody>
       </p:sp>
       <p:sp>
         <p:nvSpPr>
           <p:cNvPr id="42" name="Google Shape;42;p7"/>
-          <p:cNvSpPr txBox="1"/>
+          <p:cNvSpPr txBox="1">
+            <a:spLocks noGrp="1"/>
+          </p:cNvSpPr>
           <p:nvPr>
-            <p:ph idx="2" type="body"/>
+            <p:ph type="body" idx="2"/>
           </p:nvPr>
         </p:nvSpPr>
         <p:spPr>
@@ -7745,11 +7935,11 @@
           </a:ln>
         </p:spPr>
         <p:txBody>
-          <a:bodyPr anchorCtr="0" anchor="t" bIns="34275" lIns="68575" spcFirstLastPara="1" rIns="68575" wrap="square" tIns="34275">
+          <a:bodyPr spcFirstLastPara="1" wrap="square" lIns="68575" tIns="34275" rIns="68575" bIns="34275" anchor="t" anchorCtr="0">
             <a:noAutofit/>
           </a:bodyPr>
           <a:lstStyle>
-            <a:lvl1pPr indent="-323850" lvl="0" marL="457200" algn="l">
+            <a:lvl1pPr marL="457200" lvl="0" indent="-323850" algn="l">
               <a:lnSpc>
                 <a:spcPct val="90000"/>
               </a:lnSpc>
@@ -7763,7 +7953,7 @@
               <a:buChar char="•"/>
               <a:defRPr sz="1500"/>
             </a:lvl1pPr>
-            <a:lvl2pPr indent="-317500" lvl="1" marL="914400" algn="l">
+            <a:lvl2pPr marL="914400" lvl="1" indent="-317500" algn="l">
               <a:lnSpc>
                 <a:spcPct val="90000"/>
               </a:lnSpc>
@@ -7777,7 +7967,7 @@
               <a:buChar char="•"/>
               <a:defRPr sz="1400"/>
             </a:lvl2pPr>
-            <a:lvl3pPr indent="-304800" lvl="2" marL="1371600" algn="l">
+            <a:lvl3pPr marL="1371600" lvl="2" indent="-304800" algn="l">
               <a:lnSpc>
                 <a:spcPct val="90000"/>
               </a:lnSpc>
@@ -7791,7 +7981,7 @@
               <a:buChar char="•"/>
               <a:defRPr sz="1200"/>
             </a:lvl3pPr>
-            <a:lvl4pPr indent="-298450" lvl="3" marL="1828800" algn="l">
+            <a:lvl4pPr marL="1828800" lvl="3" indent="-298450" algn="l">
               <a:lnSpc>
                 <a:spcPct val="90000"/>
               </a:lnSpc>
@@ -7805,7 +7995,7 @@
               <a:buChar char="•"/>
               <a:defRPr sz="1100"/>
             </a:lvl4pPr>
-            <a:lvl5pPr indent="-298450" lvl="4" marL="2286000" algn="l">
+            <a:lvl5pPr marL="2286000" lvl="4" indent="-298450" algn="l">
               <a:lnSpc>
                 <a:spcPct val="90000"/>
               </a:lnSpc>
@@ -7819,7 +8009,7 @@
               <a:buChar char="•"/>
               <a:defRPr sz="1100"/>
             </a:lvl5pPr>
-            <a:lvl6pPr indent="-298450" lvl="5" marL="2743200" algn="l">
+            <a:lvl6pPr marL="2743200" lvl="5" indent="-298450" algn="l">
               <a:lnSpc>
                 <a:spcPct val="90000"/>
               </a:lnSpc>
@@ -7833,7 +8023,7 @@
               <a:buChar char="•"/>
               <a:defRPr sz="1100"/>
             </a:lvl6pPr>
-            <a:lvl7pPr indent="-298450" lvl="6" marL="3200400" algn="l">
+            <a:lvl7pPr marL="3200400" lvl="6" indent="-298450" algn="l">
               <a:lnSpc>
                 <a:spcPct val="90000"/>
               </a:lnSpc>
@@ -7847,7 +8037,7 @@
               <a:buChar char="•"/>
               <a:defRPr sz="1100"/>
             </a:lvl7pPr>
-            <a:lvl8pPr indent="-298450" lvl="7" marL="3657600" algn="l">
+            <a:lvl8pPr marL="3657600" lvl="7" indent="-298450" algn="l">
               <a:lnSpc>
                 <a:spcPct val="90000"/>
               </a:lnSpc>
@@ -7861,7 +8051,7 @@
               <a:buChar char="•"/>
               <a:defRPr sz="1100"/>
             </a:lvl8pPr>
-            <a:lvl9pPr indent="-298450" lvl="8" marL="4114800" algn="l">
+            <a:lvl9pPr marL="4114800" lvl="8" indent="-298450" algn="l">
               <a:lnSpc>
                 <a:spcPct val="90000"/>
               </a:lnSpc>
@@ -7876,15 +8066,19 @@
               <a:defRPr sz="1100"/>
             </a:lvl9pPr>
           </a:lstStyle>
-          <a:p/>
+          <a:p>
+            <a:endParaRPr/>
+          </a:p>
         </p:txBody>
       </p:sp>
       <p:sp>
         <p:nvSpPr>
           <p:cNvPr id="43" name="Google Shape;43;p7"/>
-          <p:cNvSpPr txBox="1"/>
+          <p:cNvSpPr txBox="1">
+            <a:spLocks noGrp="1"/>
+          </p:cNvSpPr>
           <p:nvPr>
-            <p:ph idx="11" type="ftr"/>
+            <p:ph type="ftr" idx="11"/>
           </p:nvPr>
         </p:nvSpPr>
         <p:spPr>
@@ -7901,7 +8095,7 @@
           </a:ln>
         </p:spPr>
         <p:txBody>
-          <a:bodyPr anchorCtr="0" anchor="ctr" bIns="34275" lIns="68575" spcFirstLastPara="1" rIns="68575" wrap="square" tIns="34275">
+          <a:bodyPr spcFirstLastPara="1" wrap="square" lIns="68575" tIns="34275" rIns="68575" bIns="34275" anchor="ctr" anchorCtr="0">
             <a:noAutofit/>
           </a:bodyPr>
           <a:lstStyle>
@@ -8032,15 +8226,19 @@
               <a:defRPr/>
             </a:lvl9pPr>
           </a:lstStyle>
-          <a:p/>
+          <a:p>
+            <a:endParaRPr/>
+          </a:p>
         </p:txBody>
       </p:sp>
       <p:sp>
         <p:nvSpPr>
           <p:cNvPr id="44" name="Google Shape;44;p7"/>
-          <p:cNvSpPr txBox="1"/>
+          <p:cNvSpPr txBox="1">
+            <a:spLocks noGrp="1"/>
+          </p:cNvSpPr>
           <p:nvPr>
-            <p:ph idx="10" type="dt"/>
+            <p:ph type="dt" idx="10"/>
           </p:nvPr>
         </p:nvSpPr>
         <p:spPr>
@@ -8057,7 +8255,7 @@
           </a:ln>
         </p:spPr>
         <p:txBody>
-          <a:bodyPr anchorCtr="0" anchor="ctr" bIns="34275" lIns="68575" spcFirstLastPara="1" rIns="68575" wrap="square" tIns="34275">
+          <a:bodyPr spcFirstLastPara="1" wrap="square" lIns="68575" tIns="34275" rIns="68575" bIns="34275" anchor="ctr" anchorCtr="0">
             <a:noAutofit/>
           </a:bodyPr>
           <a:lstStyle>
@@ -8188,15 +8386,19 @@
               <a:defRPr/>
             </a:lvl9pPr>
           </a:lstStyle>
-          <a:p/>
+          <a:p>
+            <a:endParaRPr/>
+          </a:p>
         </p:txBody>
       </p:sp>
       <p:sp>
         <p:nvSpPr>
           <p:cNvPr id="45" name="Google Shape;45;p7"/>
-          <p:cNvSpPr txBox="1"/>
+          <p:cNvSpPr txBox="1">
+            <a:spLocks noGrp="1"/>
+          </p:cNvSpPr>
           <p:nvPr>
-            <p:ph idx="12" type="sldNum"/>
+            <p:ph type="sldNum" idx="12"/>
           </p:nvPr>
         </p:nvSpPr>
         <p:spPr>
@@ -8213,11 +8415,11 @@
           </a:ln>
         </p:spPr>
         <p:txBody>
-          <a:bodyPr anchorCtr="0" anchor="ctr" bIns="34275" lIns="68575" spcFirstLastPara="1" rIns="68575" wrap="square" tIns="34275">
+          <a:bodyPr spcFirstLastPara="1" wrap="square" lIns="68575" tIns="34275" rIns="68575" bIns="34275" anchor="ctr" anchorCtr="0">
             <a:noAutofit/>
           </a:bodyPr>
           <a:lstStyle>
-            <a:lvl1pPr indent="0" lvl="0" marL="0" marR="0" algn="r">
+            <a:lvl1pPr marL="0" marR="0" lvl="0" indent="0" algn="r">
               <a:lnSpc>
                 <a:spcPct val="100000"/>
               </a:lnSpc>
@@ -8233,7 +8435,7 @@
               <a:buSzPts val="800"/>
               <a:buFont typeface="Arial"/>
               <a:buNone/>
-              <a:defRPr b="0" i="0" sz="800" u="none" cap="none" strike="noStrike">
+              <a:defRPr sz="800" b="0" i="0" u="none" strike="noStrike" cap="none">
                 <a:solidFill>
                   <a:srgbClr val="D8D8D8"/>
                 </a:solidFill>
@@ -8243,7 +8445,7 @@
                 <a:sym typeface="Candara"/>
               </a:defRPr>
             </a:lvl1pPr>
-            <a:lvl2pPr indent="0" lvl="1" marL="0" marR="0" algn="r">
+            <a:lvl2pPr marL="0" marR="0" lvl="1" indent="0" algn="r">
               <a:lnSpc>
                 <a:spcPct val="100000"/>
               </a:lnSpc>
@@ -8259,7 +8461,7 @@
               <a:buSzPts val="800"/>
               <a:buFont typeface="Arial"/>
               <a:buNone/>
-              <a:defRPr b="0" i="0" sz="800" u="none" cap="none" strike="noStrike">
+              <a:defRPr sz="800" b="0" i="0" u="none" strike="noStrike" cap="none">
                 <a:solidFill>
                   <a:srgbClr val="D8D8D8"/>
                 </a:solidFill>
@@ -8269,7 +8471,7 @@
                 <a:sym typeface="Candara"/>
               </a:defRPr>
             </a:lvl2pPr>
-            <a:lvl3pPr indent="0" lvl="2" marL="0" marR="0" algn="r">
+            <a:lvl3pPr marL="0" marR="0" lvl="2" indent="0" algn="r">
               <a:lnSpc>
                 <a:spcPct val="100000"/>
               </a:lnSpc>
@@ -8285,7 +8487,7 @@
               <a:buSzPts val="800"/>
               <a:buFont typeface="Arial"/>
               <a:buNone/>
-              <a:defRPr b="0" i="0" sz="800" u="none" cap="none" strike="noStrike">
+              <a:defRPr sz="800" b="0" i="0" u="none" strike="noStrike" cap="none">
                 <a:solidFill>
                   <a:srgbClr val="D8D8D8"/>
                 </a:solidFill>
@@ -8295,7 +8497,7 @@
                 <a:sym typeface="Candara"/>
               </a:defRPr>
             </a:lvl3pPr>
-            <a:lvl4pPr indent="0" lvl="3" marL="0" marR="0" algn="r">
+            <a:lvl4pPr marL="0" marR="0" lvl="3" indent="0" algn="r">
               <a:lnSpc>
                 <a:spcPct val="100000"/>
               </a:lnSpc>
@@ -8311,7 +8513,7 @@
               <a:buSzPts val="800"/>
               <a:buFont typeface="Arial"/>
               <a:buNone/>
-              <a:defRPr b="0" i="0" sz="800" u="none" cap="none" strike="noStrike">
+              <a:defRPr sz="800" b="0" i="0" u="none" strike="noStrike" cap="none">
                 <a:solidFill>
                   <a:srgbClr val="D8D8D8"/>
                 </a:solidFill>
@@ -8321,7 +8523,7 @@
                 <a:sym typeface="Candara"/>
               </a:defRPr>
             </a:lvl4pPr>
-            <a:lvl5pPr indent="0" lvl="4" marL="0" marR="0" algn="r">
+            <a:lvl5pPr marL="0" marR="0" lvl="4" indent="0" algn="r">
               <a:lnSpc>
                 <a:spcPct val="100000"/>
               </a:lnSpc>
@@ -8337,7 +8539,7 @@
               <a:buSzPts val="800"/>
               <a:buFont typeface="Arial"/>
               <a:buNone/>
-              <a:defRPr b="0" i="0" sz="800" u="none" cap="none" strike="noStrike">
+              <a:defRPr sz="800" b="0" i="0" u="none" strike="noStrike" cap="none">
                 <a:solidFill>
                   <a:srgbClr val="D8D8D8"/>
                 </a:solidFill>
@@ -8347,7 +8549,7 @@
                 <a:sym typeface="Candara"/>
               </a:defRPr>
             </a:lvl5pPr>
-            <a:lvl6pPr indent="0" lvl="5" marL="0" marR="0" algn="r">
+            <a:lvl6pPr marL="0" marR="0" lvl="5" indent="0" algn="r">
               <a:lnSpc>
                 <a:spcPct val="100000"/>
               </a:lnSpc>
@@ -8363,7 +8565,7 @@
               <a:buSzPts val="800"/>
               <a:buFont typeface="Arial"/>
               <a:buNone/>
-              <a:defRPr b="0" i="0" sz="800" u="none" cap="none" strike="noStrike">
+              <a:defRPr sz="800" b="0" i="0" u="none" strike="noStrike" cap="none">
                 <a:solidFill>
                   <a:srgbClr val="D8D8D8"/>
                 </a:solidFill>
@@ -8373,7 +8575,7 @@
                 <a:sym typeface="Candara"/>
               </a:defRPr>
             </a:lvl6pPr>
-            <a:lvl7pPr indent="0" lvl="6" marL="0" marR="0" algn="r">
+            <a:lvl7pPr marL="0" marR="0" lvl="6" indent="0" algn="r">
               <a:lnSpc>
                 <a:spcPct val="100000"/>
               </a:lnSpc>
@@ -8389,7 +8591,7 @@
               <a:buSzPts val="800"/>
               <a:buFont typeface="Arial"/>
               <a:buNone/>
-              <a:defRPr b="0" i="0" sz="800" u="none" cap="none" strike="noStrike">
+              <a:defRPr sz="800" b="0" i="0" u="none" strike="noStrike" cap="none">
                 <a:solidFill>
                   <a:srgbClr val="D8D8D8"/>
                 </a:solidFill>
@@ -8399,7 +8601,7 @@
                 <a:sym typeface="Candara"/>
               </a:defRPr>
             </a:lvl7pPr>
-            <a:lvl8pPr indent="0" lvl="7" marL="0" marR="0" algn="r">
+            <a:lvl8pPr marL="0" marR="0" lvl="7" indent="0" algn="r">
               <a:lnSpc>
                 <a:spcPct val="100000"/>
               </a:lnSpc>
@@ -8415,7 +8617,7 @@
               <a:buSzPts val="800"/>
               <a:buFont typeface="Arial"/>
               <a:buNone/>
-              <a:defRPr b="0" i="0" sz="800" u="none" cap="none" strike="noStrike">
+              <a:defRPr sz="800" b="0" i="0" u="none" strike="noStrike" cap="none">
                 <a:solidFill>
                   <a:srgbClr val="D8D8D8"/>
                 </a:solidFill>
@@ -8425,7 +8627,7 @@
                 <a:sym typeface="Candara"/>
               </a:defRPr>
             </a:lvl8pPr>
-            <a:lvl9pPr indent="0" lvl="8" marL="0" marR="0" algn="r">
+            <a:lvl9pPr marL="0" marR="0" lvl="8" indent="0" algn="r">
               <a:lnSpc>
                 <a:spcPct val="100000"/>
               </a:lnSpc>
@@ -8441,7 +8643,7 @@
               <a:buSzPts val="800"/>
               <a:buFont typeface="Arial"/>
               <a:buNone/>
-              <a:defRPr b="0" i="0" sz="800" u="none" cap="none" strike="noStrike">
+              <a:defRPr sz="800" b="0" i="0" u="none" strike="noStrike" cap="none">
                 <a:solidFill>
                   <a:srgbClr val="D8D8D8"/>
                 </a:solidFill>
@@ -8453,7 +8655,7 @@
             </a:lvl9pPr>
           </a:lstStyle>
           <a:p>
-            <a:pPr indent="0" lvl="0" marL="0" rtl="0" algn="r">
+            <a:pPr marL="0" lvl="0" indent="0" algn="r" rtl="0">
               <a:spcBef>
                 <a:spcPts val="0"/>
               </a:spcBef>
@@ -8479,11 +8681,11 @@
 </file>
 
 <file path=ppt/slideLayouts/slideLayout7.xml><?xml version="1.0" encoding="utf-8"?>
-<p:sldLayout xmlns:a="http://schemas.openxmlformats.org/drawingml/2006/main" xmlns:r="http://schemas.openxmlformats.org/officeDocument/2006/relationships" xmlns:mc="http://schemas.openxmlformats.org/markup-compatibility/2006" xmlns:mv="urn:schemas-microsoft-com:mac:vml" xmlns:p="http://schemas.openxmlformats.org/presentationml/2006/main" xmlns:c="http://schemas.openxmlformats.org/drawingml/2006/chart" xmlns:dgm="http://schemas.openxmlformats.org/drawingml/2006/diagram" xmlns:o="urn:schemas-microsoft-com:office:office" xmlns:v="urn:schemas-microsoft-com:vml" xmlns:pvml="urn:schemas-microsoft-com:office:powerpoint" xmlns:com="http://schemas.openxmlformats.org/drawingml/2006/compatibility" xmlns:p14="http://schemas.microsoft.com/office/powerpoint/2010/main" xmlns:p15="http://schemas.microsoft.com/office/powerpoint/2012/main" matchingName="Blank" type="blank">
+<p:sldLayout xmlns:a="http://schemas.openxmlformats.org/drawingml/2006/main" xmlns:r="http://schemas.openxmlformats.org/officeDocument/2006/relationships" xmlns:p="http://schemas.openxmlformats.org/presentationml/2006/main" matchingName="Blank" type="blank">
   <p:cSld name="BLANK">
     <p:spTree>
       <p:nvGrpSpPr>
-        <p:cNvPr id="46" name="Shape 46"/>
+        <p:cNvPr id="1" name="Shape 46"/>
         <p:cNvGrpSpPr/>
         <p:nvPr/>
       </p:nvGrpSpPr>
@@ -8498,9 +8700,11 @@
       <p:sp>
         <p:nvSpPr>
           <p:cNvPr id="47" name="Google Shape;47;p8"/>
-          <p:cNvSpPr txBox="1"/>
+          <p:cNvSpPr txBox="1">
+            <a:spLocks noGrp="1"/>
+          </p:cNvSpPr>
           <p:nvPr>
-            <p:ph idx="11" type="ftr"/>
+            <p:ph type="ftr" idx="11"/>
           </p:nvPr>
         </p:nvSpPr>
         <p:spPr>
@@ -8517,7 +8721,7 @@
           </a:ln>
         </p:spPr>
         <p:txBody>
-          <a:bodyPr anchorCtr="0" anchor="ctr" bIns="34275" lIns="68575" spcFirstLastPara="1" rIns="68575" wrap="square" tIns="34275">
+          <a:bodyPr spcFirstLastPara="1" wrap="square" lIns="68575" tIns="34275" rIns="68575" bIns="34275" anchor="ctr" anchorCtr="0">
             <a:noAutofit/>
           </a:bodyPr>
           <a:lstStyle>
@@ -8648,15 +8852,19 @@
               <a:defRPr/>
             </a:lvl9pPr>
           </a:lstStyle>
-          <a:p/>
+          <a:p>
+            <a:endParaRPr/>
+          </a:p>
         </p:txBody>
       </p:sp>
       <p:sp>
         <p:nvSpPr>
           <p:cNvPr id="48" name="Google Shape;48;p8"/>
-          <p:cNvSpPr txBox="1"/>
+          <p:cNvSpPr txBox="1">
+            <a:spLocks noGrp="1"/>
+          </p:cNvSpPr>
           <p:nvPr>
-            <p:ph idx="10" type="dt"/>
+            <p:ph type="dt" idx="10"/>
           </p:nvPr>
         </p:nvSpPr>
         <p:spPr>
@@ -8673,7 +8881,7 @@
           </a:ln>
         </p:spPr>
         <p:txBody>
-          <a:bodyPr anchorCtr="0" anchor="ctr" bIns="34275" lIns="68575" spcFirstLastPara="1" rIns="68575" wrap="square" tIns="34275">
+          <a:bodyPr spcFirstLastPara="1" wrap="square" lIns="68575" tIns="34275" rIns="68575" bIns="34275" anchor="ctr" anchorCtr="0">
             <a:noAutofit/>
           </a:bodyPr>
           <a:lstStyle>
@@ -8804,15 +9012,19 @@
               <a:defRPr/>
             </a:lvl9pPr>
           </a:lstStyle>
-          <a:p/>
+          <a:p>
+            <a:endParaRPr/>
+          </a:p>
         </p:txBody>
       </p:sp>
       <p:sp>
         <p:nvSpPr>
           <p:cNvPr id="49" name="Google Shape;49;p8"/>
-          <p:cNvSpPr txBox="1"/>
+          <p:cNvSpPr txBox="1">
+            <a:spLocks noGrp="1"/>
+          </p:cNvSpPr>
           <p:nvPr>
-            <p:ph idx="12" type="sldNum"/>
+            <p:ph type="sldNum" idx="12"/>
           </p:nvPr>
         </p:nvSpPr>
         <p:spPr>
@@ -8829,11 +9041,11 @@
           </a:ln>
         </p:spPr>
         <p:txBody>
-          <a:bodyPr anchorCtr="0" anchor="ctr" bIns="34275" lIns="68575" spcFirstLastPara="1" rIns="68575" wrap="square" tIns="34275">
+          <a:bodyPr spcFirstLastPara="1" wrap="square" lIns="68575" tIns="34275" rIns="68575" bIns="34275" anchor="ctr" anchorCtr="0">
             <a:noAutofit/>
           </a:bodyPr>
           <a:lstStyle>
-            <a:lvl1pPr indent="0" lvl="0" marL="0" marR="0" algn="r">
+            <a:lvl1pPr marL="0" marR="0" lvl="0" indent="0" algn="r">
               <a:lnSpc>
                 <a:spcPct val="100000"/>
               </a:lnSpc>
@@ -8849,7 +9061,7 @@
               <a:buSzPts val="800"/>
               <a:buFont typeface="Arial"/>
               <a:buNone/>
-              <a:defRPr b="0" i="0" sz="800" u="none" cap="none" strike="noStrike">
+              <a:defRPr sz="800" b="0" i="0" u="none" strike="noStrike" cap="none">
                 <a:solidFill>
                   <a:srgbClr val="D8D8D8"/>
                 </a:solidFill>
@@ -8859,7 +9071,7 @@
                 <a:sym typeface="Candara"/>
               </a:defRPr>
             </a:lvl1pPr>
-            <a:lvl2pPr indent="0" lvl="1" marL="0" marR="0" algn="r">
+            <a:lvl2pPr marL="0" marR="0" lvl="1" indent="0" algn="r">
               <a:lnSpc>
                 <a:spcPct val="100000"/>
               </a:lnSpc>
@@ -8875,7 +9087,7 @@
               <a:buSzPts val="800"/>
               <a:buFont typeface="Arial"/>
               <a:buNone/>
-              <a:defRPr b="0" i="0" sz="800" u="none" cap="none" strike="noStrike">
+              <a:defRPr sz="800" b="0" i="0" u="none" strike="noStrike" cap="none">
                 <a:solidFill>
                   <a:srgbClr val="D8D8D8"/>
                 </a:solidFill>
@@ -8885,7 +9097,7 @@
                 <a:sym typeface="Candara"/>
               </a:defRPr>
             </a:lvl2pPr>
-            <a:lvl3pPr indent="0" lvl="2" marL="0" marR="0" algn="r">
+            <a:lvl3pPr marL="0" marR="0" lvl="2" indent="0" algn="r">
               <a:lnSpc>
                 <a:spcPct val="100000"/>
               </a:lnSpc>
@@ -8901,7 +9113,7 @@
               <a:buSzPts val="800"/>
               <a:buFont typeface="Arial"/>
               <a:buNone/>
-              <a:defRPr b="0" i="0" sz="800" u="none" cap="none" strike="noStrike">
+              <a:defRPr sz="800" b="0" i="0" u="none" strike="noStrike" cap="none">
                 <a:solidFill>
                   <a:srgbClr val="D8D8D8"/>
                 </a:solidFill>
@@ -8911,7 +9123,7 @@
                 <a:sym typeface="Candara"/>
               </a:defRPr>
             </a:lvl3pPr>
-            <a:lvl4pPr indent="0" lvl="3" marL="0" marR="0" algn="r">
+            <a:lvl4pPr marL="0" marR="0" lvl="3" indent="0" algn="r">
               <a:lnSpc>
                 <a:spcPct val="100000"/>
               </a:lnSpc>
@@ -8927,7 +9139,7 @@
               <a:buSzPts val="800"/>
               <a:buFont typeface="Arial"/>
               <a:buNone/>
-              <a:defRPr b="0" i="0" sz="800" u="none" cap="none" strike="noStrike">
+              <a:defRPr sz="800" b="0" i="0" u="none" strike="noStrike" cap="none">
                 <a:solidFill>
                   <a:srgbClr val="D8D8D8"/>
                 </a:solidFill>
@@ -8937,7 +9149,7 @@
                 <a:sym typeface="Candara"/>
               </a:defRPr>
             </a:lvl4pPr>
-            <a:lvl5pPr indent="0" lvl="4" marL="0" marR="0" algn="r">
+            <a:lvl5pPr marL="0" marR="0" lvl="4" indent="0" algn="r">
               <a:lnSpc>
                 <a:spcPct val="100000"/>
               </a:lnSpc>
@@ -8953,7 +9165,7 @@
               <a:buSzPts val="800"/>
               <a:buFont typeface="Arial"/>
               <a:buNone/>
-              <a:defRPr b="0" i="0" sz="800" u="none" cap="none" strike="noStrike">
+              <a:defRPr sz="800" b="0" i="0" u="none" strike="noStrike" cap="none">
                 <a:solidFill>
                   <a:srgbClr val="D8D8D8"/>
                 </a:solidFill>
@@ -8963,7 +9175,7 @@
                 <a:sym typeface="Candara"/>
               </a:defRPr>
             </a:lvl5pPr>
-            <a:lvl6pPr indent="0" lvl="5" marL="0" marR="0" algn="r">
+            <a:lvl6pPr marL="0" marR="0" lvl="5" indent="0" algn="r">
               <a:lnSpc>
                 <a:spcPct val="100000"/>
               </a:lnSpc>
@@ -8979,7 +9191,7 @@
               <a:buSzPts val="800"/>
               <a:buFont typeface="Arial"/>
               <a:buNone/>
-              <a:defRPr b="0" i="0" sz="800" u="none" cap="none" strike="noStrike">
+              <a:defRPr sz="800" b="0" i="0" u="none" strike="noStrike" cap="none">
                 <a:solidFill>
                   <a:srgbClr val="D8D8D8"/>
                 </a:solidFill>
@@ -8989,7 +9201,7 @@
                 <a:sym typeface="Candara"/>
               </a:defRPr>
             </a:lvl6pPr>
-            <a:lvl7pPr indent="0" lvl="6" marL="0" marR="0" algn="r">
+            <a:lvl7pPr marL="0" marR="0" lvl="6" indent="0" algn="r">
               <a:lnSpc>
                 <a:spcPct val="100000"/>
               </a:lnSpc>
@@ -9005,7 +9217,7 @@
               <a:buSzPts val="800"/>
               <a:buFont typeface="Arial"/>
               <a:buNone/>
-              <a:defRPr b="0" i="0" sz="800" u="none" cap="none" strike="noStrike">
+              <a:defRPr sz="800" b="0" i="0" u="none" strike="noStrike" cap="none">
                 <a:solidFill>
                   <a:srgbClr val="D8D8D8"/>
                 </a:solidFill>
@@ -9015,7 +9227,7 @@
                 <a:sym typeface="Candara"/>
               </a:defRPr>
             </a:lvl7pPr>
-            <a:lvl8pPr indent="0" lvl="7" marL="0" marR="0" algn="r">
+            <a:lvl8pPr marL="0" marR="0" lvl="7" indent="0" algn="r">
               <a:lnSpc>
                 <a:spcPct val="100000"/>
               </a:lnSpc>
@@ -9031,7 +9243,7 @@
               <a:buSzPts val="800"/>
               <a:buFont typeface="Arial"/>
               <a:buNone/>
-              <a:defRPr b="0" i="0" sz="800" u="none" cap="none" strike="noStrike">
+              <a:defRPr sz="800" b="0" i="0" u="none" strike="noStrike" cap="none">
                 <a:solidFill>
                   <a:srgbClr val="D8D8D8"/>
                 </a:solidFill>
@@ -9041,7 +9253,7 @@
                 <a:sym typeface="Candara"/>
               </a:defRPr>
             </a:lvl8pPr>
-            <a:lvl9pPr indent="0" lvl="8" marL="0" marR="0" algn="r">
+            <a:lvl9pPr marL="0" marR="0" lvl="8" indent="0" algn="r">
               <a:lnSpc>
                 <a:spcPct val="100000"/>
               </a:lnSpc>
@@ -9057,7 +9269,7 @@
               <a:buSzPts val="800"/>
               <a:buFont typeface="Arial"/>
               <a:buNone/>
-              <a:defRPr b="0" i="0" sz="800" u="none" cap="none" strike="noStrike">
+              <a:defRPr sz="800" b="0" i="0" u="none" strike="noStrike" cap="none">
                 <a:solidFill>
                   <a:srgbClr val="D8D8D8"/>
                 </a:solidFill>
@@ -9069,7 +9281,7 @@
             </a:lvl9pPr>
           </a:lstStyle>
           <a:p>
-            <a:pPr indent="0" lvl="0" marL="0" rtl="0" algn="r">
+            <a:pPr marL="0" lvl="0" indent="0" algn="r" rtl="0">
               <a:spcBef>
                 <a:spcPts val="0"/>
               </a:spcBef>
@@ -9095,11 +9307,11 @@
 </file>
 
 <file path=ppt/slideLayouts/slideLayout8.xml><?xml version="1.0" encoding="utf-8"?>
-<p:sldLayout xmlns:a="http://schemas.openxmlformats.org/drawingml/2006/main" xmlns:r="http://schemas.openxmlformats.org/officeDocument/2006/relationships" xmlns:mc="http://schemas.openxmlformats.org/markup-compatibility/2006" xmlns:mv="urn:schemas-microsoft-com:mac:vml" xmlns:p="http://schemas.openxmlformats.org/presentationml/2006/main" xmlns:c="http://schemas.openxmlformats.org/drawingml/2006/chart" xmlns:dgm="http://schemas.openxmlformats.org/drawingml/2006/diagram" xmlns:o="urn:schemas-microsoft-com:office:office" xmlns:v="urn:schemas-microsoft-com:vml" xmlns:pvml="urn:schemas-microsoft-com:office:powerpoint" xmlns:com="http://schemas.openxmlformats.org/drawingml/2006/compatibility" xmlns:p14="http://schemas.microsoft.com/office/powerpoint/2010/main" xmlns:p15="http://schemas.microsoft.com/office/powerpoint/2012/main" matchingName="Content with Caption">
+<p:sldLayout xmlns:a="http://schemas.openxmlformats.org/drawingml/2006/main" xmlns:r="http://schemas.openxmlformats.org/officeDocument/2006/relationships" xmlns:p="http://schemas.openxmlformats.org/presentationml/2006/main" matchingName="Content with Caption">
   <p:cSld name="Content with Caption">
     <p:spTree>
       <p:nvGrpSpPr>
-        <p:cNvPr id="50" name="Shape 50"/>
+        <p:cNvPr id="1" name="Shape 50"/>
         <p:cNvGrpSpPr/>
         <p:nvPr/>
       </p:nvGrpSpPr>
@@ -9114,7 +9326,9 @@
       <p:sp>
         <p:nvSpPr>
           <p:cNvPr id="51" name="Google Shape;51;p9"/>
-          <p:cNvSpPr txBox="1"/>
+          <p:cNvSpPr txBox="1">
+            <a:spLocks noGrp="1"/>
+          </p:cNvSpPr>
           <p:nvPr>
             <p:ph type="title"/>
           </p:nvPr>
@@ -9133,7 +9347,7 @@
           </a:ln>
         </p:spPr>
         <p:txBody>
-          <a:bodyPr anchorCtr="0" anchor="b" bIns="34275" lIns="68575" spcFirstLastPara="1" rIns="68575" wrap="square" tIns="34275">
+          <a:bodyPr spcFirstLastPara="1" wrap="square" lIns="68575" tIns="34275" rIns="68575" bIns="34275" anchor="b" anchorCtr="0">
             <a:noAutofit/>
           </a:bodyPr>
           <a:lstStyle>
@@ -9268,15 +9482,19 @@
               <a:defRPr/>
             </a:lvl9pPr>
           </a:lstStyle>
-          <a:p/>
+          <a:p>
+            <a:endParaRPr/>
+          </a:p>
         </p:txBody>
       </p:sp>
       <p:sp>
         <p:nvSpPr>
           <p:cNvPr id="52" name="Google Shape;52;p9"/>
-          <p:cNvSpPr txBox="1"/>
+          <p:cNvSpPr txBox="1">
+            <a:spLocks noGrp="1"/>
+          </p:cNvSpPr>
           <p:nvPr>
-            <p:ph idx="1" type="body"/>
+            <p:ph type="body" idx="1"/>
           </p:nvPr>
         </p:nvSpPr>
         <p:spPr>
@@ -9293,11 +9511,11 @@
           </a:ln>
         </p:spPr>
         <p:txBody>
-          <a:bodyPr anchorCtr="0" anchor="t" bIns="34275" lIns="68575" spcFirstLastPara="1" rIns="68575" wrap="square" tIns="34275">
+          <a:bodyPr spcFirstLastPara="1" wrap="square" lIns="68575" tIns="34275" rIns="68575" bIns="34275" anchor="t" anchorCtr="0">
             <a:noAutofit/>
           </a:bodyPr>
           <a:lstStyle>
-            <a:lvl1pPr indent="-323850" lvl="0" marL="457200" algn="l">
+            <a:lvl1pPr marL="457200" lvl="0" indent="-323850" algn="l">
               <a:lnSpc>
                 <a:spcPct val="90000"/>
               </a:lnSpc>
@@ -9311,7 +9529,7 @@
               <a:buChar char="•"/>
               <a:defRPr sz="1500"/>
             </a:lvl1pPr>
-            <a:lvl2pPr indent="-317500" lvl="1" marL="914400" algn="l">
+            <a:lvl2pPr marL="914400" lvl="1" indent="-317500" algn="l">
               <a:lnSpc>
                 <a:spcPct val="90000"/>
               </a:lnSpc>
@@ -9325,7 +9543,7 @@
               <a:buChar char="•"/>
               <a:defRPr sz="1400"/>
             </a:lvl2pPr>
-            <a:lvl3pPr indent="-304800" lvl="2" marL="1371600" algn="l">
+            <a:lvl3pPr marL="1371600" lvl="2" indent="-304800" algn="l">
               <a:lnSpc>
                 <a:spcPct val="90000"/>
               </a:lnSpc>
@@ -9339,7 +9557,7 @@
               <a:buChar char="•"/>
               <a:defRPr sz="1200"/>
             </a:lvl3pPr>
-            <a:lvl4pPr indent="-298450" lvl="3" marL="1828800" algn="l">
+            <a:lvl4pPr marL="1828800" lvl="3" indent="-298450" algn="l">
               <a:lnSpc>
                 <a:spcPct val="90000"/>
               </a:lnSpc>
@@ -9353,7 +9571,7 @@
               <a:buChar char="•"/>
               <a:defRPr sz="1100"/>
             </a:lvl4pPr>
-            <a:lvl5pPr indent="-298450" lvl="4" marL="2286000" algn="l">
+            <a:lvl5pPr marL="2286000" lvl="4" indent="-298450" algn="l">
               <a:lnSpc>
                 <a:spcPct val="90000"/>
               </a:lnSpc>
@@ -9367,7 +9585,7 @@
               <a:buChar char="•"/>
               <a:defRPr sz="1100"/>
             </a:lvl5pPr>
-            <a:lvl6pPr indent="-298450" lvl="5" marL="2743200" algn="l">
+            <a:lvl6pPr marL="2743200" lvl="5" indent="-298450" algn="l">
               <a:lnSpc>
                 <a:spcPct val="90000"/>
               </a:lnSpc>
@@ -9381,7 +9599,7 @@
               <a:buChar char="•"/>
               <a:defRPr sz="1100"/>
             </a:lvl6pPr>
-            <a:lvl7pPr indent="-298450" lvl="6" marL="3200400" algn="l">
+            <a:lvl7pPr marL="3200400" lvl="6" indent="-298450" algn="l">
               <a:lnSpc>
                 <a:spcPct val="90000"/>
               </a:lnSpc>
@@ -9395,7 +9613,7 @@
               <a:buChar char="•"/>
               <a:defRPr sz="1100"/>
             </a:lvl7pPr>
-            <a:lvl8pPr indent="-298450" lvl="7" marL="3657600" algn="l">
+            <a:lvl8pPr marL="3657600" lvl="7" indent="-298450" algn="l">
               <a:lnSpc>
                 <a:spcPct val="90000"/>
               </a:lnSpc>
@@ -9409,7 +9627,7 @@
               <a:buChar char="•"/>
               <a:defRPr sz="1100"/>
             </a:lvl8pPr>
-            <a:lvl9pPr indent="-298450" lvl="8" marL="4114800" algn="l">
+            <a:lvl9pPr marL="4114800" lvl="8" indent="-298450" algn="l">
               <a:lnSpc>
                 <a:spcPct val="90000"/>
               </a:lnSpc>
@@ -9424,15 +9642,19 @@
               <a:defRPr sz="1100"/>
             </a:lvl9pPr>
           </a:lstStyle>
-          <a:p/>
+          <a:p>
+            <a:endParaRPr/>
+          </a:p>
         </p:txBody>
       </p:sp>
       <p:sp>
         <p:nvSpPr>
           <p:cNvPr id="53" name="Google Shape;53;p9"/>
-          <p:cNvSpPr txBox="1"/>
+          <p:cNvSpPr txBox="1">
+            <a:spLocks noGrp="1"/>
+          </p:cNvSpPr>
           <p:nvPr>
-            <p:ph idx="2" type="body"/>
+            <p:ph type="body" idx="2"/>
           </p:nvPr>
         </p:nvSpPr>
         <p:spPr>
@@ -9449,11 +9671,11 @@
           </a:ln>
         </p:spPr>
         <p:txBody>
-          <a:bodyPr anchorCtr="0" anchor="t" bIns="34275" lIns="68575" spcFirstLastPara="1" rIns="68575" wrap="square" tIns="34275">
+          <a:bodyPr spcFirstLastPara="1" wrap="square" lIns="68575" tIns="34275" rIns="68575" bIns="34275" anchor="t" anchorCtr="0">
             <a:noAutofit/>
           </a:bodyPr>
           <a:lstStyle>
-            <a:lvl1pPr indent="-228600" lvl="0" marL="457200" algn="l">
+            <a:lvl1pPr marL="457200" lvl="0" indent="-228600" algn="l">
               <a:lnSpc>
                 <a:spcPct val="90000"/>
               </a:lnSpc>
@@ -9467,7 +9689,7 @@
               <a:buNone/>
               <a:defRPr sz="1200"/>
             </a:lvl1pPr>
-            <a:lvl2pPr indent="-228600" lvl="1" marL="914400" algn="l">
+            <a:lvl2pPr marL="914400" lvl="1" indent="-228600" algn="l">
               <a:lnSpc>
                 <a:spcPct val="90000"/>
               </a:lnSpc>
@@ -9481,7 +9703,7 @@
               <a:buNone/>
               <a:defRPr sz="1100"/>
             </a:lvl2pPr>
-            <a:lvl3pPr indent="-228600" lvl="2" marL="1371600" algn="l">
+            <a:lvl3pPr marL="1371600" lvl="2" indent="-228600" algn="l">
               <a:lnSpc>
                 <a:spcPct val="90000"/>
               </a:lnSpc>
@@ -9495,7 +9717,7 @@
               <a:buNone/>
               <a:defRPr sz="900"/>
             </a:lvl3pPr>
-            <a:lvl4pPr indent="-228600" lvl="3" marL="1828800" algn="l">
+            <a:lvl4pPr marL="1828800" lvl="3" indent="-228600" algn="l">
               <a:lnSpc>
                 <a:spcPct val="90000"/>
               </a:lnSpc>
@@ -9509,7 +9731,7 @@
               <a:buNone/>
               <a:defRPr sz="800"/>
             </a:lvl4pPr>
-            <a:lvl5pPr indent="-228600" lvl="4" marL="2286000" algn="l">
+            <a:lvl5pPr marL="2286000" lvl="4" indent="-228600" algn="l">
               <a:lnSpc>
                 <a:spcPct val="90000"/>
               </a:lnSpc>
@@ -9523,7 +9745,7 @@
               <a:buNone/>
               <a:defRPr sz="800"/>
             </a:lvl5pPr>
-            <a:lvl6pPr indent="-228600" lvl="5" marL="2743200" algn="l">
+            <a:lvl6pPr marL="2743200" lvl="5" indent="-228600" algn="l">
               <a:lnSpc>
                 <a:spcPct val="90000"/>
               </a:lnSpc>
@@ -9537,7 +9759,7 @@
               <a:buNone/>
               <a:defRPr sz="800"/>
             </a:lvl6pPr>
-            <a:lvl7pPr indent="-228600" lvl="6" marL="3200400" algn="l">
+            <a:lvl7pPr marL="3200400" lvl="6" indent="-228600" algn="l">
               <a:lnSpc>
                 <a:spcPct val="90000"/>
               </a:lnSpc>
@@ -9551,7 +9773,7 @@
               <a:buNone/>
               <a:defRPr sz="800"/>
             </a:lvl7pPr>
-            <a:lvl8pPr indent="-228600" lvl="7" marL="3657600" algn="l">
+            <a:lvl8pPr marL="3657600" lvl="7" indent="-228600" algn="l">
               <a:lnSpc>
                 <a:spcPct val="90000"/>
               </a:lnSpc>
@@ -9565,7 +9787,7 @@
               <a:buNone/>
               <a:defRPr sz="800"/>
             </a:lvl8pPr>
-            <a:lvl9pPr indent="-228600" lvl="8" marL="4114800" algn="l">
+            <a:lvl9pPr marL="4114800" lvl="8" indent="-228600" algn="l">
               <a:lnSpc>
                 <a:spcPct val="90000"/>
               </a:lnSpc>
@@ -9580,15 +9802,19 @@
               <a:defRPr sz="800"/>
             </a:lvl9pPr>
           </a:lstStyle>
-          <a:p/>
+          <a:p>
+            <a:endParaRPr/>
+          </a:p>
         </p:txBody>
       </p:sp>
       <p:sp>
         <p:nvSpPr>
           <p:cNvPr id="54" name="Google Shape;54;p9"/>
-          <p:cNvSpPr txBox="1"/>
+          <p:cNvSpPr txBox="1">
+            <a:spLocks noGrp="1"/>
+          </p:cNvSpPr>
           <p:nvPr>
-            <p:ph idx="11" type="ftr"/>
+            <p:ph type="ftr" idx="11"/>
           </p:nvPr>
         </p:nvSpPr>
         <p:spPr>
@@ -9605,7 +9831,7 @@
           </a:ln>
         </p:spPr>
         <p:txBody>
-          <a:bodyPr anchorCtr="0" anchor="ctr" bIns="34275" lIns="68575" spcFirstLastPara="1" rIns="68575" wrap="square" tIns="34275">
+          <a:bodyPr spcFirstLastPara="1" wrap="square" lIns="68575" tIns="34275" rIns="68575" bIns="34275" anchor="ctr" anchorCtr="0">
             <a:noAutofit/>
           </a:bodyPr>
           <a:lstStyle>
@@ -9736,15 +9962,19 @@
               <a:defRPr/>
             </a:lvl9pPr>
           </a:lstStyle>
-          <a:p/>
+          <a:p>
+            <a:endParaRPr/>
+          </a:p>
         </p:txBody>
       </p:sp>
       <p:sp>
         <p:nvSpPr>
           <p:cNvPr id="55" name="Google Shape;55;p9"/>
-          <p:cNvSpPr txBox="1"/>
+          <p:cNvSpPr txBox="1">
+            <a:spLocks noGrp="1"/>
+          </p:cNvSpPr>
           <p:nvPr>
-            <p:ph idx="10" type="dt"/>
+            <p:ph type="dt" idx="10"/>
           </p:nvPr>
         </p:nvSpPr>
         <p:spPr>
@@ -9761,7 +9991,7 @@
           </a:ln>
         </p:spPr>
         <p:txBody>
-          <a:bodyPr anchorCtr="0" anchor="ctr" bIns="34275" lIns="68575" spcFirstLastPara="1" rIns="68575" wrap="square" tIns="34275">
+          <a:bodyPr spcFirstLastPara="1" wrap="square" lIns="68575" tIns="34275" rIns="68575" bIns="34275" anchor="ctr" anchorCtr="0">
             <a:noAutofit/>
           </a:bodyPr>
           <a:lstStyle>
@@ -9892,15 +10122,19 @@
               <a:defRPr/>
             </a:lvl9pPr>
           </a:lstStyle>
-          <a:p/>
+          <a:p>
+            <a:endParaRPr/>
+          </a:p>
         </p:txBody>
       </p:sp>
       <p:sp>
         <p:nvSpPr>
           <p:cNvPr id="56" name="Google Shape;56;p9"/>
-          <p:cNvSpPr txBox="1"/>
+          <p:cNvSpPr txBox="1">
+            <a:spLocks noGrp="1"/>
+          </p:cNvSpPr>
           <p:nvPr>
-            <p:ph idx="12" type="sldNum"/>
+            <p:ph type="sldNum" idx="12"/>
           </p:nvPr>
         </p:nvSpPr>
         <p:spPr>
@@ -9917,11 +10151,11 @@
           </a:ln>
         </p:spPr>
         <p:txBody>
-          <a:bodyPr anchorCtr="0" anchor="ctr" bIns="34275" lIns="68575" spcFirstLastPara="1" rIns="68575" wrap="square" tIns="34275">
+          <a:bodyPr spcFirstLastPara="1" wrap="square" lIns="68575" tIns="34275" rIns="68575" bIns="34275" anchor="ctr" anchorCtr="0">
             <a:noAutofit/>
           </a:bodyPr>
           <a:lstStyle>
-            <a:lvl1pPr indent="0" lvl="0" marL="0" marR="0" algn="r">
+            <a:lvl1pPr marL="0" marR="0" lvl="0" indent="0" algn="r">
               <a:lnSpc>
                 <a:spcPct val="100000"/>
               </a:lnSpc>
@@ -9937,7 +10171,7 @@
               <a:buSzPts val="800"/>
               <a:buFont typeface="Arial"/>
               <a:buNone/>
-              <a:defRPr b="0" i="0" sz="800" u="none" cap="none" strike="noStrike">
+              <a:defRPr sz="800" b="0" i="0" u="none" strike="noStrike" cap="none">
                 <a:solidFill>
                   <a:srgbClr val="D8D8D8"/>
                 </a:solidFill>
@@ -9947,7 +10181,7 @@
                 <a:sym typeface="Candara"/>
               </a:defRPr>
             </a:lvl1pPr>
-            <a:lvl2pPr indent="0" lvl="1" marL="0" marR="0" algn="r">
+            <a:lvl2pPr marL="0" marR="0" lvl="1" indent="0" algn="r">
               <a:lnSpc>
                 <a:spcPct val="100000"/>
               </a:lnSpc>
@@ -9963,7 +10197,7 @@
               <a:buSzPts val="800"/>
               <a:buFont typeface="Arial"/>
               <a:buNone/>
-              <a:defRPr b="0" i="0" sz="800" u="none" cap="none" strike="noStrike">
+              <a:defRPr sz="800" b="0" i="0" u="none" strike="noStrike" cap="none">
                 <a:solidFill>
                   <a:srgbClr val="D8D8D8"/>
                 </a:solidFill>
@@ -9973,7 +10207,7 @@
                 <a:sym typeface="Candara"/>
               </a:defRPr>
             </a:lvl2pPr>
-            <a:lvl3pPr indent="0" lvl="2" marL="0" marR="0" algn="r">
+            <a:lvl3pPr marL="0" marR="0" lvl="2" indent="0" algn="r">
               <a:lnSpc>
                 <a:spcPct val="100000"/>
               </a:lnSpc>
@@ -9989,7 +10223,7 @@
               <a:buSzPts val="800"/>
               <a:buFont typeface="Arial"/>
               <a:buNone/>
-              <a:defRPr b="0" i="0" sz="800" u="none" cap="none" strike="noStrike">
+              <a:defRPr sz="800" b="0" i="0" u="none" strike="noStrike" cap="none">
                 <a:solidFill>
                   <a:srgbClr val="D8D8D8"/>
                 </a:solidFill>
@@ -9999,7 +10233,7 @@
                 <a:sym typeface="Candara"/>
               </a:defRPr>
             </a:lvl3pPr>
-            <a:lvl4pPr indent="0" lvl="3" marL="0" marR="0" algn="r">
+            <a:lvl4pPr marL="0" marR="0" lvl="3" indent="0" algn="r">
               <a:lnSpc>
                 <a:spcPct val="100000"/>
               </a:lnSpc>
@@ -10015,7 +10249,7 @@
               <a:buSzPts val="800"/>
               <a:buFont typeface="Arial"/>
               <a:buNone/>
-              <a:defRPr b="0" i="0" sz="800" u="none" cap="none" strike="noStrike">
+              <a:defRPr sz="800" b="0" i="0" u="none" strike="noStrike" cap="none">
                 <a:solidFill>
                   <a:srgbClr val="D8D8D8"/>
                 </a:solidFill>
@@ -10025,7 +10259,7 @@
                 <a:sym typeface="Candara"/>
               </a:defRPr>
             </a:lvl4pPr>
-            <a:lvl5pPr indent="0" lvl="4" marL="0" marR="0" algn="r">
+            <a:lvl5pPr marL="0" marR="0" lvl="4" indent="0" algn="r">
               <a:lnSpc>
                 <a:spcPct val="100000"/>
               </a:lnSpc>
@@ -10041,7 +10275,7 @@
               <a:buSzPts val="800"/>
               <a:buFont typeface="Arial"/>
               <a:buNone/>
-              <a:defRPr b="0" i="0" sz="800" u="none" cap="none" strike="noStrike">
+              <a:defRPr sz="800" b="0" i="0" u="none" strike="noStrike" cap="none">
                 <a:solidFill>
                   <a:srgbClr val="D8D8D8"/>
                 </a:solidFill>
@@ -10051,7 +10285,7 @@
                 <a:sym typeface="Candara"/>
               </a:defRPr>
             </a:lvl5pPr>
-            <a:lvl6pPr indent="0" lvl="5" marL="0" marR="0" algn="r">
+            <a:lvl6pPr marL="0" marR="0" lvl="5" indent="0" algn="r">
               <a:lnSpc>
                 <a:spcPct val="100000"/>
               </a:lnSpc>
@@ -10067,7 +10301,7 @@
               <a:buSzPts val="800"/>
               <a:buFont typeface="Arial"/>
               <a:buNone/>
-              <a:defRPr b="0" i="0" sz="800" u="none" cap="none" strike="noStrike">
+              <a:defRPr sz="800" b="0" i="0" u="none" strike="noStrike" cap="none">
                 <a:solidFill>
                   <a:srgbClr val="D8D8D8"/>
                 </a:solidFill>
@@ -10077,7 +10311,7 @@
                 <a:sym typeface="Candara"/>
               </a:defRPr>
             </a:lvl6pPr>
-            <a:lvl7pPr indent="0" lvl="6" marL="0" marR="0" algn="r">
+            <a:lvl7pPr marL="0" marR="0" lvl="6" indent="0" algn="r">
               <a:lnSpc>
                 <a:spcPct val="100000"/>
               </a:lnSpc>
@@ -10093,7 +10327,7 @@
               <a:buSzPts val="800"/>
               <a:buFont typeface="Arial"/>
               <a:buNone/>
-              <a:defRPr b="0" i="0" sz="800" u="none" cap="none" strike="noStrike">
+              <a:defRPr sz="800" b="0" i="0" u="none" strike="noStrike" cap="none">
                 <a:solidFill>
                   <a:srgbClr val="D8D8D8"/>
                 </a:solidFill>
@@ -10103,7 +10337,7 @@
                 <a:sym typeface="Candara"/>
               </a:defRPr>
             </a:lvl7pPr>
-            <a:lvl8pPr indent="0" lvl="7" marL="0" marR="0" algn="r">
+            <a:lvl8pPr marL="0" marR="0" lvl="7" indent="0" algn="r">
               <a:lnSpc>
                 <a:spcPct val="100000"/>
               </a:lnSpc>
@@ -10119,7 +10353,7 @@
               <a:buSzPts val="800"/>
               <a:buFont typeface="Arial"/>
               <a:buNone/>
-              <a:defRPr b="0" i="0" sz="800" u="none" cap="none" strike="noStrike">
+              <a:defRPr sz="800" b="0" i="0" u="none" strike="noStrike" cap="none">
                 <a:solidFill>
                   <a:srgbClr val="D8D8D8"/>
                 </a:solidFill>
@@ -10129,7 +10363,7 @@
                 <a:sym typeface="Candara"/>
               </a:defRPr>
             </a:lvl8pPr>
-            <a:lvl9pPr indent="0" lvl="8" marL="0" marR="0" algn="r">
+            <a:lvl9pPr marL="0" marR="0" lvl="8" indent="0" algn="r">
               <a:lnSpc>
                 <a:spcPct val="100000"/>
               </a:lnSpc>
@@ -10145,7 +10379,7 @@
               <a:buSzPts val="800"/>
               <a:buFont typeface="Arial"/>
               <a:buNone/>
-              <a:defRPr b="0" i="0" sz="800" u="none" cap="none" strike="noStrike">
+              <a:defRPr sz="800" b="0" i="0" u="none" strike="noStrike" cap="none">
                 <a:solidFill>
                   <a:srgbClr val="D8D8D8"/>
                 </a:solidFill>
@@ -10157,7 +10391,7 @@
             </a:lvl9pPr>
           </a:lstStyle>
           <a:p>
-            <a:pPr indent="0" lvl="0" marL="0" rtl="0" algn="r">
+            <a:pPr marL="0" lvl="0" indent="0" algn="r" rtl="0">
               <a:spcBef>
                 <a:spcPts val="0"/>
               </a:spcBef>
@@ -10183,11 +10417,11 @@
 </file>
 
 <file path=ppt/slideLayouts/slideLayout9.xml><?xml version="1.0" encoding="utf-8"?>
-<p:sldLayout xmlns:a="http://schemas.openxmlformats.org/drawingml/2006/main" xmlns:r="http://schemas.openxmlformats.org/officeDocument/2006/relationships" xmlns:mc="http://schemas.openxmlformats.org/markup-compatibility/2006" xmlns:mv="urn:schemas-microsoft-com:mac:vml" xmlns:p="http://schemas.openxmlformats.org/presentationml/2006/main" xmlns:c="http://schemas.openxmlformats.org/drawingml/2006/chart" xmlns:dgm="http://schemas.openxmlformats.org/drawingml/2006/diagram" xmlns:o="urn:schemas-microsoft-com:office:office" xmlns:v="urn:schemas-microsoft-com:vml" xmlns:pvml="urn:schemas-microsoft-com:office:powerpoint" xmlns:com="http://schemas.openxmlformats.org/drawingml/2006/compatibility" xmlns:p14="http://schemas.microsoft.com/office/powerpoint/2010/main" xmlns:p15="http://schemas.microsoft.com/office/powerpoint/2012/main" matchingName="Picture with Caption" type="picTx">
+<p:sldLayout xmlns:a="http://schemas.openxmlformats.org/drawingml/2006/main" xmlns:r="http://schemas.openxmlformats.org/officeDocument/2006/relationships" xmlns:p="http://schemas.openxmlformats.org/presentationml/2006/main" matchingName="Picture with Caption" type="picTx">
   <p:cSld name="PICTURE_WITH_CAPTION_TEXT">
     <p:spTree>
       <p:nvGrpSpPr>
-        <p:cNvPr id="57" name="Shape 57"/>
+        <p:cNvPr id="1" name="Shape 57"/>
         <p:cNvGrpSpPr/>
         <p:nvPr/>
       </p:nvGrpSpPr>
@@ -10202,7 +10436,9 @@
       <p:sp>
         <p:nvSpPr>
           <p:cNvPr id="58" name="Google Shape;58;p10"/>
-          <p:cNvSpPr txBox="1"/>
+          <p:cNvSpPr txBox="1">
+            <a:spLocks noGrp="1"/>
+          </p:cNvSpPr>
           <p:nvPr>
             <p:ph type="title"/>
           </p:nvPr>
@@ -10221,7 +10457,7 @@
           </a:ln>
         </p:spPr>
         <p:txBody>
-          <a:bodyPr anchorCtr="0" anchor="b" bIns="34275" lIns="68575" spcFirstLastPara="1" rIns="68575" wrap="square" tIns="34275">
+          <a:bodyPr spcFirstLastPara="1" wrap="square" lIns="68575" tIns="34275" rIns="68575" bIns="34275" anchor="b" anchorCtr="0">
             <a:noAutofit/>
           </a:bodyPr>
           <a:lstStyle>
@@ -10356,15 +10592,19 @@
               <a:defRPr/>
             </a:lvl9pPr>
           </a:lstStyle>
-          <a:p/>
+          <a:p>
+            <a:endParaRPr/>
+          </a:p>
         </p:txBody>
       </p:sp>
       <p:sp>
         <p:nvSpPr>
           <p:cNvPr id="59" name="Google Shape;59;p10"/>
-          <p:cNvSpPr/>
+          <p:cNvSpPr>
+            <a:spLocks noGrp="1"/>
+          </p:cNvSpPr>
           <p:nvPr>
-            <p:ph idx="2" type="pic"/>
+            <p:ph type="pic" idx="2"/>
           </p:nvPr>
         </p:nvSpPr>
         <p:spPr>
@@ -10381,11 +10621,11 @@
           </a:ln>
         </p:spPr>
         <p:txBody>
-          <a:bodyPr anchorCtr="0" anchor="t" bIns="34275" lIns="68575" spcFirstLastPara="1" rIns="68575" wrap="square" tIns="342900">
+          <a:bodyPr spcFirstLastPara="1" wrap="square" lIns="68575" tIns="342900" rIns="68575" bIns="34275" anchor="t" anchorCtr="0">
             <a:noAutofit/>
           </a:bodyPr>
           <a:lstStyle>
-            <a:lvl1pPr lvl="0" marR="0" rtl="0" algn="ctr">
+            <a:lvl1pPr marR="0" lvl="0" algn="ctr" rtl="0">
               <a:lnSpc>
                 <a:spcPct val="90000"/>
               </a:lnSpc>
@@ -10401,7 +10641,7 @@
               <a:buSzPts val="1500"/>
               <a:buFont typeface="Arial"/>
               <a:buNone/>
-              <a:defRPr b="0" i="0" sz="1500" u="none" cap="none" strike="noStrike">
+              <a:defRPr sz="1500" b="0" i="0" u="none" strike="noStrike" cap="none">
                 <a:solidFill>
                   <a:srgbClr val="D8D8D8"/>
                 </a:solidFill>
@@ -10411,7 +10651,7 @@
                 <a:sym typeface="Candara"/>
               </a:defRPr>
             </a:lvl1pPr>
-            <a:lvl2pPr lvl="1" marR="0" rtl="0" algn="l">
+            <a:lvl2pPr marR="0" lvl="1" algn="l" rtl="0">
               <a:lnSpc>
                 <a:spcPct val="90000"/>
               </a:lnSpc>
@@ -10427,7 +10667,7 @@
               <a:buSzPts val="2100"/>
               <a:buFont typeface="Arial"/>
               <a:buNone/>
-              <a:defRPr b="0" i="0" sz="2100" u="none" cap="none" strike="noStrike">
+              <a:defRPr sz="2100" b="0" i="0" u="none" strike="noStrike" cap="none">
                 <a:solidFill>
                   <a:srgbClr val="D8D8D8"/>
                 </a:solidFill>
@@ -10437,7 +10677,7 @@
                 <a:sym typeface="Candara"/>
               </a:defRPr>
             </a:lvl2pPr>
-            <a:lvl3pPr lvl="2" marR="0" rtl="0" algn="l">
+            <a:lvl3pPr marR="0" lvl="2" algn="l" rtl="0">
               <a:lnSpc>
                 <a:spcPct val="90000"/>
               </a:lnSpc>
@@ -10453,7 +10693,7 @@
               <a:buSzPts val="1800"/>
               <a:buFont typeface="Arial"/>
               <a:buNone/>
-              <a:defRPr b="0" i="0" sz="1800" u="none" cap="none" strike="noStrike">
+              <a:defRPr sz="1800" b="0" i="0" u="none" strike="noStrike" cap="none">
                 <a:solidFill>
                   <a:srgbClr val="D8D8D8"/>
                 </a:solidFill>
@@ -10463,7 +10703,7 @@
                 <a:sym typeface="Candara"/>
               </a:defRPr>
             </a:lvl3pPr>
-            <a:lvl4pPr lvl="3" marR="0" rtl="0" algn="l">
+            <a:lvl4pPr marR="0" lvl="3" algn="l" rtl="0">
               <a:lnSpc>
                 <a:spcPct val="90000"/>
               </a:lnSpc>
@@ -10479,7 +10719,7 @@
               <a:buSzPts val="1500"/>
               <a:buFont typeface="Arial"/>
               <a:buNone/>
-              <a:defRPr b="0" i="0" sz="1500" u="none" cap="none" strike="noStrike">
+              <a:defRPr sz="1500" b="0" i="0" u="none" strike="noStrike" cap="none">
                 <a:solidFill>
                   <a:srgbClr val="D8D8D8"/>
                 </a:solidFill>
@@ -10489,7 +10729,7 @@
                 <a:sym typeface="Candara"/>
               </a:defRPr>
             </a:lvl4pPr>
-            <a:lvl5pPr lvl="4" marR="0" rtl="0" algn="l">
+            <a:lvl5pPr marR="0" lvl="4" algn="l" rtl="0">
               <a:lnSpc>
                 <a:spcPct val="90000"/>
               </a:lnSpc>
@@ -10505,7 +10745,7 @@
               <a:buSzPts val="1500"/>
               <a:buFont typeface="Arial"/>
               <a:buNone/>
-              <a:defRPr b="0" i="0" sz="1500" u="none" cap="none" strike="noStrike">
+              <a:defRPr sz="1500" b="0" i="0" u="none" strike="noStrike" cap="none">
                 <a:solidFill>
                   <a:srgbClr val="D8D8D8"/>
                 </a:solidFill>
@@ -10515,7 +10755,7 @@
                 <a:sym typeface="Candara"/>
               </a:defRPr>
             </a:lvl5pPr>
-            <a:lvl6pPr lvl="5" marR="0" rtl="0" algn="l">
+            <a:lvl6pPr marR="0" lvl="5" algn="l" rtl="0">
               <a:lnSpc>
                 <a:spcPct val="90000"/>
               </a:lnSpc>
@@ -10531,7 +10771,7 @@
               <a:buSzPts val="1500"/>
               <a:buFont typeface="Arial"/>
               <a:buNone/>
-              <a:defRPr b="0" i="0" sz="1500" u="none" cap="none" strike="noStrike">
+              <a:defRPr sz="1500" b="0" i="0" u="none" strike="noStrike" cap="none">
                 <a:solidFill>
                   <a:schemeClr val="lt1"/>
                 </a:solidFill>
@@ -10541,7 +10781,7 @@
                 <a:sym typeface="Candara"/>
               </a:defRPr>
             </a:lvl6pPr>
-            <a:lvl7pPr lvl="6" marR="0" rtl="0" algn="l">
+            <a:lvl7pPr marR="0" lvl="6" algn="l" rtl="0">
               <a:lnSpc>
                 <a:spcPct val="90000"/>
               </a:lnSpc>
@@ -10557,7 +10797,7 @@
               <a:buSzPts val="1500"/>
               <a:buFont typeface="Arial"/>
               <a:buNone/>
-              <a:defRPr b="0" i="0" sz="1500" u="none" cap="none" strike="noStrike">
+              <a:defRPr sz="1500" b="0" i="0" u="none" strike="noStrike" cap="none">
                 <a:solidFill>
                   <a:schemeClr val="lt1"/>
                 </a:solidFill>
@@ -10567,7 +10807,7 @@
                 <a:sym typeface="Candara"/>
               </a:defRPr>
             </a:lvl7pPr>
-            <a:lvl8pPr lvl="7" marR="0" rtl="0" algn="l">
+            <a:lvl8pPr marR="0" lvl="7" algn="l" rtl="0">
               <a:lnSpc>
                 <a:spcPct val="90000"/>
               </a:lnSpc>
@@ -10583,7 +10823,7 @@
               <a:buSzPts val="1500"/>
               <a:buFont typeface="Arial"/>
               <a:buNone/>
-              <a:defRPr b="0" i="0" sz="1500" u="none" cap="none" strike="noStrike">
+              <a:defRPr sz="1500" b="0" i="0" u="none" strike="noStrike" cap="none">
                 <a:solidFill>
                   <a:schemeClr val="lt1"/>
                 </a:solidFill>
@@ -10593,7 +10833,7 @@
                 <a:sym typeface="Candara"/>
               </a:defRPr>
             </a:lvl8pPr>
-            <a:lvl9pPr lvl="8" marR="0" rtl="0" algn="l">
+            <a:lvl9pPr marR="0" lvl="8" algn="l" rtl="0">
               <a:lnSpc>
                 <a:spcPct val="90000"/>
               </a:lnSpc>
@@ -10609,7 +10849,7 @@
               <a:buSzPts val="1500"/>
               <a:buFont typeface="Arial"/>
               <a:buNone/>
-              <a:defRPr b="0" i="0" sz="1500" u="none" cap="none" strike="noStrike">
+              <a:defRPr sz="1500" b="0" i="0" u="none" strike="noStrike" cap="none">
                 <a:solidFill>
                   <a:schemeClr val="lt1"/>
                 </a:solidFill>
@@ -10620,15 +10860,19 @@
               </a:defRPr>
             </a:lvl9pPr>
           </a:lstStyle>
-          <a:p/>
+          <a:p>
+            <a:endParaRPr/>
+          </a:p>
         </p:txBody>
       </p:sp>
       <p:sp>
         <p:nvSpPr>
           <p:cNvPr id="60" name="Google Shape;60;p10"/>
-          <p:cNvSpPr txBox="1"/>
+          <p:cNvSpPr txBox="1">
+            <a:spLocks noGrp="1"/>
+          </p:cNvSpPr>
           <p:nvPr>
-            <p:ph idx="1" type="body"/>
+            <p:ph type="body" idx="1"/>
           </p:nvPr>
         </p:nvSpPr>
         <p:spPr>
@@ -10645,11 +10889,11 @@
           </a:ln>
         </p:spPr>
         <p:txBody>
-          <a:bodyPr anchorCtr="0" anchor="t" bIns="34275" lIns="68575" spcFirstLastPara="1" rIns="68575" wrap="square" tIns="34275">
+          <a:bodyPr spcFirstLastPara="1" wrap="square" lIns="68575" tIns="34275" rIns="68575" bIns="34275" anchor="t" anchorCtr="0">
             <a:noAutofit/>
           </a:bodyPr>
           <a:lstStyle>
-            <a:lvl1pPr indent="-228600" lvl="0" marL="457200" algn="l">
+            <a:lvl1pPr marL="457200" lvl="0" indent="-228600" algn="l">
               <a:lnSpc>
                 <a:spcPct val="90000"/>
               </a:lnSpc>
@@ -10663,7 +10907,7 @@
               <a:buNone/>
               <a:defRPr sz="1200"/>
             </a:lvl1pPr>
-            <a:lvl2pPr indent="-228600" lvl="1" marL="914400" algn="l">
+            <a:lvl2pPr marL="914400" lvl="1" indent="-228600" algn="l">
               <a:lnSpc>
                 <a:spcPct val="90000"/>
               </a:lnSpc>
@@ -10677,7 +10921,7 @@
               <a:buNone/>
               <a:defRPr sz="1100"/>
             </a:lvl2pPr>
-            <a:lvl3pPr indent="-228600" lvl="2" marL="1371600" algn="l">
+            <a:lvl3pPr marL="1371600" lvl="2" indent="-228600" algn="l">
               <a:lnSpc>
                 <a:spcPct val="90000"/>
               </a:lnSpc>
@@ -10691,7 +10935,7 @@
               <a:buNone/>
               <a:defRPr sz="900"/>
             </a:lvl3pPr>
-            <a:lvl4pPr indent="-228600" lvl="3" marL="1828800" algn="l">
+            <a:lvl4pPr marL="1828800" lvl="3" indent="-228600" algn="l">
               <a:lnSpc>
                 <a:spcPct val="90000"/>
               </a:lnSpc>
@@ -10705,7 +10949,7 @@
               <a:buNone/>
               <a:defRPr sz="800"/>
             </a:lvl4pPr>
-            <a:lvl5pPr indent="-228600" lvl="4" marL="2286000" algn="l">
+            <a:lvl5pPr marL="2286000" lvl="4" indent="-228600" algn="l">
               <a:lnSpc>
                 <a:spcPct val="90000"/>
               </a:lnSpc>
@@ -10719,7 +10963,7 @@
               <a:buNone/>
               <a:defRPr sz="800"/>
             </a:lvl5pPr>
-            <a:lvl6pPr indent="-228600" lvl="5" marL="2743200" algn="l">
+            <a:lvl6pPr marL="2743200" lvl="5" indent="-228600" algn="l">
               <a:lnSpc>
                 <a:spcPct val="90000"/>
               </a:lnSpc>
@@ -10733,7 +10977,7 @@
               <a:buNone/>
               <a:defRPr sz="800"/>
             </a:lvl6pPr>
-            <a:lvl7pPr indent="-228600" lvl="6" marL="3200400" algn="l">
+            <a:lvl7pPr marL="3200400" lvl="6" indent="-228600" algn="l">
               <a:lnSpc>
                 <a:spcPct val="90000"/>
               </a:lnSpc>
@@ -10747,7 +10991,7 @@
               <a:buNone/>
               <a:defRPr sz="800"/>
             </a:lvl7pPr>
-            <a:lvl8pPr indent="-228600" lvl="7" marL="3657600" algn="l">
+            <a:lvl8pPr marL="3657600" lvl="7" indent="-228600" algn="l">
               <a:lnSpc>
                 <a:spcPct val="90000"/>
               </a:lnSpc>
@@ -10761,7 +11005,7 @@
               <a:buNone/>
               <a:defRPr sz="800"/>
             </a:lvl8pPr>
-            <a:lvl9pPr indent="-228600" lvl="8" marL="4114800" algn="l">
+            <a:lvl9pPr marL="4114800" lvl="8" indent="-228600" algn="l">
               <a:lnSpc>
                 <a:spcPct val="90000"/>
               </a:lnSpc>
@@ -10776,12 +11020,14 @@
               <a:defRPr sz="800"/>
             </a:lvl9pPr>
           </a:lstStyle>
-          <a:p/>
+          <a:p>
+            <a:endParaRPr/>
+          </a:p>
         </p:txBody>
       </p:sp>
       <p:sp>
         <p:nvSpPr>
-          <p:cNvPr descr="An empty placeholder to add an image. Click on the placeholder and select the image that you wish to add." id="61" name="Google Shape;61;p10"/>
+          <p:cNvPr id="61" name="Google Shape;61;p10" descr="An empty placeholder to add an image. Click on the placeholder and select the image that you wish to add."/>
           <p:cNvSpPr/>
           <p:nvPr/>
         </p:nvSpPr>
@@ -10796,23 +11042,23 @@
           <a:solidFill>
             <a:srgbClr val="000000"/>
           </a:solidFill>
-          <a:ln cap="flat" cmpd="sng" w="101600">
+          <a:ln w="101600" cap="flat" cmpd="sng">
             <a:solidFill>
               <a:schemeClr val="lt1"/>
             </a:solidFill>
             <a:prstDash val="solid"/>
             <a:miter lim="800000"/>
-            <a:headEnd len="sm" w="sm" type="none"/>
-            <a:tailEnd len="sm" w="sm" type="none"/>
+            <a:headEnd type="none" w="sm" len="sm"/>
+            <a:tailEnd type="none" w="sm" len="sm"/>
           </a:ln>
         </p:spPr>
         <p:txBody>
-          <a:bodyPr anchorCtr="0" anchor="ctr" bIns="34275" lIns="68575" spcFirstLastPara="1" rIns="68575" wrap="square" tIns="34275">
+          <a:bodyPr spcFirstLastPara="1" wrap="square" lIns="68575" tIns="34275" rIns="68575" bIns="34275" anchor="ctr" anchorCtr="0">
             <a:noAutofit/>
           </a:bodyPr>
           <a:lstStyle/>
           <a:p>
-            <a:pPr indent="0" lvl="0" marL="0" marR="0" rtl="0" algn="ctr">
+            <a:pPr marL="0" marR="0" lvl="0" indent="0" algn="ctr" rtl="0">
               <a:lnSpc>
                 <a:spcPct val="100000"/>
               </a:lnSpc>
@@ -10829,10 +11075,7 @@
               <a:buFont typeface="Arial"/>
               <a:buNone/>
             </a:pPr>
-            <a:r>
-              <a:t/>
-            </a:r>
-            <a:endParaRPr b="0" i="0" sz="1200" u="none" cap="none" strike="noStrike">
+            <a:endParaRPr sz="1200" b="0" i="0" u="none" strike="noStrike" cap="none">
               <a:solidFill>
                 <a:schemeClr val="lt1"/>
               </a:solidFill>
@@ -10847,9 +11090,11 @@
       <p:sp>
         <p:nvSpPr>
           <p:cNvPr id="62" name="Google Shape;62;p10"/>
-          <p:cNvSpPr txBox="1"/>
+          <p:cNvSpPr txBox="1">
+            <a:spLocks noGrp="1"/>
+          </p:cNvSpPr>
           <p:nvPr>
-            <p:ph idx="11" type="ftr"/>
+            <p:ph type="ftr" idx="11"/>
           </p:nvPr>
         </p:nvSpPr>
         <p:spPr>
@@ -10866,7 +11111,7 @@
           </a:ln>
         </p:spPr>
         <p:txBody>
-          <a:bodyPr anchorCtr="0" anchor="ctr" bIns="34275" lIns="68575" spcFirstLastPara="1" rIns="68575" wrap="square" tIns="34275">
+          <a:bodyPr spcFirstLastPara="1" wrap="square" lIns="68575" tIns="34275" rIns="68575" bIns="34275" anchor="ctr" anchorCtr="0">
             <a:noAutofit/>
           </a:bodyPr>
           <a:lstStyle>
@@ -10997,15 +11242,19 @@
               <a:defRPr/>
             </a:lvl9pPr>
           </a:lstStyle>
-          <a:p/>
+          <a:p>
+            <a:endParaRPr/>
+          </a:p>
         </p:txBody>
       </p:sp>
       <p:sp>
         <p:nvSpPr>
           <p:cNvPr id="63" name="Google Shape;63;p10"/>
-          <p:cNvSpPr txBox="1"/>
+          <p:cNvSpPr txBox="1">
+            <a:spLocks noGrp="1"/>
+          </p:cNvSpPr>
           <p:nvPr>
-            <p:ph idx="10" type="dt"/>
+            <p:ph type="dt" idx="10"/>
           </p:nvPr>
         </p:nvSpPr>
         <p:spPr>
@@ -11022,7 +11271,7 @@
           </a:ln>
         </p:spPr>
         <p:txBody>
-          <a:bodyPr anchorCtr="0" anchor="ctr" bIns="34275" lIns="68575" spcFirstLastPara="1" rIns="68575" wrap="square" tIns="34275">
+          <a:bodyPr spcFirstLastPara="1" wrap="square" lIns="68575" tIns="34275" rIns="68575" bIns="34275" anchor="ctr" anchorCtr="0">
             <a:noAutofit/>
           </a:bodyPr>
           <a:lstStyle>
@@ -11153,15 +11402,19 @@
               <a:defRPr/>
             </a:lvl9pPr>
           </a:lstStyle>
-          <a:p/>
+          <a:p>
+            <a:endParaRPr/>
+          </a:p>
         </p:txBody>
       </p:sp>
       <p:sp>
         <p:nvSpPr>
           <p:cNvPr id="64" name="Google Shape;64;p10"/>
-          <p:cNvSpPr txBox="1"/>
+          <p:cNvSpPr txBox="1">
+            <a:spLocks noGrp="1"/>
+          </p:cNvSpPr>
           <p:nvPr>
-            <p:ph idx="12" type="sldNum"/>
+            <p:ph type="sldNum" idx="12"/>
           </p:nvPr>
         </p:nvSpPr>
         <p:spPr>
@@ -11178,11 +11431,11 @@
           </a:ln>
         </p:spPr>
         <p:txBody>
-          <a:bodyPr anchorCtr="0" anchor="ctr" bIns="34275" lIns="68575" spcFirstLastPara="1" rIns="68575" wrap="square" tIns="34275">
+          <a:bodyPr spcFirstLastPara="1" wrap="square" lIns="68575" tIns="34275" rIns="68575" bIns="34275" anchor="ctr" anchorCtr="0">
             <a:noAutofit/>
           </a:bodyPr>
           <a:lstStyle>
-            <a:lvl1pPr indent="0" lvl="0" marL="0" marR="0" algn="r">
+            <a:lvl1pPr marL="0" marR="0" lvl="0" indent="0" algn="r">
               <a:lnSpc>
                 <a:spcPct val="100000"/>
               </a:lnSpc>
@@ -11198,7 +11451,7 @@
               <a:buSzPts val="800"/>
               <a:buFont typeface="Arial"/>
               <a:buNone/>
-              <a:defRPr b="0" i="0" sz="800" u="none" cap="none" strike="noStrike">
+              <a:defRPr sz="800" b="0" i="0" u="none" strike="noStrike" cap="none">
                 <a:solidFill>
                   <a:srgbClr val="D8D8D8"/>
                 </a:solidFill>
@@ -11208,7 +11461,7 @@
                 <a:sym typeface="Candara"/>
               </a:defRPr>
             </a:lvl1pPr>
-            <a:lvl2pPr indent="0" lvl="1" marL="0" marR="0" algn="r">
+            <a:lvl2pPr marL="0" marR="0" lvl="1" indent="0" algn="r">
               <a:lnSpc>
                 <a:spcPct val="100000"/>
               </a:lnSpc>
@@ -11224,7 +11477,7 @@
               <a:buSzPts val="800"/>
               <a:buFont typeface="Arial"/>
               <a:buNone/>
-              <a:defRPr b="0" i="0" sz="800" u="none" cap="none" strike="noStrike">
+              <a:defRPr sz="800" b="0" i="0" u="none" strike="noStrike" cap="none">
                 <a:solidFill>
                   <a:srgbClr val="D8D8D8"/>
                 </a:solidFill>
@@ -11234,7 +11487,7 @@
                 <a:sym typeface="Candara"/>
               </a:defRPr>
             </a:lvl2pPr>
-            <a:lvl3pPr indent="0" lvl="2" marL="0" marR="0" algn="r">
+            <a:lvl3pPr marL="0" marR="0" lvl="2" indent="0" algn="r">
               <a:lnSpc>
                 <a:spcPct val="100000"/>
               </a:lnSpc>
@@ -11250,7 +11503,7 @@
               <a:buSzPts val="800"/>
               <a:buFont typeface="Arial"/>
               <a:buNone/>
-              <a:defRPr b="0" i="0" sz="800" u="none" cap="none" strike="noStrike">
+              <a:defRPr sz="800" b="0" i="0" u="none" strike="noStrike" cap="none">
                 <a:solidFill>
                   <a:srgbClr val="D8D8D8"/>
                 </a:solidFill>
@@ -11260,7 +11513,7 @@
                 <a:sym typeface="Candara"/>
               </a:defRPr>
             </a:lvl3pPr>
-            <a:lvl4pPr indent="0" lvl="3" marL="0" marR="0" algn="r">
+            <a:lvl4pPr marL="0" marR="0" lvl="3" indent="0" algn="r">
               <a:lnSpc>
                 <a:spcPct val="100000"/>
               </a:lnSpc>
@@ -11276,7 +11529,7 @@
               <a:buSzPts val="800"/>
               <a:buFont typeface="Arial"/>
               <a:buNone/>
-              <a:defRPr b="0" i="0" sz="800" u="none" cap="none" strike="noStrike">
+              <a:defRPr sz="800" b="0" i="0" u="none" strike="noStrike" cap="none">
                 <a:solidFill>
                   <a:srgbClr val="D8D8D8"/>
                 </a:solidFill>
@@ -11286,7 +11539,7 @@
                 <a:sym typeface="Candara"/>
               </a:defRPr>
             </a:lvl4pPr>
-            <a:lvl5pPr indent="0" lvl="4" marL="0" marR="0" algn="r">
+            <a:lvl5pPr marL="0" marR="0" lvl="4" indent="0" algn="r">
               <a:lnSpc>
                 <a:spcPct val="100000"/>
               </a:lnSpc>
@@ -11302,7 +11555,7 @@
               <a:buSzPts val="800"/>
               <a:buFont typeface="Arial"/>
               <a:buNone/>
-              <a:defRPr b="0" i="0" sz="800" u="none" cap="none" strike="noStrike">
+              <a:defRPr sz="800" b="0" i="0" u="none" strike="noStrike" cap="none">
                 <a:solidFill>
                   <a:srgbClr val="D8D8D8"/>
                 </a:solidFill>
@@ -11312,7 +11565,7 @@
                 <a:sym typeface="Candara"/>
               </a:defRPr>
             </a:lvl5pPr>
-            <a:lvl6pPr indent="0" lvl="5" marL="0" marR="0" algn="r">
+            <a:lvl6pPr marL="0" marR="0" lvl="5" indent="0" algn="r">
               <a:lnSpc>
                 <a:spcPct val="100000"/>
               </a:lnSpc>
@@ -11328,7 +11581,7 @@
               <a:buSzPts val="800"/>
               <a:buFont typeface="Arial"/>
               <a:buNone/>
-              <a:defRPr b="0" i="0" sz="800" u="none" cap="none" strike="noStrike">
+              <a:defRPr sz="800" b="0" i="0" u="none" strike="noStrike" cap="none">
                 <a:solidFill>
                   <a:srgbClr val="D8D8D8"/>
                 </a:solidFill>
@@ -11338,7 +11591,7 @@
                 <a:sym typeface="Candara"/>
               </a:defRPr>
             </a:lvl6pPr>
-            <a:lvl7pPr indent="0" lvl="6" marL="0" marR="0" algn="r">
+            <a:lvl7pPr marL="0" marR="0" lvl="6" indent="0" algn="r">
               <a:lnSpc>
                 <a:spcPct val="100000"/>
               </a:lnSpc>
@@ -11354,7 +11607,7 @@
               <a:buSzPts val="800"/>
               <a:buFont typeface="Arial"/>
               <a:buNone/>
-              <a:defRPr b="0" i="0" sz="800" u="none" cap="none" strike="noStrike">
+              <a:defRPr sz="800" b="0" i="0" u="none" strike="noStrike" cap="none">
                 <a:solidFill>
                   <a:srgbClr val="D8D8D8"/>
                 </a:solidFill>
@@ -11364,7 +11617,7 @@
                 <a:sym typeface="Candara"/>
               </a:defRPr>
             </a:lvl7pPr>
-            <a:lvl8pPr indent="0" lvl="7" marL="0" marR="0" algn="r">
+            <a:lvl8pPr marL="0" marR="0" lvl="7" indent="0" algn="r">
               <a:lnSpc>
                 <a:spcPct val="100000"/>
               </a:lnSpc>
@@ -11380,7 +11633,7 @@
               <a:buSzPts val="800"/>
               <a:buFont typeface="Arial"/>
               <a:buNone/>
-              <a:defRPr b="0" i="0" sz="800" u="none" cap="none" strike="noStrike">
+              <a:defRPr sz="800" b="0" i="0" u="none" strike="noStrike" cap="none">
                 <a:solidFill>
                   <a:srgbClr val="D8D8D8"/>
                 </a:solidFill>
@@ -11390,7 +11643,7 @@
                 <a:sym typeface="Candara"/>
               </a:defRPr>
             </a:lvl8pPr>
-            <a:lvl9pPr indent="0" lvl="8" marL="0" marR="0" algn="r">
+            <a:lvl9pPr marL="0" marR="0" lvl="8" indent="0" algn="r">
               <a:lnSpc>
                 <a:spcPct val="100000"/>
               </a:lnSpc>
@@ -11406,7 +11659,7 @@
               <a:buSzPts val="800"/>
               <a:buFont typeface="Arial"/>
               <a:buNone/>
-              <a:defRPr b="0" i="0" sz="800" u="none" cap="none" strike="noStrike">
+              <a:defRPr sz="800" b="0" i="0" u="none" strike="noStrike" cap="none">
                 <a:solidFill>
                   <a:srgbClr val="D8D8D8"/>
                 </a:solidFill>
@@ -11418,7 +11671,7 @@
             </a:lvl9pPr>
           </a:lstStyle>
           <a:p>
-            <a:pPr indent="0" lvl="0" marL="0" rtl="0" algn="r">
+            <a:pPr marL="0" lvl="0" indent="0" algn="r" rtl="0">
               <a:spcBef>
                 <a:spcPts val="0"/>
               </a:spcBef>
@@ -11444,18 +11697,19 @@
 </file>
 
 <file path=ppt/slideMasters/slideMaster1.xml><?xml version="1.0" encoding="utf-8"?>
-<p:sldMaster xmlns:a="http://schemas.openxmlformats.org/drawingml/2006/main" xmlns:r="http://schemas.openxmlformats.org/officeDocument/2006/relationships" xmlns:mc="http://schemas.openxmlformats.org/markup-compatibility/2006" xmlns:mv="urn:schemas-microsoft-com:mac:vml" xmlns:p="http://schemas.openxmlformats.org/presentationml/2006/main" xmlns:c="http://schemas.openxmlformats.org/drawingml/2006/chart" xmlns:dgm="http://schemas.openxmlformats.org/drawingml/2006/diagram" xmlns:o="urn:schemas-microsoft-com:office:office" xmlns:v="urn:schemas-microsoft-com:vml" xmlns:pvml="urn:schemas-microsoft-com:office:powerpoint" xmlns:com="http://schemas.openxmlformats.org/drawingml/2006/compatibility" xmlns:p14="http://schemas.microsoft.com/office/powerpoint/2010/main" xmlns:p15="http://schemas.microsoft.com/office/powerpoint/2012/main">
+<p:sldMaster xmlns:a="http://schemas.openxmlformats.org/drawingml/2006/main" xmlns:r="http://schemas.openxmlformats.org/officeDocument/2006/relationships" xmlns:p="http://schemas.openxmlformats.org/presentationml/2006/main">
   <p:cSld>
     <p:bg>
       <p:bgPr>
         <a:solidFill>
           <a:schemeClr val="dk1"/>
         </a:solidFill>
+        <a:effectLst/>
       </p:bgPr>
     </p:bg>
     <p:spTree>
       <p:nvGrpSpPr>
-        <p:cNvPr id="5" name="Shape 5"/>
+        <p:cNvPr id="1" name="Shape 5"/>
         <p:cNvGrpSpPr/>
         <p:nvPr/>
       </p:nvGrpSpPr>
@@ -11470,7 +11724,9 @@
       <p:sp>
         <p:nvSpPr>
           <p:cNvPr id="6" name="Google Shape;6;p1"/>
-          <p:cNvSpPr txBox="1"/>
+          <p:cNvSpPr txBox="1">
+            <a:spLocks noGrp="1"/>
+          </p:cNvSpPr>
           <p:nvPr>
             <p:ph type="title"/>
           </p:nvPr>
@@ -11489,11 +11745,11 @@
           </a:ln>
         </p:spPr>
         <p:txBody>
-          <a:bodyPr anchorCtr="0" anchor="b" bIns="34275" lIns="68575" spcFirstLastPara="1" rIns="68575" wrap="square" tIns="34275">
+          <a:bodyPr spcFirstLastPara="1" wrap="square" lIns="68575" tIns="34275" rIns="68575" bIns="34275" anchor="b" anchorCtr="0">
             <a:noAutofit/>
           </a:bodyPr>
           <a:lstStyle>
-            <a:lvl1pPr lvl="0" marR="0" rtl="0" algn="l">
+            <a:lvl1pPr marR="0" lvl="0" algn="l" rtl="0">
               <a:lnSpc>
                 <a:spcPct val="90000"/>
               </a:lnSpc>
@@ -11509,7 +11765,7 @@
               <a:buSzPts val="2600"/>
               <a:buFont typeface="Consolas"/>
               <a:buNone/>
-              <a:defRPr b="0" i="0" sz="2600" u="none" cap="none" strike="noStrike">
+              <a:defRPr sz="2600" b="0" i="0" u="none" strike="noStrike" cap="none">
                 <a:solidFill>
                   <a:schemeClr val="accent1"/>
                 </a:solidFill>
@@ -11519,7 +11775,7 @@
                 <a:sym typeface="Consolas"/>
               </a:defRPr>
             </a:lvl1pPr>
-            <a:lvl2pPr lvl="1" marR="0" rtl="0" algn="l">
+            <a:lvl2pPr marR="0" lvl="1" algn="l" rtl="0">
               <a:lnSpc>
                 <a:spcPct val="100000"/>
               </a:lnSpc>
@@ -11535,7 +11791,7 @@
               <a:buSzPts val="1100"/>
               <a:buFont typeface="Arial"/>
               <a:buNone/>
-              <a:defRPr b="0" i="0" sz="1400" u="none" cap="none" strike="noStrike">
+              <a:defRPr sz="1400" b="0" i="0" u="none" strike="noStrike" cap="none">
                 <a:solidFill>
                   <a:srgbClr val="000000"/>
                 </a:solidFill>
@@ -11545,7 +11801,7 @@
                 <a:sym typeface="Arial"/>
               </a:defRPr>
             </a:lvl2pPr>
-            <a:lvl3pPr lvl="2" marR="0" rtl="0" algn="l">
+            <a:lvl3pPr marR="0" lvl="2" algn="l" rtl="0">
               <a:lnSpc>
                 <a:spcPct val="100000"/>
               </a:lnSpc>
@@ -11561,7 +11817,7 @@
               <a:buSzPts val="1100"/>
               <a:buFont typeface="Arial"/>
               <a:buNone/>
-              <a:defRPr b="0" i="0" sz="1400" u="none" cap="none" strike="noStrike">
+              <a:defRPr sz="1400" b="0" i="0" u="none" strike="noStrike" cap="none">
                 <a:solidFill>
                   <a:srgbClr val="000000"/>
                 </a:solidFill>
@@ -11571,7 +11827,7 @@
                 <a:sym typeface="Arial"/>
               </a:defRPr>
             </a:lvl3pPr>
-            <a:lvl4pPr lvl="3" marR="0" rtl="0" algn="l">
+            <a:lvl4pPr marR="0" lvl="3" algn="l" rtl="0">
               <a:lnSpc>
                 <a:spcPct val="100000"/>
               </a:lnSpc>
@@ -11587,7 +11843,7 @@
               <a:buSzPts val="1100"/>
               <a:buFont typeface="Arial"/>
               <a:buNone/>
-              <a:defRPr b="0" i="0" sz="1400" u="none" cap="none" strike="noStrike">
+              <a:defRPr sz="1400" b="0" i="0" u="none" strike="noStrike" cap="none">
                 <a:solidFill>
                   <a:srgbClr val="000000"/>
                 </a:solidFill>
@@ -11597,7 +11853,7 @@
                 <a:sym typeface="Arial"/>
               </a:defRPr>
             </a:lvl4pPr>
-            <a:lvl5pPr lvl="4" marR="0" rtl="0" algn="l">
+            <a:lvl5pPr marR="0" lvl="4" algn="l" rtl="0">
               <a:lnSpc>
                 <a:spcPct val="100000"/>
               </a:lnSpc>
@@ -11613,7 +11869,7 @@
               <a:buSzPts val="1100"/>
               <a:buFont typeface="Arial"/>
               <a:buNone/>
-              <a:defRPr b="0" i="0" sz="1400" u="none" cap="none" strike="noStrike">
+              <a:defRPr sz="1400" b="0" i="0" u="none" strike="noStrike" cap="none">
                 <a:solidFill>
                   <a:srgbClr val="000000"/>
                 </a:solidFill>
@@ -11623,7 +11879,7 @@
                 <a:sym typeface="Arial"/>
               </a:defRPr>
             </a:lvl5pPr>
-            <a:lvl6pPr lvl="5" marR="0" rtl="0" algn="l">
+            <a:lvl6pPr marR="0" lvl="5" algn="l" rtl="0">
               <a:lnSpc>
                 <a:spcPct val="100000"/>
               </a:lnSpc>
@@ -11639,7 +11895,7 @@
               <a:buSzPts val="1100"/>
               <a:buFont typeface="Arial"/>
               <a:buNone/>
-              <a:defRPr b="0" i="0" sz="1400" u="none" cap="none" strike="noStrike">
+              <a:defRPr sz="1400" b="0" i="0" u="none" strike="noStrike" cap="none">
                 <a:solidFill>
                   <a:srgbClr val="000000"/>
                 </a:solidFill>
@@ -11649,7 +11905,7 @@
                 <a:sym typeface="Arial"/>
               </a:defRPr>
             </a:lvl6pPr>
-            <a:lvl7pPr lvl="6" marR="0" rtl="0" algn="l">
+            <a:lvl7pPr marR="0" lvl="6" algn="l" rtl="0">
               <a:lnSpc>
                 <a:spcPct val="100000"/>
               </a:lnSpc>
@@ -11665,7 +11921,7 @@
               <a:buSzPts val="1100"/>
               <a:buFont typeface="Arial"/>
               <a:buNone/>
-              <a:defRPr b="0" i="0" sz="1400" u="none" cap="none" strike="noStrike">
+              <a:defRPr sz="1400" b="0" i="0" u="none" strike="noStrike" cap="none">
                 <a:solidFill>
                   <a:srgbClr val="000000"/>
                 </a:solidFill>
@@ -11675,7 +11931,7 @@
                 <a:sym typeface="Arial"/>
               </a:defRPr>
             </a:lvl7pPr>
-            <a:lvl8pPr lvl="7" marR="0" rtl="0" algn="l">
+            <a:lvl8pPr marR="0" lvl="7" algn="l" rtl="0">
               <a:lnSpc>
                 <a:spcPct val="100000"/>
               </a:lnSpc>
@@ -11691,7 +11947,7 @@
               <a:buSzPts val="1100"/>
               <a:buFont typeface="Arial"/>
               <a:buNone/>
-              <a:defRPr b="0" i="0" sz="1400" u="none" cap="none" strike="noStrike">
+              <a:defRPr sz="1400" b="0" i="0" u="none" strike="noStrike" cap="none">
                 <a:solidFill>
                   <a:srgbClr val="000000"/>
                 </a:solidFill>
@@ -11701,7 +11957,7 @@
                 <a:sym typeface="Arial"/>
               </a:defRPr>
             </a:lvl8pPr>
-            <a:lvl9pPr lvl="8" marR="0" rtl="0" algn="l">
+            <a:lvl9pPr marR="0" lvl="8" algn="l" rtl="0">
               <a:lnSpc>
                 <a:spcPct val="100000"/>
               </a:lnSpc>
@@ -11717,7 +11973,7 @@
               <a:buSzPts val="1100"/>
               <a:buFont typeface="Arial"/>
               <a:buNone/>
-              <a:defRPr b="0" i="0" sz="1400" u="none" cap="none" strike="noStrike">
+              <a:defRPr sz="1400" b="0" i="0" u="none" strike="noStrike" cap="none">
                 <a:solidFill>
                   <a:srgbClr val="000000"/>
                 </a:solidFill>
@@ -11728,15 +11984,19 @@
               </a:defRPr>
             </a:lvl9pPr>
           </a:lstStyle>
-          <a:p/>
+          <a:p>
+            <a:endParaRPr/>
+          </a:p>
         </p:txBody>
       </p:sp>
       <p:sp>
         <p:nvSpPr>
           <p:cNvPr id="7" name="Google Shape;7;p1"/>
-          <p:cNvSpPr txBox="1"/>
+          <p:cNvSpPr txBox="1">
+            <a:spLocks noGrp="1"/>
+          </p:cNvSpPr>
           <p:nvPr>
-            <p:ph idx="1" type="body"/>
+            <p:ph type="body" idx="1"/>
           </p:nvPr>
         </p:nvSpPr>
         <p:spPr>
@@ -11753,11 +12013,11 @@
           </a:ln>
         </p:spPr>
         <p:txBody>
-          <a:bodyPr anchorCtr="0" anchor="t" bIns="34275" lIns="68575" spcFirstLastPara="1" rIns="68575" wrap="square" tIns="34275">
+          <a:bodyPr spcFirstLastPara="1" wrap="square" lIns="68575" tIns="34275" rIns="68575" bIns="34275" anchor="t" anchorCtr="0">
             <a:noAutofit/>
           </a:bodyPr>
           <a:lstStyle>
-            <a:lvl1pPr indent="-323850" lvl="0" marL="457200" marR="0" rtl="0" algn="l">
+            <a:lvl1pPr marL="457200" marR="0" lvl="0" indent="-323850" algn="l" rtl="0">
               <a:lnSpc>
                 <a:spcPct val="90000"/>
               </a:lnSpc>
@@ -11773,7 +12033,7 @@
               <a:buSzPts val="1500"/>
               <a:buFont typeface="Arial"/>
               <a:buChar char="•"/>
-              <a:defRPr b="0" i="0" sz="1500" u="none" cap="none" strike="noStrike">
+              <a:defRPr sz="1500" b="0" i="0" u="none" strike="noStrike" cap="none">
                 <a:solidFill>
                   <a:srgbClr val="D8D8D8"/>
                 </a:solidFill>
@@ -11783,7 +12043,7 @@
                 <a:sym typeface="Candara"/>
               </a:defRPr>
             </a:lvl1pPr>
-            <a:lvl2pPr indent="-317500" lvl="1" marL="914400" marR="0" rtl="0" algn="l">
+            <a:lvl2pPr marL="914400" marR="0" lvl="1" indent="-317500" algn="l" rtl="0">
               <a:lnSpc>
                 <a:spcPct val="90000"/>
               </a:lnSpc>
@@ -11799,7 +12059,7 @@
               <a:buSzPts val="1400"/>
               <a:buFont typeface="Arial"/>
               <a:buChar char="•"/>
-              <a:defRPr b="0" i="0" sz="1400" u="none" cap="none" strike="noStrike">
+              <a:defRPr sz="1400" b="0" i="0" u="none" strike="noStrike" cap="none">
                 <a:solidFill>
                   <a:srgbClr val="D8D8D8"/>
                 </a:solidFill>
@@ -11809,7 +12069,7 @@
                 <a:sym typeface="Candara"/>
               </a:defRPr>
             </a:lvl2pPr>
-            <a:lvl3pPr indent="-304800" lvl="2" marL="1371600" marR="0" rtl="0" algn="l">
+            <a:lvl3pPr marL="1371600" marR="0" lvl="2" indent="-304800" algn="l" rtl="0">
               <a:lnSpc>
                 <a:spcPct val="90000"/>
               </a:lnSpc>
@@ -11825,7 +12085,7 @@
               <a:buSzPts val="1200"/>
               <a:buFont typeface="Arial"/>
               <a:buChar char="•"/>
-              <a:defRPr b="0" i="0" sz="1200" u="none" cap="none" strike="noStrike">
+              <a:defRPr sz="1200" b="0" i="0" u="none" strike="noStrike" cap="none">
                 <a:solidFill>
                   <a:srgbClr val="D8D8D8"/>
                 </a:solidFill>
@@ -11835,7 +12095,7 @@
                 <a:sym typeface="Candara"/>
               </a:defRPr>
             </a:lvl3pPr>
-            <a:lvl4pPr indent="-298450" lvl="3" marL="1828800" marR="0" rtl="0" algn="l">
+            <a:lvl4pPr marL="1828800" marR="0" lvl="3" indent="-298450" algn="l" rtl="0">
               <a:lnSpc>
                 <a:spcPct val="90000"/>
               </a:lnSpc>
@@ -11851,7 +12111,7 @@
               <a:buSzPts val="1100"/>
               <a:buFont typeface="Arial"/>
               <a:buChar char="•"/>
-              <a:defRPr b="0" i="0" sz="1100" u="none" cap="none" strike="noStrike">
+              <a:defRPr sz="1100" b="0" i="0" u="none" strike="noStrike" cap="none">
                 <a:solidFill>
                   <a:srgbClr val="D8D8D8"/>
                 </a:solidFill>
@@ -11861,7 +12121,7 @@
                 <a:sym typeface="Candara"/>
               </a:defRPr>
             </a:lvl4pPr>
-            <a:lvl5pPr indent="-298450" lvl="4" marL="2286000" marR="0" rtl="0" algn="l">
+            <a:lvl5pPr marL="2286000" marR="0" lvl="4" indent="-298450" algn="l" rtl="0">
               <a:lnSpc>
                 <a:spcPct val="90000"/>
               </a:lnSpc>
@@ -11877,7 +12137,7 @@
               <a:buSzPts val="1100"/>
               <a:buFont typeface="Arial"/>
               <a:buChar char="•"/>
-              <a:defRPr b="0" i="0" sz="1100" u="none" cap="none" strike="noStrike">
+              <a:defRPr sz="1100" b="0" i="0" u="none" strike="noStrike" cap="none">
                 <a:solidFill>
                   <a:srgbClr val="D8D8D8"/>
                 </a:solidFill>
@@ -11887,7 +12147,7 @@
                 <a:sym typeface="Candara"/>
               </a:defRPr>
             </a:lvl5pPr>
-            <a:lvl6pPr indent="-298450" lvl="5" marL="2743200" marR="0" rtl="0" algn="l">
+            <a:lvl6pPr marL="2743200" marR="0" lvl="5" indent="-298450" algn="l" rtl="0">
               <a:lnSpc>
                 <a:spcPct val="90000"/>
               </a:lnSpc>
@@ -11903,7 +12163,7 @@
               <a:buSzPts val="1100"/>
               <a:buFont typeface="Arial"/>
               <a:buChar char="•"/>
-              <a:defRPr b="0" i="0" sz="1100" u="none" cap="none" strike="noStrike">
+              <a:defRPr sz="1100" b="0" i="0" u="none" strike="noStrike" cap="none">
                 <a:solidFill>
                   <a:schemeClr val="lt1"/>
                 </a:solidFill>
@@ -11913,7 +12173,7 @@
                 <a:sym typeface="Candara"/>
               </a:defRPr>
             </a:lvl6pPr>
-            <a:lvl7pPr indent="-298450" lvl="6" marL="3200400" marR="0" rtl="0" algn="l">
+            <a:lvl7pPr marL="3200400" marR="0" lvl="6" indent="-298450" algn="l" rtl="0">
               <a:lnSpc>
                 <a:spcPct val="90000"/>
               </a:lnSpc>
@@ -11929,7 +12189,7 @@
               <a:buSzPts val="1100"/>
               <a:buFont typeface="Arial"/>
               <a:buChar char="•"/>
-              <a:defRPr b="0" i="0" sz="1100" u="none" cap="none" strike="noStrike">
+              <a:defRPr sz="1100" b="0" i="0" u="none" strike="noStrike" cap="none">
                 <a:solidFill>
                   <a:schemeClr val="lt1"/>
                 </a:solidFill>
@@ -11939,7 +12199,7 @@
                 <a:sym typeface="Candara"/>
               </a:defRPr>
             </a:lvl7pPr>
-            <a:lvl8pPr indent="-298450" lvl="7" marL="3657600" marR="0" rtl="0" algn="l">
+            <a:lvl8pPr marL="3657600" marR="0" lvl="7" indent="-298450" algn="l" rtl="0">
               <a:lnSpc>
                 <a:spcPct val="90000"/>
               </a:lnSpc>
@@ -11955,7 +12215,7 @@
               <a:buSzPts val="1100"/>
               <a:buFont typeface="Arial"/>
               <a:buChar char="•"/>
-              <a:defRPr b="0" i="0" sz="1100" u="none" cap="none" strike="noStrike">
+              <a:defRPr sz="1100" b="0" i="0" u="none" strike="noStrike" cap="none">
                 <a:solidFill>
                   <a:schemeClr val="lt1"/>
                 </a:solidFill>
@@ -11965,7 +12225,7 @@
                 <a:sym typeface="Candara"/>
               </a:defRPr>
             </a:lvl8pPr>
-            <a:lvl9pPr indent="-298450" lvl="8" marL="4114800" marR="0" rtl="0" algn="l">
+            <a:lvl9pPr marL="4114800" marR="0" lvl="8" indent="-298450" algn="l" rtl="0">
               <a:lnSpc>
                 <a:spcPct val="90000"/>
               </a:lnSpc>
@@ -11981,7 +12241,7 @@
               <a:buSzPts val="1100"/>
               <a:buFont typeface="Arial"/>
               <a:buChar char="•"/>
-              <a:defRPr b="0" i="0" sz="1100" u="none" cap="none" strike="noStrike">
+              <a:defRPr sz="1100" b="0" i="0" u="none" strike="noStrike" cap="none">
                 <a:solidFill>
                   <a:schemeClr val="lt1"/>
                 </a:solidFill>
@@ -11992,15 +12252,19 @@
               </a:defRPr>
             </a:lvl9pPr>
           </a:lstStyle>
-          <a:p/>
+          <a:p>
+            <a:endParaRPr/>
+          </a:p>
         </p:txBody>
       </p:sp>
       <p:sp>
         <p:nvSpPr>
           <p:cNvPr id="8" name="Google Shape;8;p1"/>
-          <p:cNvSpPr txBox="1"/>
+          <p:cNvSpPr txBox="1">
+            <a:spLocks noGrp="1"/>
+          </p:cNvSpPr>
           <p:nvPr>
-            <p:ph idx="11" type="ftr"/>
+            <p:ph type="ftr" idx="11"/>
           </p:nvPr>
         </p:nvSpPr>
         <p:spPr>
@@ -12017,11 +12281,11 @@
           </a:ln>
         </p:spPr>
         <p:txBody>
-          <a:bodyPr anchorCtr="0" anchor="ctr" bIns="34275" lIns="68575" spcFirstLastPara="1" rIns="68575" wrap="square" tIns="34275">
+          <a:bodyPr spcFirstLastPara="1" wrap="square" lIns="68575" tIns="34275" rIns="68575" bIns="34275" anchor="ctr" anchorCtr="0">
             <a:noAutofit/>
           </a:bodyPr>
           <a:lstStyle>
-            <a:lvl1pPr lvl="0" marR="0" rtl="0" algn="l">
+            <a:lvl1pPr marR="0" lvl="0" algn="l" rtl="0">
               <a:lnSpc>
                 <a:spcPct val="100000"/>
               </a:lnSpc>
@@ -12037,7 +12301,7 @@
               <a:buSzPts val="1100"/>
               <a:buFont typeface="Arial"/>
               <a:buNone/>
-              <a:defRPr b="0" i="0" sz="800" u="none" cap="none" strike="noStrike">
+              <a:defRPr sz="800" b="0" i="0" u="none" strike="noStrike" cap="none">
                 <a:solidFill>
                   <a:srgbClr val="D8D8D8"/>
                 </a:solidFill>
@@ -12047,7 +12311,7 @@
                 <a:sym typeface="Candara"/>
               </a:defRPr>
             </a:lvl1pPr>
-            <a:lvl2pPr lvl="1" marR="0" rtl="0" algn="l">
+            <a:lvl2pPr marR="0" lvl="1" algn="l" rtl="0">
               <a:lnSpc>
                 <a:spcPct val="100000"/>
               </a:lnSpc>
@@ -12063,7 +12327,7 @@
               <a:buSzPts val="1100"/>
               <a:buFont typeface="Arial"/>
               <a:buNone/>
-              <a:defRPr b="0" i="0" sz="1400" u="none" cap="none" strike="noStrike">
+              <a:defRPr sz="1400" b="0" i="0" u="none" strike="noStrike" cap="none">
                 <a:solidFill>
                   <a:schemeClr val="lt1"/>
                 </a:solidFill>
@@ -12073,7 +12337,7 @@
                 <a:sym typeface="Candara"/>
               </a:defRPr>
             </a:lvl2pPr>
-            <a:lvl3pPr lvl="2" marR="0" rtl="0" algn="l">
+            <a:lvl3pPr marR="0" lvl="2" algn="l" rtl="0">
               <a:lnSpc>
                 <a:spcPct val="100000"/>
               </a:lnSpc>
@@ -12089,7 +12353,7 @@
               <a:buSzPts val="1100"/>
               <a:buFont typeface="Arial"/>
               <a:buNone/>
-              <a:defRPr b="0" i="0" sz="1400" u="none" cap="none" strike="noStrike">
+              <a:defRPr sz="1400" b="0" i="0" u="none" strike="noStrike" cap="none">
                 <a:solidFill>
                   <a:schemeClr val="lt1"/>
                 </a:solidFill>
@@ -12099,7 +12363,7 @@
                 <a:sym typeface="Candara"/>
               </a:defRPr>
             </a:lvl3pPr>
-            <a:lvl4pPr lvl="3" marR="0" rtl="0" algn="l">
+            <a:lvl4pPr marR="0" lvl="3" algn="l" rtl="0">
               <a:lnSpc>
                 <a:spcPct val="100000"/>
               </a:lnSpc>
@@ -12115,7 +12379,7 @@
               <a:buSzPts val="1100"/>
               <a:buFont typeface="Arial"/>
               <a:buNone/>
-              <a:defRPr b="0" i="0" sz="1400" u="none" cap="none" strike="noStrike">
+              <a:defRPr sz="1400" b="0" i="0" u="none" strike="noStrike" cap="none">
                 <a:solidFill>
                   <a:schemeClr val="lt1"/>
                 </a:solidFill>
@@ -12125,7 +12389,7 @@
                 <a:sym typeface="Candara"/>
               </a:defRPr>
             </a:lvl4pPr>
-            <a:lvl5pPr lvl="4" marR="0" rtl="0" algn="l">
+            <a:lvl5pPr marR="0" lvl="4" algn="l" rtl="0">
               <a:lnSpc>
                 <a:spcPct val="100000"/>
               </a:lnSpc>
@@ -12141,7 +12405,7 @@
               <a:buSzPts val="1100"/>
               <a:buFont typeface="Arial"/>
               <a:buNone/>
-              <a:defRPr b="0" i="0" sz="1400" u="none" cap="none" strike="noStrike">
+              <a:defRPr sz="1400" b="0" i="0" u="none" strike="noStrike" cap="none">
                 <a:solidFill>
                   <a:schemeClr val="lt1"/>
                 </a:solidFill>
@@ -12151,7 +12415,7 @@
                 <a:sym typeface="Candara"/>
               </a:defRPr>
             </a:lvl5pPr>
-            <a:lvl6pPr lvl="5" marR="0" rtl="0" algn="l">
+            <a:lvl6pPr marR="0" lvl="5" algn="l" rtl="0">
               <a:lnSpc>
                 <a:spcPct val="100000"/>
               </a:lnSpc>
@@ -12167,7 +12431,7 @@
               <a:buSzPts val="1100"/>
               <a:buFont typeface="Arial"/>
               <a:buNone/>
-              <a:defRPr b="0" i="0" sz="1400" u="none" cap="none" strike="noStrike">
+              <a:defRPr sz="1400" b="0" i="0" u="none" strike="noStrike" cap="none">
                 <a:solidFill>
                   <a:schemeClr val="lt1"/>
                 </a:solidFill>
@@ -12177,7 +12441,7 @@
                 <a:sym typeface="Candara"/>
               </a:defRPr>
             </a:lvl6pPr>
-            <a:lvl7pPr lvl="6" marR="0" rtl="0" algn="l">
+            <a:lvl7pPr marR="0" lvl="6" algn="l" rtl="0">
               <a:lnSpc>
                 <a:spcPct val="100000"/>
               </a:lnSpc>
@@ -12193,7 +12457,7 @@
               <a:buSzPts val="1100"/>
               <a:buFont typeface="Arial"/>
               <a:buNone/>
-              <a:defRPr b="0" i="0" sz="1400" u="none" cap="none" strike="noStrike">
+              <a:defRPr sz="1400" b="0" i="0" u="none" strike="noStrike" cap="none">
                 <a:solidFill>
                   <a:schemeClr val="lt1"/>
                 </a:solidFill>
@@ -12203,7 +12467,7 @@
                 <a:sym typeface="Candara"/>
               </a:defRPr>
             </a:lvl7pPr>
-            <a:lvl8pPr lvl="7" marR="0" rtl="0" algn="l">
+            <a:lvl8pPr marR="0" lvl="7" algn="l" rtl="0">
               <a:lnSpc>
                 <a:spcPct val="100000"/>
               </a:lnSpc>
@@ -12219,7 +12483,7 @@
               <a:buSzPts val="1100"/>
               <a:buFont typeface="Arial"/>
               <a:buNone/>
-              <a:defRPr b="0" i="0" sz="1400" u="none" cap="none" strike="noStrike">
+              <a:defRPr sz="1400" b="0" i="0" u="none" strike="noStrike" cap="none">
                 <a:solidFill>
                   <a:schemeClr val="lt1"/>
                 </a:solidFill>
@@ -12229,7 +12493,7 @@
                 <a:sym typeface="Candara"/>
               </a:defRPr>
             </a:lvl8pPr>
-            <a:lvl9pPr lvl="8" marR="0" rtl="0" algn="l">
+            <a:lvl9pPr marR="0" lvl="8" algn="l" rtl="0">
               <a:lnSpc>
                 <a:spcPct val="100000"/>
               </a:lnSpc>
@@ -12245,7 +12509,7 @@
               <a:buSzPts val="1100"/>
               <a:buFont typeface="Arial"/>
               <a:buNone/>
-              <a:defRPr b="0" i="0" sz="1400" u="none" cap="none" strike="noStrike">
+              <a:defRPr sz="1400" b="0" i="0" u="none" strike="noStrike" cap="none">
                 <a:solidFill>
                   <a:schemeClr val="lt1"/>
                 </a:solidFill>
@@ -12256,15 +12520,19 @@
               </a:defRPr>
             </a:lvl9pPr>
           </a:lstStyle>
-          <a:p/>
+          <a:p>
+            <a:endParaRPr/>
+          </a:p>
         </p:txBody>
       </p:sp>
       <p:sp>
         <p:nvSpPr>
           <p:cNvPr id="9" name="Google Shape;9;p1"/>
-          <p:cNvSpPr txBox="1"/>
+          <p:cNvSpPr txBox="1">
+            <a:spLocks noGrp="1"/>
+          </p:cNvSpPr>
           <p:nvPr>
-            <p:ph idx="10" type="dt"/>
+            <p:ph type="dt" idx="10"/>
           </p:nvPr>
         </p:nvSpPr>
         <p:spPr>
@@ -12281,11 +12549,11 @@
           </a:ln>
         </p:spPr>
         <p:txBody>
-          <a:bodyPr anchorCtr="0" anchor="ctr" bIns="34275" lIns="68575" spcFirstLastPara="1" rIns="68575" wrap="square" tIns="34275">
+          <a:bodyPr spcFirstLastPara="1" wrap="square" lIns="68575" tIns="34275" rIns="68575" bIns="34275" anchor="ctr" anchorCtr="0">
             <a:noAutofit/>
           </a:bodyPr>
           <a:lstStyle>
-            <a:lvl1pPr lvl="0" marR="0" rtl="0" algn="r">
+            <a:lvl1pPr marR="0" lvl="0" algn="r" rtl="0">
               <a:lnSpc>
                 <a:spcPct val="100000"/>
               </a:lnSpc>
@@ -12301,7 +12569,7 @@
               <a:buSzPts val="1100"/>
               <a:buFont typeface="Arial"/>
               <a:buNone/>
-              <a:defRPr b="0" i="0" sz="800" u="none" cap="none" strike="noStrike">
+              <a:defRPr sz="800" b="0" i="0" u="none" strike="noStrike" cap="none">
                 <a:solidFill>
                   <a:srgbClr val="D8D8D8"/>
                 </a:solidFill>
@@ -12311,7 +12579,7 @@
                 <a:sym typeface="Candara"/>
               </a:defRPr>
             </a:lvl1pPr>
-            <a:lvl2pPr lvl="1" marR="0" rtl="0" algn="l">
+            <a:lvl2pPr marR="0" lvl="1" algn="l" rtl="0">
               <a:lnSpc>
                 <a:spcPct val="100000"/>
               </a:lnSpc>
@@ -12327,7 +12595,7 @@
               <a:buSzPts val="1100"/>
               <a:buFont typeface="Arial"/>
               <a:buNone/>
-              <a:defRPr b="0" i="0" sz="1400" u="none" cap="none" strike="noStrike">
+              <a:defRPr sz="1400" b="0" i="0" u="none" strike="noStrike" cap="none">
                 <a:solidFill>
                   <a:schemeClr val="lt1"/>
                 </a:solidFill>
@@ -12337,7 +12605,7 @@
                 <a:sym typeface="Candara"/>
               </a:defRPr>
             </a:lvl2pPr>
-            <a:lvl3pPr lvl="2" marR="0" rtl="0" algn="l">
+            <a:lvl3pPr marR="0" lvl="2" algn="l" rtl="0">
               <a:lnSpc>
                 <a:spcPct val="100000"/>
               </a:lnSpc>
@@ -12353,7 +12621,7 @@
               <a:buSzPts val="1100"/>
               <a:buFont typeface="Arial"/>
               <a:buNone/>
-              <a:defRPr b="0" i="0" sz="1400" u="none" cap="none" strike="noStrike">
+              <a:defRPr sz="1400" b="0" i="0" u="none" strike="noStrike" cap="none">
                 <a:solidFill>
                   <a:schemeClr val="lt1"/>
                 </a:solidFill>
@@ -12363,7 +12631,7 @@
                 <a:sym typeface="Candara"/>
               </a:defRPr>
             </a:lvl3pPr>
-            <a:lvl4pPr lvl="3" marR="0" rtl="0" algn="l">
+            <a:lvl4pPr marR="0" lvl="3" algn="l" rtl="0">
               <a:lnSpc>
                 <a:spcPct val="100000"/>
               </a:lnSpc>
@@ -12379,7 +12647,7 @@
               <a:buSzPts val="1100"/>
               <a:buFont typeface="Arial"/>
               <a:buNone/>
-              <a:defRPr b="0" i="0" sz="1400" u="none" cap="none" strike="noStrike">
+              <a:defRPr sz="1400" b="0" i="0" u="none" strike="noStrike" cap="none">
                 <a:solidFill>
                   <a:schemeClr val="lt1"/>
                 </a:solidFill>
@@ -12389,7 +12657,7 @@
                 <a:sym typeface="Candara"/>
               </a:defRPr>
             </a:lvl4pPr>
-            <a:lvl5pPr lvl="4" marR="0" rtl="0" algn="l">
+            <a:lvl5pPr marR="0" lvl="4" algn="l" rtl="0">
               <a:lnSpc>
                 <a:spcPct val="100000"/>
               </a:lnSpc>
@@ -12405,7 +12673,7 @@
               <a:buSzPts val="1100"/>
               <a:buFont typeface="Arial"/>
               <a:buNone/>
-              <a:defRPr b="0" i="0" sz="1400" u="none" cap="none" strike="noStrike">
+              <a:defRPr sz="1400" b="0" i="0" u="none" strike="noStrike" cap="none">
                 <a:solidFill>
                   <a:schemeClr val="lt1"/>
                 </a:solidFill>
@@ -12415,7 +12683,7 @@
                 <a:sym typeface="Candara"/>
               </a:defRPr>
             </a:lvl5pPr>
-            <a:lvl6pPr lvl="5" marR="0" rtl="0" algn="l">
+            <a:lvl6pPr marR="0" lvl="5" algn="l" rtl="0">
               <a:lnSpc>
                 <a:spcPct val="100000"/>
               </a:lnSpc>
@@ -12431,7 +12699,7 @@
               <a:buSzPts val="1100"/>
               <a:buFont typeface="Arial"/>
               <a:buNone/>
-              <a:defRPr b="0" i="0" sz="1400" u="none" cap="none" strike="noStrike">
+              <a:defRPr sz="1400" b="0" i="0" u="none" strike="noStrike" cap="none">
                 <a:solidFill>
                   <a:schemeClr val="lt1"/>
                 </a:solidFill>
@@ -12441,7 +12709,7 @@
                 <a:sym typeface="Candara"/>
               </a:defRPr>
             </a:lvl6pPr>
-            <a:lvl7pPr lvl="6" marR="0" rtl="0" algn="l">
+            <a:lvl7pPr marR="0" lvl="6" algn="l" rtl="0">
               <a:lnSpc>
                 <a:spcPct val="100000"/>
               </a:lnSpc>
@@ -12457,7 +12725,7 @@
               <a:buSzPts val="1100"/>
               <a:buFont typeface="Arial"/>
               <a:buNone/>
-              <a:defRPr b="0" i="0" sz="1400" u="none" cap="none" strike="noStrike">
+              <a:defRPr sz="1400" b="0" i="0" u="none" strike="noStrike" cap="none">
                 <a:solidFill>
                   <a:schemeClr val="lt1"/>
                 </a:solidFill>
@@ -12467,7 +12735,7 @@
                 <a:sym typeface="Candara"/>
               </a:defRPr>
             </a:lvl7pPr>
-            <a:lvl8pPr lvl="7" marR="0" rtl="0" algn="l">
+            <a:lvl8pPr marR="0" lvl="7" algn="l" rtl="0">
               <a:lnSpc>
                 <a:spcPct val="100000"/>
               </a:lnSpc>
@@ -12483,7 +12751,7 @@
               <a:buSzPts val="1100"/>
               <a:buFont typeface="Arial"/>
               <a:buNone/>
-              <a:defRPr b="0" i="0" sz="1400" u="none" cap="none" strike="noStrike">
+              <a:defRPr sz="1400" b="0" i="0" u="none" strike="noStrike" cap="none">
                 <a:solidFill>
                   <a:schemeClr val="lt1"/>
                 </a:solidFill>
@@ -12493,7 +12761,7 @@
                 <a:sym typeface="Candara"/>
               </a:defRPr>
             </a:lvl8pPr>
-            <a:lvl9pPr lvl="8" marR="0" rtl="0" algn="l">
+            <a:lvl9pPr marR="0" lvl="8" algn="l" rtl="0">
               <a:lnSpc>
                 <a:spcPct val="100000"/>
               </a:lnSpc>
@@ -12509,7 +12777,7 @@
               <a:buSzPts val="1100"/>
               <a:buFont typeface="Arial"/>
               <a:buNone/>
-              <a:defRPr b="0" i="0" sz="1400" u="none" cap="none" strike="noStrike">
+              <a:defRPr sz="1400" b="0" i="0" u="none" strike="noStrike" cap="none">
                 <a:solidFill>
                   <a:schemeClr val="lt1"/>
                 </a:solidFill>
@@ -12520,15 +12788,19 @@
               </a:defRPr>
             </a:lvl9pPr>
           </a:lstStyle>
-          <a:p/>
+          <a:p>
+            <a:endParaRPr/>
+          </a:p>
         </p:txBody>
       </p:sp>
       <p:sp>
         <p:nvSpPr>
           <p:cNvPr id="10" name="Google Shape;10;p1"/>
-          <p:cNvSpPr txBox="1"/>
+          <p:cNvSpPr txBox="1">
+            <a:spLocks noGrp="1"/>
+          </p:cNvSpPr>
           <p:nvPr>
-            <p:ph idx="12" type="sldNum"/>
+            <p:ph type="sldNum" idx="12"/>
           </p:nvPr>
         </p:nvSpPr>
         <p:spPr>
@@ -12545,11 +12817,11 @@
           </a:ln>
         </p:spPr>
         <p:txBody>
-          <a:bodyPr anchorCtr="0" anchor="ctr" bIns="34275" lIns="68575" spcFirstLastPara="1" rIns="68575" wrap="square" tIns="34275">
+          <a:bodyPr spcFirstLastPara="1" wrap="square" lIns="68575" tIns="34275" rIns="68575" bIns="34275" anchor="ctr" anchorCtr="0">
             <a:noAutofit/>
           </a:bodyPr>
           <a:lstStyle>
-            <a:lvl1pPr indent="0" lvl="0" marL="0" marR="0" rtl="0" algn="r">
+            <a:lvl1pPr marL="0" marR="0" lvl="0" indent="0" algn="r" rtl="0">
               <a:lnSpc>
                 <a:spcPct val="100000"/>
               </a:lnSpc>
@@ -12565,7 +12837,7 @@
               <a:buSzPts val="800"/>
               <a:buFont typeface="Arial"/>
               <a:buNone/>
-              <a:defRPr b="0" i="0" sz="800" u="none" cap="none" strike="noStrike">
+              <a:defRPr sz="800" b="0" i="0" u="none" strike="noStrike" cap="none">
                 <a:solidFill>
                   <a:srgbClr val="D8D8D8"/>
                 </a:solidFill>
@@ -12575,7 +12847,7 @@
                 <a:sym typeface="Candara"/>
               </a:defRPr>
             </a:lvl1pPr>
-            <a:lvl2pPr indent="0" lvl="1" marL="0" marR="0" rtl="0" algn="r">
+            <a:lvl2pPr marL="0" marR="0" lvl="1" indent="0" algn="r" rtl="0">
               <a:lnSpc>
                 <a:spcPct val="100000"/>
               </a:lnSpc>
@@ -12591,7 +12863,7 @@
               <a:buSzPts val="800"/>
               <a:buFont typeface="Arial"/>
               <a:buNone/>
-              <a:defRPr b="0" i="0" sz="800" u="none" cap="none" strike="noStrike">
+              <a:defRPr sz="800" b="0" i="0" u="none" strike="noStrike" cap="none">
                 <a:solidFill>
                   <a:srgbClr val="D8D8D8"/>
                 </a:solidFill>
@@ -12601,7 +12873,7 @@
                 <a:sym typeface="Candara"/>
               </a:defRPr>
             </a:lvl2pPr>
-            <a:lvl3pPr indent="0" lvl="2" marL="0" marR="0" rtl="0" algn="r">
+            <a:lvl3pPr marL="0" marR="0" lvl="2" indent="0" algn="r" rtl="0">
               <a:lnSpc>
                 <a:spcPct val="100000"/>
               </a:lnSpc>
@@ -12617,7 +12889,7 @@
               <a:buSzPts val="800"/>
               <a:buFont typeface="Arial"/>
               <a:buNone/>
-              <a:defRPr b="0" i="0" sz="800" u="none" cap="none" strike="noStrike">
+              <a:defRPr sz="800" b="0" i="0" u="none" strike="noStrike" cap="none">
                 <a:solidFill>
                   <a:srgbClr val="D8D8D8"/>
                 </a:solidFill>
@@ -12627,7 +12899,7 @@
                 <a:sym typeface="Candara"/>
               </a:defRPr>
             </a:lvl3pPr>
-            <a:lvl4pPr indent="0" lvl="3" marL="0" marR="0" rtl="0" algn="r">
+            <a:lvl4pPr marL="0" marR="0" lvl="3" indent="0" algn="r" rtl="0">
               <a:lnSpc>
                 <a:spcPct val="100000"/>
               </a:lnSpc>
@@ -12643,7 +12915,7 @@
               <a:buSzPts val="800"/>
               <a:buFont typeface="Arial"/>
               <a:buNone/>
-              <a:defRPr b="0" i="0" sz="800" u="none" cap="none" strike="noStrike">
+              <a:defRPr sz="800" b="0" i="0" u="none" strike="noStrike" cap="none">
                 <a:solidFill>
                   <a:srgbClr val="D8D8D8"/>
                 </a:solidFill>
@@ -12653,7 +12925,7 @@
                 <a:sym typeface="Candara"/>
               </a:defRPr>
             </a:lvl4pPr>
-            <a:lvl5pPr indent="0" lvl="4" marL="0" marR="0" rtl="0" algn="r">
+            <a:lvl5pPr marL="0" marR="0" lvl="4" indent="0" algn="r" rtl="0">
               <a:lnSpc>
                 <a:spcPct val="100000"/>
               </a:lnSpc>
@@ -12669,7 +12941,7 @@
               <a:buSzPts val="800"/>
               <a:buFont typeface="Arial"/>
               <a:buNone/>
-              <a:defRPr b="0" i="0" sz="800" u="none" cap="none" strike="noStrike">
+              <a:defRPr sz="800" b="0" i="0" u="none" strike="noStrike" cap="none">
                 <a:solidFill>
                   <a:srgbClr val="D8D8D8"/>
                 </a:solidFill>
@@ -12679,7 +12951,7 @@
                 <a:sym typeface="Candara"/>
               </a:defRPr>
             </a:lvl5pPr>
-            <a:lvl6pPr indent="0" lvl="5" marL="0" marR="0" rtl="0" algn="r">
+            <a:lvl6pPr marL="0" marR="0" lvl="5" indent="0" algn="r" rtl="0">
               <a:lnSpc>
                 <a:spcPct val="100000"/>
               </a:lnSpc>
@@ -12695,7 +12967,7 @@
               <a:buSzPts val="800"/>
               <a:buFont typeface="Arial"/>
               <a:buNone/>
-              <a:defRPr b="0" i="0" sz="800" u="none" cap="none" strike="noStrike">
+              <a:defRPr sz="800" b="0" i="0" u="none" strike="noStrike" cap="none">
                 <a:solidFill>
                   <a:srgbClr val="D8D8D8"/>
                 </a:solidFill>
@@ -12705,7 +12977,7 @@
                 <a:sym typeface="Candara"/>
               </a:defRPr>
             </a:lvl6pPr>
-            <a:lvl7pPr indent="0" lvl="6" marL="0" marR="0" rtl="0" algn="r">
+            <a:lvl7pPr marL="0" marR="0" lvl="6" indent="0" algn="r" rtl="0">
               <a:lnSpc>
                 <a:spcPct val="100000"/>
               </a:lnSpc>
@@ -12721,7 +12993,7 @@
               <a:buSzPts val="800"/>
               <a:buFont typeface="Arial"/>
               <a:buNone/>
-              <a:defRPr b="0" i="0" sz="800" u="none" cap="none" strike="noStrike">
+              <a:defRPr sz="800" b="0" i="0" u="none" strike="noStrike" cap="none">
                 <a:solidFill>
                   <a:srgbClr val="D8D8D8"/>
                 </a:solidFill>
@@ -12731,7 +13003,7 @@
                 <a:sym typeface="Candara"/>
               </a:defRPr>
             </a:lvl7pPr>
-            <a:lvl8pPr indent="0" lvl="7" marL="0" marR="0" rtl="0" algn="r">
+            <a:lvl8pPr marL="0" marR="0" lvl="7" indent="0" algn="r" rtl="0">
               <a:lnSpc>
                 <a:spcPct val="100000"/>
               </a:lnSpc>
@@ -12747,7 +13019,7 @@
               <a:buSzPts val="800"/>
               <a:buFont typeface="Arial"/>
               <a:buNone/>
-              <a:defRPr b="0" i="0" sz="800" u="none" cap="none" strike="noStrike">
+              <a:defRPr sz="800" b="0" i="0" u="none" strike="noStrike" cap="none">
                 <a:solidFill>
                   <a:srgbClr val="D8D8D8"/>
                 </a:solidFill>
@@ -12757,7 +13029,7 @@
                 <a:sym typeface="Candara"/>
               </a:defRPr>
             </a:lvl8pPr>
-            <a:lvl9pPr indent="0" lvl="8" marL="0" marR="0" rtl="0" algn="r">
+            <a:lvl9pPr marL="0" marR="0" lvl="8" indent="0" algn="r" rtl="0">
               <a:lnSpc>
                 <a:spcPct val="100000"/>
               </a:lnSpc>
@@ -12773,7 +13045,7 @@
               <a:buSzPts val="800"/>
               <a:buFont typeface="Arial"/>
               <a:buNone/>
-              <a:defRPr b="0" i="0" sz="800" u="none" cap="none" strike="noStrike">
+              <a:defRPr sz="800" b="0" i="0" u="none" strike="noStrike" cap="none">
                 <a:solidFill>
                   <a:srgbClr val="D8D8D8"/>
                 </a:solidFill>
@@ -12785,7 +13057,7 @@
             </a:lvl9pPr>
           </a:lstStyle>
           <a:p>
-            <a:pPr indent="0" lvl="0" marL="0" rtl="0" algn="r">
+            <a:pPr marL="0" lvl="0" indent="0" algn="r" rtl="0">
               <a:spcBef>
                 <a:spcPts val="0"/>
               </a:spcBef>
@@ -12804,7 +13076,7 @@
       </p:sp>
     </p:spTree>
   </p:cSld>
-  <p:clrMap accent1="accent1" accent2="accent2" accent3="accent3" accent4="accent4" accent5="accent5" accent6="accent6" bg1="lt1" bg2="dk2" tx1="dk1" tx2="lt2" folHlink="folHlink" hlink="hlink"/>
+  <p:clrMap bg1="lt1" tx1="dk1" bg2="dk2" tx2="lt2" accent1="accent1" accent2="accent2" accent3="accent3" accent4="accent4" accent5="accent5" accent6="accent6" hlink="hlink" folHlink="folHlink"/>
   <p:sldLayoutIdLst>
     <p:sldLayoutId id="2147483648" r:id="rId1"/>
     <p:sldLayoutId id="2147483649" r:id="rId2"/>
@@ -12818,10 +13090,10 @@
     <p:sldLayoutId id="2147483657" r:id="rId10"/>
     <p:sldLayoutId id="2147483658" r:id="rId11"/>
   </p:sldLayoutIdLst>
-  <p:hf dt="0" ftr="0" hdr="0" sldNum="0"/>
+  <p:hf sldNum="0" hdr="0" ftr="0" dt="0"/>
   <p:txStyles>
     <p:titleStyle>
-      <a:defPPr lvl="0" marR="0" rtl="0" algn="l">
+      <a:defPPr marR="0" lvl="0" algn="l" rtl="0">
         <a:lnSpc>
           <a:spcPct val="100000"/>
         </a:lnSpc>
@@ -12832,7 +13104,7 @@
           <a:spcPts val="0"/>
         </a:spcAft>
       </a:defPPr>
-      <a:lvl1pPr lvl="0" marR="0" rtl="0" algn="l">
+      <a:lvl1pPr marR="0" lvl="0" algn="l" rtl="0">
         <a:lnSpc>
           <a:spcPct val="100000"/>
         </a:lnSpc>
@@ -12846,7 +13118,7 @@
           <a:srgbClr val="000000"/>
         </a:buClr>
         <a:buFont typeface="Arial"/>
-        <a:defRPr b="0" i="0" sz="1400" u="none" cap="none" strike="noStrike">
+        <a:defRPr sz="1400" b="0" i="0" u="none" strike="noStrike" cap="none">
           <a:solidFill>
             <a:srgbClr val="000000"/>
           </a:solidFill>
@@ -12856,7 +13128,7 @@
           <a:sym typeface="Arial"/>
         </a:defRPr>
       </a:lvl1pPr>
-      <a:lvl2pPr lvl="1" marR="0" rtl="0" algn="l">
+      <a:lvl2pPr marR="0" lvl="1" algn="l" rtl="0">
         <a:lnSpc>
           <a:spcPct val="100000"/>
         </a:lnSpc>
@@ -12870,7 +13142,7 @@
           <a:srgbClr val="000000"/>
         </a:buClr>
         <a:buFont typeface="Arial"/>
-        <a:defRPr b="0" i="0" sz="1400" u="none" cap="none" strike="noStrike">
+        <a:defRPr sz="1400" b="0" i="0" u="none" strike="noStrike" cap="none">
           <a:solidFill>
             <a:srgbClr val="000000"/>
           </a:solidFill>
@@ -12880,7 +13152,7 @@
           <a:sym typeface="Arial"/>
         </a:defRPr>
       </a:lvl2pPr>
-      <a:lvl3pPr lvl="2" marR="0" rtl="0" algn="l">
+      <a:lvl3pPr marR="0" lvl="2" algn="l" rtl="0">
         <a:lnSpc>
           <a:spcPct val="100000"/>
         </a:lnSpc>
@@ -12894,7 +13166,7 @@
           <a:srgbClr val="000000"/>
         </a:buClr>
         <a:buFont typeface="Arial"/>
-        <a:defRPr b="0" i="0" sz="1400" u="none" cap="none" strike="noStrike">
+        <a:defRPr sz="1400" b="0" i="0" u="none" strike="noStrike" cap="none">
           <a:solidFill>
             <a:srgbClr val="000000"/>
           </a:solidFill>
@@ -12904,7 +13176,7 @@
           <a:sym typeface="Arial"/>
         </a:defRPr>
       </a:lvl3pPr>
-      <a:lvl4pPr lvl="3" marR="0" rtl="0" algn="l">
+      <a:lvl4pPr marR="0" lvl="3" algn="l" rtl="0">
         <a:lnSpc>
           <a:spcPct val="100000"/>
         </a:lnSpc>
@@ -12918,7 +13190,7 @@
           <a:srgbClr val="000000"/>
         </a:buClr>
         <a:buFont typeface="Arial"/>
-        <a:defRPr b="0" i="0" sz="1400" u="none" cap="none" strike="noStrike">
+        <a:defRPr sz="1400" b="0" i="0" u="none" strike="noStrike" cap="none">
           <a:solidFill>
             <a:srgbClr val="000000"/>
           </a:solidFill>
@@ -12928,7 +13200,7 @@
           <a:sym typeface="Arial"/>
         </a:defRPr>
       </a:lvl4pPr>
-      <a:lvl5pPr lvl="4" marR="0" rtl="0" algn="l">
+      <a:lvl5pPr marR="0" lvl="4" algn="l" rtl="0">
         <a:lnSpc>
           <a:spcPct val="100000"/>
         </a:lnSpc>
@@ -12942,7 +13214,7 @@
           <a:srgbClr val="000000"/>
         </a:buClr>
         <a:buFont typeface="Arial"/>
-        <a:defRPr b="0" i="0" sz="1400" u="none" cap="none" strike="noStrike">
+        <a:defRPr sz="1400" b="0" i="0" u="none" strike="noStrike" cap="none">
           <a:solidFill>
             <a:srgbClr val="000000"/>
           </a:solidFill>
@@ -12952,7 +13224,7 @@
           <a:sym typeface="Arial"/>
         </a:defRPr>
       </a:lvl5pPr>
-      <a:lvl6pPr lvl="5" marR="0" rtl="0" algn="l">
+      <a:lvl6pPr marR="0" lvl="5" algn="l" rtl="0">
         <a:lnSpc>
           <a:spcPct val="100000"/>
         </a:lnSpc>
@@ -12966,7 +13238,7 @@
           <a:srgbClr val="000000"/>
         </a:buClr>
         <a:buFont typeface="Arial"/>
-        <a:defRPr b="0" i="0" sz="1400" u="none" cap="none" strike="noStrike">
+        <a:defRPr sz="1400" b="0" i="0" u="none" strike="noStrike" cap="none">
           <a:solidFill>
             <a:srgbClr val="000000"/>
           </a:solidFill>
@@ -12976,7 +13248,7 @@
           <a:sym typeface="Arial"/>
         </a:defRPr>
       </a:lvl6pPr>
-      <a:lvl7pPr lvl="6" marR="0" rtl="0" algn="l">
+      <a:lvl7pPr marR="0" lvl="6" algn="l" rtl="0">
         <a:lnSpc>
           <a:spcPct val="100000"/>
         </a:lnSpc>
@@ -12990,7 +13262,7 @@
           <a:srgbClr val="000000"/>
         </a:buClr>
         <a:buFont typeface="Arial"/>
-        <a:defRPr b="0" i="0" sz="1400" u="none" cap="none" strike="noStrike">
+        <a:defRPr sz="1400" b="0" i="0" u="none" strike="noStrike" cap="none">
           <a:solidFill>
             <a:srgbClr val="000000"/>
           </a:solidFill>
@@ -13000,7 +13272,7 @@
           <a:sym typeface="Arial"/>
         </a:defRPr>
       </a:lvl7pPr>
-      <a:lvl8pPr lvl="7" marR="0" rtl="0" algn="l">
+      <a:lvl8pPr marR="0" lvl="7" algn="l" rtl="0">
         <a:lnSpc>
           <a:spcPct val="100000"/>
         </a:lnSpc>
@@ -13014,7 +13286,7 @@
           <a:srgbClr val="000000"/>
         </a:buClr>
         <a:buFont typeface="Arial"/>
-        <a:defRPr b="0" i="0" sz="1400" u="none" cap="none" strike="noStrike">
+        <a:defRPr sz="1400" b="0" i="0" u="none" strike="noStrike" cap="none">
           <a:solidFill>
             <a:srgbClr val="000000"/>
           </a:solidFill>
@@ -13024,7 +13296,7 @@
           <a:sym typeface="Arial"/>
         </a:defRPr>
       </a:lvl8pPr>
-      <a:lvl9pPr lvl="8" marR="0" rtl="0" algn="l">
+      <a:lvl9pPr marR="0" lvl="8" algn="l" rtl="0">
         <a:lnSpc>
           <a:spcPct val="100000"/>
         </a:lnSpc>
@@ -13038,7 +13310,7 @@
           <a:srgbClr val="000000"/>
         </a:buClr>
         <a:buFont typeface="Arial"/>
-        <a:defRPr b="0" i="0" sz="1400" u="none" cap="none" strike="noStrike">
+        <a:defRPr sz="1400" b="0" i="0" u="none" strike="noStrike" cap="none">
           <a:solidFill>
             <a:srgbClr val="000000"/>
           </a:solidFill>
@@ -13050,7 +13322,7 @@
       </a:lvl9pPr>
     </p:titleStyle>
     <p:bodyStyle>
-      <a:defPPr lvl="0" marR="0" rtl="0" algn="l">
+      <a:defPPr marR="0" lvl="0" algn="l" rtl="0">
         <a:lnSpc>
           <a:spcPct val="100000"/>
         </a:lnSpc>
@@ -13061,7 +13333,7 @@
           <a:spcPts val="0"/>
         </a:spcAft>
       </a:defPPr>
-      <a:lvl1pPr lvl="0" marR="0" rtl="0" algn="l">
+      <a:lvl1pPr marR="0" lvl="0" algn="l" rtl="0">
         <a:lnSpc>
           <a:spcPct val="100000"/>
         </a:lnSpc>
@@ -13075,7 +13347,7 @@
           <a:srgbClr val="000000"/>
         </a:buClr>
         <a:buFont typeface="Arial"/>
-        <a:defRPr b="0" i="0" sz="1400" u="none" cap="none" strike="noStrike">
+        <a:defRPr sz="1400" b="0" i="0" u="none" strike="noStrike" cap="none">
           <a:solidFill>
             <a:srgbClr val="000000"/>
           </a:solidFill>
@@ -13085,7 +13357,7 @@
           <a:sym typeface="Arial"/>
         </a:defRPr>
       </a:lvl1pPr>
-      <a:lvl2pPr lvl="1" marR="0" rtl="0" algn="l">
+      <a:lvl2pPr marR="0" lvl="1" algn="l" rtl="0">
         <a:lnSpc>
           <a:spcPct val="100000"/>
         </a:lnSpc>
@@ -13099,7 +13371,7 @@
           <a:srgbClr val="000000"/>
         </a:buClr>
         <a:buFont typeface="Arial"/>
-        <a:defRPr b="0" i="0" sz="1400" u="none" cap="none" strike="noStrike">
+        <a:defRPr sz="1400" b="0" i="0" u="none" strike="noStrike" cap="none">
           <a:solidFill>
             <a:srgbClr val="000000"/>
           </a:solidFill>
@@ -13109,7 +13381,7 @@
           <a:sym typeface="Arial"/>
         </a:defRPr>
       </a:lvl2pPr>
-      <a:lvl3pPr lvl="2" marR="0" rtl="0" algn="l">
+      <a:lvl3pPr marR="0" lvl="2" algn="l" rtl="0">
         <a:lnSpc>
           <a:spcPct val="100000"/>
         </a:lnSpc>
@@ -13123,7 +13395,7 @@
           <a:srgbClr val="000000"/>
         </a:buClr>
         <a:buFont typeface="Arial"/>
-        <a:defRPr b="0" i="0" sz="1400" u="none" cap="none" strike="noStrike">
+        <a:defRPr sz="1400" b="0" i="0" u="none" strike="noStrike" cap="none">
           <a:solidFill>
             <a:srgbClr val="000000"/>
           </a:solidFill>
@@ -13133,7 +13405,7 @@
           <a:sym typeface="Arial"/>
         </a:defRPr>
       </a:lvl3pPr>
-      <a:lvl4pPr lvl="3" marR="0" rtl="0" algn="l">
+      <a:lvl4pPr marR="0" lvl="3" algn="l" rtl="0">
         <a:lnSpc>
           <a:spcPct val="100000"/>
         </a:lnSpc>
@@ -13147,7 +13419,7 @@
           <a:srgbClr val="000000"/>
         </a:buClr>
         <a:buFont typeface="Arial"/>
-        <a:defRPr b="0" i="0" sz="1400" u="none" cap="none" strike="noStrike">
+        <a:defRPr sz="1400" b="0" i="0" u="none" strike="noStrike" cap="none">
           <a:solidFill>
             <a:srgbClr val="000000"/>
           </a:solidFill>
@@ -13157,7 +13429,7 @@
           <a:sym typeface="Arial"/>
         </a:defRPr>
       </a:lvl4pPr>
-      <a:lvl5pPr lvl="4" marR="0" rtl="0" algn="l">
+      <a:lvl5pPr marR="0" lvl="4" algn="l" rtl="0">
         <a:lnSpc>
           <a:spcPct val="100000"/>
         </a:lnSpc>
@@ -13171,7 +13443,7 @@
           <a:srgbClr val="000000"/>
         </a:buClr>
         <a:buFont typeface="Arial"/>
-        <a:defRPr b="0" i="0" sz="1400" u="none" cap="none" strike="noStrike">
+        <a:defRPr sz="1400" b="0" i="0" u="none" strike="noStrike" cap="none">
           <a:solidFill>
             <a:srgbClr val="000000"/>
           </a:solidFill>
@@ -13181,7 +13453,7 @@
           <a:sym typeface="Arial"/>
         </a:defRPr>
       </a:lvl5pPr>
-      <a:lvl6pPr lvl="5" marR="0" rtl="0" algn="l">
+      <a:lvl6pPr marR="0" lvl="5" algn="l" rtl="0">
         <a:lnSpc>
           <a:spcPct val="100000"/>
         </a:lnSpc>
@@ -13195,7 +13467,7 @@
           <a:srgbClr val="000000"/>
         </a:buClr>
         <a:buFont typeface="Arial"/>
-        <a:defRPr b="0" i="0" sz="1400" u="none" cap="none" strike="noStrike">
+        <a:defRPr sz="1400" b="0" i="0" u="none" strike="noStrike" cap="none">
           <a:solidFill>
             <a:srgbClr val="000000"/>
           </a:solidFill>
@@ -13205,7 +13477,7 @@
           <a:sym typeface="Arial"/>
         </a:defRPr>
       </a:lvl6pPr>
-      <a:lvl7pPr lvl="6" marR="0" rtl="0" algn="l">
+      <a:lvl7pPr marR="0" lvl="6" algn="l" rtl="0">
         <a:lnSpc>
           <a:spcPct val="100000"/>
         </a:lnSpc>
@@ -13219,7 +13491,7 @@
           <a:srgbClr val="000000"/>
         </a:buClr>
         <a:buFont typeface="Arial"/>
-        <a:defRPr b="0" i="0" sz="1400" u="none" cap="none" strike="noStrike">
+        <a:defRPr sz="1400" b="0" i="0" u="none" strike="noStrike" cap="none">
           <a:solidFill>
             <a:srgbClr val="000000"/>
           </a:solidFill>
@@ -13229,7 +13501,7 @@
           <a:sym typeface="Arial"/>
         </a:defRPr>
       </a:lvl7pPr>
-      <a:lvl8pPr lvl="7" marR="0" rtl="0" algn="l">
+      <a:lvl8pPr marR="0" lvl="7" algn="l" rtl="0">
         <a:lnSpc>
           <a:spcPct val="100000"/>
         </a:lnSpc>
@@ -13243,7 +13515,7 @@
           <a:srgbClr val="000000"/>
         </a:buClr>
         <a:buFont typeface="Arial"/>
-        <a:defRPr b="0" i="0" sz="1400" u="none" cap="none" strike="noStrike">
+        <a:defRPr sz="1400" b="0" i="0" u="none" strike="noStrike" cap="none">
           <a:solidFill>
             <a:srgbClr val="000000"/>
           </a:solidFill>
@@ -13253,7 +13525,7 @@
           <a:sym typeface="Arial"/>
         </a:defRPr>
       </a:lvl8pPr>
-      <a:lvl9pPr lvl="8" marR="0" rtl="0" algn="l">
+      <a:lvl9pPr marR="0" lvl="8" algn="l" rtl="0">
         <a:lnSpc>
           <a:spcPct val="100000"/>
         </a:lnSpc>
@@ -13267,7 +13539,7 @@
           <a:srgbClr val="000000"/>
         </a:buClr>
         <a:buFont typeface="Arial"/>
-        <a:defRPr b="0" i="0" sz="1400" u="none" cap="none" strike="noStrike">
+        <a:defRPr sz="1400" b="0" i="0" u="none" strike="noStrike" cap="none">
           <a:solidFill>
             <a:srgbClr val="000000"/>
           </a:solidFill>
@@ -13279,7 +13551,7 @@
       </a:lvl9pPr>
     </p:bodyStyle>
     <p:otherStyle>
-      <a:defPPr lvl="0" marR="0" rtl="0" algn="l">
+      <a:defPPr marR="0" lvl="0" algn="l" rtl="0">
         <a:lnSpc>
           <a:spcPct val="100000"/>
         </a:lnSpc>
@@ -13290,7 +13562,7 @@
           <a:spcPts val="0"/>
         </a:spcAft>
       </a:defPPr>
-      <a:lvl1pPr lvl="0" marR="0" rtl="0" algn="l">
+      <a:lvl1pPr marR="0" lvl="0" algn="l" rtl="0">
         <a:lnSpc>
           <a:spcPct val="100000"/>
         </a:lnSpc>
@@ -13304,7 +13576,7 @@
           <a:srgbClr val="000000"/>
         </a:buClr>
         <a:buFont typeface="Arial"/>
-        <a:defRPr b="0" i="0" sz="1400" u="none" cap="none" strike="noStrike">
+        <a:defRPr sz="1400" b="0" i="0" u="none" strike="noStrike" cap="none">
           <a:solidFill>
             <a:srgbClr val="000000"/>
           </a:solidFill>
@@ -13314,7 +13586,7 @@
           <a:sym typeface="Arial"/>
         </a:defRPr>
       </a:lvl1pPr>
-      <a:lvl2pPr lvl="1" marR="0" rtl="0" algn="l">
+      <a:lvl2pPr marR="0" lvl="1" algn="l" rtl="0">
         <a:lnSpc>
           <a:spcPct val="100000"/>
         </a:lnSpc>
@@ -13328,7 +13600,7 @@
           <a:srgbClr val="000000"/>
         </a:buClr>
         <a:buFont typeface="Arial"/>
-        <a:defRPr b="0" i="0" sz="1400" u="none" cap="none" strike="noStrike">
+        <a:defRPr sz="1400" b="0" i="0" u="none" strike="noStrike" cap="none">
           <a:solidFill>
             <a:srgbClr val="000000"/>
           </a:solidFill>
@@ -13338,7 +13610,7 @@
           <a:sym typeface="Arial"/>
         </a:defRPr>
       </a:lvl2pPr>
-      <a:lvl3pPr lvl="2" marR="0" rtl="0" algn="l">
+      <a:lvl3pPr marR="0" lvl="2" algn="l" rtl="0">
         <a:lnSpc>
           <a:spcPct val="100000"/>
         </a:lnSpc>
@@ -13352,7 +13624,7 @@
           <a:srgbClr val="000000"/>
         </a:buClr>
         <a:buFont typeface="Arial"/>
-        <a:defRPr b="0" i="0" sz="1400" u="none" cap="none" strike="noStrike">
+        <a:defRPr sz="1400" b="0" i="0" u="none" strike="noStrike" cap="none">
           <a:solidFill>
             <a:srgbClr val="000000"/>
           </a:solidFill>
@@ -13362,7 +13634,7 @@
           <a:sym typeface="Arial"/>
         </a:defRPr>
       </a:lvl3pPr>
-      <a:lvl4pPr lvl="3" marR="0" rtl="0" algn="l">
+      <a:lvl4pPr marR="0" lvl="3" algn="l" rtl="0">
         <a:lnSpc>
           <a:spcPct val="100000"/>
         </a:lnSpc>
@@ -13376,7 +13648,7 @@
           <a:srgbClr val="000000"/>
         </a:buClr>
         <a:buFont typeface="Arial"/>
-        <a:defRPr b="0" i="0" sz="1400" u="none" cap="none" strike="noStrike">
+        <a:defRPr sz="1400" b="0" i="0" u="none" strike="noStrike" cap="none">
           <a:solidFill>
             <a:srgbClr val="000000"/>
           </a:solidFill>
@@ -13386,7 +13658,7 @@
           <a:sym typeface="Arial"/>
         </a:defRPr>
       </a:lvl4pPr>
-      <a:lvl5pPr lvl="4" marR="0" rtl="0" algn="l">
+      <a:lvl5pPr marR="0" lvl="4" algn="l" rtl="0">
         <a:lnSpc>
           <a:spcPct val="100000"/>
         </a:lnSpc>
@@ -13400,7 +13672,7 @@
           <a:srgbClr val="000000"/>
         </a:buClr>
         <a:buFont typeface="Arial"/>
-        <a:defRPr b="0" i="0" sz="1400" u="none" cap="none" strike="noStrike">
+        <a:defRPr sz="1400" b="0" i="0" u="none" strike="noStrike" cap="none">
           <a:solidFill>
             <a:srgbClr val="000000"/>
           </a:solidFill>
@@ -13410,7 +13682,7 @@
           <a:sym typeface="Arial"/>
         </a:defRPr>
       </a:lvl5pPr>
-      <a:lvl6pPr lvl="5" marR="0" rtl="0" algn="l">
+      <a:lvl6pPr marR="0" lvl="5" algn="l" rtl="0">
         <a:lnSpc>
           <a:spcPct val="100000"/>
         </a:lnSpc>
@@ -13424,7 +13696,7 @@
           <a:srgbClr val="000000"/>
         </a:buClr>
         <a:buFont typeface="Arial"/>
-        <a:defRPr b="0" i="0" sz="1400" u="none" cap="none" strike="noStrike">
+        <a:defRPr sz="1400" b="0" i="0" u="none" strike="noStrike" cap="none">
           <a:solidFill>
             <a:srgbClr val="000000"/>
           </a:solidFill>
@@ -13434,7 +13706,7 @@
           <a:sym typeface="Arial"/>
         </a:defRPr>
       </a:lvl6pPr>
-      <a:lvl7pPr lvl="6" marR="0" rtl="0" algn="l">
+      <a:lvl7pPr marR="0" lvl="6" algn="l" rtl="0">
         <a:lnSpc>
           <a:spcPct val="100000"/>
         </a:lnSpc>
@@ -13448,7 +13720,7 @@
           <a:srgbClr val="000000"/>
         </a:buClr>
         <a:buFont typeface="Arial"/>
-        <a:defRPr b="0" i="0" sz="1400" u="none" cap="none" strike="noStrike">
+        <a:defRPr sz="1400" b="0" i="0" u="none" strike="noStrike" cap="none">
           <a:solidFill>
             <a:srgbClr val="000000"/>
           </a:solidFill>
@@ -13458,7 +13730,7 @@
           <a:sym typeface="Arial"/>
         </a:defRPr>
       </a:lvl7pPr>
-      <a:lvl8pPr lvl="7" marR="0" rtl="0" algn="l">
+      <a:lvl8pPr marR="0" lvl="7" algn="l" rtl="0">
         <a:lnSpc>
           <a:spcPct val="100000"/>
         </a:lnSpc>
@@ -13472,7 +13744,7 @@
           <a:srgbClr val="000000"/>
         </a:buClr>
         <a:buFont typeface="Arial"/>
-        <a:defRPr b="0" i="0" sz="1400" u="none" cap="none" strike="noStrike">
+        <a:defRPr sz="1400" b="0" i="0" u="none" strike="noStrike" cap="none">
           <a:solidFill>
             <a:srgbClr val="000000"/>
           </a:solidFill>
@@ -13482,7 +13754,7 @@
           <a:sym typeface="Arial"/>
         </a:defRPr>
       </a:lvl8pPr>
-      <a:lvl9pPr lvl="8" marR="0" rtl="0" algn="l">
+      <a:lvl9pPr marR="0" lvl="8" algn="l" rtl="0">
         <a:lnSpc>
           <a:spcPct val="100000"/>
         </a:lnSpc>
@@ -13496,7 +13768,7 @@
           <a:srgbClr val="000000"/>
         </a:buClr>
         <a:buFont typeface="Arial"/>
-        <a:defRPr b="0" i="0" sz="1400" u="none" cap="none" strike="noStrike">
+        <a:defRPr sz="1400" b="0" i="0" u="none" strike="noStrike" cap="none">
           <a:solidFill>
             <a:srgbClr val="000000"/>
           </a:solidFill>
@@ -13510,7 +13782,7 @@
   </p:txStyles>
   <p:extLst>
     <p:ext uri="{27BBF7A9-308A-43DC-89C8-2F10F3537804}">
-      <p15:sldGuideLst>
+      <p15:sldGuideLst xmlns:p15="http://schemas.microsoft.com/office/powerpoint/2012/main">
         <p15:guide id="1" orient="horz" pos="1620">
           <p15:clr>
             <a:srgbClr val="F26B43"/>
@@ -13528,11 +13800,11 @@
 </file>
 
 <file path=ppt/slides/slide1.xml><?xml version="1.0" encoding="utf-8"?>
-<p:sld xmlns:a="http://schemas.openxmlformats.org/drawingml/2006/main" xmlns:r="http://schemas.openxmlformats.org/officeDocument/2006/relationships" xmlns:mc="http://schemas.openxmlformats.org/markup-compatibility/2006" xmlns:mv="urn:schemas-microsoft-com:mac:vml" xmlns:p="http://schemas.openxmlformats.org/presentationml/2006/main" xmlns:c="http://schemas.openxmlformats.org/drawingml/2006/chart" xmlns:dgm="http://schemas.openxmlformats.org/drawingml/2006/diagram" xmlns:o="urn:schemas-microsoft-com:office:office" xmlns:v="urn:schemas-microsoft-com:vml" xmlns:pvml="urn:schemas-microsoft-com:office:powerpoint" xmlns:com="http://schemas.openxmlformats.org/drawingml/2006/compatibility" xmlns:p14="http://schemas.microsoft.com/office/powerpoint/2010/main" xmlns:p15="http://schemas.microsoft.com/office/powerpoint/2012/main">
+<p:sld xmlns:a="http://schemas.openxmlformats.org/drawingml/2006/main" xmlns:r="http://schemas.openxmlformats.org/officeDocument/2006/relationships" xmlns:p="http://schemas.openxmlformats.org/presentationml/2006/main">
   <p:cSld>
     <p:spTree>
       <p:nvGrpSpPr>
-        <p:cNvPr id="80" name="Shape 80"/>
+        <p:cNvPr id="1" name="Shape 80"/>
         <p:cNvGrpSpPr/>
         <p:nvPr/>
       </p:nvGrpSpPr>
@@ -13547,7 +13819,9 @@
       <p:sp>
         <p:nvSpPr>
           <p:cNvPr id="81" name="Google Shape;81;p13"/>
-          <p:cNvSpPr txBox="1"/>
+          <p:cNvSpPr txBox="1">
+            <a:spLocks noGrp="1"/>
+          </p:cNvSpPr>
           <p:nvPr>
             <p:ph type="ctrTitle"/>
           </p:nvPr>
@@ -13562,12 +13836,12 @@
           </a:prstGeom>
         </p:spPr>
         <p:txBody>
-          <a:bodyPr anchorCtr="0" anchor="b" bIns="34275" lIns="68575" spcFirstLastPara="1" rIns="68575" wrap="square" tIns="34275">
+          <a:bodyPr spcFirstLastPara="1" wrap="square" lIns="68575" tIns="34275" rIns="68575" bIns="34275" anchor="b" anchorCtr="0">
             <a:noAutofit/>
           </a:bodyPr>
           <a:lstStyle/>
           <a:p>
-            <a:pPr indent="0" lvl="0" marL="0" rtl="0" algn="l">
+            <a:pPr marL="0" lvl="0" indent="0" algn="l" rtl="0">
               <a:spcBef>
                 <a:spcPts val="0"/>
               </a:spcBef>
@@ -13578,18 +13852,20 @@
             </a:pPr>
             <a:r>
               <a:rPr lang="en"/>
-              <a:t>amirkabir_linux_festival</a:t>
+              <a:t>Amirkabir_linux_festival</a:t>
             </a:r>
-            <a:endParaRPr/>
+            <a:endParaRPr dirty="0"/>
           </a:p>
         </p:txBody>
       </p:sp>
       <p:sp>
         <p:nvSpPr>
           <p:cNvPr id="82" name="Google Shape;82;p13"/>
-          <p:cNvSpPr txBox="1"/>
+          <p:cNvSpPr txBox="1">
+            <a:spLocks noGrp="1"/>
+          </p:cNvSpPr>
           <p:nvPr>
-            <p:ph idx="1" type="subTitle"/>
+            <p:ph type="subTitle" idx="1"/>
           </p:nvPr>
         </p:nvSpPr>
         <p:spPr>
@@ -13602,12 +13878,12 @@
           </a:prstGeom>
         </p:spPr>
         <p:txBody>
-          <a:bodyPr anchorCtr="0" anchor="t" bIns="34275" lIns="68575" spcFirstLastPara="1" rIns="68575" wrap="square" tIns="34275">
+          <a:bodyPr spcFirstLastPara="1" wrap="square" lIns="68575" tIns="34275" rIns="68575" bIns="34275" anchor="t" anchorCtr="0">
             <a:noAutofit/>
           </a:bodyPr>
           <a:lstStyle/>
           <a:p>
-            <a:pPr indent="0" lvl="0" marL="0" rtl="0" algn="l">
+            <a:pPr marL="0" lvl="0" indent="0" algn="l" rtl="0">
               <a:spcBef>
                 <a:spcPts val="0"/>
               </a:spcBef>
@@ -13633,11 +13909,11 @@
 </file>
 
 <file path=ppt/slides/slide2.xml><?xml version="1.0" encoding="utf-8"?>
-<p:sld xmlns:a="http://schemas.openxmlformats.org/drawingml/2006/main" xmlns:r="http://schemas.openxmlformats.org/officeDocument/2006/relationships" xmlns:mc="http://schemas.openxmlformats.org/markup-compatibility/2006" xmlns:mv="urn:schemas-microsoft-com:mac:vml" xmlns:p="http://schemas.openxmlformats.org/presentationml/2006/main" xmlns:c="http://schemas.openxmlformats.org/drawingml/2006/chart" xmlns:dgm="http://schemas.openxmlformats.org/drawingml/2006/diagram" xmlns:o="urn:schemas-microsoft-com:office:office" xmlns:v="urn:schemas-microsoft-com:vml" xmlns:pvml="urn:schemas-microsoft-com:office:powerpoint" xmlns:com="http://schemas.openxmlformats.org/drawingml/2006/compatibility" xmlns:p14="http://schemas.microsoft.com/office/powerpoint/2010/main" xmlns:p15="http://schemas.microsoft.com/office/powerpoint/2012/main">
+<p:sld xmlns:a="http://schemas.openxmlformats.org/drawingml/2006/main" xmlns:r="http://schemas.openxmlformats.org/officeDocument/2006/relationships" xmlns:p="http://schemas.openxmlformats.org/presentationml/2006/main">
   <p:cSld>
     <p:spTree>
       <p:nvGrpSpPr>
-        <p:cNvPr id="86" name="Shape 86"/>
+        <p:cNvPr id="1" name="Shape 86"/>
         <p:cNvGrpSpPr/>
         <p:nvPr/>
       </p:nvGrpSpPr>
@@ -13652,9 +13928,11 @@
       <p:sp>
         <p:nvSpPr>
           <p:cNvPr id="87" name="Google Shape;87;p14"/>
-          <p:cNvSpPr txBox="1"/>
+          <p:cNvSpPr txBox="1">
+            <a:spLocks noGrp="1"/>
+          </p:cNvSpPr>
           <p:nvPr>
-            <p:ph idx="1" type="body"/>
+            <p:ph type="body" idx="1"/>
           </p:nvPr>
         </p:nvSpPr>
         <p:spPr>
@@ -13667,12 +13945,12 @@
           </a:prstGeom>
         </p:spPr>
         <p:txBody>
-          <a:bodyPr anchorCtr="0" anchor="t" bIns="34275" lIns="68575" spcFirstLastPara="1" rIns="68575" wrap="square" tIns="34275">
+          <a:bodyPr spcFirstLastPara="1" wrap="square" lIns="68575" tIns="34275" rIns="68575" bIns="34275" anchor="t" anchorCtr="0">
             <a:noAutofit/>
           </a:bodyPr>
           <a:lstStyle/>
           <a:p>
-            <a:pPr indent="0" lvl="0" marL="0" rtl="0" algn="l">
+            <a:pPr marL="0" lvl="0" indent="0" algn="l" rtl="0">
               <a:spcBef>
                 <a:spcPts val="1400"/>
               </a:spcBef>
@@ -13688,7 +13966,7 @@
             <a:endParaRPr/>
           </a:p>
           <a:p>
-            <a:pPr indent="0" lvl="0" marL="0" rtl="0" algn="l">
+            <a:pPr marL="0" lvl="0" indent="0" algn="l" rtl="0">
               <a:spcBef>
                 <a:spcPts val="1400"/>
               </a:spcBef>
@@ -13704,7 +13982,7 @@
             <a:endParaRPr/>
           </a:p>
           <a:p>
-            <a:pPr indent="0" lvl="0" marL="0" rtl="0" algn="l">
+            <a:pPr marL="0" lvl="0" indent="0" algn="l" rtl="0">
               <a:spcBef>
                 <a:spcPts val="1400"/>
               </a:spcBef>
@@ -13718,7 +13996,7 @@
               <a:t>In linux shells, the default stdin is </a:t>
             </a:r>
             <a:r>
-              <a:rPr b="1" lang="en">
+              <a:rPr lang="en" b="1">
                 <a:solidFill>
                   <a:schemeClr val="accent1"/>
                 </a:solidFill>
@@ -13726,7 +14004,7 @@
               <a:t>user’s keyboard</a:t>
             </a:r>
             <a:r>
-              <a:rPr b="1" lang="en">
+              <a:rPr lang="en" b="1">
                 <a:solidFill>
                   <a:schemeClr val="lt2"/>
                 </a:solidFill>
@@ -13742,7 +14020,7 @@
               <a:t>and default stdout and stderr is </a:t>
             </a:r>
             <a:r>
-              <a:rPr b="1" lang="en">
+              <a:rPr lang="en" b="1">
                 <a:solidFill>
                   <a:schemeClr val="accent1"/>
                 </a:solidFill>
@@ -13764,7 +14042,7 @@
             </a:endParaRPr>
           </a:p>
           <a:p>
-            <a:pPr indent="0" lvl="0" marL="0" rtl="0" algn="l">
+            <a:pPr marL="0" lvl="0" indent="0" algn="l" rtl="0">
               <a:spcBef>
                 <a:spcPts val="1400"/>
               </a:spcBef>
@@ -13782,7 +14060,7 @@
               <a:t>We can change this behaviour with </a:t>
             </a:r>
             <a:r>
-              <a:rPr b="1" lang="en">
+              <a:rPr lang="en" b="1">
                 <a:solidFill>
                   <a:schemeClr val="accent6"/>
                 </a:solidFill>
@@ -13798,7 +14076,7 @@
               <a:t> and </a:t>
             </a:r>
             <a:r>
-              <a:rPr b="1" lang="en">
+              <a:rPr lang="en" b="1">
                 <a:solidFill>
                   <a:schemeClr val="accent6"/>
                 </a:solidFill>
@@ -13820,7 +14098,7 @@
             </a:endParaRPr>
           </a:p>
           <a:p>
-            <a:pPr indent="0" lvl="0" marL="0" rtl="0" algn="l">
+            <a:pPr marL="0" lvl="0" indent="0" algn="l" rtl="0">
               <a:spcBef>
                 <a:spcPts val="1400"/>
               </a:spcBef>
@@ -13838,7 +14116,7 @@
               <a:t>In linux, text streams are treated like files, both files and text streams work with streams of data. The File Descriptor used to identify </a:t>
             </a:r>
             <a:r>
-              <a:rPr b="1" lang="en">
+              <a:rPr lang="en" b="1">
                 <a:solidFill>
                   <a:schemeClr val="accent1"/>
                 </a:solidFill>
@@ -13854,7 +14132,7 @@
               <a:t>, </a:t>
             </a:r>
             <a:r>
-              <a:rPr b="1" lang="en">
+              <a:rPr lang="en" b="1">
                 <a:solidFill>
                   <a:schemeClr val="accent6"/>
                 </a:solidFill>
@@ -13870,7 +14148,7 @@
               <a:t>, </a:t>
             </a:r>
             <a:r>
-              <a:rPr b="1" lang="en">
+              <a:rPr lang="en" b="1">
                 <a:solidFill>
                   <a:schemeClr val="accent3"/>
                 </a:solidFill>
@@ -13886,7 +14164,7 @@
               <a:t> are </a:t>
             </a:r>
             <a:r>
-              <a:rPr b="1" lang="en">
+              <a:rPr lang="en" b="1">
                 <a:solidFill>
                   <a:schemeClr val="accent1"/>
                 </a:solidFill>
@@ -13902,7 +14180,7 @@
               <a:t>, </a:t>
             </a:r>
             <a:r>
-              <a:rPr b="1" lang="en">
+              <a:rPr lang="en" b="1">
                 <a:solidFill>
                   <a:schemeClr val="accent6"/>
                 </a:solidFill>
@@ -13918,7 +14196,7 @@
               <a:t>, </a:t>
             </a:r>
             <a:r>
-              <a:rPr b="1" lang="en">
+              <a:rPr lang="en" b="1">
                 <a:solidFill>
                   <a:schemeClr val="accent3"/>
                 </a:solidFill>
@@ -13940,7 +14218,7 @@
             </a:endParaRPr>
           </a:p>
           <a:p>
-            <a:pPr indent="0" lvl="0" marL="0" rtl="0" algn="l">
+            <a:pPr marL="0" lvl="0" indent="0" algn="l" rtl="0">
               <a:spcBef>
                 <a:spcPts val="1400"/>
               </a:spcBef>
@@ -13958,7 +14236,7 @@
               <a:t>Some commands specify standard input with </a:t>
             </a:r>
             <a:r>
-              <a:rPr b="1" lang="en">
+              <a:rPr lang="en" b="1">
                 <a:solidFill>
                   <a:schemeClr val="accent1"/>
                 </a:solidFill>
@@ -13984,7 +14262,9 @@
       <p:sp>
         <p:nvSpPr>
           <p:cNvPr id="88" name="Google Shape;88;p14"/>
-          <p:cNvSpPr txBox="1"/>
+          <p:cNvSpPr txBox="1">
+            <a:spLocks noGrp="1"/>
+          </p:cNvSpPr>
           <p:nvPr>
             <p:ph type="title"/>
           </p:nvPr>
@@ -13999,12 +14279,12 @@
           </a:prstGeom>
         </p:spPr>
         <p:txBody>
-          <a:bodyPr anchorCtr="0" anchor="b" bIns="34275" lIns="68575" spcFirstLastPara="1" rIns="68575" wrap="square" tIns="34275">
+          <a:bodyPr spcFirstLastPara="1" wrap="square" lIns="68575" tIns="34275" rIns="68575" bIns="34275" anchor="b" anchorCtr="0">
             <a:noAutofit/>
           </a:bodyPr>
           <a:lstStyle/>
           <a:p>
-            <a:pPr indent="0" lvl="0" marL="0" rtl="0" algn="l">
+            <a:pPr marL="0" lvl="0" indent="0" algn="l" rtl="0">
               <a:spcBef>
                 <a:spcPts val="0"/>
               </a:spcBef>
@@ -14030,11 +14310,11 @@
 </file>
 
 <file path=ppt/slides/slide3.xml><?xml version="1.0" encoding="utf-8"?>
-<p:sld xmlns:a="http://schemas.openxmlformats.org/drawingml/2006/main" xmlns:r="http://schemas.openxmlformats.org/officeDocument/2006/relationships" xmlns:mc="http://schemas.openxmlformats.org/markup-compatibility/2006" xmlns:mv="urn:schemas-microsoft-com:mac:vml" xmlns:p="http://schemas.openxmlformats.org/presentationml/2006/main" xmlns:c="http://schemas.openxmlformats.org/drawingml/2006/chart" xmlns:dgm="http://schemas.openxmlformats.org/drawingml/2006/diagram" xmlns:o="urn:schemas-microsoft-com:office:office" xmlns:v="urn:schemas-microsoft-com:vml" xmlns:pvml="urn:schemas-microsoft-com:office:powerpoint" xmlns:com="http://schemas.openxmlformats.org/drawingml/2006/compatibility" xmlns:p14="http://schemas.microsoft.com/office/powerpoint/2010/main" xmlns:p15="http://schemas.microsoft.com/office/powerpoint/2012/main">
+<p:sld xmlns:a="http://schemas.openxmlformats.org/drawingml/2006/main" xmlns:r="http://schemas.openxmlformats.org/officeDocument/2006/relationships" xmlns:p="http://schemas.openxmlformats.org/presentationml/2006/main">
   <p:cSld>
     <p:spTree>
       <p:nvGrpSpPr>
-        <p:cNvPr id="92" name="Shape 92"/>
+        <p:cNvPr id="1" name="Shape 92"/>
         <p:cNvGrpSpPr/>
         <p:nvPr/>
       </p:nvGrpSpPr>
@@ -14064,8 +14344,20 @@
                 <a:tableStyleId>{B3B80944-3A13-4068-9B34-CBEDE818F93E}</a:tableStyleId>
               </a:tblPr>
               <a:tblGrid>
-                <a:gridCol w="3619500"/>
-                <a:gridCol w="3619500"/>
+                <a:gridCol w="3619500">
+                  <a:extLst>
+                    <a:ext uri="{9D8B030D-6E8A-4147-A177-3AD203B41FA5}">
+                      <a16:colId xmlns:a16="http://schemas.microsoft.com/office/drawing/2014/main" val="20000"/>
+                    </a:ext>
+                  </a:extLst>
+                </a:gridCol>
+                <a:gridCol w="3619500">
+                  <a:extLst>
+                    <a:ext uri="{9D8B030D-6E8A-4147-A177-3AD203B41FA5}">
+                      <a16:colId xmlns:a16="http://schemas.microsoft.com/office/drawing/2014/main" val="20001"/>
+                    </a:ext>
+                  </a:extLst>
+                </a:gridCol>
               </a:tblGrid>
               <a:tr h="381000">
                 <a:tc>
@@ -14073,7 +14365,7 @@
                     <a:bodyPr/>
                     <a:lstStyle/>
                     <a:p>
-                      <a:pPr indent="0" lvl="0" marL="0" rtl="0" algn="ctr">
+                      <a:pPr marL="0" lvl="0" indent="0" algn="ctr" rtl="0">
                         <a:spcBef>
                           <a:spcPts val="0"/>
                         </a:spcBef>
@@ -14097,14 +14389,14 @@
                       </a:endParaRPr>
                     </a:p>
                   </a:txBody>
-                  <a:tcPr marT="91425" marB="91425" marR="91425" marL="91425"/>
+                  <a:tcPr marL="91425" marR="91425" marT="91425" marB="91425"/>
                 </a:tc>
                 <a:tc>
                   <a:txBody>
                     <a:bodyPr/>
                     <a:lstStyle/>
                     <a:p>
-                      <a:pPr indent="0" lvl="0" marL="0" rtl="0" algn="ctr">
+                      <a:pPr marL="0" lvl="0" indent="0" algn="ctr" rtl="0">
                         <a:spcBef>
                           <a:spcPts val="0"/>
                         </a:spcBef>
@@ -14128,8 +14420,13 @@
                       </a:endParaRPr>
                     </a:p>
                   </a:txBody>
-                  <a:tcPr marT="91425" marB="91425" marR="91425" marL="91425"/>
+                  <a:tcPr marL="91425" marR="91425" marT="91425" marB="91425"/>
                 </a:tc>
+                <a:extLst>
+                  <a:ext uri="{0D108BD9-81ED-4DB2-BD59-A6C34878D82A}">
+                    <a16:rowId xmlns:a16="http://schemas.microsoft.com/office/drawing/2014/main" val="10000"/>
+                  </a:ext>
+                </a:extLst>
               </a:tr>
               <a:tr h="381000">
                 <a:tc>
@@ -14137,7 +14434,7 @@
                     <a:bodyPr/>
                     <a:lstStyle/>
                     <a:p>
-                      <a:pPr indent="0" lvl="0" marL="0" rtl="0" algn="ctr">
+                      <a:pPr marL="0" lvl="0" indent="0" algn="ctr" rtl="0">
                         <a:spcBef>
                           <a:spcPts val="0"/>
                         </a:spcBef>
@@ -14176,14 +14473,14 @@
                       </a:endParaRPr>
                     </a:p>
                   </a:txBody>
-                  <a:tcPr marT="91425" marB="91425" marR="91425" marL="91425"/>
+                  <a:tcPr marL="91425" marR="91425" marT="91425" marB="91425"/>
                 </a:tc>
                 <a:tc>
                   <a:txBody>
                     <a:bodyPr/>
                     <a:lstStyle/>
                     <a:p>
-                      <a:pPr indent="0" lvl="0" marL="0" rtl="0" algn="ctr">
+                      <a:pPr marL="0" lvl="0" indent="0" algn="ctr" rtl="0">
                         <a:spcBef>
                           <a:spcPts val="0"/>
                         </a:spcBef>
@@ -14206,7 +14503,7 @@
                         <a:t>Redirect the </a:t>
                       </a:r>
                       <a:r>
-                        <a:rPr b="1" lang="en">
+                        <a:rPr lang="en" b="1">
                           <a:solidFill>
                             <a:schemeClr val="accent6"/>
                           </a:solidFill>
@@ -14240,8 +14537,13 @@
                       <a:endParaRPr/>
                     </a:p>
                   </a:txBody>
-                  <a:tcPr marT="91425" marB="91425" marR="91425" marL="91425"/>
+                  <a:tcPr marL="91425" marR="91425" marT="91425" marB="91425"/>
                 </a:tc>
+                <a:extLst>
+                  <a:ext uri="{0D108BD9-81ED-4DB2-BD59-A6C34878D82A}">
+                    <a16:rowId xmlns:a16="http://schemas.microsoft.com/office/drawing/2014/main" val="10001"/>
+                  </a:ext>
+                </a:extLst>
               </a:tr>
               <a:tr h="544550">
                 <a:tc>
@@ -14249,7 +14551,7 @@
                     <a:bodyPr/>
                     <a:lstStyle/>
                     <a:p>
-                      <a:pPr indent="0" lvl="0" marL="0" rtl="0" algn="ctr">
+                      <a:pPr marL="0" lvl="0" indent="0" algn="ctr" rtl="0">
                         <a:spcBef>
                           <a:spcPts val="0"/>
                         </a:spcBef>
@@ -14274,14 +14576,14 @@
                       <a:endParaRPr/>
                     </a:p>
                   </a:txBody>
-                  <a:tcPr marT="91425" marB="91425" marR="91425" marL="91425"/>
+                  <a:tcPr marL="91425" marR="91425" marT="91425" marB="91425"/>
                 </a:tc>
                 <a:tc>
                   <a:txBody>
                     <a:bodyPr/>
                     <a:lstStyle/>
                     <a:p>
-                      <a:pPr indent="0" lvl="0" marL="0" rtl="0" algn="ctr">
+                      <a:pPr marL="0" lvl="0" indent="0" algn="ctr" rtl="0">
                         <a:spcBef>
                           <a:spcPts val="0"/>
                         </a:spcBef>
@@ -14304,7 +14606,7 @@
                         <a:t>Redirect the </a:t>
                       </a:r>
                       <a:r>
-                        <a:rPr b="1" lang="en">
+                        <a:rPr lang="en" b="1">
                           <a:solidFill>
                             <a:schemeClr val="accent6"/>
                           </a:solidFill>
@@ -14338,8 +14640,13 @@
                       <a:endParaRPr/>
                     </a:p>
                   </a:txBody>
-                  <a:tcPr marT="91425" marB="91425" marR="91425" marL="91425"/>
+                  <a:tcPr marL="91425" marR="91425" marT="91425" marB="91425"/>
                 </a:tc>
+                <a:extLst>
+                  <a:ext uri="{0D108BD9-81ED-4DB2-BD59-A6C34878D82A}">
+                    <a16:rowId xmlns:a16="http://schemas.microsoft.com/office/drawing/2014/main" val="10002"/>
+                  </a:ext>
+                </a:extLst>
               </a:tr>
               <a:tr h="381000">
                 <a:tc>
@@ -14347,7 +14654,7 @@
                     <a:bodyPr/>
                     <a:lstStyle/>
                     <a:p>
-                      <a:pPr indent="0" lvl="0" marL="0" rtl="0" algn="ctr">
+                      <a:pPr marL="0" lvl="0" indent="0" algn="ctr" rtl="0">
                         <a:spcBef>
                           <a:spcPts val="0"/>
                         </a:spcBef>
@@ -14376,14 +14683,14 @@
                       </a:endParaRPr>
                     </a:p>
                   </a:txBody>
-                  <a:tcPr marT="91425" marB="91425" marR="91425" marL="91425"/>
+                  <a:tcPr marL="91425" marR="91425" marT="91425" marB="91425"/>
                 </a:tc>
                 <a:tc>
                   <a:txBody>
                     <a:bodyPr/>
                     <a:lstStyle/>
                     <a:p>
-                      <a:pPr indent="0" lvl="0" marL="0" rtl="0" algn="ctr">
+                      <a:pPr marL="0" lvl="0" indent="0" algn="ctr" rtl="0">
                         <a:spcBef>
                           <a:spcPts val="0"/>
                         </a:spcBef>
@@ -14406,7 +14713,7 @@
                         <a:t>When used for </a:t>
                       </a:r>
                       <a:r>
-                        <a:rPr b="1" lang="en">
+                        <a:rPr lang="en" b="1">
                           <a:solidFill>
                             <a:schemeClr val="accent3"/>
                           </a:solidFill>
@@ -14419,18 +14726,10 @@
                             <a:schemeClr val="lt2"/>
                           </a:solidFill>
                         </a:rPr>
-                        <a:t>, redirects</a:t>
+                        <a:t>, redirects the </a:t>
                       </a:r>
                       <a:r>
-                        <a:rPr lang="en">
-                          <a:solidFill>
-                            <a:schemeClr val="lt2"/>
-                          </a:solidFill>
-                        </a:rPr>
-                        <a:t> the </a:t>
-                      </a:r>
-                      <a:r>
-                        <a:rPr b="1" lang="en">
+                        <a:rPr lang="en" b="1">
                           <a:solidFill>
                             <a:schemeClr val="accent6"/>
                           </a:solidFill>
@@ -14446,7 +14745,7 @@
                         <a:t> to the target of </a:t>
                       </a:r>
                       <a:r>
-                        <a:rPr b="1" lang="en">
+                        <a:rPr lang="en" b="1">
                           <a:solidFill>
                             <a:schemeClr val="accent1"/>
                           </a:solidFill>
@@ -14460,8 +14759,13 @@
                       </a:endParaRPr>
                     </a:p>
                   </a:txBody>
-                  <a:tcPr marT="91425" marB="91425" marR="91425" marL="91425"/>
+                  <a:tcPr marL="91425" marR="91425" marT="91425" marB="91425"/>
                 </a:tc>
+                <a:extLst>
+                  <a:ext uri="{0D108BD9-81ED-4DB2-BD59-A6C34878D82A}">
+                    <a16:rowId xmlns:a16="http://schemas.microsoft.com/office/drawing/2014/main" val="10003"/>
+                  </a:ext>
+                </a:extLst>
               </a:tr>
               <a:tr h="381000">
                 <a:tc>
@@ -14469,7 +14773,7 @@
                     <a:bodyPr/>
                     <a:lstStyle/>
                     <a:p>
-                      <a:pPr indent="0" lvl="0" marL="0" rtl="0" algn="ctr">
+                      <a:pPr marL="0" lvl="0" indent="0" algn="ctr" rtl="0">
                         <a:spcBef>
                           <a:spcPts val="0"/>
                         </a:spcBef>
@@ -14493,14 +14797,14 @@
                       </a:endParaRPr>
                     </a:p>
                   </a:txBody>
-                  <a:tcPr marT="91425" marB="91425" marR="91425" marL="91425"/>
+                  <a:tcPr marL="91425" marR="91425" marT="91425" marB="91425"/>
                 </a:tc>
                 <a:tc>
                   <a:txBody>
                     <a:bodyPr/>
                     <a:lstStyle/>
                     <a:p>
-                      <a:pPr indent="0" lvl="0" marL="0" rtl="0" algn="ctr">
+                      <a:pPr marL="0" lvl="0" indent="0" algn="ctr" rtl="0">
                         <a:spcBef>
                           <a:spcPts val="0"/>
                         </a:spcBef>
@@ -14523,7 +14827,7 @@
                         <a:t>Redirecting </a:t>
                       </a:r>
                       <a:r>
-                        <a:rPr b="1" lang="en">
+                        <a:rPr lang="en" b="1">
                           <a:solidFill>
                             <a:schemeClr val="accent6"/>
                           </a:solidFill>
@@ -14541,8 +14845,13 @@
                       <a:endParaRPr/>
                     </a:p>
                   </a:txBody>
-                  <a:tcPr marT="91425" marB="91425" marR="91425" marL="91425"/>
+                  <a:tcPr marL="91425" marR="91425" marT="91425" marB="91425"/>
                 </a:tc>
+                <a:extLst>
+                  <a:ext uri="{0D108BD9-81ED-4DB2-BD59-A6C34878D82A}">
+                    <a16:rowId xmlns:a16="http://schemas.microsoft.com/office/drawing/2014/main" val="10004"/>
+                  </a:ext>
+                </a:extLst>
               </a:tr>
             </a:tbl>
           </a:graphicData>
@@ -14551,7 +14860,9 @@
       <p:sp>
         <p:nvSpPr>
           <p:cNvPr id="94" name="Google Shape;94;p15"/>
-          <p:cNvSpPr txBox="1"/>
+          <p:cNvSpPr txBox="1">
+            <a:spLocks noGrp="1"/>
+          </p:cNvSpPr>
           <p:nvPr>
             <p:ph type="title"/>
           </p:nvPr>
@@ -14566,12 +14877,12 @@
           </a:prstGeom>
         </p:spPr>
         <p:txBody>
-          <a:bodyPr anchorCtr="0" anchor="b" bIns="34275" lIns="68575" spcFirstLastPara="1" rIns="68575" wrap="square" tIns="34275">
+          <a:bodyPr spcFirstLastPara="1" wrap="square" lIns="68575" tIns="34275" rIns="68575" bIns="34275" anchor="b" anchorCtr="0">
             <a:noAutofit/>
           </a:bodyPr>
           <a:lstStyle/>
           <a:p>
-            <a:pPr indent="0" lvl="0" marL="0" rtl="0" algn="l">
+            <a:pPr marL="0" lvl="0" indent="0" algn="l" rtl="0">
               <a:spcBef>
                 <a:spcPts val="0"/>
               </a:spcBef>
@@ -14597,11 +14908,11 @@
 </file>
 
 <file path=ppt/slides/slide4.xml><?xml version="1.0" encoding="utf-8"?>
-<p:sld xmlns:a="http://schemas.openxmlformats.org/drawingml/2006/main" xmlns:r="http://schemas.openxmlformats.org/officeDocument/2006/relationships" xmlns:mc="http://schemas.openxmlformats.org/markup-compatibility/2006" xmlns:mv="urn:schemas-microsoft-com:mac:vml" xmlns:p="http://schemas.openxmlformats.org/presentationml/2006/main" xmlns:c="http://schemas.openxmlformats.org/drawingml/2006/chart" xmlns:dgm="http://schemas.openxmlformats.org/drawingml/2006/diagram" xmlns:o="urn:schemas-microsoft-com:office:office" xmlns:v="urn:schemas-microsoft-com:vml" xmlns:pvml="urn:schemas-microsoft-com:office:powerpoint" xmlns:com="http://schemas.openxmlformats.org/drawingml/2006/compatibility" xmlns:p14="http://schemas.microsoft.com/office/powerpoint/2010/main" xmlns:p15="http://schemas.microsoft.com/office/powerpoint/2012/main">
+<p:sld xmlns:a="http://schemas.openxmlformats.org/drawingml/2006/main" xmlns:r="http://schemas.openxmlformats.org/officeDocument/2006/relationships" xmlns:p="http://schemas.openxmlformats.org/presentationml/2006/main">
   <p:cSld>
     <p:spTree>
       <p:nvGrpSpPr>
-        <p:cNvPr id="98" name="Shape 98"/>
+        <p:cNvPr id="1" name="Shape 98"/>
         <p:cNvGrpSpPr/>
         <p:nvPr/>
       </p:nvGrpSpPr>
@@ -14616,7 +14927,9 @@
       <p:sp>
         <p:nvSpPr>
           <p:cNvPr id="99" name="Google Shape;99;p16"/>
-          <p:cNvSpPr txBox="1"/>
+          <p:cNvSpPr txBox="1">
+            <a:spLocks noGrp="1"/>
+          </p:cNvSpPr>
           <p:nvPr>
             <p:ph type="title"/>
           </p:nvPr>
@@ -14631,12 +14944,12 @@
           </a:prstGeom>
         </p:spPr>
         <p:txBody>
-          <a:bodyPr anchorCtr="0" anchor="b" bIns="34275" lIns="68575" spcFirstLastPara="1" rIns="68575" wrap="square" tIns="34275">
+          <a:bodyPr spcFirstLastPara="1" wrap="square" lIns="68575" tIns="34275" rIns="68575" bIns="34275" anchor="b" anchorCtr="0">
             <a:noAutofit/>
           </a:bodyPr>
           <a:lstStyle/>
           <a:p>
-            <a:pPr indent="0" lvl="0" marL="0" rtl="0" algn="l">
+            <a:pPr marL="0" lvl="0" indent="0" algn="l" rtl="0">
               <a:lnSpc>
                 <a:spcPct val="100000"/>
               </a:lnSpc>
@@ -14659,9 +14972,11 @@
       <p:sp>
         <p:nvSpPr>
           <p:cNvPr id="100" name="Google Shape;100;p16"/>
-          <p:cNvSpPr txBox="1"/>
+          <p:cNvSpPr txBox="1">
+            <a:spLocks noGrp="1"/>
+          </p:cNvSpPr>
           <p:nvPr>
-            <p:ph idx="1" type="body"/>
+            <p:ph type="body" idx="1"/>
           </p:nvPr>
         </p:nvSpPr>
         <p:spPr>
@@ -14674,12 +14989,12 @@
           </a:prstGeom>
         </p:spPr>
         <p:txBody>
-          <a:bodyPr anchorCtr="0" anchor="t" bIns="34275" lIns="68575" spcFirstLastPara="1" rIns="68575" wrap="square" tIns="34275">
+          <a:bodyPr spcFirstLastPara="1" wrap="square" lIns="68575" tIns="34275" rIns="68575" bIns="34275" anchor="t" anchorCtr="0">
             <a:noAutofit/>
           </a:bodyPr>
           <a:lstStyle/>
           <a:p>
-            <a:pPr indent="0" lvl="0" marL="0" rtl="0" algn="l">
+            <a:pPr marL="0" lvl="0" indent="0" algn="l" rtl="0">
               <a:spcBef>
                 <a:spcPts val="1400"/>
               </a:spcBef>
@@ -14731,7 +15046,7 @@
             <a:endParaRPr/>
           </a:p>
           <a:p>
-            <a:pPr indent="0" lvl="0" marL="0" rtl="0" algn="l">
+            <a:pPr marL="0" lvl="0" indent="0" algn="l" rtl="0">
               <a:spcBef>
                 <a:spcPts val="1400"/>
               </a:spcBef>
@@ -14740,13 +15055,10 @@
               </a:spcAft>
               <a:buNone/>
             </a:pPr>
-            <a:r>
-              <a:t/>
-            </a:r>
             <a:endParaRPr/>
           </a:p>
           <a:p>
-            <a:pPr indent="0" lvl="0" marL="0" rtl="0" algn="l">
+            <a:pPr marL="0" lvl="0" indent="0" algn="l" rtl="0">
               <a:spcBef>
                 <a:spcPts val="1400"/>
               </a:spcBef>
@@ -14755,13 +15067,10 @@
               </a:spcAft>
               <a:buNone/>
             </a:pPr>
-            <a:r>
-              <a:t/>
-            </a:r>
             <a:endParaRPr/>
           </a:p>
           <a:p>
-            <a:pPr indent="0" lvl="0" marL="0" rtl="0" algn="l">
+            <a:pPr marL="0" lvl="0" indent="0" algn="l" rtl="0">
               <a:spcBef>
                 <a:spcPts val="1400"/>
               </a:spcBef>
@@ -14787,11 +15096,11 @@
 </file>
 
 <file path=ppt/slides/slide5.xml><?xml version="1.0" encoding="utf-8"?>
-<p:sld xmlns:a="http://schemas.openxmlformats.org/drawingml/2006/main" xmlns:r="http://schemas.openxmlformats.org/officeDocument/2006/relationships" xmlns:mc="http://schemas.openxmlformats.org/markup-compatibility/2006" xmlns:mv="urn:schemas-microsoft-com:mac:vml" xmlns:p="http://schemas.openxmlformats.org/presentationml/2006/main" xmlns:c="http://schemas.openxmlformats.org/drawingml/2006/chart" xmlns:dgm="http://schemas.openxmlformats.org/drawingml/2006/diagram" xmlns:o="urn:schemas-microsoft-com:office:office" xmlns:v="urn:schemas-microsoft-com:vml" xmlns:pvml="urn:schemas-microsoft-com:office:powerpoint" xmlns:com="http://schemas.openxmlformats.org/drawingml/2006/compatibility" xmlns:p14="http://schemas.microsoft.com/office/powerpoint/2010/main" xmlns:p15="http://schemas.microsoft.com/office/powerpoint/2012/main">
+<p:sld xmlns:a="http://schemas.openxmlformats.org/drawingml/2006/main" xmlns:r="http://schemas.openxmlformats.org/officeDocument/2006/relationships" xmlns:p="http://schemas.openxmlformats.org/presentationml/2006/main">
   <p:cSld>
     <p:spTree>
       <p:nvGrpSpPr>
-        <p:cNvPr id="104" name="Shape 104"/>
+        <p:cNvPr id="1" name="Shape 104"/>
         <p:cNvGrpSpPr/>
         <p:nvPr/>
       </p:nvGrpSpPr>
@@ -14806,7 +15115,9 @@
       <p:sp>
         <p:nvSpPr>
           <p:cNvPr id="105" name="Google Shape;105;p17"/>
-          <p:cNvSpPr txBox="1"/>
+          <p:cNvSpPr txBox="1">
+            <a:spLocks noGrp="1"/>
+          </p:cNvSpPr>
           <p:nvPr>
             <p:ph type="title"/>
           </p:nvPr>
@@ -14821,12 +15132,12 @@
           </a:prstGeom>
         </p:spPr>
         <p:txBody>
-          <a:bodyPr anchorCtr="0" anchor="b" bIns="34275" lIns="68575" spcFirstLastPara="1" rIns="68575" wrap="square" tIns="34275">
+          <a:bodyPr spcFirstLastPara="1" wrap="square" lIns="68575" tIns="34275" rIns="68575" bIns="34275" anchor="b" anchorCtr="0">
             <a:noAutofit/>
           </a:bodyPr>
           <a:lstStyle/>
           <a:p>
-            <a:pPr indent="0" lvl="0" marL="0" rtl="0" algn="l">
+            <a:pPr marL="0" lvl="0" indent="0" algn="l" rtl="0">
               <a:spcBef>
                 <a:spcPts val="0"/>
               </a:spcBef>
@@ -14837,15 +15148,7 @@
             </a:pPr>
             <a:r>
               <a:rPr lang="en"/>
-              <a:t>Useful text </a:t>
-            </a:r>
-            <a:r>
-              <a:rPr lang="en"/>
-              <a:t>manipulation</a:t>
-            </a:r>
-            <a:r>
-              <a:rPr lang="en"/>
-              <a:t> tools (grep)</a:t>
+              <a:t>Useful text manipulation tools (grep)</a:t>
             </a:r>
             <a:endParaRPr/>
           </a:p>
@@ -14854,9 +15157,11 @@
       <p:sp>
         <p:nvSpPr>
           <p:cNvPr id="106" name="Google Shape;106;p17"/>
-          <p:cNvSpPr txBox="1"/>
+          <p:cNvSpPr txBox="1">
+            <a:spLocks noGrp="1"/>
+          </p:cNvSpPr>
           <p:nvPr>
-            <p:ph idx="1" type="body"/>
+            <p:ph type="body" idx="1"/>
           </p:nvPr>
         </p:nvSpPr>
         <p:spPr>
@@ -14869,12 +15174,12 @@
           </a:prstGeom>
         </p:spPr>
         <p:txBody>
-          <a:bodyPr anchorCtr="0" anchor="t" bIns="34275" lIns="68575" spcFirstLastPara="1" rIns="68575" wrap="square" tIns="34275">
+          <a:bodyPr spcFirstLastPara="1" wrap="square" lIns="68575" tIns="34275" rIns="68575" bIns="34275" anchor="t" anchorCtr="0">
             <a:noAutofit/>
           </a:bodyPr>
           <a:lstStyle/>
           <a:p>
-            <a:pPr indent="0" lvl="0" marL="0" rtl="0" algn="l">
+            <a:pPr marL="0" lvl="0" indent="0" algn="l" rtl="0">
               <a:spcBef>
                 <a:spcPts val="1400"/>
               </a:spcBef>
@@ -14888,7 +15193,7 @@
               <a:t>Grep (general regular expression parser), is the best choice for pattern matching in linux. You can think of it as a </a:t>
             </a:r>
             <a:r>
-              <a:rPr b="1" lang="en" u="sng"/>
+              <a:rPr lang="en" b="1" u="sng"/>
               <a:t>useful search tool</a:t>
             </a:r>
             <a:r>
@@ -14898,7 +15203,7 @@
             <a:endParaRPr/>
           </a:p>
           <a:p>
-            <a:pPr indent="0" lvl="0" marL="0" rtl="0" algn="l">
+            <a:pPr marL="0" lvl="0" indent="0" algn="l" rtl="0">
               <a:spcBef>
                 <a:spcPts val="1400"/>
               </a:spcBef>
@@ -14924,15 +15229,7 @@
                   <a:schemeClr val="accent1"/>
                 </a:solidFill>
               </a:rPr>
-              <a:t>c</a:t>
-            </a:r>
-            <a:r>
-              <a:rPr lang="en">
-                <a:solidFill>
-                  <a:schemeClr val="accent1"/>
-                </a:solidFill>
-              </a:rPr>
-              <a:t>at /etc/passwd | grep /home</a:t>
+              <a:t>cat /etc/passwd | grep /home</a:t>
             </a:r>
             <a:endParaRPr>
               <a:solidFill>
@@ -14941,7 +15238,7 @@
             </a:endParaRPr>
           </a:p>
           <a:p>
-            <a:pPr indent="0" lvl="0" marL="0" rtl="0" algn="l">
+            <a:pPr marL="0" lvl="0" indent="0" algn="l" rtl="0">
               <a:spcBef>
                 <a:spcPts val="1400"/>
               </a:spcBef>
@@ -14957,7 +15254,7 @@
             <a:endParaRPr/>
           </a:p>
           <a:p>
-            <a:pPr indent="0" lvl="0" marL="0" rtl="0" algn="l">
+            <a:pPr marL="0" lvl="0" indent="0" algn="l" rtl="0">
               <a:spcBef>
                 <a:spcPts val="1400"/>
               </a:spcBef>
@@ -14966,9 +15263,6 @@
               </a:spcAft>
               <a:buNone/>
             </a:pPr>
-            <a:r>
-              <a:t/>
-            </a:r>
             <a:endParaRPr/>
           </a:p>
         </p:txBody>
@@ -14991,8 +15285,20 @@
                 <a:tableStyleId>{B3B80944-3A13-4068-9B34-CBEDE818F93E}</a:tableStyleId>
               </a:tblPr>
               <a:tblGrid>
-                <a:gridCol w="3047075"/>
-                <a:gridCol w="3047075"/>
+                <a:gridCol w="3047075">
+                  <a:extLst>
+                    <a:ext uri="{9D8B030D-6E8A-4147-A177-3AD203B41FA5}">
+                      <a16:colId xmlns:a16="http://schemas.microsoft.com/office/drawing/2014/main" val="20000"/>
+                    </a:ext>
+                  </a:extLst>
+                </a:gridCol>
+                <a:gridCol w="3047075">
+                  <a:extLst>
+                    <a:ext uri="{9D8B030D-6E8A-4147-A177-3AD203B41FA5}">
+                      <a16:colId xmlns:a16="http://schemas.microsoft.com/office/drawing/2014/main" val="20001"/>
+                    </a:ext>
+                  </a:extLst>
+                </a:gridCol>
               </a:tblGrid>
               <a:tr h="381000">
                 <a:tc>
@@ -15000,7 +15306,7 @@
                     <a:bodyPr/>
                     <a:lstStyle/>
                     <a:p>
-                      <a:pPr indent="0" lvl="0" marL="0" rtl="0" algn="ctr">
+                      <a:pPr marL="0" lvl="0" indent="0" algn="ctr" rtl="0">
                         <a:spcBef>
                           <a:spcPts val="0"/>
                         </a:spcBef>
@@ -15024,14 +15330,14 @@
                       </a:endParaRPr>
                     </a:p>
                   </a:txBody>
-                  <a:tcPr marT="91425" marB="91425" marR="91425" marL="91425"/>
+                  <a:tcPr marL="91425" marR="91425" marT="91425" marB="91425"/>
                 </a:tc>
                 <a:tc>
                   <a:txBody>
                     <a:bodyPr/>
                     <a:lstStyle/>
                     <a:p>
-                      <a:pPr indent="0" lvl="0" marL="0" rtl="0" algn="ctr">
+                      <a:pPr marL="0" lvl="0" indent="0" algn="ctr" rtl="0">
                         <a:spcBef>
                           <a:spcPts val="0"/>
                         </a:spcBef>
@@ -15046,15 +15352,7 @@
                             <a:schemeClr val="lt2"/>
                           </a:solidFill>
                         </a:rPr>
-                        <a:t>c</a:t>
-                      </a:r>
-                      <a:r>
-                        <a:rPr lang="en">
-                          <a:solidFill>
-                            <a:schemeClr val="lt2"/>
-                          </a:solidFill>
-                        </a:rPr>
-                        <a:t>ase insensitive search</a:t>
+                        <a:t>case insensitive search</a:t>
                       </a:r>
                       <a:endParaRPr>
                         <a:solidFill>
@@ -15063,8 +15361,13 @@
                       </a:endParaRPr>
                     </a:p>
                   </a:txBody>
-                  <a:tcPr marT="91425" marB="91425" marR="91425" marL="91425"/>
+                  <a:tcPr marL="91425" marR="91425" marT="91425" marB="91425"/>
                 </a:tc>
+                <a:extLst>
+                  <a:ext uri="{0D108BD9-81ED-4DB2-BD59-A6C34878D82A}">
+                    <a16:rowId xmlns:a16="http://schemas.microsoft.com/office/drawing/2014/main" val="10000"/>
+                  </a:ext>
+                </a:extLst>
               </a:tr>
               <a:tr h="381000">
                 <a:tc>
@@ -15072,7 +15375,7 @@
                     <a:bodyPr/>
                     <a:lstStyle/>
                     <a:p>
-                      <a:pPr indent="0" lvl="0" marL="0" rtl="0" algn="ctr">
+                      <a:pPr marL="0" lvl="0" indent="0" algn="ctr" rtl="0">
                         <a:spcBef>
                           <a:spcPts val="0"/>
                         </a:spcBef>
@@ -15092,14 +15395,14 @@
                       <a:endParaRPr/>
                     </a:p>
                   </a:txBody>
-                  <a:tcPr marT="91425" marB="91425" marR="91425" marL="91425"/>
+                  <a:tcPr marL="91425" marR="91425" marT="91425" marB="91425"/>
                 </a:tc>
                 <a:tc>
                   <a:txBody>
                     <a:bodyPr/>
                     <a:lstStyle/>
                     <a:p>
-                      <a:pPr indent="0" lvl="0" marL="0" rtl="0" algn="ctr">
+                      <a:pPr marL="0" lvl="0" indent="0" algn="ctr" rtl="0">
                         <a:spcBef>
                           <a:spcPts val="0"/>
                         </a:spcBef>
@@ -15114,21 +15417,18 @@
                             <a:schemeClr val="lt2"/>
                           </a:solidFill>
                         </a:rPr>
-                        <a:t>s</a:t>
-                      </a:r>
-                      <a:r>
-                        <a:rPr lang="en">
-                          <a:solidFill>
-                            <a:schemeClr val="lt2"/>
-                          </a:solidFill>
-                        </a:rPr>
-                        <a:t>earch recursively in files of a folder</a:t>
+                        <a:t>search recursively in files of a folder</a:t>
                       </a:r>
                       <a:endParaRPr/>
                     </a:p>
                   </a:txBody>
-                  <a:tcPr marT="91425" marB="91425" marR="91425" marL="91425"/>
+                  <a:tcPr marL="91425" marR="91425" marT="91425" marB="91425"/>
                 </a:tc>
+                <a:extLst>
+                  <a:ext uri="{0D108BD9-81ED-4DB2-BD59-A6C34878D82A}">
+                    <a16:rowId xmlns:a16="http://schemas.microsoft.com/office/drawing/2014/main" val="10001"/>
+                  </a:ext>
+                </a:extLst>
               </a:tr>
               <a:tr h="381000">
                 <a:tc>
@@ -15136,7 +15436,7 @@
                     <a:bodyPr/>
                     <a:lstStyle/>
                     <a:p>
-                      <a:pPr indent="0" lvl="0" marL="0" rtl="0" algn="ctr">
+                      <a:pPr marL="0" lvl="0" indent="0" algn="ctr" rtl="0">
                         <a:spcBef>
                           <a:spcPts val="0"/>
                         </a:spcBef>
@@ -15156,14 +15456,14 @@
                       <a:endParaRPr/>
                     </a:p>
                   </a:txBody>
-                  <a:tcPr marT="91425" marB="91425" marR="91425" marL="91425"/>
+                  <a:tcPr marL="91425" marR="91425" marT="91425" marB="91425"/>
                 </a:tc>
                 <a:tc>
                   <a:txBody>
                     <a:bodyPr/>
                     <a:lstStyle/>
                     <a:p>
-                      <a:pPr indent="0" lvl="0" marL="0" rtl="0" algn="ctr">
+                      <a:pPr marL="0" lvl="0" indent="0" algn="ctr" rtl="0">
                         <a:spcBef>
                           <a:spcPts val="0"/>
                         </a:spcBef>
@@ -15178,21 +15478,18 @@
                             <a:schemeClr val="lt2"/>
                           </a:solidFill>
                         </a:rPr>
-                        <a:t>p</a:t>
-                      </a:r>
-                      <a:r>
-                        <a:rPr lang="en" sz="1200">
-                          <a:solidFill>
-                            <a:schemeClr val="lt2"/>
-                          </a:solidFill>
-                        </a:rPr>
-                        <a:t>rints the ones that did not match pattern</a:t>
+                        <a:t>prints the ones that did not match pattern</a:t>
                       </a:r>
                       <a:endParaRPr sz="1200"/>
                     </a:p>
                   </a:txBody>
-                  <a:tcPr marT="91425" marB="91425" marR="91425" marL="91425"/>
+                  <a:tcPr marL="91425" marR="91425" marT="91425" marB="91425"/>
                 </a:tc>
+                <a:extLst>
+                  <a:ext uri="{0D108BD9-81ED-4DB2-BD59-A6C34878D82A}">
+                    <a16:rowId xmlns:a16="http://schemas.microsoft.com/office/drawing/2014/main" val="10002"/>
+                  </a:ext>
+                </a:extLst>
               </a:tr>
               <a:tr h="381000">
                 <a:tc>
@@ -15200,7 +15497,7 @@
                     <a:bodyPr/>
                     <a:lstStyle/>
                     <a:p>
-                      <a:pPr indent="0" lvl="0" marL="0" rtl="0" algn="ctr">
+                      <a:pPr marL="0" lvl="0" indent="0" algn="ctr" rtl="0">
                         <a:spcBef>
                           <a:spcPts val="0"/>
                         </a:spcBef>
@@ -15224,14 +15521,14 @@
                       </a:endParaRPr>
                     </a:p>
                   </a:txBody>
-                  <a:tcPr marT="91425" marB="91425" marR="91425" marL="91425"/>
+                  <a:tcPr marL="91425" marR="91425" marT="91425" marB="91425"/>
                 </a:tc>
                 <a:tc>
                   <a:txBody>
                     <a:bodyPr/>
                     <a:lstStyle/>
                     <a:p>
-                      <a:pPr indent="0" lvl="0" marL="0" rtl="0" algn="ctr">
+                      <a:pPr marL="0" lvl="0" indent="0" algn="ctr" rtl="0">
                         <a:spcBef>
                           <a:spcPts val="0"/>
                         </a:spcBef>
@@ -15246,15 +15543,7 @@
                             <a:schemeClr val="lt2"/>
                           </a:solidFill>
                         </a:rPr>
-                        <a:t>s</a:t>
-                      </a:r>
-                      <a:r>
-                        <a:rPr lang="en">
-                          <a:solidFill>
-                            <a:schemeClr val="lt2"/>
-                          </a:solidFill>
-                        </a:rPr>
-                        <a:t>pecify an expression</a:t>
+                        <a:t>specify an expression</a:t>
                       </a:r>
                       <a:endParaRPr sz="1200">
                         <a:solidFill>
@@ -15263,8 +15552,13 @@
                       </a:endParaRPr>
                     </a:p>
                   </a:txBody>
-                  <a:tcPr marT="91425" marB="91425" marR="91425" marL="91425"/>
+                  <a:tcPr marL="91425" marR="91425" marT="91425" marB="91425"/>
                 </a:tc>
+                <a:extLst>
+                  <a:ext uri="{0D108BD9-81ED-4DB2-BD59-A6C34878D82A}">
+                    <a16:rowId xmlns:a16="http://schemas.microsoft.com/office/drawing/2014/main" val="10003"/>
+                  </a:ext>
+                </a:extLst>
               </a:tr>
             </a:tbl>
           </a:graphicData>
@@ -15279,11 +15573,11 @@
 </file>
 
 <file path=ppt/slides/slide6.xml><?xml version="1.0" encoding="utf-8"?>
-<p:sld xmlns:a="http://schemas.openxmlformats.org/drawingml/2006/main" xmlns:r="http://schemas.openxmlformats.org/officeDocument/2006/relationships" xmlns:mc="http://schemas.openxmlformats.org/markup-compatibility/2006" xmlns:mv="urn:schemas-microsoft-com:mac:vml" xmlns:p="http://schemas.openxmlformats.org/presentationml/2006/main" xmlns:c="http://schemas.openxmlformats.org/drawingml/2006/chart" xmlns:dgm="http://schemas.openxmlformats.org/drawingml/2006/diagram" xmlns:o="urn:schemas-microsoft-com:office:office" xmlns:v="urn:schemas-microsoft-com:vml" xmlns:pvml="urn:schemas-microsoft-com:office:powerpoint" xmlns:com="http://schemas.openxmlformats.org/drawingml/2006/compatibility" xmlns:p14="http://schemas.microsoft.com/office/powerpoint/2010/main" xmlns:p15="http://schemas.microsoft.com/office/powerpoint/2012/main">
+<p:sld xmlns:a="http://schemas.openxmlformats.org/drawingml/2006/main" xmlns:r="http://schemas.openxmlformats.org/officeDocument/2006/relationships" xmlns:p="http://schemas.openxmlformats.org/presentationml/2006/main">
   <p:cSld>
     <p:spTree>
       <p:nvGrpSpPr>
-        <p:cNvPr id="111" name="Shape 111"/>
+        <p:cNvPr id="1" name="Shape 111"/>
         <p:cNvGrpSpPr/>
         <p:nvPr/>
       </p:nvGrpSpPr>
@@ -15298,7 +15592,9 @@
       <p:sp>
         <p:nvSpPr>
           <p:cNvPr id="112" name="Google Shape;112;p18"/>
-          <p:cNvSpPr txBox="1"/>
+          <p:cNvSpPr txBox="1">
+            <a:spLocks noGrp="1"/>
+          </p:cNvSpPr>
           <p:nvPr>
             <p:ph type="title"/>
           </p:nvPr>
@@ -15313,12 +15609,12 @@
           </a:prstGeom>
         </p:spPr>
         <p:txBody>
-          <a:bodyPr anchorCtr="0" anchor="b" bIns="34275" lIns="68575" spcFirstLastPara="1" rIns="68575" wrap="square" tIns="34275">
+          <a:bodyPr spcFirstLastPara="1" wrap="square" lIns="68575" tIns="34275" rIns="68575" bIns="34275" anchor="b" anchorCtr="0">
             <a:noAutofit/>
           </a:bodyPr>
           <a:lstStyle/>
           <a:p>
-            <a:pPr indent="0" lvl="0" marL="0" rtl="0" algn="l">
+            <a:pPr marL="0" lvl="0" indent="0" algn="l" rtl="0">
               <a:lnSpc>
                 <a:spcPct val="100000"/>
               </a:lnSpc>
@@ -15341,9 +15637,11 @@
       <p:sp>
         <p:nvSpPr>
           <p:cNvPr id="113" name="Google Shape;113;p18"/>
-          <p:cNvSpPr txBox="1"/>
+          <p:cNvSpPr txBox="1">
+            <a:spLocks noGrp="1"/>
+          </p:cNvSpPr>
           <p:nvPr>
-            <p:ph idx="1" type="body"/>
+            <p:ph type="body" idx="1"/>
           </p:nvPr>
         </p:nvSpPr>
         <p:spPr>
@@ -15356,12 +15654,12 @@
           </a:prstGeom>
         </p:spPr>
         <p:txBody>
-          <a:bodyPr anchorCtr="0" anchor="t" bIns="34275" lIns="68575" spcFirstLastPara="1" rIns="68575" wrap="square" tIns="34275">
+          <a:bodyPr spcFirstLastPara="1" wrap="square" lIns="68575" tIns="34275" rIns="68575" bIns="34275" anchor="t" anchorCtr="0">
             <a:noAutofit/>
           </a:bodyPr>
           <a:lstStyle/>
           <a:p>
-            <a:pPr indent="0" lvl="0" marL="0" rtl="0" algn="l">
+            <a:pPr marL="0" lvl="0" indent="0" algn="l" rtl="0">
               <a:spcBef>
                 <a:spcPts val="1400"/>
               </a:spcBef>
@@ -15389,7 +15687,7 @@
             <a:endParaRPr/>
           </a:p>
           <a:p>
-            <a:pPr indent="0" lvl="0" marL="0" rtl="0" algn="l">
+            <a:pPr marL="0" lvl="0" indent="0" algn="l" rtl="0">
               <a:spcBef>
                 <a:spcPts val="1400"/>
               </a:spcBef>
@@ -15403,7 +15701,7 @@
               <a:t>Syntax: </a:t>
             </a:r>
             <a:r>
-              <a:rPr i="1" lang="en">
+              <a:rPr lang="en" i="1">
                 <a:solidFill>
                   <a:schemeClr val="accent6"/>
                 </a:solidFill>
@@ -15417,7 +15715,7 @@
             </a:endParaRPr>
           </a:p>
           <a:p>
-            <a:pPr indent="0" lvl="0" marL="0" rtl="0" algn="l">
+            <a:pPr marL="0" lvl="0" indent="0" algn="l" rtl="0">
               <a:spcBef>
                 <a:spcPts val="1400"/>
               </a:spcBef>
@@ -15433,7 +15731,7 @@
             <a:endParaRPr/>
           </a:p>
           <a:p>
-            <a:pPr indent="-317500" lvl="0" marL="457200" rtl="0" algn="l">
+            <a:pPr marL="457200" lvl="0" indent="-317500" algn="l" rtl="0">
               <a:spcBef>
                 <a:spcPts val="1400"/>
               </a:spcBef>
@@ -15450,7 +15748,7 @@
             <a:endParaRPr/>
           </a:p>
           <a:p>
-            <a:pPr indent="-317500" lvl="0" marL="457200" rtl="0" algn="l">
+            <a:pPr marL="457200" lvl="0" indent="-317500" algn="l" rtl="0">
               <a:spcBef>
                 <a:spcPts val="0"/>
               </a:spcBef>
@@ -15471,7 +15769,7 @@
             <a:endParaRPr sz="1400"/>
           </a:p>
           <a:p>
-            <a:pPr indent="-317500" lvl="0" marL="457200" rtl="0" algn="l">
+            <a:pPr marL="457200" lvl="0" indent="-317500" algn="l" rtl="0">
               <a:spcBef>
                 <a:spcPts val="0"/>
               </a:spcBef>
@@ -15492,7 +15790,7 @@
             <a:endParaRPr/>
           </a:p>
           <a:p>
-            <a:pPr indent="0" lvl="0" marL="0" rtl="0" algn="l">
+            <a:pPr marL="0" lvl="0" indent="0" algn="l" rtl="0">
               <a:spcBef>
                 <a:spcPts val="1400"/>
               </a:spcBef>
@@ -15506,7 +15804,7 @@
               <a:t>You can also specify the field delimiter with </a:t>
             </a:r>
             <a:r>
-              <a:rPr b="1" lang="en">
+              <a:rPr lang="en" b="1">
                 <a:solidFill>
                   <a:schemeClr val="accent1"/>
                 </a:solidFill>
@@ -15520,7 +15818,7 @@
             <a:endParaRPr/>
           </a:p>
           <a:p>
-            <a:pPr indent="0" lvl="0" marL="0" rtl="0" algn="l">
+            <a:pPr marL="0" lvl="0" indent="0" algn="l" rtl="0">
               <a:spcBef>
                 <a:spcPts val="1400"/>
               </a:spcBef>
@@ -15534,7 +15832,7 @@
               <a:t>Note that default delimiter for cut command is </a:t>
             </a:r>
             <a:r>
-              <a:rPr b="1" lang="en">
+              <a:rPr lang="en" b="1">
                 <a:solidFill>
                   <a:schemeClr val="accent1"/>
                 </a:solidFill>
@@ -15548,7 +15846,7 @@
             <a:endParaRPr/>
           </a:p>
           <a:p>
-            <a:pPr indent="0" lvl="0" marL="0" rtl="0" algn="l">
+            <a:pPr marL="0" lvl="0" indent="0" algn="l" rtl="0">
               <a:spcBef>
                 <a:spcPts val="1400"/>
               </a:spcBef>
@@ -15558,7 +15856,7 @@
               <a:buNone/>
             </a:pPr>
             <a:r>
-              <a:rPr b="1" lang="en" sz="1400">
+              <a:rPr lang="en" sz="1400" b="1">
                 <a:solidFill>
                   <a:schemeClr val="accent1"/>
                 </a:solidFill>
@@ -15594,11 +15892,11 @@
 </file>
 
 <file path=ppt/slides/slide7.xml><?xml version="1.0" encoding="utf-8"?>
-<p:sld xmlns:a="http://schemas.openxmlformats.org/drawingml/2006/main" xmlns:r="http://schemas.openxmlformats.org/officeDocument/2006/relationships" xmlns:mc="http://schemas.openxmlformats.org/markup-compatibility/2006" xmlns:mv="urn:schemas-microsoft-com:mac:vml" xmlns:p="http://schemas.openxmlformats.org/presentationml/2006/main" xmlns:c="http://schemas.openxmlformats.org/drawingml/2006/chart" xmlns:dgm="http://schemas.openxmlformats.org/drawingml/2006/diagram" xmlns:o="urn:schemas-microsoft-com:office:office" xmlns:v="urn:schemas-microsoft-com:vml" xmlns:pvml="urn:schemas-microsoft-com:office:powerpoint" xmlns:com="http://schemas.openxmlformats.org/drawingml/2006/compatibility" xmlns:p14="http://schemas.microsoft.com/office/powerpoint/2010/main" xmlns:p15="http://schemas.microsoft.com/office/powerpoint/2012/main">
+<p:sld xmlns:a="http://schemas.openxmlformats.org/drawingml/2006/main" xmlns:r="http://schemas.openxmlformats.org/officeDocument/2006/relationships" xmlns:p="http://schemas.openxmlformats.org/presentationml/2006/main">
   <p:cSld>
     <p:spTree>
       <p:nvGrpSpPr>
-        <p:cNvPr id="117" name="Shape 117"/>
+        <p:cNvPr id="1" name="Shape 117"/>
         <p:cNvGrpSpPr/>
         <p:nvPr/>
       </p:nvGrpSpPr>
@@ -15613,7 +15911,9 @@
       <p:sp>
         <p:nvSpPr>
           <p:cNvPr id="118" name="Google Shape;118;p19"/>
-          <p:cNvSpPr txBox="1"/>
+          <p:cNvSpPr txBox="1">
+            <a:spLocks noGrp="1"/>
+          </p:cNvSpPr>
           <p:nvPr>
             <p:ph type="title"/>
           </p:nvPr>
@@ -15628,12 +15928,12 @@
           </a:prstGeom>
         </p:spPr>
         <p:txBody>
-          <a:bodyPr anchorCtr="0" anchor="b" bIns="34275" lIns="68575" spcFirstLastPara="1" rIns="68575" wrap="square" tIns="34275">
+          <a:bodyPr spcFirstLastPara="1" wrap="square" lIns="68575" tIns="34275" rIns="68575" bIns="34275" anchor="b" anchorCtr="0">
             <a:noAutofit/>
           </a:bodyPr>
           <a:lstStyle/>
           <a:p>
-            <a:pPr indent="0" lvl="0" marL="0" rtl="0" algn="l">
+            <a:pPr marL="0" lvl="0" indent="0" algn="l" rtl="0">
               <a:lnSpc>
                 <a:spcPct val="100000"/>
               </a:lnSpc>
@@ -15669,9 +15969,11 @@
       <p:sp>
         <p:nvSpPr>
           <p:cNvPr id="119" name="Google Shape;119;p19"/>
-          <p:cNvSpPr txBox="1"/>
+          <p:cNvSpPr txBox="1">
+            <a:spLocks noGrp="1"/>
+          </p:cNvSpPr>
           <p:nvPr>
-            <p:ph idx="1" type="body"/>
+            <p:ph type="body" idx="1"/>
           </p:nvPr>
         </p:nvSpPr>
         <p:spPr>
@@ -15684,12 +15986,12 @@
           </a:prstGeom>
         </p:spPr>
         <p:txBody>
-          <a:bodyPr anchorCtr="0" anchor="t" bIns="34275" lIns="68575" spcFirstLastPara="1" rIns="68575" wrap="square" tIns="34275">
+          <a:bodyPr spcFirstLastPara="1" wrap="square" lIns="68575" tIns="34275" rIns="68575" bIns="34275" anchor="t" anchorCtr="0">
             <a:noAutofit/>
           </a:bodyPr>
           <a:lstStyle/>
           <a:p>
-            <a:pPr indent="0" lvl="0" marL="0" rtl="0" algn="l">
+            <a:pPr marL="0" lvl="0" indent="0" algn="l" rtl="0">
               <a:spcBef>
                 <a:spcPts val="1400"/>
               </a:spcBef>
@@ -15715,7 +16017,7 @@
               <a:t> command is a simple </a:t>
             </a:r>
             <a:r>
-              <a:rPr b="1" lang="en" u="sng"/>
+              <a:rPr lang="en" b="1" u="sng"/>
               <a:t>scriptable editor</a:t>
             </a:r>
             <a:r>
@@ -15723,7 +16025,7 @@
               <a:t>, so it can perform only simple edits, such as removing lines that have text matching a certain pattern, replacing one pattern of characters with another, and so on. </a:t>
             </a:r>
             <a:r>
-              <a:rPr b="1" lang="en">
+              <a:rPr lang="en" b="1">
                 <a:solidFill>
                   <a:schemeClr val="accent3"/>
                 </a:solidFill>
@@ -15737,7 +16039,7 @@
             <a:endParaRPr/>
           </a:p>
           <a:p>
-            <a:pPr indent="0" lvl="0" marL="0" rtl="0" algn="l">
+            <a:pPr marL="0" lvl="0" indent="0" algn="l" rtl="0">
               <a:spcBef>
                 <a:spcPts val="1400"/>
               </a:spcBef>
@@ -15765,7 +16067,7 @@
             </a:endParaRPr>
           </a:p>
           <a:p>
-            <a:pPr indent="0" lvl="0" marL="0" rtl="0" algn="l">
+            <a:pPr marL="0" lvl="0" indent="0" algn="l" rtl="0">
               <a:spcBef>
                 <a:spcPts val="1400"/>
               </a:spcBef>
@@ -15779,7 +16081,7 @@
               <a:t>To suppress printing of the pattern being processed, use </a:t>
             </a:r>
             <a:r>
-              <a:rPr b="1" lang="en">
+              <a:rPr lang="en" b="1">
                 <a:solidFill>
                   <a:schemeClr val="accent1"/>
                 </a:solidFill>
@@ -15793,7 +16095,7 @@
             <a:endParaRPr/>
           </a:p>
           <a:p>
-            <a:pPr indent="0" lvl="0" marL="0" rtl="0" algn="l">
+            <a:pPr marL="0" lvl="0" indent="0" algn="l" rtl="0">
               <a:spcBef>
                 <a:spcPts val="1400"/>
               </a:spcBef>
@@ -15869,7 +16171,7 @@
             <a:endParaRPr/>
           </a:p>
           <a:p>
-            <a:pPr indent="0" lvl="0" marL="0" rtl="0" algn="l">
+            <a:pPr marL="0" lvl="0" indent="0" algn="l" rtl="0">
               <a:spcBef>
                 <a:spcPts val="1400"/>
               </a:spcBef>
@@ -15885,7 +16187,7 @@
             <a:endParaRPr/>
           </a:p>
           <a:p>
-            <a:pPr indent="0" lvl="0" marL="0" rtl="0" algn="l">
+            <a:pPr marL="0" lvl="0" indent="0" algn="l" rtl="0">
               <a:spcBef>
                 <a:spcPts val="1400"/>
               </a:spcBef>
@@ -15911,20 +16213,12 @@
                   <a:schemeClr val="accent1"/>
                 </a:solidFill>
               </a:rPr>
-              <a:t>s</a:t>
-            </a:r>
-            <a:r>
-              <a:rPr lang="en">
-                <a:solidFill>
-                  <a:schemeClr val="accent1"/>
-                </a:solidFill>
-              </a:rPr>
-              <a:t>ed -n ‘s/mac/linux/gip’ file.txt</a:t>
+              <a:t>sed -n ‘s/mac/linux/gip’ file.txt</a:t>
             </a:r>
             <a:endParaRPr/>
           </a:p>
           <a:p>
-            <a:pPr indent="0" lvl="0" marL="0" rtl="0" algn="l">
+            <a:pPr marL="0" lvl="0" indent="0" algn="l" rtl="0">
               <a:spcBef>
                 <a:spcPts val="1400"/>
               </a:spcBef>
@@ -15933,9 +16227,6 @@
               </a:spcAft>
               <a:buNone/>
             </a:pPr>
-            <a:r>
-              <a:t/>
-            </a:r>
             <a:endParaRPr/>
           </a:p>
         </p:txBody>
@@ -15949,11 +16240,11 @@
 </file>
 
 <file path=ppt/slides/slide8.xml><?xml version="1.0" encoding="utf-8"?>
-<p:sld xmlns:a="http://schemas.openxmlformats.org/drawingml/2006/main" xmlns:r="http://schemas.openxmlformats.org/officeDocument/2006/relationships" xmlns:mc="http://schemas.openxmlformats.org/markup-compatibility/2006" xmlns:mv="urn:schemas-microsoft-com:mac:vml" xmlns:p="http://schemas.openxmlformats.org/presentationml/2006/main" xmlns:c="http://schemas.openxmlformats.org/drawingml/2006/chart" xmlns:dgm="http://schemas.openxmlformats.org/drawingml/2006/diagram" xmlns:o="urn:schemas-microsoft-com:office:office" xmlns:v="urn:schemas-microsoft-com:vml" xmlns:pvml="urn:schemas-microsoft-com:office:powerpoint" xmlns:com="http://schemas.openxmlformats.org/drawingml/2006/compatibility" xmlns:p14="http://schemas.microsoft.com/office/powerpoint/2010/main" xmlns:p15="http://schemas.microsoft.com/office/powerpoint/2012/main">
+<p:sld xmlns:a="http://schemas.openxmlformats.org/drawingml/2006/main" xmlns:r="http://schemas.openxmlformats.org/officeDocument/2006/relationships" xmlns:p="http://schemas.openxmlformats.org/presentationml/2006/main">
   <p:cSld>
     <p:spTree>
       <p:nvGrpSpPr>
-        <p:cNvPr id="123" name="Shape 123"/>
+        <p:cNvPr id="1" name="Shape 123"/>
         <p:cNvGrpSpPr/>
         <p:nvPr/>
       </p:nvGrpSpPr>
@@ -15968,7 +16259,9 @@
       <p:sp>
         <p:nvSpPr>
           <p:cNvPr id="124" name="Google Shape;124;p20"/>
-          <p:cNvSpPr txBox="1"/>
+          <p:cNvSpPr txBox="1">
+            <a:spLocks noGrp="1"/>
+          </p:cNvSpPr>
           <p:nvPr>
             <p:ph type="title"/>
           </p:nvPr>
@@ -15983,12 +16276,12 @@
           </a:prstGeom>
         </p:spPr>
         <p:txBody>
-          <a:bodyPr anchorCtr="0" anchor="b" bIns="34275" lIns="68575" spcFirstLastPara="1" rIns="68575" wrap="square" tIns="34275">
+          <a:bodyPr spcFirstLastPara="1" wrap="square" lIns="68575" tIns="34275" rIns="68575" bIns="34275" anchor="b" anchorCtr="0">
             <a:noAutofit/>
           </a:bodyPr>
           <a:lstStyle/>
           <a:p>
-            <a:pPr indent="0" lvl="0" marL="0" rtl="0" algn="l">
+            <a:pPr marL="0" lvl="0" indent="0" algn="l" rtl="0">
               <a:lnSpc>
                 <a:spcPct val="100000"/>
               </a:lnSpc>
@@ -16011,9 +16304,11 @@
       <p:sp>
         <p:nvSpPr>
           <p:cNvPr id="125" name="Google Shape;125;p20"/>
-          <p:cNvSpPr txBox="1"/>
+          <p:cNvSpPr txBox="1">
+            <a:spLocks noGrp="1"/>
+          </p:cNvSpPr>
           <p:nvPr>
-            <p:ph idx="1" type="body"/>
+            <p:ph type="body" idx="1"/>
           </p:nvPr>
         </p:nvSpPr>
         <p:spPr>
@@ -16026,12 +16321,12 @@
           </a:prstGeom>
         </p:spPr>
         <p:txBody>
-          <a:bodyPr anchorCtr="0" anchor="t" bIns="34275" lIns="68575" spcFirstLastPara="1" rIns="68575" wrap="square" tIns="34275">
+          <a:bodyPr spcFirstLastPara="1" wrap="square" lIns="68575" tIns="34275" rIns="68575" bIns="34275" anchor="t" anchorCtr="0">
             <a:noAutofit/>
           </a:bodyPr>
           <a:lstStyle/>
           <a:p>
-            <a:pPr indent="0" lvl="0" marL="0" rtl="0" algn="l">
+            <a:pPr marL="0" lvl="0" indent="0" algn="l" rtl="0">
               <a:spcBef>
                 <a:spcPts val="1400"/>
               </a:spcBef>
@@ -16047,7 +16342,7 @@
             <a:endParaRPr/>
           </a:p>
           <a:p>
-            <a:pPr indent="0" lvl="0" marL="0" rtl="0" algn="l">
+            <a:pPr marL="0" lvl="0" indent="0" algn="l" rtl="0">
               <a:spcBef>
                 <a:spcPts val="1400"/>
               </a:spcBef>
@@ -16075,7 +16370,7 @@
             </a:endParaRPr>
           </a:p>
           <a:p>
-            <a:pPr indent="0" lvl="0" marL="0" rtl="0" algn="l">
+            <a:pPr marL="0" lvl="0" indent="0" algn="l" rtl="0">
               <a:spcBef>
                 <a:spcPts val="1400"/>
               </a:spcBef>
@@ -16103,7 +16398,7 @@
             </a:endParaRPr>
           </a:p>
           <a:p>
-            <a:pPr indent="0" lvl="0" marL="0" rtl="0" algn="l">
+            <a:pPr marL="0" lvl="0" indent="0" algn="l" rtl="0">
               <a:spcBef>
                 <a:spcPts val="1400"/>
               </a:spcBef>
@@ -16131,7 +16426,7 @@
             <a:endParaRPr/>
           </a:p>
           <a:p>
-            <a:pPr indent="0" lvl="0" marL="0" rtl="0" algn="l">
+            <a:pPr marL="0" lvl="0" indent="0" algn="l" rtl="0">
               <a:spcBef>
                 <a:spcPts val="1400"/>
               </a:spcBef>
@@ -16159,7 +16454,7 @@
             <a:endParaRPr/>
           </a:p>
           <a:p>
-            <a:pPr indent="0" lvl="0" marL="0" rtl="0" algn="l">
+            <a:pPr marL="0" lvl="0" indent="0" algn="l" rtl="0">
               <a:spcBef>
                 <a:spcPts val="1400"/>
               </a:spcBef>
@@ -16227,7 +16522,7 @@
             <a:endParaRPr/>
           </a:p>
           <a:p>
-            <a:pPr indent="0" lvl="0" marL="0" rtl="0" algn="l">
+            <a:pPr marL="0" lvl="0" indent="0" algn="l" rtl="0">
               <a:spcBef>
                 <a:spcPts val="1400"/>
               </a:spcBef>
@@ -16272,7 +16567,288 @@
 </file>
 
 <file path=ppt/theme/theme1.xml><?xml version="1.0" encoding="utf-8"?>
-<a:theme xmlns:a="http://schemas.openxmlformats.org/drawingml/2006/main" xmlns:r="http://schemas.openxmlformats.org/officeDocument/2006/relationships">
+<a:theme xmlns:a="http://schemas.openxmlformats.org/drawingml/2006/main" name="Tech Computer 16x9">
+  <a:themeElements>
+    <a:clrScheme name="TechComputer">
+      <a:dk1>
+        <a:srgbClr val="000000"/>
+      </a:dk1>
+      <a:lt1>
+        <a:srgbClr val="FFFFFF"/>
+      </a:lt1>
+      <a:dk2>
+        <a:srgbClr val="4D4D4D"/>
+      </a:dk2>
+      <a:lt2>
+        <a:srgbClr val="DDDDDD"/>
+      </a:lt2>
+      <a:accent1>
+        <a:srgbClr val="92D050"/>
+      </a:accent1>
+      <a:accent2>
+        <a:srgbClr val="F7C331"/>
+      </a:accent2>
+      <a:accent3>
+        <a:srgbClr val="47B8C7"/>
+      </a:accent3>
+      <a:accent4>
+        <a:srgbClr val="B074BA"/>
+      </a:accent4>
+      <a:accent5>
+        <a:srgbClr val="F34D47"/>
+      </a:accent5>
+      <a:accent6>
+        <a:srgbClr val="FA8F30"/>
+      </a:accent6>
+      <a:hlink>
+        <a:srgbClr val="47B8C7"/>
+      </a:hlink>
+      <a:folHlink>
+        <a:srgbClr val="969696"/>
+      </a:folHlink>
+    </a:clrScheme>
+    <a:fontScheme name="Office">
+      <a:majorFont>
+        <a:latin typeface="Arial"/>
+        <a:ea typeface=""/>
+        <a:cs typeface=""/>
+        <a:font script="Jpan" typeface="ＭＳ Ｐゴシック"/>
+        <a:font script="Hang" typeface="맑은 고딕"/>
+        <a:font script="Hans" typeface="宋体"/>
+        <a:font script="Hant" typeface="新細明體"/>
+        <a:font script="Arab" typeface="Times New Roman"/>
+        <a:font script="Hebr" typeface="Times New Roman"/>
+        <a:font script="Thai" typeface="Angsana New"/>
+        <a:font script="Ethi" typeface="Nyala"/>
+        <a:font script="Beng" typeface="Vrinda"/>
+        <a:font script="Gujr" typeface="Shruti"/>
+        <a:font script="Khmr" typeface="MoolBoran"/>
+        <a:font script="Knda" typeface="Tunga"/>
+        <a:font script="Guru" typeface="Raavi"/>
+        <a:font script="Cans" typeface="Euphemia"/>
+        <a:font script="Cher" typeface="Plantagenet Cherokee"/>
+        <a:font script="Yiii" typeface="Microsoft Yi Baiti"/>
+        <a:font script="Tibt" typeface="Microsoft Himalaya"/>
+        <a:font script="Thaa" typeface="MV Boli"/>
+        <a:font script="Deva" typeface="Mangal"/>
+        <a:font script="Telu" typeface="Gautami"/>
+        <a:font script="Taml" typeface="Latha"/>
+        <a:font script="Syrc" typeface="Estrangelo Edessa"/>
+        <a:font script="Orya" typeface="Kalinga"/>
+        <a:font script="Mlym" typeface="Kartika"/>
+        <a:font script="Laoo" typeface="DokChampa"/>
+        <a:font script="Sinh" typeface="Iskoola Pota"/>
+        <a:font script="Mong" typeface="Mongolian Baiti"/>
+        <a:font script="Viet" typeface="Times New Roman"/>
+        <a:font script="Uigh" typeface="Microsoft Uighur"/>
+        <a:font script="Geor" typeface="Sylfaen"/>
+      </a:majorFont>
+      <a:minorFont>
+        <a:latin typeface="Arial"/>
+        <a:ea typeface=""/>
+        <a:cs typeface=""/>
+        <a:font script="Jpan" typeface="ＭＳ Ｐゴシック"/>
+        <a:font script="Hang" typeface="맑은 고딕"/>
+        <a:font script="Hans" typeface="宋体"/>
+        <a:font script="Hant" typeface="新細明體"/>
+        <a:font script="Arab" typeface="Arial"/>
+        <a:font script="Hebr" typeface="Arial"/>
+        <a:font script="Thai" typeface="Cordia New"/>
+        <a:font script="Ethi" typeface="Nyala"/>
+        <a:font script="Beng" typeface="Vrinda"/>
+        <a:font script="Gujr" typeface="Shruti"/>
+        <a:font script="Khmr" typeface="DaunPenh"/>
+        <a:font script="Knda" typeface="Tunga"/>
+        <a:font script="Guru" typeface="Raavi"/>
+        <a:font script="Cans" typeface="Euphemia"/>
+        <a:font script="Cher" typeface="Plantagenet Cherokee"/>
+        <a:font script="Yiii" typeface="Microsoft Yi Baiti"/>
+        <a:font script="Tibt" typeface="Microsoft Himalaya"/>
+        <a:font script="Thaa" typeface="MV Boli"/>
+        <a:font script="Deva" typeface="Mangal"/>
+        <a:font script="Telu" typeface="Gautami"/>
+        <a:font script="Taml" typeface="Latha"/>
+        <a:font script="Syrc" typeface="Estrangelo Edessa"/>
+        <a:font script="Orya" typeface="Kalinga"/>
+        <a:font script="Mlym" typeface="Kartika"/>
+        <a:font script="Laoo" typeface="DokChampa"/>
+        <a:font script="Sinh" typeface="Iskoola Pota"/>
+        <a:font script="Mong" typeface="Mongolian Baiti"/>
+        <a:font script="Viet" typeface="Arial"/>
+        <a:font script="Uigh" typeface="Microsoft Uighur"/>
+        <a:font script="Geor" typeface="Sylfaen"/>
+      </a:minorFont>
+    </a:fontScheme>
+    <a:fmtScheme name="Office">
+      <a:fillStyleLst>
+        <a:solidFill>
+          <a:schemeClr val="phClr"/>
+        </a:solidFill>
+        <a:gradFill rotWithShape="1">
+          <a:gsLst>
+            <a:gs pos="0">
+              <a:schemeClr val="phClr">
+                <a:tint val="50000"/>
+                <a:satMod val="300000"/>
+              </a:schemeClr>
+            </a:gs>
+            <a:gs pos="35000">
+              <a:schemeClr val="phClr">
+                <a:tint val="37000"/>
+                <a:satMod val="300000"/>
+              </a:schemeClr>
+            </a:gs>
+            <a:gs pos="100000">
+              <a:schemeClr val="phClr">
+                <a:tint val="15000"/>
+                <a:satMod val="350000"/>
+              </a:schemeClr>
+            </a:gs>
+          </a:gsLst>
+          <a:lin ang="16200000" scaled="1"/>
+        </a:gradFill>
+        <a:gradFill rotWithShape="1">
+          <a:gsLst>
+            <a:gs pos="0">
+              <a:schemeClr val="phClr">
+                <a:tint val="100000"/>
+                <a:shade val="100000"/>
+                <a:satMod val="130000"/>
+              </a:schemeClr>
+            </a:gs>
+            <a:gs pos="100000">
+              <a:schemeClr val="phClr">
+                <a:tint val="50000"/>
+                <a:shade val="100000"/>
+                <a:satMod val="350000"/>
+              </a:schemeClr>
+            </a:gs>
+          </a:gsLst>
+          <a:lin ang="16200000" scaled="0"/>
+        </a:gradFill>
+      </a:fillStyleLst>
+      <a:lnStyleLst>
+        <a:ln w="9525" cap="flat" cmpd="sng" algn="ctr">
+          <a:solidFill>
+            <a:schemeClr val="phClr">
+              <a:shade val="95000"/>
+              <a:satMod val="105000"/>
+            </a:schemeClr>
+          </a:solidFill>
+          <a:prstDash val="solid"/>
+        </a:ln>
+        <a:ln w="25400" cap="flat" cmpd="sng" algn="ctr">
+          <a:solidFill>
+            <a:schemeClr val="phClr"/>
+          </a:solidFill>
+          <a:prstDash val="solid"/>
+        </a:ln>
+        <a:ln w="38100" cap="flat" cmpd="sng" algn="ctr">
+          <a:solidFill>
+            <a:schemeClr val="phClr"/>
+          </a:solidFill>
+          <a:prstDash val="solid"/>
+        </a:ln>
+      </a:lnStyleLst>
+      <a:effectStyleLst>
+        <a:effectStyle>
+          <a:effectLst>
+            <a:outerShdw blurRad="40000" dist="20000" dir="5400000" rotWithShape="0">
+              <a:srgbClr val="000000">
+                <a:alpha val="38000"/>
+              </a:srgbClr>
+            </a:outerShdw>
+          </a:effectLst>
+        </a:effectStyle>
+        <a:effectStyle>
+          <a:effectLst>
+            <a:outerShdw blurRad="40000" dist="23000" dir="5400000" rotWithShape="0">
+              <a:srgbClr val="000000">
+                <a:alpha val="35000"/>
+              </a:srgbClr>
+            </a:outerShdw>
+          </a:effectLst>
+        </a:effectStyle>
+        <a:effectStyle>
+          <a:effectLst>
+            <a:outerShdw blurRad="40000" dist="23000" dir="5400000" rotWithShape="0">
+              <a:srgbClr val="000000">
+                <a:alpha val="35000"/>
+              </a:srgbClr>
+            </a:outerShdw>
+          </a:effectLst>
+          <a:scene3d>
+            <a:camera prst="orthographicFront">
+              <a:rot lat="0" lon="0" rev="0"/>
+            </a:camera>
+            <a:lightRig rig="threePt" dir="t">
+              <a:rot lat="0" lon="0" rev="1200000"/>
+            </a:lightRig>
+          </a:scene3d>
+          <a:sp3d>
+            <a:bevelT w="63500" h="25400"/>
+          </a:sp3d>
+        </a:effectStyle>
+      </a:effectStyleLst>
+      <a:bgFillStyleLst>
+        <a:solidFill>
+          <a:schemeClr val="phClr"/>
+        </a:solidFill>
+        <a:gradFill rotWithShape="1">
+          <a:gsLst>
+            <a:gs pos="0">
+              <a:schemeClr val="phClr">
+                <a:tint val="40000"/>
+                <a:satMod val="350000"/>
+              </a:schemeClr>
+            </a:gs>
+            <a:gs pos="40000">
+              <a:schemeClr val="phClr">
+                <a:tint val="45000"/>
+                <a:shade val="99000"/>
+                <a:satMod val="350000"/>
+              </a:schemeClr>
+            </a:gs>
+            <a:gs pos="100000">
+              <a:schemeClr val="phClr">
+                <a:shade val="20000"/>
+                <a:satMod val="255000"/>
+              </a:schemeClr>
+            </a:gs>
+          </a:gsLst>
+          <a:path path="circle">
+            <a:fillToRect l="50000" t="-80000" r="50000" b="180000"/>
+          </a:path>
+        </a:gradFill>
+        <a:gradFill rotWithShape="1">
+          <a:gsLst>
+            <a:gs pos="0">
+              <a:schemeClr val="phClr">
+                <a:tint val="80000"/>
+                <a:satMod val="300000"/>
+              </a:schemeClr>
+            </a:gs>
+            <a:gs pos="100000">
+              <a:schemeClr val="phClr">
+                <a:shade val="30000"/>
+                <a:satMod val="200000"/>
+              </a:schemeClr>
+            </a:gs>
+          </a:gsLst>
+          <a:path path="circle">
+            <a:fillToRect l="50000" t="50000" r="50000" b="50000"/>
+          </a:path>
+        </a:gradFill>
+      </a:bgFillStyleLst>
+    </a:fmtScheme>
+  </a:themeElements>
+  <a:objectDefaults/>
+  <a:extraClrSchemeLst/>
+</a:theme>
+</file>
+
+<file path=ppt/theme/theme2.xml><?xml version="1.0" encoding="utf-8"?>
+<a:theme xmlns:a="http://schemas.openxmlformats.org/drawingml/2006/main">
   <a:themeElements>
     <a:clrScheme name="Default">
       <a:dk1>
@@ -16547,284 +17123,7 @@
       </a:bgFillStyleLst>
     </a:fmtScheme>
   </a:themeElements>
-</a:theme>
-</file>
-
-<file path=ppt/theme/theme2.xml><?xml version="1.0" encoding="utf-8"?>
-<a:theme xmlns:a="http://schemas.openxmlformats.org/drawingml/2006/main" xmlns:r="http://schemas.openxmlformats.org/officeDocument/2006/relationships" name="Tech Computer 16x9">
-  <a:themeElements>
-    <a:clrScheme name="TechComputer">
-      <a:dk1>
-        <a:srgbClr val="000000"/>
-      </a:dk1>
-      <a:lt1>
-        <a:srgbClr val="FFFFFF"/>
-      </a:lt1>
-      <a:dk2>
-        <a:srgbClr val="4D4D4D"/>
-      </a:dk2>
-      <a:lt2>
-        <a:srgbClr val="DDDDDD"/>
-      </a:lt2>
-      <a:accent1>
-        <a:srgbClr val="92D050"/>
-      </a:accent1>
-      <a:accent2>
-        <a:srgbClr val="F7C331"/>
-      </a:accent2>
-      <a:accent3>
-        <a:srgbClr val="47B8C7"/>
-      </a:accent3>
-      <a:accent4>
-        <a:srgbClr val="B074BA"/>
-      </a:accent4>
-      <a:accent5>
-        <a:srgbClr val="F34D47"/>
-      </a:accent5>
-      <a:accent6>
-        <a:srgbClr val="FA8F30"/>
-      </a:accent6>
-      <a:hlink>
-        <a:srgbClr val="47B8C7"/>
-      </a:hlink>
-      <a:folHlink>
-        <a:srgbClr val="969696"/>
-      </a:folHlink>
-    </a:clrScheme>
-    <a:fontScheme name="Office">
-      <a:majorFont>
-        <a:latin typeface="Arial"/>
-        <a:ea typeface=""/>
-        <a:cs typeface=""/>
-        <a:font script="Jpan" typeface="ＭＳ Ｐゴシック"/>
-        <a:font script="Hang" typeface="맑은 고딕"/>
-        <a:font script="Hans" typeface="宋体"/>
-        <a:font script="Hant" typeface="新細明體"/>
-        <a:font script="Arab" typeface="Times New Roman"/>
-        <a:font script="Hebr" typeface="Times New Roman"/>
-        <a:font script="Thai" typeface="Angsana New"/>
-        <a:font script="Ethi" typeface="Nyala"/>
-        <a:font script="Beng" typeface="Vrinda"/>
-        <a:font script="Gujr" typeface="Shruti"/>
-        <a:font script="Khmr" typeface="MoolBoran"/>
-        <a:font script="Knda" typeface="Tunga"/>
-        <a:font script="Guru" typeface="Raavi"/>
-        <a:font script="Cans" typeface="Euphemia"/>
-        <a:font script="Cher" typeface="Plantagenet Cherokee"/>
-        <a:font script="Yiii" typeface="Microsoft Yi Baiti"/>
-        <a:font script="Tibt" typeface="Microsoft Himalaya"/>
-        <a:font script="Thaa" typeface="MV Boli"/>
-        <a:font script="Deva" typeface="Mangal"/>
-        <a:font script="Telu" typeface="Gautami"/>
-        <a:font script="Taml" typeface="Latha"/>
-        <a:font script="Syrc" typeface="Estrangelo Edessa"/>
-        <a:font script="Orya" typeface="Kalinga"/>
-        <a:font script="Mlym" typeface="Kartika"/>
-        <a:font script="Laoo" typeface="DokChampa"/>
-        <a:font script="Sinh" typeface="Iskoola Pota"/>
-        <a:font script="Mong" typeface="Mongolian Baiti"/>
-        <a:font script="Viet" typeface="Times New Roman"/>
-        <a:font script="Uigh" typeface="Microsoft Uighur"/>
-        <a:font script="Geor" typeface="Sylfaen"/>
-      </a:majorFont>
-      <a:minorFont>
-        <a:latin typeface="Arial"/>
-        <a:ea typeface=""/>
-        <a:cs typeface=""/>
-        <a:font script="Jpan" typeface="ＭＳ Ｐゴシック"/>
-        <a:font script="Hang" typeface="맑은 고딕"/>
-        <a:font script="Hans" typeface="宋体"/>
-        <a:font script="Hant" typeface="新細明體"/>
-        <a:font script="Arab" typeface="Arial"/>
-        <a:font script="Hebr" typeface="Arial"/>
-        <a:font script="Thai" typeface="Cordia New"/>
-        <a:font script="Ethi" typeface="Nyala"/>
-        <a:font script="Beng" typeface="Vrinda"/>
-        <a:font script="Gujr" typeface="Shruti"/>
-        <a:font script="Khmr" typeface="DaunPenh"/>
-        <a:font script="Knda" typeface="Tunga"/>
-        <a:font script="Guru" typeface="Raavi"/>
-        <a:font script="Cans" typeface="Euphemia"/>
-        <a:font script="Cher" typeface="Plantagenet Cherokee"/>
-        <a:font script="Yiii" typeface="Microsoft Yi Baiti"/>
-        <a:font script="Tibt" typeface="Microsoft Himalaya"/>
-        <a:font script="Thaa" typeface="MV Boli"/>
-        <a:font script="Deva" typeface="Mangal"/>
-        <a:font script="Telu" typeface="Gautami"/>
-        <a:font script="Taml" typeface="Latha"/>
-        <a:font script="Syrc" typeface="Estrangelo Edessa"/>
-        <a:font script="Orya" typeface="Kalinga"/>
-        <a:font script="Mlym" typeface="Kartika"/>
-        <a:font script="Laoo" typeface="DokChampa"/>
-        <a:font script="Sinh" typeface="Iskoola Pota"/>
-        <a:font script="Mong" typeface="Mongolian Baiti"/>
-        <a:font script="Viet" typeface="Arial"/>
-        <a:font script="Uigh" typeface="Microsoft Uighur"/>
-        <a:font script="Geor" typeface="Sylfaen"/>
-      </a:minorFont>
-    </a:fontScheme>
-    <a:fmtScheme name="Office">
-      <a:fillStyleLst>
-        <a:solidFill>
-          <a:schemeClr val="phClr"/>
-        </a:solidFill>
-        <a:gradFill rotWithShape="1">
-          <a:gsLst>
-            <a:gs pos="0">
-              <a:schemeClr val="phClr">
-                <a:tint val="50000"/>
-                <a:satMod val="300000"/>
-              </a:schemeClr>
-            </a:gs>
-            <a:gs pos="35000">
-              <a:schemeClr val="phClr">
-                <a:tint val="37000"/>
-                <a:satMod val="300000"/>
-              </a:schemeClr>
-            </a:gs>
-            <a:gs pos="100000">
-              <a:schemeClr val="phClr">
-                <a:tint val="15000"/>
-                <a:satMod val="350000"/>
-              </a:schemeClr>
-            </a:gs>
-          </a:gsLst>
-          <a:lin ang="16200000" scaled="1"/>
-        </a:gradFill>
-        <a:gradFill rotWithShape="1">
-          <a:gsLst>
-            <a:gs pos="0">
-              <a:schemeClr val="phClr">
-                <a:tint val="100000"/>
-                <a:shade val="100000"/>
-                <a:satMod val="130000"/>
-              </a:schemeClr>
-            </a:gs>
-            <a:gs pos="100000">
-              <a:schemeClr val="phClr">
-                <a:tint val="50000"/>
-                <a:shade val="100000"/>
-                <a:satMod val="350000"/>
-              </a:schemeClr>
-            </a:gs>
-          </a:gsLst>
-          <a:lin ang="16200000" scaled="0"/>
-        </a:gradFill>
-      </a:fillStyleLst>
-      <a:lnStyleLst>
-        <a:ln w="9525" cap="flat" cmpd="sng" algn="ctr">
-          <a:solidFill>
-            <a:schemeClr val="phClr">
-              <a:shade val="95000"/>
-              <a:satMod val="105000"/>
-            </a:schemeClr>
-          </a:solidFill>
-          <a:prstDash val="solid"/>
-        </a:ln>
-        <a:ln w="25400" cap="flat" cmpd="sng" algn="ctr">
-          <a:solidFill>
-            <a:schemeClr val="phClr"/>
-          </a:solidFill>
-          <a:prstDash val="solid"/>
-        </a:ln>
-        <a:ln w="38100" cap="flat" cmpd="sng" algn="ctr">
-          <a:solidFill>
-            <a:schemeClr val="phClr"/>
-          </a:solidFill>
-          <a:prstDash val="solid"/>
-        </a:ln>
-      </a:lnStyleLst>
-      <a:effectStyleLst>
-        <a:effectStyle>
-          <a:effectLst>
-            <a:outerShdw blurRad="40000" dist="20000" dir="5400000" rotWithShape="0">
-              <a:srgbClr val="000000">
-                <a:alpha val="38000"/>
-              </a:srgbClr>
-            </a:outerShdw>
-          </a:effectLst>
-        </a:effectStyle>
-        <a:effectStyle>
-          <a:effectLst>
-            <a:outerShdw blurRad="40000" dist="23000" dir="5400000" rotWithShape="0">
-              <a:srgbClr val="000000">
-                <a:alpha val="35000"/>
-              </a:srgbClr>
-            </a:outerShdw>
-          </a:effectLst>
-        </a:effectStyle>
-        <a:effectStyle>
-          <a:effectLst>
-            <a:outerShdw blurRad="40000" dist="23000" dir="5400000" rotWithShape="0">
-              <a:srgbClr val="000000">
-                <a:alpha val="35000"/>
-              </a:srgbClr>
-            </a:outerShdw>
-          </a:effectLst>
-          <a:scene3d>
-            <a:camera prst="orthographicFront">
-              <a:rot lat="0" lon="0" rev="0"/>
-            </a:camera>
-            <a:lightRig rig="threePt" dir="t">
-              <a:rot lat="0" lon="0" rev="1200000"/>
-            </a:lightRig>
-          </a:scene3d>
-          <a:sp3d>
-            <a:bevelT w="63500" h="25400"/>
-          </a:sp3d>
-        </a:effectStyle>
-      </a:effectStyleLst>
-      <a:bgFillStyleLst>
-        <a:solidFill>
-          <a:schemeClr val="phClr"/>
-        </a:solidFill>
-        <a:gradFill rotWithShape="1">
-          <a:gsLst>
-            <a:gs pos="0">
-              <a:schemeClr val="phClr">
-                <a:tint val="40000"/>
-                <a:satMod val="350000"/>
-              </a:schemeClr>
-            </a:gs>
-            <a:gs pos="40000">
-              <a:schemeClr val="phClr">
-                <a:tint val="45000"/>
-                <a:shade val="99000"/>
-                <a:satMod val="350000"/>
-              </a:schemeClr>
-            </a:gs>
-            <a:gs pos="100000">
-              <a:schemeClr val="phClr">
-                <a:shade val="20000"/>
-                <a:satMod val="255000"/>
-              </a:schemeClr>
-            </a:gs>
-          </a:gsLst>
-          <a:path path="circle">
-            <a:fillToRect l="50000" t="-80000" r="50000" b="180000"/>
-          </a:path>
-        </a:gradFill>
-        <a:gradFill rotWithShape="1">
-          <a:gsLst>
-            <a:gs pos="0">
-              <a:schemeClr val="phClr">
-                <a:tint val="80000"/>
-                <a:satMod val="300000"/>
-              </a:schemeClr>
-            </a:gs>
-            <a:gs pos="100000">
-              <a:schemeClr val="phClr">
-                <a:shade val="30000"/>
-                <a:satMod val="200000"/>
-              </a:schemeClr>
-            </a:gs>
-          </a:gsLst>
-          <a:path path="circle">
-            <a:fillToRect l="50000" t="50000" r="50000" b="50000"/>
-          </a:path>
-        </a:gradFill>
-      </a:bgFillStyleLst>
-    </a:fmtScheme>
-  </a:themeElements>
+  <a:objectDefaults/>
+  <a:extraClrSchemeLst/>
 </a:theme>
 </file>